--- a/presentation/Bayesian assignment.pptx
+++ b/presentation/Bayesian assignment.pptx
@@ -31,23 +31,33 @@
     <p:sldId id="276" r:id="rId26"/>
     <p:sldId id="277" r:id="rId27"/>
     <p:sldId id="278" r:id="rId28"/>
+    <p:sldId id="279" r:id="rId29"/>
+    <p:sldId id="280" r:id="rId30"/>
+    <p:sldId id="281" r:id="rId31"/>
+    <p:sldId id="282" r:id="rId32"/>
+    <p:sldId id="283" r:id="rId33"/>
+    <p:sldId id="284" r:id="rId34"/>
+    <p:sldId id="285" r:id="rId35"/>
+    <p:sldId id="286" r:id="rId36"/>
+    <p:sldId id="287" r:id="rId37"/>
+    <p:sldId id="288" r:id="rId38"/>
   </p:sldIdLst>
   <p:sldSz cy="5143500" cx="9144000"/>
   <p:notesSz cx="6858000" cy="9144000"/>
   <p:embeddedFontLst>
     <p:embeddedFont>
       <p:font typeface="Raleway"/>
-      <p:regular r:id="rId29"/>
-      <p:bold r:id="rId30"/>
-      <p:italic r:id="rId31"/>
-      <p:boldItalic r:id="rId32"/>
+      <p:regular r:id="rId39"/>
+      <p:bold r:id="rId40"/>
+      <p:italic r:id="rId41"/>
+      <p:boldItalic r:id="rId42"/>
     </p:embeddedFont>
     <p:embeddedFont>
       <p:font typeface="Lato"/>
-      <p:regular r:id="rId33"/>
-      <p:bold r:id="rId34"/>
-      <p:italic r:id="rId35"/>
-      <p:boldItalic r:id="rId36"/>
+      <p:regular r:id="rId43"/>
+      <p:bold r:id="rId44"/>
+      <p:italic r:id="rId45"/>
+      <p:boldItalic r:id="rId46"/>
     </p:embeddedFont>
   </p:embeddedFontLst>
   <p:defaultTextStyle>
@@ -828,7 +838,7 @@
   <p:cSld>
     <p:spTree>
       <p:nvGrpSpPr>
-        <p:cNvPr id="151" name="Shape 151"/>
+        <p:cNvPr id="137" name="Shape 137"/>
         <p:cNvGrpSpPr/>
         <p:nvPr/>
       </p:nvGrpSpPr>
@@ -842,7 +852,7 @@
       </p:grpSpPr>
       <p:sp>
         <p:nvSpPr>
-          <p:cNvPr id="152" name="Google Shape;152;gfbfb770d81_0_342:notes"/>
+          <p:cNvPr id="138" name="Google Shape;138;gfbfb770d81_0_310:notes"/>
           <p:cNvSpPr/>
           <p:nvPr>
             <p:ph idx="2" type="sldImg"/>
@@ -877,7 +887,7 @@
       </p:sp>
       <p:sp>
         <p:nvSpPr>
-          <p:cNvPr id="153" name="Google Shape;153;gfbfb770d81_0_342:notes"/>
+          <p:cNvPr id="139" name="Google Shape;139;gfbfb770d81_0_310:notes"/>
           <p:cNvSpPr txBox="1"/>
           <p:nvPr>
             <p:ph idx="1" type="body"/>
@@ -927,7 +937,7 @@
   <p:cSld>
     <p:spTree>
       <p:nvGrpSpPr>
-        <p:cNvPr id="159" name="Shape 159"/>
+        <p:cNvPr id="143" name="Shape 143"/>
         <p:cNvGrpSpPr/>
         <p:nvPr/>
       </p:nvGrpSpPr>
@@ -941,7 +951,7 @@
       </p:grpSpPr>
       <p:sp>
         <p:nvSpPr>
-          <p:cNvPr id="160" name="Google Shape;160;gfbfb770d81_0_358:notes"/>
+          <p:cNvPr id="144" name="Google Shape;144;gfbfb770d81_0_317:notes"/>
           <p:cNvSpPr/>
           <p:nvPr>
             <p:ph idx="2" type="sldImg"/>
@@ -976,7 +986,7 @@
       </p:sp>
       <p:sp>
         <p:nvSpPr>
-          <p:cNvPr id="161" name="Google Shape;161;gfbfb770d81_0_358:notes"/>
+          <p:cNvPr id="145" name="Google Shape;145;gfbfb770d81_0_317:notes"/>
           <p:cNvSpPr txBox="1"/>
           <p:nvPr>
             <p:ph idx="1" type="body"/>
@@ -1026,7 +1036,7 @@
   <p:cSld>
     <p:spTree>
       <p:nvGrpSpPr>
-        <p:cNvPr id="167" name="Shape 167"/>
+        <p:cNvPr id="149" name="Shape 149"/>
         <p:cNvGrpSpPr/>
         <p:nvPr/>
       </p:nvGrpSpPr>
@@ -1040,7 +1050,7 @@
       </p:grpSpPr>
       <p:sp>
         <p:nvSpPr>
-          <p:cNvPr id="168" name="Google Shape;168;gfbfb770d81_0_365:notes"/>
+          <p:cNvPr id="150" name="Google Shape;150;gfbfb770d81_0_324:notes"/>
           <p:cNvSpPr/>
           <p:nvPr>
             <p:ph idx="2" type="sldImg"/>
@@ -1075,7 +1085,7 @@
       </p:sp>
       <p:sp>
         <p:nvSpPr>
-          <p:cNvPr id="169" name="Google Shape;169;gfbfb770d81_0_365:notes"/>
+          <p:cNvPr id="151" name="Google Shape;151;gfbfb770d81_0_324:notes"/>
           <p:cNvSpPr txBox="1"/>
           <p:nvPr>
             <p:ph idx="1" type="body"/>
@@ -1125,7 +1135,7 @@
   <p:cSld>
     <p:spTree>
       <p:nvGrpSpPr>
-        <p:cNvPr id="175" name="Shape 175"/>
+        <p:cNvPr id="155" name="Shape 155"/>
         <p:cNvGrpSpPr/>
         <p:nvPr/>
       </p:nvGrpSpPr>
@@ -1139,7 +1149,7 @@
       </p:grpSpPr>
       <p:sp>
         <p:nvSpPr>
-          <p:cNvPr id="176" name="Google Shape;176;gfbfb770d81_0_374:notes"/>
+          <p:cNvPr id="156" name="Google Shape;156;gfbfb770d81_0_331:notes"/>
           <p:cNvSpPr/>
           <p:nvPr>
             <p:ph idx="2" type="sldImg"/>
@@ -1174,7 +1184,7 @@
       </p:sp>
       <p:sp>
         <p:nvSpPr>
-          <p:cNvPr id="177" name="Google Shape;177;gfbfb770d81_0_374:notes"/>
+          <p:cNvPr id="157" name="Google Shape;157;gfbfb770d81_0_331:notes"/>
           <p:cNvSpPr txBox="1"/>
           <p:nvPr>
             <p:ph idx="1" type="body"/>
@@ -1224,7 +1234,7 @@
   <p:cSld>
     <p:spTree>
       <p:nvGrpSpPr>
-        <p:cNvPr id="183" name="Shape 183"/>
+        <p:cNvPr id="161" name="Shape 161"/>
         <p:cNvGrpSpPr/>
         <p:nvPr/>
       </p:nvGrpSpPr>
@@ -1238,7 +1248,7 @@
       </p:grpSpPr>
       <p:sp>
         <p:nvSpPr>
-          <p:cNvPr id="184" name="Google Shape;184;gfbfb770d81_0_389:notes"/>
+          <p:cNvPr id="162" name="Google Shape;162;gfbfb770d81_0_349:notes"/>
           <p:cNvSpPr/>
           <p:nvPr>
             <p:ph idx="2" type="sldImg"/>
@@ -1273,7 +1283,7 @@
       </p:sp>
       <p:sp>
         <p:nvSpPr>
-          <p:cNvPr id="185" name="Google Shape;185;gfbfb770d81_0_389:notes"/>
+          <p:cNvPr id="163" name="Google Shape;163;gfbfb770d81_0_349:notes"/>
           <p:cNvSpPr txBox="1"/>
           <p:nvPr>
             <p:ph idx="1" type="body"/>
@@ -1323,7 +1333,7 @@
   <p:cSld>
     <p:spTree>
       <p:nvGrpSpPr>
-        <p:cNvPr id="188" name="Shape 188"/>
+        <p:cNvPr id="168" name="Shape 168"/>
         <p:cNvGrpSpPr/>
         <p:nvPr/>
       </p:nvGrpSpPr>
@@ -1337,7 +1347,7 @@
       </p:grpSpPr>
       <p:sp>
         <p:nvSpPr>
-          <p:cNvPr id="189" name="Google Shape;189;gfbfb770d81_0_402:notes"/>
+          <p:cNvPr id="169" name="Google Shape;169;gfbfb770d81_0_342:notes"/>
           <p:cNvSpPr/>
           <p:nvPr>
             <p:ph idx="2" type="sldImg"/>
@@ -1372,7 +1382,7 @@
       </p:sp>
       <p:sp>
         <p:nvSpPr>
-          <p:cNvPr id="190" name="Google Shape;190;gfbfb770d81_0_402:notes"/>
+          <p:cNvPr id="170" name="Google Shape;170;gfbfb770d81_0_342:notes"/>
           <p:cNvSpPr txBox="1"/>
           <p:nvPr>
             <p:ph idx="1" type="body"/>
@@ -1422,7 +1432,7 @@
   <p:cSld>
     <p:spTree>
       <p:nvGrpSpPr>
-        <p:cNvPr id="195" name="Shape 195"/>
+        <p:cNvPr id="174" name="Shape 174"/>
         <p:cNvGrpSpPr/>
         <p:nvPr/>
       </p:nvGrpSpPr>
@@ -1436,7 +1446,7 @@
       </p:grpSpPr>
       <p:sp>
         <p:nvSpPr>
-          <p:cNvPr id="196" name="Google Shape;196;gfbfb770d81_0_281:notes"/>
+          <p:cNvPr id="175" name="Google Shape;175;gfbfb770d81_0_358:notes"/>
           <p:cNvSpPr/>
           <p:nvPr>
             <p:ph idx="2" type="sldImg"/>
@@ -1471,7 +1481,7 @@
       </p:sp>
       <p:sp>
         <p:nvSpPr>
-          <p:cNvPr id="197" name="Google Shape;197;gfbfb770d81_0_281:notes"/>
+          <p:cNvPr id="176" name="Google Shape;176;gfbfb770d81_0_358:notes"/>
           <p:cNvSpPr txBox="1"/>
           <p:nvPr>
             <p:ph idx="1" type="body"/>
@@ -1521,7 +1531,7 @@
   <p:cSld>
     <p:spTree>
       <p:nvGrpSpPr>
-        <p:cNvPr id="203" name="Shape 203"/>
+        <p:cNvPr id="180" name="Shape 180"/>
         <p:cNvGrpSpPr/>
         <p:nvPr/>
       </p:nvGrpSpPr>
@@ -1535,7 +1545,7 @@
       </p:grpSpPr>
       <p:sp>
         <p:nvSpPr>
-          <p:cNvPr id="204" name="Google Shape;204;gfbfb770d81_0_299:notes"/>
+          <p:cNvPr id="181" name="Google Shape;181;gfbfb770d81_0_365:notes"/>
           <p:cNvSpPr/>
           <p:nvPr>
             <p:ph idx="2" type="sldImg"/>
@@ -1570,7 +1580,7 @@
       </p:sp>
       <p:sp>
         <p:nvSpPr>
-          <p:cNvPr id="205" name="Google Shape;205;gfbfb770d81_0_299:notes"/>
+          <p:cNvPr id="182" name="Google Shape;182;gfbfb770d81_0_365:notes"/>
           <p:cNvSpPr txBox="1"/>
           <p:nvPr>
             <p:ph idx="1" type="body"/>
@@ -1620,7 +1630,7 @@
   <p:cSld>
     <p:spTree>
       <p:nvGrpSpPr>
-        <p:cNvPr id="211" name="Shape 211"/>
+        <p:cNvPr id="186" name="Shape 186"/>
         <p:cNvGrpSpPr/>
         <p:nvPr/>
       </p:nvGrpSpPr>
@@ -1634,7 +1644,7 @@
       </p:grpSpPr>
       <p:sp>
         <p:nvSpPr>
-          <p:cNvPr id="212" name="Google Shape;212;gfbfb770d81_0_167:notes"/>
+          <p:cNvPr id="187" name="Google Shape;187;gfbfb770d81_0_374:notes"/>
           <p:cNvSpPr/>
           <p:nvPr>
             <p:ph idx="2" type="sldImg"/>
@@ -1669,7 +1679,7 @@
       </p:sp>
       <p:sp>
         <p:nvSpPr>
-          <p:cNvPr id="213" name="Google Shape;213;gfbfb770d81_0_167:notes"/>
+          <p:cNvPr id="188" name="Google Shape;188;gfbfb770d81_0_374:notes"/>
           <p:cNvSpPr txBox="1"/>
           <p:nvPr>
             <p:ph idx="1" type="body"/>
@@ -1719,7 +1729,7 @@
   <p:cSld>
     <p:spTree>
       <p:nvGrpSpPr>
-        <p:cNvPr id="217" name="Shape 217"/>
+        <p:cNvPr id="192" name="Shape 192"/>
         <p:cNvGrpSpPr/>
         <p:nvPr/>
       </p:nvGrpSpPr>
@@ -1733,7 +1743,7 @@
       </p:grpSpPr>
       <p:sp>
         <p:nvSpPr>
-          <p:cNvPr id="218" name="Google Shape;218;gfbfb770d81_0_172:notes"/>
+          <p:cNvPr id="193" name="Google Shape;193;gfbfb770d81_0_389:notes"/>
           <p:cNvSpPr/>
           <p:nvPr>
             <p:ph idx="2" type="sldImg"/>
@@ -1768,7 +1778,7 @@
       </p:sp>
       <p:sp>
         <p:nvSpPr>
-          <p:cNvPr id="219" name="Google Shape;219;gfbfb770d81_0_172:notes"/>
+          <p:cNvPr id="194" name="Google Shape;194;gfbfb770d81_0_389:notes"/>
           <p:cNvSpPr txBox="1"/>
           <p:nvPr>
             <p:ph idx="1" type="body"/>
@@ -1832,7 +1842,7 @@
       </p:grpSpPr>
       <p:sp>
         <p:nvSpPr>
-          <p:cNvPr id="89" name="Google Shape;89;gfbfb770d81_0_82:notes"/>
+          <p:cNvPr id="89" name="Google Shape;89;gfbfb770d81_0_448:notes"/>
           <p:cNvSpPr/>
           <p:nvPr>
             <p:ph idx="2" type="sldImg"/>
@@ -1867,7 +1877,7 @@
       </p:sp>
       <p:sp>
         <p:nvSpPr>
-          <p:cNvPr id="90" name="Google Shape;90;gfbfb770d81_0_82:notes"/>
+          <p:cNvPr id="90" name="Google Shape;90;gfbfb770d81_0_448:notes"/>
           <p:cNvSpPr txBox="1"/>
           <p:nvPr>
             <p:ph idx="1" type="body"/>
@@ -1917,7 +1927,7 @@
   <p:cSld>
     <p:spTree>
       <p:nvGrpSpPr>
-        <p:cNvPr id="223" name="Shape 223"/>
+        <p:cNvPr id="197" name="Shape 197"/>
         <p:cNvGrpSpPr/>
         <p:nvPr/>
       </p:nvGrpSpPr>
@@ -1931,7 +1941,7 @@
       </p:grpSpPr>
       <p:sp>
         <p:nvSpPr>
-          <p:cNvPr id="224" name="Google Shape;224;gfbfb770d81_0_177:notes"/>
+          <p:cNvPr id="198" name="Google Shape;198;gfbfb770d81_0_402:notes"/>
           <p:cNvSpPr/>
           <p:nvPr>
             <p:ph idx="2" type="sldImg"/>
@@ -1966,7 +1976,7 @@
       </p:sp>
       <p:sp>
         <p:nvSpPr>
-          <p:cNvPr id="225" name="Google Shape;225;gfbfb770d81_0_177:notes"/>
+          <p:cNvPr id="199" name="Google Shape;199;gfbfb770d81_0_402:notes"/>
           <p:cNvSpPr txBox="1"/>
           <p:nvPr>
             <p:ph idx="1" type="body"/>
@@ -2016,7 +2026,7 @@
   <p:cSld>
     <p:spTree>
       <p:nvGrpSpPr>
-        <p:cNvPr id="229" name="Shape 229"/>
+        <p:cNvPr id="203" name="Shape 203"/>
         <p:cNvGrpSpPr/>
         <p:nvPr/>
       </p:nvGrpSpPr>
@@ -2030,7 +2040,7 @@
       </p:grpSpPr>
       <p:sp>
         <p:nvSpPr>
-          <p:cNvPr id="230" name="Google Shape;230;gfbfb770d81_0_182:notes"/>
+          <p:cNvPr id="204" name="Google Shape;204;gfbfb770d81_0_281:notes"/>
           <p:cNvSpPr/>
           <p:nvPr>
             <p:ph idx="2" type="sldImg"/>
@@ -2065,7 +2075,7 @@
       </p:sp>
       <p:sp>
         <p:nvSpPr>
-          <p:cNvPr id="231" name="Google Shape;231;gfbfb770d81_0_182:notes"/>
+          <p:cNvPr id="205" name="Google Shape;205;gfbfb770d81_0_281:notes"/>
           <p:cNvSpPr txBox="1"/>
           <p:nvPr>
             <p:ph idx="1" type="body"/>
@@ -2115,7 +2125,7 @@
   <p:cSld>
     <p:spTree>
       <p:nvGrpSpPr>
-        <p:cNvPr id="235" name="Shape 235"/>
+        <p:cNvPr id="210" name="Shape 210"/>
         <p:cNvGrpSpPr/>
         <p:nvPr/>
       </p:nvGrpSpPr>
@@ -2129,7 +2139,7 @@
       </p:grpSpPr>
       <p:sp>
         <p:nvSpPr>
-          <p:cNvPr id="236" name="Google Shape;236;gfbfb770d81_0_187:notes"/>
+          <p:cNvPr id="211" name="Google Shape;211;gfbfb770d81_0_299:notes"/>
           <p:cNvSpPr/>
           <p:nvPr>
             <p:ph idx="2" type="sldImg"/>
@@ -2164,7 +2174,7 @@
       </p:sp>
       <p:sp>
         <p:nvSpPr>
-          <p:cNvPr id="237" name="Google Shape;237;gfbfb770d81_0_187:notes"/>
+          <p:cNvPr id="212" name="Google Shape;212;gfbfb770d81_0_299:notes"/>
           <p:cNvSpPr txBox="1"/>
           <p:nvPr>
             <p:ph idx="1" type="body"/>
@@ -2214,7 +2224,7 @@
   <p:cSld>
     <p:spTree>
       <p:nvGrpSpPr>
-        <p:cNvPr id="241" name="Shape 241"/>
+        <p:cNvPr id="216" name="Shape 216"/>
         <p:cNvGrpSpPr/>
         <p:nvPr/>
       </p:nvGrpSpPr>
@@ -2228,7 +2238,7 @@
       </p:grpSpPr>
       <p:sp>
         <p:nvSpPr>
-          <p:cNvPr id="242" name="Google Shape;242;gfbfb770d81_0_56:notes"/>
+          <p:cNvPr id="217" name="Google Shape;217;gfbfb770d81_0_470:notes"/>
           <p:cNvSpPr/>
           <p:nvPr>
             <p:ph idx="2" type="sldImg"/>
@@ -2263,7 +2273,601 @@
       </p:sp>
       <p:sp>
         <p:nvSpPr>
-          <p:cNvPr id="243" name="Google Shape;243;gfbfb770d81_0_56:notes"/>
+          <p:cNvPr id="218" name="Google Shape;218;gfbfb770d81_0_470:notes"/>
+          <p:cNvSpPr txBox="1"/>
+          <p:nvPr>
+            <p:ph idx="1" type="body"/>
+          </p:nvPr>
+        </p:nvSpPr>
+        <p:spPr>
+          <a:xfrm>
+            <a:off x="685800" y="4343400"/>
+            <a:ext cx="5486400" cy="4114800"/>
+          </a:xfrm>
+          <a:prstGeom prst="rect">
+            <a:avLst/>
+          </a:prstGeom>
+        </p:spPr>
+        <p:txBody>
+          <a:bodyPr anchorCtr="0" anchor="t" bIns="91425" lIns="91425" spcFirstLastPara="1" rIns="91425" wrap="square" tIns="91425">
+            <a:noAutofit/>
+          </a:bodyPr>
+          <a:lstStyle/>
+          <a:p>
+            <a:pPr indent="0" lvl="0" marL="0" rtl="0" algn="l">
+              <a:spcBef>
+                <a:spcPts val="0"/>
+              </a:spcBef>
+              <a:spcAft>
+                <a:spcPts val="0"/>
+              </a:spcAft>
+              <a:buNone/>
+            </a:pPr>
+            <a:r>
+              <a:t/>
+            </a:r>
+            <a:endParaRPr/>
+          </a:p>
+        </p:txBody>
+      </p:sp>
+    </p:spTree>
+  </p:cSld>
+  <p:clrMapOvr>
+    <a:masterClrMapping/>
+  </p:clrMapOvr>
+</p:notes>
+</file>
+
+<file path=ppt/notesSlides/notesSlide24.xml><?xml version="1.0" encoding="utf-8"?>
+<p:notes xmlns:a="http://schemas.openxmlformats.org/drawingml/2006/main" xmlns:r="http://schemas.openxmlformats.org/officeDocument/2006/relationships" xmlns:mc="http://schemas.openxmlformats.org/markup-compatibility/2006" xmlns:mv="urn:schemas-microsoft-com:mac:vml" xmlns:p="http://schemas.openxmlformats.org/presentationml/2006/main" xmlns:c="http://schemas.openxmlformats.org/drawingml/2006/chart" xmlns:dgm="http://schemas.openxmlformats.org/drawingml/2006/diagram" xmlns:o="urn:schemas-microsoft-com:office:office" xmlns:v="urn:schemas-microsoft-com:vml" xmlns:pvml="urn:schemas-microsoft-com:office:powerpoint" xmlns:com="http://schemas.openxmlformats.org/drawingml/2006/compatibility" xmlns:p14="http://schemas.microsoft.com/office/powerpoint/2010/main" xmlns:p15="http://schemas.microsoft.com/office/powerpoint/2012/main" xmlns:ahyp="http://schemas.microsoft.com/office/drawing/2018/hyperlinkcolor" showMasterPhAnim="0" showMasterSp="0">
+  <p:cSld>
+    <p:spTree>
+      <p:nvGrpSpPr>
+        <p:cNvPr id="222" name="Shape 222"/>
+        <p:cNvGrpSpPr/>
+        <p:nvPr/>
+      </p:nvGrpSpPr>
+      <p:grpSpPr>
+        <a:xfrm>
+          <a:off x="0" y="0"/>
+          <a:ext cx="0" cy="0"/>
+          <a:chOff x="0" y="0"/>
+          <a:chExt cx="0" cy="0"/>
+        </a:xfrm>
+      </p:grpSpPr>
+      <p:sp>
+        <p:nvSpPr>
+          <p:cNvPr id="223" name="Google Shape;223;gfbfb770d81_0_167:notes"/>
+          <p:cNvSpPr/>
+          <p:nvPr>
+            <p:ph idx="2" type="sldImg"/>
+          </p:nvPr>
+        </p:nvSpPr>
+        <p:spPr>
+          <a:xfrm>
+            <a:off x="381300" y="685800"/>
+            <a:ext cx="6096000" cy="3429000"/>
+          </a:xfrm>
+          <a:custGeom>
+            <a:rect b="b" l="l" r="r" t="t"/>
+            <a:pathLst>
+              <a:path extrusionOk="0" h="120000" w="120000">
+                <a:moveTo>
+                  <a:pt x="0" y="0"/>
+                </a:moveTo>
+                <a:lnTo>
+                  <a:pt x="120000" y="0"/>
+                </a:lnTo>
+                <a:lnTo>
+                  <a:pt x="120000" y="120000"/>
+                </a:lnTo>
+                <a:lnTo>
+                  <a:pt x="0" y="120000"/>
+                </a:lnTo>
+                <a:close/>
+              </a:path>
+            </a:pathLst>
+          </a:custGeom>
+        </p:spPr>
+      </p:sp>
+      <p:sp>
+        <p:nvSpPr>
+          <p:cNvPr id="224" name="Google Shape;224;gfbfb770d81_0_167:notes"/>
+          <p:cNvSpPr txBox="1"/>
+          <p:nvPr>
+            <p:ph idx="1" type="body"/>
+          </p:nvPr>
+        </p:nvSpPr>
+        <p:spPr>
+          <a:xfrm>
+            <a:off x="685800" y="4343400"/>
+            <a:ext cx="5486400" cy="4114800"/>
+          </a:xfrm>
+          <a:prstGeom prst="rect">
+            <a:avLst/>
+          </a:prstGeom>
+        </p:spPr>
+        <p:txBody>
+          <a:bodyPr anchorCtr="0" anchor="t" bIns="91425" lIns="91425" spcFirstLastPara="1" rIns="91425" wrap="square" tIns="91425">
+            <a:noAutofit/>
+          </a:bodyPr>
+          <a:lstStyle/>
+          <a:p>
+            <a:pPr indent="0" lvl="0" marL="0" rtl="0" algn="l">
+              <a:spcBef>
+                <a:spcPts val="0"/>
+              </a:spcBef>
+              <a:spcAft>
+                <a:spcPts val="0"/>
+              </a:spcAft>
+              <a:buNone/>
+            </a:pPr>
+            <a:r>
+              <a:t/>
+            </a:r>
+            <a:endParaRPr/>
+          </a:p>
+        </p:txBody>
+      </p:sp>
+    </p:spTree>
+  </p:cSld>
+  <p:clrMapOvr>
+    <a:masterClrMapping/>
+  </p:clrMapOvr>
+</p:notes>
+</file>
+
+<file path=ppt/notesSlides/notesSlide25.xml><?xml version="1.0" encoding="utf-8"?>
+<p:notes xmlns:a="http://schemas.openxmlformats.org/drawingml/2006/main" xmlns:r="http://schemas.openxmlformats.org/officeDocument/2006/relationships" xmlns:mc="http://schemas.openxmlformats.org/markup-compatibility/2006" xmlns:mv="urn:schemas-microsoft-com:mac:vml" xmlns:p="http://schemas.openxmlformats.org/presentationml/2006/main" xmlns:c="http://schemas.openxmlformats.org/drawingml/2006/chart" xmlns:dgm="http://schemas.openxmlformats.org/drawingml/2006/diagram" xmlns:o="urn:schemas-microsoft-com:office:office" xmlns:v="urn:schemas-microsoft-com:vml" xmlns:pvml="urn:schemas-microsoft-com:office:powerpoint" xmlns:com="http://schemas.openxmlformats.org/drawingml/2006/compatibility" xmlns:p14="http://schemas.microsoft.com/office/powerpoint/2010/main" xmlns:p15="http://schemas.microsoft.com/office/powerpoint/2012/main" xmlns:ahyp="http://schemas.microsoft.com/office/drawing/2018/hyperlinkcolor" showMasterPhAnim="0" showMasterSp="0">
+  <p:cSld>
+    <p:spTree>
+      <p:nvGrpSpPr>
+        <p:cNvPr id="228" name="Shape 228"/>
+        <p:cNvGrpSpPr/>
+        <p:nvPr/>
+      </p:nvGrpSpPr>
+      <p:grpSpPr>
+        <a:xfrm>
+          <a:off x="0" y="0"/>
+          <a:ext cx="0" cy="0"/>
+          <a:chOff x="0" y="0"/>
+          <a:chExt cx="0" cy="0"/>
+        </a:xfrm>
+      </p:grpSpPr>
+      <p:sp>
+        <p:nvSpPr>
+          <p:cNvPr id="229" name="Google Shape;229;gfbfb770d81_0_411:notes"/>
+          <p:cNvSpPr/>
+          <p:nvPr>
+            <p:ph idx="2" type="sldImg"/>
+          </p:nvPr>
+        </p:nvSpPr>
+        <p:spPr>
+          <a:xfrm>
+            <a:off x="381300" y="685800"/>
+            <a:ext cx="6096000" cy="3429000"/>
+          </a:xfrm>
+          <a:custGeom>
+            <a:rect b="b" l="l" r="r" t="t"/>
+            <a:pathLst>
+              <a:path extrusionOk="0" h="120000" w="120000">
+                <a:moveTo>
+                  <a:pt x="0" y="0"/>
+                </a:moveTo>
+                <a:lnTo>
+                  <a:pt x="120000" y="0"/>
+                </a:lnTo>
+                <a:lnTo>
+                  <a:pt x="120000" y="120000"/>
+                </a:lnTo>
+                <a:lnTo>
+                  <a:pt x="0" y="120000"/>
+                </a:lnTo>
+                <a:close/>
+              </a:path>
+            </a:pathLst>
+          </a:custGeom>
+        </p:spPr>
+      </p:sp>
+      <p:sp>
+        <p:nvSpPr>
+          <p:cNvPr id="230" name="Google Shape;230;gfbfb770d81_0_411:notes"/>
+          <p:cNvSpPr txBox="1"/>
+          <p:nvPr>
+            <p:ph idx="1" type="body"/>
+          </p:nvPr>
+        </p:nvSpPr>
+        <p:spPr>
+          <a:xfrm>
+            <a:off x="685800" y="4343400"/>
+            <a:ext cx="5486400" cy="4114800"/>
+          </a:xfrm>
+          <a:prstGeom prst="rect">
+            <a:avLst/>
+          </a:prstGeom>
+        </p:spPr>
+        <p:txBody>
+          <a:bodyPr anchorCtr="0" anchor="t" bIns="91425" lIns="91425" spcFirstLastPara="1" rIns="91425" wrap="square" tIns="91425">
+            <a:noAutofit/>
+          </a:bodyPr>
+          <a:lstStyle/>
+          <a:p>
+            <a:pPr indent="0" lvl="0" marL="0" rtl="0" algn="l">
+              <a:spcBef>
+                <a:spcPts val="0"/>
+              </a:spcBef>
+              <a:spcAft>
+                <a:spcPts val="0"/>
+              </a:spcAft>
+              <a:buNone/>
+            </a:pPr>
+            <a:r>
+              <a:t/>
+            </a:r>
+            <a:endParaRPr/>
+          </a:p>
+        </p:txBody>
+      </p:sp>
+    </p:spTree>
+  </p:cSld>
+  <p:clrMapOvr>
+    <a:masterClrMapping/>
+  </p:clrMapOvr>
+</p:notes>
+</file>
+
+<file path=ppt/notesSlides/notesSlide26.xml><?xml version="1.0" encoding="utf-8"?>
+<p:notes xmlns:a="http://schemas.openxmlformats.org/drawingml/2006/main" xmlns:r="http://schemas.openxmlformats.org/officeDocument/2006/relationships" xmlns:mc="http://schemas.openxmlformats.org/markup-compatibility/2006" xmlns:mv="urn:schemas-microsoft-com:mac:vml" xmlns:p="http://schemas.openxmlformats.org/presentationml/2006/main" xmlns:c="http://schemas.openxmlformats.org/drawingml/2006/chart" xmlns:dgm="http://schemas.openxmlformats.org/drawingml/2006/diagram" xmlns:o="urn:schemas-microsoft-com:office:office" xmlns:v="urn:schemas-microsoft-com:vml" xmlns:pvml="urn:schemas-microsoft-com:office:powerpoint" xmlns:com="http://schemas.openxmlformats.org/drawingml/2006/compatibility" xmlns:p14="http://schemas.microsoft.com/office/powerpoint/2010/main" xmlns:p15="http://schemas.microsoft.com/office/powerpoint/2012/main" xmlns:ahyp="http://schemas.microsoft.com/office/drawing/2018/hyperlinkcolor" showMasterPhAnim="0" showMasterSp="0">
+  <p:cSld>
+    <p:spTree>
+      <p:nvGrpSpPr>
+        <p:cNvPr id="234" name="Shape 234"/>
+        <p:cNvGrpSpPr/>
+        <p:nvPr/>
+      </p:nvGrpSpPr>
+      <p:grpSpPr>
+        <a:xfrm>
+          <a:off x="0" y="0"/>
+          <a:ext cx="0" cy="0"/>
+          <a:chOff x="0" y="0"/>
+          <a:chExt cx="0" cy="0"/>
+        </a:xfrm>
+      </p:grpSpPr>
+      <p:sp>
+        <p:nvSpPr>
+          <p:cNvPr id="235" name="Google Shape;235;gfbfb770d81_0_172:notes"/>
+          <p:cNvSpPr/>
+          <p:nvPr>
+            <p:ph idx="2" type="sldImg"/>
+          </p:nvPr>
+        </p:nvSpPr>
+        <p:spPr>
+          <a:xfrm>
+            <a:off x="381300" y="685800"/>
+            <a:ext cx="6096000" cy="3429000"/>
+          </a:xfrm>
+          <a:custGeom>
+            <a:rect b="b" l="l" r="r" t="t"/>
+            <a:pathLst>
+              <a:path extrusionOk="0" h="120000" w="120000">
+                <a:moveTo>
+                  <a:pt x="0" y="0"/>
+                </a:moveTo>
+                <a:lnTo>
+                  <a:pt x="120000" y="0"/>
+                </a:lnTo>
+                <a:lnTo>
+                  <a:pt x="120000" y="120000"/>
+                </a:lnTo>
+                <a:lnTo>
+                  <a:pt x="0" y="120000"/>
+                </a:lnTo>
+                <a:close/>
+              </a:path>
+            </a:pathLst>
+          </a:custGeom>
+        </p:spPr>
+      </p:sp>
+      <p:sp>
+        <p:nvSpPr>
+          <p:cNvPr id="236" name="Google Shape;236;gfbfb770d81_0_172:notes"/>
+          <p:cNvSpPr txBox="1"/>
+          <p:nvPr>
+            <p:ph idx="1" type="body"/>
+          </p:nvPr>
+        </p:nvSpPr>
+        <p:spPr>
+          <a:xfrm>
+            <a:off x="685800" y="4343400"/>
+            <a:ext cx="5486400" cy="4114800"/>
+          </a:xfrm>
+          <a:prstGeom prst="rect">
+            <a:avLst/>
+          </a:prstGeom>
+        </p:spPr>
+        <p:txBody>
+          <a:bodyPr anchorCtr="0" anchor="t" bIns="91425" lIns="91425" spcFirstLastPara="1" rIns="91425" wrap="square" tIns="91425">
+            <a:noAutofit/>
+          </a:bodyPr>
+          <a:lstStyle/>
+          <a:p>
+            <a:pPr indent="0" lvl="0" marL="0" rtl="0" algn="l">
+              <a:spcBef>
+                <a:spcPts val="0"/>
+              </a:spcBef>
+              <a:spcAft>
+                <a:spcPts val="0"/>
+              </a:spcAft>
+              <a:buNone/>
+            </a:pPr>
+            <a:r>
+              <a:t/>
+            </a:r>
+            <a:endParaRPr/>
+          </a:p>
+        </p:txBody>
+      </p:sp>
+    </p:spTree>
+  </p:cSld>
+  <p:clrMapOvr>
+    <a:masterClrMapping/>
+  </p:clrMapOvr>
+</p:notes>
+</file>
+
+<file path=ppt/notesSlides/notesSlide27.xml><?xml version="1.0" encoding="utf-8"?>
+<p:notes xmlns:a="http://schemas.openxmlformats.org/drawingml/2006/main" xmlns:r="http://schemas.openxmlformats.org/officeDocument/2006/relationships" xmlns:mc="http://schemas.openxmlformats.org/markup-compatibility/2006" xmlns:mv="urn:schemas-microsoft-com:mac:vml" xmlns:p="http://schemas.openxmlformats.org/presentationml/2006/main" xmlns:c="http://schemas.openxmlformats.org/drawingml/2006/chart" xmlns:dgm="http://schemas.openxmlformats.org/drawingml/2006/diagram" xmlns:o="urn:schemas-microsoft-com:office:office" xmlns:v="urn:schemas-microsoft-com:vml" xmlns:pvml="urn:schemas-microsoft-com:office:powerpoint" xmlns:com="http://schemas.openxmlformats.org/drawingml/2006/compatibility" xmlns:p14="http://schemas.microsoft.com/office/powerpoint/2010/main" xmlns:p15="http://schemas.microsoft.com/office/powerpoint/2012/main" xmlns:ahyp="http://schemas.microsoft.com/office/drawing/2018/hyperlinkcolor" showMasterPhAnim="0" showMasterSp="0">
+  <p:cSld>
+    <p:spTree>
+      <p:nvGrpSpPr>
+        <p:cNvPr id="241" name="Shape 241"/>
+        <p:cNvGrpSpPr/>
+        <p:nvPr/>
+      </p:nvGrpSpPr>
+      <p:grpSpPr>
+        <a:xfrm>
+          <a:off x="0" y="0"/>
+          <a:ext cx="0" cy="0"/>
+          <a:chOff x="0" y="0"/>
+          <a:chExt cx="0" cy="0"/>
+        </a:xfrm>
+      </p:grpSpPr>
+      <p:sp>
+        <p:nvSpPr>
+          <p:cNvPr id="242" name="Google Shape;242;gfbfb770d81_0_177:notes"/>
+          <p:cNvSpPr/>
+          <p:nvPr>
+            <p:ph idx="2" type="sldImg"/>
+          </p:nvPr>
+        </p:nvSpPr>
+        <p:spPr>
+          <a:xfrm>
+            <a:off x="381300" y="685800"/>
+            <a:ext cx="6096000" cy="3429000"/>
+          </a:xfrm>
+          <a:custGeom>
+            <a:rect b="b" l="l" r="r" t="t"/>
+            <a:pathLst>
+              <a:path extrusionOk="0" h="120000" w="120000">
+                <a:moveTo>
+                  <a:pt x="0" y="0"/>
+                </a:moveTo>
+                <a:lnTo>
+                  <a:pt x="120000" y="0"/>
+                </a:lnTo>
+                <a:lnTo>
+                  <a:pt x="120000" y="120000"/>
+                </a:lnTo>
+                <a:lnTo>
+                  <a:pt x="0" y="120000"/>
+                </a:lnTo>
+                <a:close/>
+              </a:path>
+            </a:pathLst>
+          </a:custGeom>
+        </p:spPr>
+      </p:sp>
+      <p:sp>
+        <p:nvSpPr>
+          <p:cNvPr id="243" name="Google Shape;243;gfbfb770d81_0_177:notes"/>
+          <p:cNvSpPr txBox="1"/>
+          <p:nvPr>
+            <p:ph idx="1" type="body"/>
+          </p:nvPr>
+        </p:nvSpPr>
+        <p:spPr>
+          <a:xfrm>
+            <a:off x="685800" y="4343400"/>
+            <a:ext cx="5486400" cy="4114800"/>
+          </a:xfrm>
+          <a:prstGeom prst="rect">
+            <a:avLst/>
+          </a:prstGeom>
+        </p:spPr>
+        <p:txBody>
+          <a:bodyPr anchorCtr="0" anchor="t" bIns="91425" lIns="91425" spcFirstLastPara="1" rIns="91425" wrap="square" tIns="91425">
+            <a:noAutofit/>
+          </a:bodyPr>
+          <a:lstStyle/>
+          <a:p>
+            <a:pPr indent="0" lvl="0" marL="0" rtl="0" algn="l">
+              <a:spcBef>
+                <a:spcPts val="0"/>
+              </a:spcBef>
+              <a:spcAft>
+                <a:spcPts val="0"/>
+              </a:spcAft>
+              <a:buNone/>
+            </a:pPr>
+            <a:r>
+              <a:t/>
+            </a:r>
+            <a:endParaRPr/>
+          </a:p>
+        </p:txBody>
+      </p:sp>
+    </p:spTree>
+  </p:cSld>
+  <p:clrMapOvr>
+    <a:masterClrMapping/>
+  </p:clrMapOvr>
+</p:notes>
+</file>
+
+<file path=ppt/notesSlides/notesSlide28.xml><?xml version="1.0" encoding="utf-8"?>
+<p:notes xmlns:a="http://schemas.openxmlformats.org/drawingml/2006/main" xmlns:r="http://schemas.openxmlformats.org/officeDocument/2006/relationships" xmlns:mc="http://schemas.openxmlformats.org/markup-compatibility/2006" xmlns:mv="urn:schemas-microsoft-com:mac:vml" xmlns:p="http://schemas.openxmlformats.org/presentationml/2006/main" xmlns:c="http://schemas.openxmlformats.org/drawingml/2006/chart" xmlns:dgm="http://schemas.openxmlformats.org/drawingml/2006/diagram" xmlns:o="urn:schemas-microsoft-com:office:office" xmlns:v="urn:schemas-microsoft-com:vml" xmlns:pvml="urn:schemas-microsoft-com:office:powerpoint" xmlns:com="http://schemas.openxmlformats.org/drawingml/2006/compatibility" xmlns:p14="http://schemas.microsoft.com/office/powerpoint/2010/main" xmlns:p15="http://schemas.microsoft.com/office/powerpoint/2012/main" xmlns:ahyp="http://schemas.microsoft.com/office/drawing/2018/hyperlinkcolor" showMasterPhAnim="0" showMasterSp="0">
+  <p:cSld>
+    <p:spTree>
+      <p:nvGrpSpPr>
+        <p:cNvPr id="246" name="Shape 246"/>
+        <p:cNvGrpSpPr/>
+        <p:nvPr/>
+      </p:nvGrpSpPr>
+      <p:grpSpPr>
+        <a:xfrm>
+          <a:off x="0" y="0"/>
+          <a:ext cx="0" cy="0"/>
+          <a:chOff x="0" y="0"/>
+          <a:chExt cx="0" cy="0"/>
+        </a:xfrm>
+      </p:grpSpPr>
+      <p:sp>
+        <p:nvSpPr>
+          <p:cNvPr id="247" name="Google Shape;247;gfbfb770d81_0_419:notes"/>
+          <p:cNvSpPr/>
+          <p:nvPr>
+            <p:ph idx="2" type="sldImg"/>
+          </p:nvPr>
+        </p:nvSpPr>
+        <p:spPr>
+          <a:xfrm>
+            <a:off x="381300" y="685800"/>
+            <a:ext cx="6096000" cy="3429000"/>
+          </a:xfrm>
+          <a:custGeom>
+            <a:rect b="b" l="l" r="r" t="t"/>
+            <a:pathLst>
+              <a:path extrusionOk="0" h="120000" w="120000">
+                <a:moveTo>
+                  <a:pt x="0" y="0"/>
+                </a:moveTo>
+                <a:lnTo>
+                  <a:pt x="120000" y="0"/>
+                </a:lnTo>
+                <a:lnTo>
+                  <a:pt x="120000" y="120000"/>
+                </a:lnTo>
+                <a:lnTo>
+                  <a:pt x="0" y="120000"/>
+                </a:lnTo>
+                <a:close/>
+              </a:path>
+            </a:pathLst>
+          </a:custGeom>
+        </p:spPr>
+      </p:sp>
+      <p:sp>
+        <p:nvSpPr>
+          <p:cNvPr id="248" name="Google Shape;248;gfbfb770d81_0_419:notes"/>
+          <p:cNvSpPr txBox="1"/>
+          <p:nvPr>
+            <p:ph idx="1" type="body"/>
+          </p:nvPr>
+        </p:nvSpPr>
+        <p:spPr>
+          <a:xfrm>
+            <a:off x="685800" y="4343400"/>
+            <a:ext cx="5486400" cy="4114800"/>
+          </a:xfrm>
+          <a:prstGeom prst="rect">
+            <a:avLst/>
+          </a:prstGeom>
+        </p:spPr>
+        <p:txBody>
+          <a:bodyPr anchorCtr="0" anchor="t" bIns="91425" lIns="91425" spcFirstLastPara="1" rIns="91425" wrap="square" tIns="91425">
+            <a:noAutofit/>
+          </a:bodyPr>
+          <a:lstStyle/>
+          <a:p>
+            <a:pPr indent="0" lvl="0" marL="0" rtl="0" algn="l">
+              <a:spcBef>
+                <a:spcPts val="0"/>
+              </a:spcBef>
+              <a:spcAft>
+                <a:spcPts val="0"/>
+              </a:spcAft>
+              <a:buNone/>
+            </a:pPr>
+            <a:r>
+              <a:t/>
+            </a:r>
+            <a:endParaRPr/>
+          </a:p>
+        </p:txBody>
+      </p:sp>
+    </p:spTree>
+  </p:cSld>
+  <p:clrMapOvr>
+    <a:masterClrMapping/>
+  </p:clrMapOvr>
+</p:notes>
+</file>
+
+<file path=ppt/notesSlides/notesSlide29.xml><?xml version="1.0" encoding="utf-8"?>
+<p:notes xmlns:a="http://schemas.openxmlformats.org/drawingml/2006/main" xmlns:r="http://schemas.openxmlformats.org/officeDocument/2006/relationships" xmlns:mc="http://schemas.openxmlformats.org/markup-compatibility/2006" xmlns:mv="urn:schemas-microsoft-com:mac:vml" xmlns:p="http://schemas.openxmlformats.org/presentationml/2006/main" xmlns:c="http://schemas.openxmlformats.org/drawingml/2006/chart" xmlns:dgm="http://schemas.openxmlformats.org/drawingml/2006/diagram" xmlns:o="urn:schemas-microsoft-com:office:office" xmlns:v="urn:schemas-microsoft-com:vml" xmlns:pvml="urn:schemas-microsoft-com:office:powerpoint" xmlns:com="http://schemas.openxmlformats.org/drawingml/2006/compatibility" xmlns:p14="http://schemas.microsoft.com/office/powerpoint/2010/main" xmlns:p15="http://schemas.microsoft.com/office/powerpoint/2012/main" xmlns:ahyp="http://schemas.microsoft.com/office/drawing/2018/hyperlinkcolor" showMasterPhAnim="0" showMasterSp="0">
+  <p:cSld>
+    <p:spTree>
+      <p:nvGrpSpPr>
+        <p:cNvPr id="251" name="Shape 251"/>
+        <p:cNvGrpSpPr/>
+        <p:nvPr/>
+      </p:nvGrpSpPr>
+      <p:grpSpPr>
+        <a:xfrm>
+          <a:off x="0" y="0"/>
+          <a:ext cx="0" cy="0"/>
+          <a:chOff x="0" y="0"/>
+          <a:chExt cx="0" cy="0"/>
+        </a:xfrm>
+      </p:grpSpPr>
+      <p:sp>
+        <p:nvSpPr>
+          <p:cNvPr id="252" name="Google Shape;252;gfbfb770d81_0_423:notes"/>
+          <p:cNvSpPr/>
+          <p:nvPr>
+            <p:ph idx="2" type="sldImg"/>
+          </p:nvPr>
+        </p:nvSpPr>
+        <p:spPr>
+          <a:xfrm>
+            <a:off x="381300" y="685800"/>
+            <a:ext cx="6096000" cy="3429000"/>
+          </a:xfrm>
+          <a:custGeom>
+            <a:rect b="b" l="l" r="r" t="t"/>
+            <a:pathLst>
+              <a:path extrusionOk="0" h="120000" w="120000">
+                <a:moveTo>
+                  <a:pt x="0" y="0"/>
+                </a:moveTo>
+                <a:lnTo>
+                  <a:pt x="120000" y="0"/>
+                </a:lnTo>
+                <a:lnTo>
+                  <a:pt x="120000" y="120000"/>
+                </a:lnTo>
+                <a:lnTo>
+                  <a:pt x="0" y="120000"/>
+                </a:lnTo>
+                <a:close/>
+              </a:path>
+            </a:pathLst>
+          </a:custGeom>
+        </p:spPr>
+      </p:sp>
+      <p:sp>
+        <p:nvSpPr>
+          <p:cNvPr id="253" name="Google Shape;253;gfbfb770d81_0_423:notes"/>
           <p:cNvSpPr txBox="1"/>
           <p:nvPr>
             <p:ph idx="1" type="body"/>
@@ -2327,7 +2931,7 @@
       </p:grpSpPr>
       <p:sp>
         <p:nvSpPr>
-          <p:cNvPr id="95" name="Google Shape;95;gfbfb770d81_0_142:notes"/>
+          <p:cNvPr id="95" name="Google Shape;95;gfbfb770d81_0_82:notes"/>
           <p:cNvSpPr/>
           <p:nvPr>
             <p:ph idx="2" type="sldImg"/>
@@ -2362,7 +2966,7 @@
       </p:sp>
       <p:sp>
         <p:nvSpPr>
-          <p:cNvPr id="96" name="Google Shape;96;gfbfb770d81_0_142:notes"/>
+          <p:cNvPr id="96" name="Google Shape;96;gfbfb770d81_0_82:notes"/>
           <p:cNvSpPr txBox="1"/>
           <p:nvPr>
             <p:ph idx="1" type="body"/>
@@ -2407,12 +3011,12 @@
 </p:notes>
 </file>
 
-<file path=ppt/notesSlides/notesSlide4.xml><?xml version="1.0" encoding="utf-8"?>
+<file path=ppt/notesSlides/notesSlide30.xml><?xml version="1.0" encoding="utf-8"?>
 <p:notes xmlns:a="http://schemas.openxmlformats.org/drawingml/2006/main" xmlns:r="http://schemas.openxmlformats.org/officeDocument/2006/relationships" xmlns:mc="http://schemas.openxmlformats.org/markup-compatibility/2006" xmlns:mv="urn:schemas-microsoft-com:mac:vml" xmlns:p="http://schemas.openxmlformats.org/presentationml/2006/main" xmlns:c="http://schemas.openxmlformats.org/drawingml/2006/chart" xmlns:dgm="http://schemas.openxmlformats.org/drawingml/2006/diagram" xmlns:o="urn:schemas-microsoft-com:office:office" xmlns:v="urn:schemas-microsoft-com:vml" xmlns:pvml="urn:schemas-microsoft-com:office:powerpoint" xmlns:com="http://schemas.openxmlformats.org/drawingml/2006/compatibility" xmlns:p14="http://schemas.microsoft.com/office/powerpoint/2010/main" xmlns:p15="http://schemas.microsoft.com/office/powerpoint/2012/main" xmlns:ahyp="http://schemas.microsoft.com/office/drawing/2018/hyperlinkcolor" showMasterPhAnim="0" showMasterSp="0">
   <p:cSld>
     <p:spTree>
       <p:nvGrpSpPr>
-        <p:cNvPr id="102" name="Shape 102"/>
+        <p:cNvPr id="256" name="Shape 256"/>
         <p:cNvGrpSpPr/>
         <p:nvPr/>
       </p:nvGrpSpPr>
@@ -2426,7 +3030,7 @@
       </p:grpSpPr>
       <p:sp>
         <p:nvSpPr>
-          <p:cNvPr id="103" name="Google Shape;103;gfbfb770d81_0_147:notes"/>
+          <p:cNvPr id="257" name="Google Shape;257;gfbfb770d81_0_182:notes"/>
           <p:cNvSpPr/>
           <p:nvPr>
             <p:ph idx="2" type="sldImg"/>
@@ -2461,7 +3065,7 @@
       </p:sp>
       <p:sp>
         <p:nvSpPr>
-          <p:cNvPr id="104" name="Google Shape;104;gfbfb770d81_0_147:notes"/>
+          <p:cNvPr id="258" name="Google Shape;258;gfbfb770d81_0_182:notes"/>
           <p:cNvSpPr txBox="1"/>
           <p:nvPr>
             <p:ph idx="1" type="body"/>
@@ -2506,12 +3110,12 @@
 </p:notes>
 </file>
 
-<file path=ppt/notesSlides/notesSlide5.xml><?xml version="1.0" encoding="utf-8"?>
+<file path=ppt/notesSlides/notesSlide31.xml><?xml version="1.0" encoding="utf-8"?>
 <p:notes xmlns:a="http://schemas.openxmlformats.org/drawingml/2006/main" xmlns:r="http://schemas.openxmlformats.org/officeDocument/2006/relationships" xmlns:mc="http://schemas.openxmlformats.org/markup-compatibility/2006" xmlns:mv="urn:schemas-microsoft-com:mac:vml" xmlns:p="http://schemas.openxmlformats.org/presentationml/2006/main" xmlns:c="http://schemas.openxmlformats.org/drawingml/2006/chart" xmlns:dgm="http://schemas.openxmlformats.org/drawingml/2006/diagram" xmlns:o="urn:schemas-microsoft-com:office:office" xmlns:v="urn:schemas-microsoft-com:vml" xmlns:pvml="urn:schemas-microsoft-com:office:powerpoint" xmlns:com="http://schemas.openxmlformats.org/drawingml/2006/compatibility" xmlns:p14="http://schemas.microsoft.com/office/powerpoint/2010/main" xmlns:p15="http://schemas.microsoft.com/office/powerpoint/2012/main" xmlns:ahyp="http://schemas.microsoft.com/office/drawing/2018/hyperlinkcolor" showMasterPhAnim="0" showMasterSp="0">
   <p:cSld>
     <p:spTree>
       <p:nvGrpSpPr>
-        <p:cNvPr id="110" name="Shape 110"/>
+        <p:cNvPr id="262" name="Shape 262"/>
         <p:cNvGrpSpPr/>
         <p:nvPr/>
       </p:nvGrpSpPr>
@@ -2525,7 +3129,7 @@
       </p:grpSpPr>
       <p:sp>
         <p:nvSpPr>
-          <p:cNvPr id="111" name="Google Shape;111;gfbfb770d81_0_310:notes"/>
+          <p:cNvPr id="263" name="Google Shape;263;gfbfb770d81_0_187:notes"/>
           <p:cNvSpPr/>
           <p:nvPr>
             <p:ph idx="2" type="sldImg"/>
@@ -2560,7 +3164,7 @@
       </p:sp>
       <p:sp>
         <p:nvSpPr>
-          <p:cNvPr id="112" name="Google Shape;112;gfbfb770d81_0_310:notes"/>
+          <p:cNvPr id="264" name="Google Shape;264;gfbfb770d81_0_187:notes"/>
           <p:cNvSpPr txBox="1"/>
           <p:nvPr>
             <p:ph idx="1" type="body"/>
@@ -2605,12 +3209,12 @@
 </p:notes>
 </file>
 
-<file path=ppt/notesSlides/notesSlide6.xml><?xml version="1.0" encoding="utf-8"?>
+<file path=ppt/notesSlides/notesSlide32.xml><?xml version="1.0" encoding="utf-8"?>
 <p:notes xmlns:a="http://schemas.openxmlformats.org/drawingml/2006/main" xmlns:r="http://schemas.openxmlformats.org/officeDocument/2006/relationships" xmlns:mc="http://schemas.openxmlformats.org/markup-compatibility/2006" xmlns:mv="urn:schemas-microsoft-com:mac:vml" xmlns:p="http://schemas.openxmlformats.org/presentationml/2006/main" xmlns:c="http://schemas.openxmlformats.org/drawingml/2006/chart" xmlns:dgm="http://schemas.openxmlformats.org/drawingml/2006/diagram" xmlns:o="urn:schemas-microsoft-com:office:office" xmlns:v="urn:schemas-microsoft-com:vml" xmlns:pvml="urn:schemas-microsoft-com:office:powerpoint" xmlns:com="http://schemas.openxmlformats.org/drawingml/2006/compatibility" xmlns:p14="http://schemas.microsoft.com/office/powerpoint/2010/main" xmlns:p15="http://schemas.microsoft.com/office/powerpoint/2012/main" xmlns:ahyp="http://schemas.microsoft.com/office/drawing/2018/hyperlinkcolor" showMasterPhAnim="0" showMasterSp="0">
   <p:cSld>
     <p:spTree>
       <p:nvGrpSpPr>
-        <p:cNvPr id="118" name="Shape 118"/>
+        <p:cNvPr id="268" name="Shape 268"/>
         <p:cNvGrpSpPr/>
         <p:nvPr/>
       </p:nvGrpSpPr>
@@ -2624,7 +3228,7 @@
       </p:grpSpPr>
       <p:sp>
         <p:nvSpPr>
-          <p:cNvPr id="119" name="Google Shape;119;gfbfb770d81_0_317:notes"/>
+          <p:cNvPr id="269" name="Google Shape;269;gfbfb770d81_0_56:notes"/>
           <p:cNvSpPr/>
           <p:nvPr>
             <p:ph idx="2" type="sldImg"/>
@@ -2659,7 +3263,7 @@
       </p:sp>
       <p:sp>
         <p:nvSpPr>
-          <p:cNvPr id="120" name="Google Shape;120;gfbfb770d81_0_317:notes"/>
+          <p:cNvPr id="270" name="Google Shape;270;gfbfb770d81_0_56:notes"/>
           <p:cNvSpPr txBox="1"/>
           <p:nvPr>
             <p:ph idx="1" type="body"/>
@@ -2704,12 +3308,12 @@
 </p:notes>
 </file>
 
-<file path=ppt/notesSlides/notesSlide7.xml><?xml version="1.0" encoding="utf-8"?>
+<file path=ppt/notesSlides/notesSlide33.xml><?xml version="1.0" encoding="utf-8"?>
 <p:notes xmlns:a="http://schemas.openxmlformats.org/drawingml/2006/main" xmlns:r="http://schemas.openxmlformats.org/officeDocument/2006/relationships" xmlns:mc="http://schemas.openxmlformats.org/markup-compatibility/2006" xmlns:mv="urn:schemas-microsoft-com:mac:vml" xmlns:p="http://schemas.openxmlformats.org/presentationml/2006/main" xmlns:c="http://schemas.openxmlformats.org/drawingml/2006/chart" xmlns:dgm="http://schemas.openxmlformats.org/drawingml/2006/diagram" xmlns:o="urn:schemas-microsoft-com:office:office" xmlns:v="urn:schemas-microsoft-com:vml" xmlns:pvml="urn:schemas-microsoft-com:office:powerpoint" xmlns:com="http://schemas.openxmlformats.org/drawingml/2006/compatibility" xmlns:p14="http://schemas.microsoft.com/office/powerpoint/2010/main" xmlns:p15="http://schemas.microsoft.com/office/powerpoint/2012/main" xmlns:ahyp="http://schemas.microsoft.com/office/drawing/2018/hyperlinkcolor" showMasterPhAnim="0" showMasterSp="0">
   <p:cSld>
     <p:spTree>
       <p:nvGrpSpPr>
-        <p:cNvPr id="126" name="Shape 126"/>
+        <p:cNvPr id="275" name="Shape 275"/>
         <p:cNvGrpSpPr/>
         <p:nvPr/>
       </p:nvGrpSpPr>
@@ -2723,7 +3327,7 @@
       </p:grpSpPr>
       <p:sp>
         <p:nvSpPr>
-          <p:cNvPr id="127" name="Google Shape;127;gfbfb770d81_0_324:notes"/>
+          <p:cNvPr id="276" name="Google Shape;276;gfbfb770d81_0_465:notes"/>
           <p:cNvSpPr/>
           <p:nvPr>
             <p:ph idx="2" type="sldImg"/>
@@ -2758,7 +3362,7 @@
       </p:sp>
       <p:sp>
         <p:nvSpPr>
-          <p:cNvPr id="128" name="Google Shape;128;gfbfb770d81_0_324:notes"/>
+          <p:cNvPr id="277" name="Google Shape;277;gfbfb770d81_0_465:notes"/>
           <p:cNvSpPr txBox="1"/>
           <p:nvPr>
             <p:ph idx="1" type="body"/>
@@ -2803,12 +3407,12 @@
 </p:notes>
 </file>
 
-<file path=ppt/notesSlides/notesSlide8.xml><?xml version="1.0" encoding="utf-8"?>
+<file path=ppt/notesSlides/notesSlide4.xml><?xml version="1.0" encoding="utf-8"?>
 <p:notes xmlns:a="http://schemas.openxmlformats.org/drawingml/2006/main" xmlns:r="http://schemas.openxmlformats.org/officeDocument/2006/relationships" xmlns:mc="http://schemas.openxmlformats.org/markup-compatibility/2006" xmlns:mv="urn:schemas-microsoft-com:mac:vml" xmlns:p="http://schemas.openxmlformats.org/presentationml/2006/main" xmlns:c="http://schemas.openxmlformats.org/drawingml/2006/chart" xmlns:dgm="http://schemas.openxmlformats.org/drawingml/2006/diagram" xmlns:o="urn:schemas-microsoft-com:office:office" xmlns:v="urn:schemas-microsoft-com:vml" xmlns:pvml="urn:schemas-microsoft-com:office:powerpoint" xmlns:com="http://schemas.openxmlformats.org/drawingml/2006/compatibility" xmlns:p14="http://schemas.microsoft.com/office/powerpoint/2010/main" xmlns:p15="http://schemas.microsoft.com/office/powerpoint/2012/main" xmlns:ahyp="http://schemas.microsoft.com/office/drawing/2018/hyperlinkcolor" showMasterPhAnim="0" showMasterSp="0">
   <p:cSld>
     <p:spTree>
       <p:nvGrpSpPr>
-        <p:cNvPr id="134" name="Shape 134"/>
+        <p:cNvPr id="100" name="Shape 100"/>
         <p:cNvGrpSpPr/>
         <p:nvPr/>
       </p:nvGrpSpPr>
@@ -2822,7 +3426,7 @@
       </p:grpSpPr>
       <p:sp>
         <p:nvSpPr>
-          <p:cNvPr id="135" name="Google Shape;135;gfbfb770d81_0_331:notes"/>
+          <p:cNvPr id="101" name="Google Shape;101;gfbfb770d81_0_142:notes"/>
           <p:cNvSpPr/>
           <p:nvPr>
             <p:ph idx="2" type="sldImg"/>
@@ -2857,7 +3461,7 @@
       </p:sp>
       <p:sp>
         <p:nvSpPr>
-          <p:cNvPr id="136" name="Google Shape;136;gfbfb770d81_0_331:notes"/>
+          <p:cNvPr id="102" name="Google Shape;102;gfbfb770d81_0_142:notes"/>
           <p:cNvSpPr txBox="1"/>
           <p:nvPr>
             <p:ph idx="1" type="body"/>
@@ -2902,12 +3506,12 @@
 </p:notes>
 </file>
 
-<file path=ppt/notesSlides/notesSlide9.xml><?xml version="1.0" encoding="utf-8"?>
+<file path=ppt/notesSlides/notesSlide5.xml><?xml version="1.0" encoding="utf-8"?>
 <p:notes xmlns:a="http://schemas.openxmlformats.org/drawingml/2006/main" xmlns:r="http://schemas.openxmlformats.org/officeDocument/2006/relationships" xmlns:mc="http://schemas.openxmlformats.org/markup-compatibility/2006" xmlns:mv="urn:schemas-microsoft-com:mac:vml" xmlns:p="http://schemas.openxmlformats.org/presentationml/2006/main" xmlns:c="http://schemas.openxmlformats.org/drawingml/2006/chart" xmlns:dgm="http://schemas.openxmlformats.org/drawingml/2006/diagram" xmlns:o="urn:schemas-microsoft-com:office:office" xmlns:v="urn:schemas-microsoft-com:vml" xmlns:pvml="urn:schemas-microsoft-com:office:powerpoint" xmlns:com="http://schemas.openxmlformats.org/drawingml/2006/compatibility" xmlns:p14="http://schemas.microsoft.com/office/powerpoint/2010/main" xmlns:p15="http://schemas.microsoft.com/office/powerpoint/2012/main" xmlns:ahyp="http://schemas.microsoft.com/office/drawing/2018/hyperlinkcolor" showMasterPhAnim="0" showMasterSp="0">
   <p:cSld>
     <p:spTree>
       <p:nvGrpSpPr>
-        <p:cNvPr id="142" name="Shape 142"/>
+        <p:cNvPr id="108" name="Shape 108"/>
         <p:cNvGrpSpPr/>
         <p:nvPr/>
       </p:nvGrpSpPr>
@@ -2921,7 +3525,7 @@
       </p:grpSpPr>
       <p:sp>
         <p:nvSpPr>
-          <p:cNvPr id="143" name="Google Shape;143;gfbfb770d81_0_349:notes"/>
+          <p:cNvPr id="109" name="Google Shape;109;gfbfb770d81_0_430:notes"/>
           <p:cNvSpPr/>
           <p:nvPr>
             <p:ph idx="2" type="sldImg"/>
@@ -2956,7 +3560,403 @@
       </p:sp>
       <p:sp>
         <p:nvSpPr>
-          <p:cNvPr id="144" name="Google Shape;144;gfbfb770d81_0_349:notes"/>
+          <p:cNvPr id="110" name="Google Shape;110;gfbfb770d81_0_430:notes"/>
+          <p:cNvSpPr txBox="1"/>
+          <p:nvPr>
+            <p:ph idx="1" type="body"/>
+          </p:nvPr>
+        </p:nvSpPr>
+        <p:spPr>
+          <a:xfrm>
+            <a:off x="685800" y="4343400"/>
+            <a:ext cx="5486400" cy="4114800"/>
+          </a:xfrm>
+          <a:prstGeom prst="rect">
+            <a:avLst/>
+          </a:prstGeom>
+        </p:spPr>
+        <p:txBody>
+          <a:bodyPr anchorCtr="0" anchor="t" bIns="91425" lIns="91425" spcFirstLastPara="1" rIns="91425" wrap="square" tIns="91425">
+            <a:noAutofit/>
+          </a:bodyPr>
+          <a:lstStyle/>
+          <a:p>
+            <a:pPr indent="0" lvl="0" marL="0" rtl="0" algn="l">
+              <a:spcBef>
+                <a:spcPts val="0"/>
+              </a:spcBef>
+              <a:spcAft>
+                <a:spcPts val="0"/>
+              </a:spcAft>
+              <a:buNone/>
+            </a:pPr>
+            <a:r>
+              <a:t/>
+            </a:r>
+            <a:endParaRPr/>
+          </a:p>
+        </p:txBody>
+      </p:sp>
+    </p:spTree>
+  </p:cSld>
+  <p:clrMapOvr>
+    <a:masterClrMapping/>
+  </p:clrMapOvr>
+</p:notes>
+</file>
+
+<file path=ppt/notesSlides/notesSlide6.xml><?xml version="1.0" encoding="utf-8"?>
+<p:notes xmlns:a="http://schemas.openxmlformats.org/drawingml/2006/main" xmlns:r="http://schemas.openxmlformats.org/officeDocument/2006/relationships" xmlns:mc="http://schemas.openxmlformats.org/markup-compatibility/2006" xmlns:mv="urn:schemas-microsoft-com:mac:vml" xmlns:p="http://schemas.openxmlformats.org/presentationml/2006/main" xmlns:c="http://schemas.openxmlformats.org/drawingml/2006/chart" xmlns:dgm="http://schemas.openxmlformats.org/drawingml/2006/diagram" xmlns:o="urn:schemas-microsoft-com:office:office" xmlns:v="urn:schemas-microsoft-com:vml" xmlns:pvml="urn:schemas-microsoft-com:office:powerpoint" xmlns:com="http://schemas.openxmlformats.org/drawingml/2006/compatibility" xmlns:p14="http://schemas.microsoft.com/office/powerpoint/2010/main" xmlns:p15="http://schemas.microsoft.com/office/powerpoint/2012/main" xmlns:ahyp="http://schemas.microsoft.com/office/drawing/2018/hyperlinkcolor" showMasterPhAnim="0" showMasterSp="0">
+  <p:cSld>
+    <p:spTree>
+      <p:nvGrpSpPr>
+        <p:cNvPr id="114" name="Shape 114"/>
+        <p:cNvGrpSpPr/>
+        <p:nvPr/>
+      </p:nvGrpSpPr>
+      <p:grpSpPr>
+        <a:xfrm>
+          <a:off x="0" y="0"/>
+          <a:ext cx="0" cy="0"/>
+          <a:chOff x="0" y="0"/>
+          <a:chExt cx="0" cy="0"/>
+        </a:xfrm>
+      </p:grpSpPr>
+      <p:sp>
+        <p:nvSpPr>
+          <p:cNvPr id="115" name="Google Shape;115;gfbfb770d81_0_147:notes"/>
+          <p:cNvSpPr/>
+          <p:nvPr>
+            <p:ph idx="2" type="sldImg"/>
+          </p:nvPr>
+        </p:nvSpPr>
+        <p:spPr>
+          <a:xfrm>
+            <a:off x="381300" y="685800"/>
+            <a:ext cx="6096000" cy="3429000"/>
+          </a:xfrm>
+          <a:custGeom>
+            <a:rect b="b" l="l" r="r" t="t"/>
+            <a:pathLst>
+              <a:path extrusionOk="0" h="120000" w="120000">
+                <a:moveTo>
+                  <a:pt x="0" y="0"/>
+                </a:moveTo>
+                <a:lnTo>
+                  <a:pt x="120000" y="0"/>
+                </a:lnTo>
+                <a:lnTo>
+                  <a:pt x="120000" y="120000"/>
+                </a:lnTo>
+                <a:lnTo>
+                  <a:pt x="0" y="120000"/>
+                </a:lnTo>
+                <a:close/>
+              </a:path>
+            </a:pathLst>
+          </a:custGeom>
+        </p:spPr>
+      </p:sp>
+      <p:sp>
+        <p:nvSpPr>
+          <p:cNvPr id="116" name="Google Shape;116;gfbfb770d81_0_147:notes"/>
+          <p:cNvSpPr txBox="1"/>
+          <p:nvPr>
+            <p:ph idx="1" type="body"/>
+          </p:nvPr>
+        </p:nvSpPr>
+        <p:spPr>
+          <a:xfrm>
+            <a:off x="685800" y="4343400"/>
+            <a:ext cx="5486400" cy="4114800"/>
+          </a:xfrm>
+          <a:prstGeom prst="rect">
+            <a:avLst/>
+          </a:prstGeom>
+        </p:spPr>
+        <p:txBody>
+          <a:bodyPr anchorCtr="0" anchor="t" bIns="91425" lIns="91425" spcFirstLastPara="1" rIns="91425" wrap="square" tIns="91425">
+            <a:noAutofit/>
+          </a:bodyPr>
+          <a:lstStyle/>
+          <a:p>
+            <a:pPr indent="0" lvl="0" marL="0" rtl="0" algn="l">
+              <a:spcBef>
+                <a:spcPts val="0"/>
+              </a:spcBef>
+              <a:spcAft>
+                <a:spcPts val="0"/>
+              </a:spcAft>
+              <a:buNone/>
+            </a:pPr>
+            <a:r>
+              <a:t/>
+            </a:r>
+            <a:endParaRPr/>
+          </a:p>
+        </p:txBody>
+      </p:sp>
+    </p:spTree>
+  </p:cSld>
+  <p:clrMapOvr>
+    <a:masterClrMapping/>
+  </p:clrMapOvr>
+</p:notes>
+</file>
+
+<file path=ppt/notesSlides/notesSlide7.xml><?xml version="1.0" encoding="utf-8"?>
+<p:notes xmlns:a="http://schemas.openxmlformats.org/drawingml/2006/main" xmlns:r="http://schemas.openxmlformats.org/officeDocument/2006/relationships" xmlns:mc="http://schemas.openxmlformats.org/markup-compatibility/2006" xmlns:mv="urn:schemas-microsoft-com:mac:vml" xmlns:p="http://schemas.openxmlformats.org/presentationml/2006/main" xmlns:c="http://schemas.openxmlformats.org/drawingml/2006/chart" xmlns:dgm="http://schemas.openxmlformats.org/drawingml/2006/diagram" xmlns:o="urn:schemas-microsoft-com:office:office" xmlns:v="urn:schemas-microsoft-com:vml" xmlns:pvml="urn:schemas-microsoft-com:office:powerpoint" xmlns:com="http://schemas.openxmlformats.org/drawingml/2006/compatibility" xmlns:p14="http://schemas.microsoft.com/office/powerpoint/2010/main" xmlns:p15="http://schemas.microsoft.com/office/powerpoint/2012/main" xmlns:ahyp="http://schemas.microsoft.com/office/drawing/2018/hyperlinkcolor" showMasterPhAnim="0" showMasterSp="0">
+  <p:cSld>
+    <p:spTree>
+      <p:nvGrpSpPr>
+        <p:cNvPr id="120" name="Shape 120"/>
+        <p:cNvGrpSpPr/>
+        <p:nvPr/>
+      </p:nvGrpSpPr>
+      <p:grpSpPr>
+        <a:xfrm>
+          <a:off x="0" y="0"/>
+          <a:ext cx="0" cy="0"/>
+          <a:chOff x="0" y="0"/>
+          <a:chExt cx="0" cy="0"/>
+        </a:xfrm>
+      </p:grpSpPr>
+      <p:sp>
+        <p:nvSpPr>
+          <p:cNvPr id="121" name="Google Shape;121;gfbfb770d81_0_437:notes"/>
+          <p:cNvSpPr/>
+          <p:nvPr>
+            <p:ph idx="2" type="sldImg"/>
+          </p:nvPr>
+        </p:nvSpPr>
+        <p:spPr>
+          <a:xfrm>
+            <a:off x="381300" y="685800"/>
+            <a:ext cx="6096000" cy="3429000"/>
+          </a:xfrm>
+          <a:custGeom>
+            <a:rect b="b" l="l" r="r" t="t"/>
+            <a:pathLst>
+              <a:path extrusionOk="0" h="120000" w="120000">
+                <a:moveTo>
+                  <a:pt x="0" y="0"/>
+                </a:moveTo>
+                <a:lnTo>
+                  <a:pt x="120000" y="0"/>
+                </a:lnTo>
+                <a:lnTo>
+                  <a:pt x="120000" y="120000"/>
+                </a:lnTo>
+                <a:lnTo>
+                  <a:pt x="0" y="120000"/>
+                </a:lnTo>
+                <a:close/>
+              </a:path>
+            </a:pathLst>
+          </a:custGeom>
+        </p:spPr>
+      </p:sp>
+      <p:sp>
+        <p:nvSpPr>
+          <p:cNvPr id="122" name="Google Shape;122;gfbfb770d81_0_437:notes"/>
+          <p:cNvSpPr txBox="1"/>
+          <p:nvPr>
+            <p:ph idx="1" type="body"/>
+          </p:nvPr>
+        </p:nvSpPr>
+        <p:spPr>
+          <a:xfrm>
+            <a:off x="685800" y="4343400"/>
+            <a:ext cx="5486400" cy="4114800"/>
+          </a:xfrm>
+          <a:prstGeom prst="rect">
+            <a:avLst/>
+          </a:prstGeom>
+        </p:spPr>
+        <p:txBody>
+          <a:bodyPr anchorCtr="0" anchor="t" bIns="91425" lIns="91425" spcFirstLastPara="1" rIns="91425" wrap="square" tIns="91425">
+            <a:noAutofit/>
+          </a:bodyPr>
+          <a:lstStyle/>
+          <a:p>
+            <a:pPr indent="0" lvl="0" marL="0" rtl="0" algn="l">
+              <a:spcBef>
+                <a:spcPts val="0"/>
+              </a:spcBef>
+              <a:spcAft>
+                <a:spcPts val="0"/>
+              </a:spcAft>
+              <a:buNone/>
+            </a:pPr>
+            <a:r>
+              <a:t/>
+            </a:r>
+            <a:endParaRPr/>
+          </a:p>
+        </p:txBody>
+      </p:sp>
+    </p:spTree>
+  </p:cSld>
+  <p:clrMapOvr>
+    <a:masterClrMapping/>
+  </p:clrMapOvr>
+</p:notes>
+</file>
+
+<file path=ppt/notesSlides/notesSlide8.xml><?xml version="1.0" encoding="utf-8"?>
+<p:notes xmlns:a="http://schemas.openxmlformats.org/drawingml/2006/main" xmlns:r="http://schemas.openxmlformats.org/officeDocument/2006/relationships" xmlns:mc="http://schemas.openxmlformats.org/markup-compatibility/2006" xmlns:mv="urn:schemas-microsoft-com:mac:vml" xmlns:p="http://schemas.openxmlformats.org/presentationml/2006/main" xmlns:c="http://schemas.openxmlformats.org/drawingml/2006/chart" xmlns:dgm="http://schemas.openxmlformats.org/drawingml/2006/diagram" xmlns:o="urn:schemas-microsoft-com:office:office" xmlns:v="urn:schemas-microsoft-com:vml" xmlns:pvml="urn:schemas-microsoft-com:office:powerpoint" xmlns:com="http://schemas.openxmlformats.org/drawingml/2006/compatibility" xmlns:p14="http://schemas.microsoft.com/office/powerpoint/2010/main" xmlns:p15="http://schemas.microsoft.com/office/powerpoint/2012/main" xmlns:ahyp="http://schemas.microsoft.com/office/drawing/2018/hyperlinkcolor" showMasterPhAnim="0" showMasterSp="0">
+  <p:cSld>
+    <p:spTree>
+      <p:nvGrpSpPr>
+        <p:cNvPr id="126" name="Shape 126"/>
+        <p:cNvGrpSpPr/>
+        <p:nvPr/>
+      </p:nvGrpSpPr>
+      <p:grpSpPr>
+        <a:xfrm>
+          <a:off x="0" y="0"/>
+          <a:ext cx="0" cy="0"/>
+          <a:chOff x="0" y="0"/>
+          <a:chExt cx="0" cy="0"/>
+        </a:xfrm>
+      </p:grpSpPr>
+      <p:sp>
+        <p:nvSpPr>
+          <p:cNvPr id="127" name="Google Shape;127;gfbfb770d81_0_459:notes"/>
+          <p:cNvSpPr/>
+          <p:nvPr>
+            <p:ph idx="2" type="sldImg"/>
+          </p:nvPr>
+        </p:nvSpPr>
+        <p:spPr>
+          <a:xfrm>
+            <a:off x="381300" y="685800"/>
+            <a:ext cx="6096000" cy="3429000"/>
+          </a:xfrm>
+          <a:custGeom>
+            <a:rect b="b" l="l" r="r" t="t"/>
+            <a:pathLst>
+              <a:path extrusionOk="0" h="120000" w="120000">
+                <a:moveTo>
+                  <a:pt x="0" y="0"/>
+                </a:moveTo>
+                <a:lnTo>
+                  <a:pt x="120000" y="0"/>
+                </a:lnTo>
+                <a:lnTo>
+                  <a:pt x="120000" y="120000"/>
+                </a:lnTo>
+                <a:lnTo>
+                  <a:pt x="0" y="120000"/>
+                </a:lnTo>
+                <a:close/>
+              </a:path>
+            </a:pathLst>
+          </a:custGeom>
+        </p:spPr>
+      </p:sp>
+      <p:sp>
+        <p:nvSpPr>
+          <p:cNvPr id="128" name="Google Shape;128;gfbfb770d81_0_459:notes"/>
+          <p:cNvSpPr txBox="1"/>
+          <p:nvPr>
+            <p:ph idx="1" type="body"/>
+          </p:nvPr>
+        </p:nvSpPr>
+        <p:spPr>
+          <a:xfrm>
+            <a:off x="685800" y="4343400"/>
+            <a:ext cx="5486400" cy="4114800"/>
+          </a:xfrm>
+          <a:prstGeom prst="rect">
+            <a:avLst/>
+          </a:prstGeom>
+        </p:spPr>
+        <p:txBody>
+          <a:bodyPr anchorCtr="0" anchor="t" bIns="91425" lIns="91425" spcFirstLastPara="1" rIns="91425" wrap="square" tIns="91425">
+            <a:noAutofit/>
+          </a:bodyPr>
+          <a:lstStyle/>
+          <a:p>
+            <a:pPr indent="0" lvl="0" marL="0" rtl="0" algn="l">
+              <a:spcBef>
+                <a:spcPts val="0"/>
+              </a:spcBef>
+              <a:spcAft>
+                <a:spcPts val="0"/>
+              </a:spcAft>
+              <a:buNone/>
+            </a:pPr>
+            <a:r>
+              <a:t/>
+            </a:r>
+            <a:endParaRPr/>
+          </a:p>
+        </p:txBody>
+      </p:sp>
+    </p:spTree>
+  </p:cSld>
+  <p:clrMapOvr>
+    <a:masterClrMapping/>
+  </p:clrMapOvr>
+</p:notes>
+</file>
+
+<file path=ppt/notesSlides/notesSlide9.xml><?xml version="1.0" encoding="utf-8"?>
+<p:notes xmlns:a="http://schemas.openxmlformats.org/drawingml/2006/main" xmlns:r="http://schemas.openxmlformats.org/officeDocument/2006/relationships" xmlns:mc="http://schemas.openxmlformats.org/markup-compatibility/2006" xmlns:mv="urn:schemas-microsoft-com:mac:vml" xmlns:p="http://schemas.openxmlformats.org/presentationml/2006/main" xmlns:c="http://schemas.openxmlformats.org/drawingml/2006/chart" xmlns:dgm="http://schemas.openxmlformats.org/drawingml/2006/diagram" xmlns:o="urn:schemas-microsoft-com:office:office" xmlns:v="urn:schemas-microsoft-com:vml" xmlns:pvml="urn:schemas-microsoft-com:office:powerpoint" xmlns:com="http://schemas.openxmlformats.org/drawingml/2006/compatibility" xmlns:p14="http://schemas.microsoft.com/office/powerpoint/2010/main" xmlns:p15="http://schemas.microsoft.com/office/powerpoint/2012/main" xmlns:ahyp="http://schemas.microsoft.com/office/drawing/2018/hyperlinkcolor" showMasterPhAnim="0" showMasterSp="0">
+  <p:cSld>
+    <p:spTree>
+      <p:nvGrpSpPr>
+        <p:cNvPr id="131" name="Shape 131"/>
+        <p:cNvGrpSpPr/>
+        <p:nvPr/>
+      </p:nvGrpSpPr>
+      <p:grpSpPr>
+        <a:xfrm>
+          <a:off x="0" y="0"/>
+          <a:ext cx="0" cy="0"/>
+          <a:chOff x="0" y="0"/>
+          <a:chExt cx="0" cy="0"/>
+        </a:xfrm>
+      </p:grpSpPr>
+      <p:sp>
+        <p:nvSpPr>
+          <p:cNvPr id="132" name="Google Shape;132;gfbfb770d81_0_453:notes"/>
+          <p:cNvSpPr/>
+          <p:nvPr>
+            <p:ph idx="2" type="sldImg"/>
+          </p:nvPr>
+        </p:nvSpPr>
+        <p:spPr>
+          <a:xfrm>
+            <a:off x="381300" y="685800"/>
+            <a:ext cx="6096000" cy="3429000"/>
+          </a:xfrm>
+          <a:custGeom>
+            <a:rect b="b" l="l" r="r" t="t"/>
+            <a:pathLst>
+              <a:path extrusionOk="0" h="120000" w="120000">
+                <a:moveTo>
+                  <a:pt x="0" y="0"/>
+                </a:moveTo>
+                <a:lnTo>
+                  <a:pt x="120000" y="0"/>
+                </a:lnTo>
+                <a:lnTo>
+                  <a:pt x="120000" y="120000"/>
+                </a:lnTo>
+                <a:lnTo>
+                  <a:pt x="0" y="120000"/>
+                </a:lnTo>
+                <a:close/>
+              </a:path>
+            </a:pathLst>
+          </a:custGeom>
+        </p:spPr>
+      </p:sp>
+      <p:sp>
+        <p:nvSpPr>
+          <p:cNvPr id="133" name="Google Shape;133;gfbfb770d81_0_453:notes"/>
           <p:cNvSpPr txBox="1"/>
           <p:nvPr>
             <p:ph idx="1" type="body"/>
@@ -9490,7 +10490,7 @@
   <p:cSld>
     <p:spTree>
       <p:nvGrpSpPr>
-        <p:cNvPr id="154" name="Shape 154"/>
+        <p:cNvPr id="140" name="Shape 140"/>
         <p:cNvGrpSpPr/>
         <p:nvPr/>
       </p:nvGrpSpPr>
@@ -9504,85 +10504,7 @@
       </p:grpSpPr>
       <p:sp>
         <p:nvSpPr>
-          <p:cNvPr id="155" name="Google Shape;155;p22"/>
-          <p:cNvSpPr txBox="1"/>
-          <p:nvPr>
-            <p:ph type="title"/>
-          </p:nvPr>
-        </p:nvSpPr>
-        <p:spPr>
-          <a:xfrm>
-            <a:off x="729450" y="1318650"/>
-            <a:ext cx="7688700" cy="535200"/>
-          </a:xfrm>
-          <a:prstGeom prst="rect">
-            <a:avLst/>
-          </a:prstGeom>
-        </p:spPr>
-        <p:txBody>
-          <a:bodyPr anchorCtr="0" anchor="t" bIns="91425" lIns="91425" spcFirstLastPara="1" rIns="91425" wrap="square" tIns="91425">
-            <a:normAutofit fontScale="90000"/>
-          </a:bodyPr>
-          <a:lstStyle/>
-          <a:p>
-            <a:pPr indent="0" lvl="0" marL="0" rtl="0" algn="l">
-              <a:spcBef>
-                <a:spcPts val="0"/>
-              </a:spcBef>
-              <a:spcAft>
-                <a:spcPts val="0"/>
-              </a:spcAft>
-              <a:buNone/>
-            </a:pPr>
-            <a:r>
-              <a:t/>
-            </a:r>
-            <a:endParaRPr/>
-          </a:p>
-        </p:txBody>
-      </p:sp>
-      <p:sp>
-        <p:nvSpPr>
-          <p:cNvPr id="156" name="Google Shape;156;p22"/>
-          <p:cNvSpPr txBox="1"/>
-          <p:nvPr>
-            <p:ph idx="1" type="body"/>
-          </p:nvPr>
-        </p:nvSpPr>
-        <p:spPr>
-          <a:xfrm>
-            <a:off x="729450" y="2078875"/>
-            <a:ext cx="7688700" cy="2261100"/>
-          </a:xfrm>
-          <a:prstGeom prst="rect">
-            <a:avLst/>
-          </a:prstGeom>
-        </p:spPr>
-        <p:txBody>
-          <a:bodyPr anchorCtr="0" anchor="t" bIns="91425" lIns="91425" spcFirstLastPara="1" rIns="91425" wrap="square" tIns="91425">
-            <a:normAutofit/>
-          </a:bodyPr>
-          <a:lstStyle/>
-          <a:p>
-            <a:pPr indent="0" lvl="0" marL="0" rtl="0" algn="l">
-              <a:spcBef>
-                <a:spcPts val="0"/>
-              </a:spcBef>
-              <a:spcAft>
-                <a:spcPts val="1200"/>
-              </a:spcAft>
-              <a:buNone/>
-            </a:pPr>
-            <a:r>
-              <a:t/>
-            </a:r>
-            <a:endParaRPr/>
-          </a:p>
-        </p:txBody>
-      </p:sp>
-      <p:sp>
-        <p:nvSpPr>
-          <p:cNvPr id="157" name="Google Shape;157;p22"/>
+          <p:cNvPr id="141" name="Google Shape;141;p22"/>
           <p:cNvSpPr/>
           <p:nvPr/>
         </p:nvSpPr>
@@ -9631,7 +10553,7 @@
       </p:sp>
       <p:pic>
         <p:nvPicPr>
-          <p:cNvPr id="158" name="Google Shape;158;p22"/>
+          <p:cNvPr id="142" name="Google Shape;142;p22"/>
           <p:cNvPicPr preferRelativeResize="0"/>
           <p:nvPr/>
         </p:nvPicPr>
@@ -9670,7 +10592,7 @@
   <p:cSld>
     <p:spTree>
       <p:nvGrpSpPr>
-        <p:cNvPr id="162" name="Shape 162"/>
+        <p:cNvPr id="146" name="Shape 146"/>
         <p:cNvGrpSpPr/>
         <p:nvPr/>
       </p:nvGrpSpPr>
@@ -9684,85 +10606,7 @@
       </p:grpSpPr>
       <p:sp>
         <p:nvSpPr>
-          <p:cNvPr id="163" name="Google Shape;163;p23"/>
-          <p:cNvSpPr txBox="1"/>
-          <p:nvPr>
-            <p:ph type="title"/>
-          </p:nvPr>
-        </p:nvSpPr>
-        <p:spPr>
-          <a:xfrm>
-            <a:off x="729450" y="1318650"/>
-            <a:ext cx="7688700" cy="535200"/>
-          </a:xfrm>
-          <a:prstGeom prst="rect">
-            <a:avLst/>
-          </a:prstGeom>
-        </p:spPr>
-        <p:txBody>
-          <a:bodyPr anchorCtr="0" anchor="t" bIns="91425" lIns="91425" spcFirstLastPara="1" rIns="91425" wrap="square" tIns="91425">
-            <a:normAutofit fontScale="90000"/>
-          </a:bodyPr>
-          <a:lstStyle/>
-          <a:p>
-            <a:pPr indent="0" lvl="0" marL="0" rtl="0" algn="l">
-              <a:spcBef>
-                <a:spcPts val="0"/>
-              </a:spcBef>
-              <a:spcAft>
-                <a:spcPts val="0"/>
-              </a:spcAft>
-              <a:buNone/>
-            </a:pPr>
-            <a:r>
-              <a:t/>
-            </a:r>
-            <a:endParaRPr/>
-          </a:p>
-        </p:txBody>
-      </p:sp>
-      <p:sp>
-        <p:nvSpPr>
-          <p:cNvPr id="164" name="Google Shape;164;p23"/>
-          <p:cNvSpPr txBox="1"/>
-          <p:nvPr>
-            <p:ph idx="1" type="body"/>
-          </p:nvPr>
-        </p:nvSpPr>
-        <p:spPr>
-          <a:xfrm>
-            <a:off x="729450" y="2078875"/>
-            <a:ext cx="7688700" cy="2261100"/>
-          </a:xfrm>
-          <a:prstGeom prst="rect">
-            <a:avLst/>
-          </a:prstGeom>
-        </p:spPr>
-        <p:txBody>
-          <a:bodyPr anchorCtr="0" anchor="t" bIns="91425" lIns="91425" spcFirstLastPara="1" rIns="91425" wrap="square" tIns="91425">
-            <a:normAutofit/>
-          </a:bodyPr>
-          <a:lstStyle/>
-          <a:p>
-            <a:pPr indent="0" lvl="0" marL="0" rtl="0" algn="l">
-              <a:spcBef>
-                <a:spcPts val="0"/>
-              </a:spcBef>
-              <a:spcAft>
-                <a:spcPts val="1200"/>
-              </a:spcAft>
-              <a:buNone/>
-            </a:pPr>
-            <a:r>
-              <a:t/>
-            </a:r>
-            <a:endParaRPr/>
-          </a:p>
-        </p:txBody>
-      </p:sp>
-      <p:sp>
-        <p:nvSpPr>
-          <p:cNvPr id="165" name="Google Shape;165;p23"/>
+          <p:cNvPr id="147" name="Google Shape;147;p23"/>
           <p:cNvSpPr/>
           <p:nvPr/>
         </p:nvSpPr>
@@ -9811,7 +10655,7 @@
       </p:sp>
       <p:pic>
         <p:nvPicPr>
-          <p:cNvPr id="166" name="Google Shape;166;p23"/>
+          <p:cNvPr id="148" name="Google Shape;148;p23"/>
           <p:cNvPicPr preferRelativeResize="0"/>
           <p:nvPr/>
         </p:nvPicPr>
@@ -9850,7 +10694,7 @@
   <p:cSld>
     <p:spTree>
       <p:nvGrpSpPr>
-        <p:cNvPr id="170" name="Shape 170"/>
+        <p:cNvPr id="152" name="Shape 152"/>
         <p:cNvGrpSpPr/>
         <p:nvPr/>
       </p:nvGrpSpPr>
@@ -9864,85 +10708,7 @@
       </p:grpSpPr>
       <p:sp>
         <p:nvSpPr>
-          <p:cNvPr id="171" name="Google Shape;171;p24"/>
-          <p:cNvSpPr txBox="1"/>
-          <p:nvPr>
-            <p:ph type="title"/>
-          </p:nvPr>
-        </p:nvSpPr>
-        <p:spPr>
-          <a:xfrm>
-            <a:off x="729450" y="1318650"/>
-            <a:ext cx="7688700" cy="535200"/>
-          </a:xfrm>
-          <a:prstGeom prst="rect">
-            <a:avLst/>
-          </a:prstGeom>
-        </p:spPr>
-        <p:txBody>
-          <a:bodyPr anchorCtr="0" anchor="t" bIns="91425" lIns="91425" spcFirstLastPara="1" rIns="91425" wrap="square" tIns="91425">
-            <a:normAutofit fontScale="90000"/>
-          </a:bodyPr>
-          <a:lstStyle/>
-          <a:p>
-            <a:pPr indent="0" lvl="0" marL="0" rtl="0" algn="l">
-              <a:spcBef>
-                <a:spcPts val="0"/>
-              </a:spcBef>
-              <a:spcAft>
-                <a:spcPts val="0"/>
-              </a:spcAft>
-              <a:buNone/>
-            </a:pPr>
-            <a:r>
-              <a:t/>
-            </a:r>
-            <a:endParaRPr/>
-          </a:p>
-        </p:txBody>
-      </p:sp>
-      <p:sp>
-        <p:nvSpPr>
-          <p:cNvPr id="172" name="Google Shape;172;p24"/>
-          <p:cNvSpPr txBox="1"/>
-          <p:nvPr>
-            <p:ph idx="1" type="body"/>
-          </p:nvPr>
-        </p:nvSpPr>
-        <p:spPr>
-          <a:xfrm>
-            <a:off x="729450" y="2078875"/>
-            <a:ext cx="7688700" cy="2261100"/>
-          </a:xfrm>
-          <a:prstGeom prst="rect">
-            <a:avLst/>
-          </a:prstGeom>
-        </p:spPr>
-        <p:txBody>
-          <a:bodyPr anchorCtr="0" anchor="t" bIns="91425" lIns="91425" spcFirstLastPara="1" rIns="91425" wrap="square" tIns="91425">
-            <a:normAutofit/>
-          </a:bodyPr>
-          <a:lstStyle/>
-          <a:p>
-            <a:pPr indent="0" lvl="0" marL="0" rtl="0" algn="l">
-              <a:spcBef>
-                <a:spcPts val="0"/>
-              </a:spcBef>
-              <a:spcAft>
-                <a:spcPts val="1200"/>
-              </a:spcAft>
-              <a:buNone/>
-            </a:pPr>
-            <a:r>
-              <a:t/>
-            </a:r>
-            <a:endParaRPr/>
-          </a:p>
-        </p:txBody>
-      </p:sp>
-      <p:sp>
-        <p:nvSpPr>
-          <p:cNvPr id="173" name="Google Shape;173;p24"/>
+          <p:cNvPr id="153" name="Google Shape;153;p24"/>
           <p:cNvSpPr/>
           <p:nvPr/>
         </p:nvSpPr>
@@ -9991,7 +10757,7 @@
       </p:sp>
       <p:pic>
         <p:nvPicPr>
-          <p:cNvPr id="174" name="Google Shape;174;p24"/>
+          <p:cNvPr id="154" name="Google Shape;154;p24"/>
           <p:cNvPicPr preferRelativeResize="0"/>
           <p:nvPr/>
         </p:nvPicPr>
@@ -10030,7 +10796,7 @@
   <p:cSld>
     <p:spTree>
       <p:nvGrpSpPr>
-        <p:cNvPr id="178" name="Shape 178"/>
+        <p:cNvPr id="158" name="Shape 158"/>
         <p:cNvGrpSpPr/>
         <p:nvPr/>
       </p:nvGrpSpPr>
@@ -10044,85 +10810,7 @@
       </p:grpSpPr>
       <p:sp>
         <p:nvSpPr>
-          <p:cNvPr id="179" name="Google Shape;179;p25"/>
-          <p:cNvSpPr txBox="1"/>
-          <p:nvPr>
-            <p:ph type="title"/>
-          </p:nvPr>
-        </p:nvSpPr>
-        <p:spPr>
-          <a:xfrm>
-            <a:off x="729450" y="1318650"/>
-            <a:ext cx="7688700" cy="535200"/>
-          </a:xfrm>
-          <a:prstGeom prst="rect">
-            <a:avLst/>
-          </a:prstGeom>
-        </p:spPr>
-        <p:txBody>
-          <a:bodyPr anchorCtr="0" anchor="t" bIns="91425" lIns="91425" spcFirstLastPara="1" rIns="91425" wrap="square" tIns="91425">
-            <a:normAutofit fontScale="90000"/>
-          </a:bodyPr>
-          <a:lstStyle/>
-          <a:p>
-            <a:pPr indent="0" lvl="0" marL="0" rtl="0" algn="l">
-              <a:spcBef>
-                <a:spcPts val="0"/>
-              </a:spcBef>
-              <a:spcAft>
-                <a:spcPts val="0"/>
-              </a:spcAft>
-              <a:buNone/>
-            </a:pPr>
-            <a:r>
-              <a:t/>
-            </a:r>
-            <a:endParaRPr/>
-          </a:p>
-        </p:txBody>
-      </p:sp>
-      <p:sp>
-        <p:nvSpPr>
-          <p:cNvPr id="180" name="Google Shape;180;p25"/>
-          <p:cNvSpPr txBox="1"/>
-          <p:nvPr>
-            <p:ph idx="1" type="body"/>
-          </p:nvPr>
-        </p:nvSpPr>
-        <p:spPr>
-          <a:xfrm>
-            <a:off x="729450" y="2078875"/>
-            <a:ext cx="7688700" cy="2261100"/>
-          </a:xfrm>
-          <a:prstGeom prst="rect">
-            <a:avLst/>
-          </a:prstGeom>
-        </p:spPr>
-        <p:txBody>
-          <a:bodyPr anchorCtr="0" anchor="t" bIns="91425" lIns="91425" spcFirstLastPara="1" rIns="91425" wrap="square" tIns="91425">
-            <a:normAutofit/>
-          </a:bodyPr>
-          <a:lstStyle/>
-          <a:p>
-            <a:pPr indent="0" lvl="0" marL="0" rtl="0" algn="l">
-              <a:spcBef>
-                <a:spcPts val="0"/>
-              </a:spcBef>
-              <a:spcAft>
-                <a:spcPts val="1200"/>
-              </a:spcAft>
-              <a:buNone/>
-            </a:pPr>
-            <a:r>
-              <a:t/>
-            </a:r>
-            <a:endParaRPr/>
-          </a:p>
-        </p:txBody>
-      </p:sp>
-      <p:sp>
-        <p:nvSpPr>
-          <p:cNvPr id="181" name="Google Shape;181;p25"/>
+          <p:cNvPr id="159" name="Google Shape;159;p25"/>
           <p:cNvSpPr/>
           <p:nvPr/>
         </p:nvSpPr>
@@ -10171,7 +10859,7 @@
       </p:sp>
       <p:pic>
         <p:nvPicPr>
-          <p:cNvPr id="182" name="Google Shape;182;p25"/>
+          <p:cNvPr id="160" name="Google Shape;160;p25"/>
           <p:cNvPicPr preferRelativeResize="0"/>
           <p:nvPr/>
         </p:nvPicPr>
@@ -10210,7 +10898,7 @@
   <p:cSld>
     <p:spTree>
       <p:nvGrpSpPr>
-        <p:cNvPr id="186" name="Shape 186"/>
+        <p:cNvPr id="164" name="Shape 164"/>
         <p:cNvGrpSpPr/>
         <p:nvPr/>
       </p:nvGrpSpPr>
@@ -10224,250 +10912,14 @@
       </p:grpSpPr>
       <p:sp>
         <p:nvSpPr>
-          <p:cNvPr id="187" name="Google Shape;187;p26"/>
-          <p:cNvSpPr txBox="1"/>
-          <p:nvPr>
-            <p:ph type="title"/>
-          </p:nvPr>
-        </p:nvSpPr>
-        <p:spPr>
-          <a:xfrm>
-            <a:off x="729450" y="1318650"/>
-            <a:ext cx="7688700" cy="535200"/>
-          </a:xfrm>
-          <a:prstGeom prst="rect">
-            <a:avLst/>
-          </a:prstGeom>
-        </p:spPr>
-        <p:txBody>
-          <a:bodyPr anchorCtr="0" anchor="t" bIns="91425" lIns="91425" spcFirstLastPara="1" rIns="91425" wrap="square" tIns="91425">
-            <a:normAutofit fontScale="90000"/>
-          </a:bodyPr>
-          <a:lstStyle/>
-          <a:p>
-            <a:pPr indent="0" lvl="0" marL="0" rtl="0" algn="l">
-              <a:spcBef>
-                <a:spcPts val="0"/>
-              </a:spcBef>
-              <a:spcAft>
-                <a:spcPts val="0"/>
-              </a:spcAft>
-              <a:buNone/>
-            </a:pPr>
-            <a:r>
-              <a:rPr lang="en"/>
-              <a:t>How would it look in the frequentist world?</a:t>
-            </a:r>
-            <a:endParaRPr/>
-          </a:p>
-        </p:txBody>
-      </p:sp>
-    </p:spTree>
-  </p:cSld>
-  <p:clrMapOvr>
-    <a:masterClrMapping/>
-  </p:clrMapOvr>
-</p:sld>
-</file>
-
-<file path=ppt/slides/slide15.xml><?xml version="1.0" encoding="utf-8"?>
-<p:sld xmlns:a="http://schemas.openxmlformats.org/drawingml/2006/main" xmlns:r="http://schemas.openxmlformats.org/officeDocument/2006/relationships" xmlns:mc="http://schemas.openxmlformats.org/markup-compatibility/2006" xmlns:mv="urn:schemas-microsoft-com:mac:vml" xmlns:p="http://schemas.openxmlformats.org/presentationml/2006/main" xmlns:c="http://schemas.openxmlformats.org/drawingml/2006/chart" xmlns:dgm="http://schemas.openxmlformats.org/drawingml/2006/diagram" xmlns:o="urn:schemas-microsoft-com:office:office" xmlns:v="urn:schemas-microsoft-com:vml" xmlns:pvml="urn:schemas-microsoft-com:office:powerpoint" xmlns:com="http://schemas.openxmlformats.org/drawingml/2006/compatibility" xmlns:p14="http://schemas.microsoft.com/office/powerpoint/2010/main" xmlns:p15="http://schemas.microsoft.com/office/powerpoint/2012/main" xmlns:ahyp="http://schemas.microsoft.com/office/drawing/2018/hyperlinkcolor">
-  <p:cSld>
-    <p:spTree>
-      <p:nvGrpSpPr>
-        <p:cNvPr id="191" name="Shape 191"/>
-        <p:cNvGrpSpPr/>
-        <p:nvPr/>
-      </p:nvGrpSpPr>
-      <p:grpSpPr>
-        <a:xfrm>
-          <a:off x="0" y="0"/>
-          <a:ext cx="0" cy="0"/>
-          <a:chOff x="0" y="0"/>
-          <a:chExt cx="0" cy="0"/>
-        </a:xfrm>
-      </p:grpSpPr>
-      <p:sp>
-        <p:nvSpPr>
-          <p:cNvPr id="192" name="Google Shape;192;p27"/>
-          <p:cNvSpPr txBox="1"/>
-          <p:nvPr>
-            <p:ph type="title"/>
-          </p:nvPr>
-        </p:nvSpPr>
-        <p:spPr>
-          <a:xfrm>
-            <a:off x="729450" y="1318650"/>
-            <a:ext cx="7688700" cy="535200"/>
-          </a:xfrm>
-          <a:prstGeom prst="rect">
-            <a:avLst/>
-          </a:prstGeom>
-        </p:spPr>
-        <p:txBody>
-          <a:bodyPr anchorCtr="0" anchor="t" bIns="91425" lIns="91425" spcFirstLastPara="1" rIns="91425" wrap="square" tIns="91425">
-            <a:normAutofit fontScale="90000"/>
-          </a:bodyPr>
-          <a:lstStyle/>
-          <a:p>
-            <a:pPr indent="0" lvl="0" marL="0" rtl="0" algn="l">
-              <a:spcBef>
-                <a:spcPts val="0"/>
-              </a:spcBef>
-              <a:spcAft>
-                <a:spcPts val="0"/>
-              </a:spcAft>
-              <a:buNone/>
-            </a:pPr>
-            <a:r>
-              <a:rPr lang="en"/>
-              <a:t>How would it look in the frequentist world?</a:t>
-            </a:r>
-            <a:endParaRPr/>
-          </a:p>
-        </p:txBody>
-      </p:sp>
-      <p:sp>
-        <p:nvSpPr>
-          <p:cNvPr id="193" name="Google Shape;193;p27"/>
-          <p:cNvSpPr txBox="1"/>
-          <p:nvPr>
-            <p:ph idx="1" type="body"/>
-          </p:nvPr>
-        </p:nvSpPr>
-        <p:spPr>
-          <a:xfrm>
-            <a:off x="729450" y="2078875"/>
-            <a:ext cx="7688700" cy="2261100"/>
-          </a:xfrm>
-          <a:prstGeom prst="rect">
-            <a:avLst/>
-          </a:prstGeom>
-        </p:spPr>
-        <p:txBody>
-          <a:bodyPr anchorCtr="0" anchor="t" bIns="91425" lIns="91425" spcFirstLastPara="1" rIns="91425" wrap="square" tIns="91425">
-            <a:normAutofit/>
-          </a:bodyPr>
-          <a:lstStyle/>
-          <a:p>
-            <a:pPr indent="0" lvl="0" marL="0" rtl="0" algn="l">
-              <a:spcBef>
-                <a:spcPts val="0"/>
-              </a:spcBef>
-              <a:spcAft>
-                <a:spcPts val="1200"/>
-              </a:spcAft>
-              <a:buNone/>
-            </a:pPr>
-            <a:r>
-              <a:t/>
-            </a:r>
-            <a:endParaRPr/>
-          </a:p>
-        </p:txBody>
-      </p:sp>
-      <p:pic>
-        <p:nvPicPr>
-          <p:cNvPr id="194" name="Google Shape;194;p27"/>
-          <p:cNvPicPr preferRelativeResize="0"/>
-          <p:nvPr/>
-        </p:nvPicPr>
-        <p:blipFill>
-          <a:blip r:embed="rId3">
-            <a:alphaModFix/>
-          </a:blip>
-          <a:stretch>
-            <a:fillRect/>
-          </a:stretch>
-        </p:blipFill>
-        <p:spPr>
-          <a:xfrm>
-            <a:off x="2408788" y="1898675"/>
-            <a:ext cx="4326426" cy="3244825"/>
-          </a:xfrm>
-          <a:prstGeom prst="rect">
-            <a:avLst/>
-          </a:prstGeom>
-          <a:noFill/>
-          <a:ln>
-            <a:noFill/>
-          </a:ln>
-        </p:spPr>
-      </p:pic>
-    </p:spTree>
-  </p:cSld>
-  <p:clrMapOvr>
-    <a:masterClrMapping/>
-  </p:clrMapOvr>
-</p:sld>
-</file>
-
-<file path=ppt/slides/slide16.xml><?xml version="1.0" encoding="utf-8"?>
-<p:sld xmlns:a="http://schemas.openxmlformats.org/drawingml/2006/main" xmlns:r="http://schemas.openxmlformats.org/officeDocument/2006/relationships" xmlns:mc="http://schemas.openxmlformats.org/markup-compatibility/2006" xmlns:mv="urn:schemas-microsoft-com:mac:vml" xmlns:p="http://schemas.openxmlformats.org/presentationml/2006/main" xmlns:c="http://schemas.openxmlformats.org/drawingml/2006/chart" xmlns:dgm="http://schemas.openxmlformats.org/drawingml/2006/diagram" xmlns:o="urn:schemas-microsoft-com:office:office" xmlns:v="urn:schemas-microsoft-com:vml" xmlns:pvml="urn:schemas-microsoft-com:office:powerpoint" xmlns:com="http://schemas.openxmlformats.org/drawingml/2006/compatibility" xmlns:p14="http://schemas.microsoft.com/office/powerpoint/2010/main" xmlns:p15="http://schemas.microsoft.com/office/powerpoint/2012/main" xmlns:ahyp="http://schemas.microsoft.com/office/drawing/2018/hyperlinkcolor">
-  <p:cSld>
-    <p:spTree>
-      <p:nvGrpSpPr>
-        <p:cNvPr id="198" name="Shape 198"/>
-        <p:cNvGrpSpPr/>
-        <p:nvPr/>
-      </p:nvGrpSpPr>
-      <p:grpSpPr>
-        <a:xfrm>
-          <a:off x="0" y="0"/>
-          <a:ext cx="0" cy="0"/>
-          <a:chOff x="0" y="0"/>
-          <a:chExt cx="0" cy="0"/>
-        </a:xfrm>
-      </p:grpSpPr>
-      <p:sp>
-        <p:nvSpPr>
-          <p:cNvPr id="199" name="Google Shape;199;p28"/>
-          <p:cNvSpPr txBox="1"/>
-          <p:nvPr>
-            <p:ph type="title"/>
-          </p:nvPr>
-        </p:nvSpPr>
-        <p:spPr>
-          <a:xfrm>
-            <a:off x="729450" y="1318650"/>
-            <a:ext cx="7688700" cy="535200"/>
-          </a:xfrm>
-          <a:prstGeom prst="rect">
-            <a:avLst/>
-          </a:prstGeom>
-        </p:spPr>
-        <p:txBody>
-          <a:bodyPr anchorCtr="0" anchor="t" bIns="91425" lIns="91425" spcFirstLastPara="1" rIns="91425" wrap="square" tIns="91425">
-            <a:normAutofit fontScale="90000"/>
-          </a:bodyPr>
-          <a:lstStyle/>
-          <a:p>
-            <a:pPr indent="0" lvl="0" marL="0" rtl="0" algn="l">
-              <a:spcBef>
-                <a:spcPts val="0"/>
-              </a:spcBef>
-              <a:spcAft>
-                <a:spcPts val="0"/>
-              </a:spcAft>
-              <a:buNone/>
-            </a:pPr>
-            <a:r>
-              <a:t/>
-            </a:r>
-            <a:endParaRPr/>
-          </a:p>
-        </p:txBody>
-      </p:sp>
-      <p:sp>
-        <p:nvSpPr>
-          <p:cNvPr id="200" name="Google Shape;200;p28"/>
+          <p:cNvPr id="165" name="Google Shape;165;p26"/>
           <p:cNvSpPr/>
           <p:nvPr/>
         </p:nvSpPr>
         <p:spPr>
           <a:xfrm>
-            <a:off x="662250" y="961525"/>
-            <a:ext cx="1279800" cy="535200"/>
+            <a:off x="713175" y="1025200"/>
+            <a:ext cx="573000" cy="261000"/>
           </a:xfrm>
           <a:prstGeom prst="rect">
             <a:avLst/>
@@ -10509,7 +10961,7 @@
       </p:sp>
       <p:pic>
         <p:nvPicPr>
-          <p:cNvPr id="201" name="Google Shape;201;p28"/>
+          <p:cNvPr id="166" name="Google Shape;166;p26"/>
           <p:cNvPicPr preferRelativeResize="0"/>
           <p:nvPr/>
         </p:nvPicPr>
@@ -10535,47 +10987,34 @@
           </a:ln>
         </p:spPr>
       </p:pic>
-      <p:sp>
-        <p:nvSpPr>
-          <p:cNvPr id="202" name="Google Shape;202;p28"/>
-          <p:cNvSpPr txBox="1"/>
-          <p:nvPr>
-            <p:ph idx="1" type="body"/>
-          </p:nvPr>
-        </p:nvSpPr>
-        <p:spPr>
-          <a:xfrm>
-            <a:off x="0" y="4775775"/>
-            <a:ext cx="5628900" cy="367800"/>
+      <p:pic>
+        <p:nvPicPr>
+          <p:cNvPr id="167" name="Google Shape;167;p26"/>
+          <p:cNvPicPr preferRelativeResize="0"/>
+          <p:nvPr/>
+        </p:nvPicPr>
+        <p:blipFill>
+          <a:blip r:embed="rId4">
+            <a:alphaModFix/>
+          </a:blip>
+          <a:stretch>
+            <a:fillRect/>
+          </a:stretch>
+        </p:blipFill>
+        <p:spPr>
+          <a:xfrm>
+            <a:off x="1143000" y="0"/>
+            <a:ext cx="6858000" cy="5143500"/>
           </a:xfrm>
           <a:prstGeom prst="rect">
             <a:avLst/>
           </a:prstGeom>
-        </p:spPr>
-        <p:txBody>
-          <a:bodyPr anchorCtr="0" anchor="t" bIns="91425" lIns="91425" spcFirstLastPara="1" rIns="91425" wrap="square" tIns="91425">
-            <a:normAutofit/>
-          </a:bodyPr>
-          <a:lstStyle/>
-          <a:p>
-            <a:pPr indent="0" lvl="0" marL="0" rtl="0" algn="l">
-              <a:spcBef>
-                <a:spcPts val="0"/>
-              </a:spcBef>
-              <a:spcAft>
-                <a:spcPts val="1200"/>
-              </a:spcAft>
-              <a:buSzPts val="1018"/>
-              <a:buNone/>
-            </a:pPr>
-            <a:r>
-              <a:rPr lang="en" sz="902"/>
-              <a:t>https://huijzer.xyz/posts/frequentist-bayesian-coin-flipping/</a:t>
-            </a:r>
-            <a:endParaRPr sz="902"/>
-          </a:p>
-        </p:txBody>
-      </p:sp>
+          <a:noFill/>
+          <a:ln>
+            <a:noFill/>
+          </a:ln>
+        </p:spPr>
+      </p:pic>
     </p:spTree>
   </p:cSld>
   <p:clrMapOvr>
@@ -10584,12 +11023,12 @@
 </p:sld>
 </file>
 
-<file path=ppt/slides/slide17.xml><?xml version="1.0" encoding="utf-8"?>
+<file path=ppt/slides/slide15.xml><?xml version="1.0" encoding="utf-8"?>
 <p:sld xmlns:a="http://schemas.openxmlformats.org/drawingml/2006/main" xmlns:r="http://schemas.openxmlformats.org/officeDocument/2006/relationships" xmlns:mc="http://schemas.openxmlformats.org/markup-compatibility/2006" xmlns:mv="urn:schemas-microsoft-com:mac:vml" xmlns:p="http://schemas.openxmlformats.org/presentationml/2006/main" xmlns:c="http://schemas.openxmlformats.org/drawingml/2006/chart" xmlns:dgm="http://schemas.openxmlformats.org/drawingml/2006/diagram" xmlns:o="urn:schemas-microsoft-com:office:office" xmlns:v="urn:schemas-microsoft-com:vml" xmlns:pvml="urn:schemas-microsoft-com:office:powerpoint" xmlns:com="http://schemas.openxmlformats.org/drawingml/2006/compatibility" xmlns:p14="http://schemas.microsoft.com/office/powerpoint/2010/main" xmlns:p15="http://schemas.microsoft.com/office/powerpoint/2012/main" xmlns:ahyp="http://schemas.microsoft.com/office/drawing/2018/hyperlinkcolor">
   <p:cSld>
     <p:spTree>
       <p:nvGrpSpPr>
-        <p:cNvPr id="206" name="Shape 206"/>
+        <p:cNvPr id="171" name="Shape 171"/>
         <p:cNvGrpSpPr/>
         <p:nvPr/>
       </p:nvGrpSpPr>
@@ -10603,53 +11042,14 @@
       </p:grpSpPr>
       <p:sp>
         <p:nvSpPr>
-          <p:cNvPr id="207" name="Google Shape;207;p29"/>
-          <p:cNvSpPr txBox="1"/>
-          <p:nvPr>
-            <p:ph type="title"/>
-          </p:nvPr>
-        </p:nvSpPr>
-        <p:spPr>
-          <a:xfrm>
-            <a:off x="729450" y="1318650"/>
-            <a:ext cx="7688700" cy="535200"/>
-          </a:xfrm>
-          <a:prstGeom prst="rect">
-            <a:avLst/>
-          </a:prstGeom>
-        </p:spPr>
-        <p:txBody>
-          <a:bodyPr anchorCtr="0" anchor="t" bIns="91425" lIns="91425" spcFirstLastPara="1" rIns="91425" wrap="square" tIns="91425">
-            <a:normAutofit fontScale="90000"/>
-          </a:bodyPr>
-          <a:lstStyle/>
-          <a:p>
-            <a:pPr indent="0" lvl="0" marL="0" rtl="0" algn="l">
-              <a:spcBef>
-                <a:spcPts val="0"/>
-              </a:spcBef>
-              <a:spcAft>
-                <a:spcPts val="0"/>
-              </a:spcAft>
-              <a:buNone/>
-            </a:pPr>
-            <a:r>
-              <a:t/>
-            </a:r>
-            <a:endParaRPr/>
-          </a:p>
-        </p:txBody>
-      </p:sp>
-      <p:sp>
-        <p:nvSpPr>
-          <p:cNvPr id="208" name="Google Shape;208;p29"/>
+          <p:cNvPr id="172" name="Google Shape;172;p27"/>
           <p:cNvSpPr/>
           <p:nvPr/>
         </p:nvSpPr>
         <p:spPr>
           <a:xfrm>
-            <a:off x="662250" y="961525"/>
-            <a:ext cx="1279800" cy="535200"/>
+            <a:off x="713175" y="1025200"/>
+            <a:ext cx="573000" cy="261000"/>
           </a:xfrm>
           <a:prstGeom prst="rect">
             <a:avLst/>
@@ -10691,7 +11091,7 @@
       </p:sp>
       <p:pic>
         <p:nvPicPr>
-          <p:cNvPr id="209" name="Google Shape;209;p29"/>
+          <p:cNvPr id="173" name="Google Shape;173;p27"/>
           <p:cNvPicPr preferRelativeResize="0"/>
           <p:nvPr/>
         </p:nvPicPr>
@@ -10717,26 +11117,61 @@
           </a:ln>
         </p:spPr>
       </p:pic>
-      <p:sp>
-        <p:nvSpPr>
-          <p:cNvPr id="210" name="Google Shape;210;p29"/>
-          <p:cNvSpPr txBox="1"/>
-          <p:nvPr>
-            <p:ph idx="1" type="body"/>
-          </p:nvPr>
-        </p:nvSpPr>
-        <p:spPr>
-          <a:xfrm>
-            <a:off x="0" y="4775775"/>
-            <a:ext cx="5628900" cy="367800"/>
+    </p:spTree>
+  </p:cSld>
+  <p:clrMapOvr>
+    <a:masterClrMapping/>
+  </p:clrMapOvr>
+</p:sld>
+</file>
+
+<file path=ppt/slides/slide16.xml><?xml version="1.0" encoding="utf-8"?>
+<p:sld xmlns:a="http://schemas.openxmlformats.org/drawingml/2006/main" xmlns:r="http://schemas.openxmlformats.org/officeDocument/2006/relationships" xmlns:mc="http://schemas.openxmlformats.org/markup-compatibility/2006" xmlns:mv="urn:schemas-microsoft-com:mac:vml" xmlns:p="http://schemas.openxmlformats.org/presentationml/2006/main" xmlns:c="http://schemas.openxmlformats.org/drawingml/2006/chart" xmlns:dgm="http://schemas.openxmlformats.org/drawingml/2006/diagram" xmlns:o="urn:schemas-microsoft-com:office:office" xmlns:v="urn:schemas-microsoft-com:vml" xmlns:pvml="urn:schemas-microsoft-com:office:powerpoint" xmlns:com="http://schemas.openxmlformats.org/drawingml/2006/compatibility" xmlns:p14="http://schemas.microsoft.com/office/powerpoint/2010/main" xmlns:p15="http://schemas.microsoft.com/office/powerpoint/2012/main" xmlns:ahyp="http://schemas.microsoft.com/office/drawing/2018/hyperlinkcolor">
+  <p:cSld>
+    <p:spTree>
+      <p:nvGrpSpPr>
+        <p:cNvPr id="177" name="Shape 177"/>
+        <p:cNvGrpSpPr/>
+        <p:nvPr/>
+      </p:nvGrpSpPr>
+      <p:grpSpPr>
+        <a:xfrm>
+          <a:off x="0" y="0"/>
+          <a:ext cx="0" cy="0"/>
+          <a:chOff x="0" y="0"/>
+          <a:chExt cx="0" cy="0"/>
+        </a:xfrm>
+      </p:grpSpPr>
+      <p:sp>
+        <p:nvSpPr>
+          <p:cNvPr id="178" name="Google Shape;178;p28"/>
+          <p:cNvSpPr/>
+          <p:nvPr/>
+        </p:nvSpPr>
+        <p:spPr>
+          <a:xfrm>
+            <a:off x="713175" y="1025200"/>
+            <a:ext cx="573000" cy="261000"/>
           </a:xfrm>
           <a:prstGeom prst="rect">
             <a:avLst/>
           </a:prstGeom>
+          <a:solidFill>
+            <a:schemeClr val="lt1"/>
+          </a:solidFill>
+          <a:ln cap="flat" cmpd="sng" w="9525">
+            <a:solidFill>
+              <a:schemeClr val="lt1"/>
+            </a:solidFill>
+            <a:prstDash val="solid"/>
+            <a:round/>
+            <a:headEnd len="sm" w="sm" type="none"/>
+            <a:tailEnd len="sm" w="sm" type="none"/>
+          </a:ln>
         </p:spPr>
         <p:txBody>
-          <a:bodyPr anchorCtr="0" anchor="t" bIns="91425" lIns="91425" spcFirstLastPara="1" rIns="91425" wrap="square" tIns="91425">
-            <a:normAutofit/>
+          <a:bodyPr anchorCtr="0" anchor="ctr" bIns="91425" lIns="91425" spcFirstLastPara="1" rIns="91425" wrap="square" tIns="91425">
+            <a:noAutofit/>
           </a:bodyPr>
           <a:lstStyle/>
           <a:p>
@@ -10745,19 +11180,147 @@
                 <a:spcPts val="0"/>
               </a:spcBef>
               <a:spcAft>
-                <a:spcPts val="1200"/>
-              </a:spcAft>
-              <a:buSzPts val="1018"/>
+                <a:spcPts val="0"/>
+              </a:spcAft>
               <a:buNone/>
             </a:pPr>
             <a:r>
-              <a:rPr lang="en" sz="902"/>
-              <a:t>https://huijzer.xyz/posts/frequentist-bayesian-coin-flipping/</a:t>
+              <a:t/>
             </a:r>
-            <a:endParaRPr sz="902"/>
+            <a:endParaRPr/>
           </a:p>
         </p:txBody>
       </p:sp>
+      <p:pic>
+        <p:nvPicPr>
+          <p:cNvPr id="179" name="Google Shape;179;p28"/>
+          <p:cNvPicPr preferRelativeResize="0"/>
+          <p:nvPr/>
+        </p:nvPicPr>
+        <p:blipFill>
+          <a:blip r:embed="rId3">
+            <a:alphaModFix/>
+          </a:blip>
+          <a:stretch>
+            <a:fillRect/>
+          </a:stretch>
+        </p:blipFill>
+        <p:spPr>
+          <a:xfrm>
+            <a:off x="1143000" y="0"/>
+            <a:ext cx="6858000" cy="5143500"/>
+          </a:xfrm>
+          <a:prstGeom prst="rect">
+            <a:avLst/>
+          </a:prstGeom>
+          <a:noFill/>
+          <a:ln>
+            <a:noFill/>
+          </a:ln>
+        </p:spPr>
+      </p:pic>
+    </p:spTree>
+  </p:cSld>
+  <p:clrMapOvr>
+    <a:masterClrMapping/>
+  </p:clrMapOvr>
+</p:sld>
+</file>
+
+<file path=ppt/slides/slide17.xml><?xml version="1.0" encoding="utf-8"?>
+<p:sld xmlns:a="http://schemas.openxmlformats.org/drawingml/2006/main" xmlns:r="http://schemas.openxmlformats.org/officeDocument/2006/relationships" xmlns:mc="http://schemas.openxmlformats.org/markup-compatibility/2006" xmlns:mv="urn:schemas-microsoft-com:mac:vml" xmlns:p="http://schemas.openxmlformats.org/presentationml/2006/main" xmlns:c="http://schemas.openxmlformats.org/drawingml/2006/chart" xmlns:dgm="http://schemas.openxmlformats.org/drawingml/2006/diagram" xmlns:o="urn:schemas-microsoft-com:office:office" xmlns:v="urn:schemas-microsoft-com:vml" xmlns:pvml="urn:schemas-microsoft-com:office:powerpoint" xmlns:com="http://schemas.openxmlformats.org/drawingml/2006/compatibility" xmlns:p14="http://schemas.microsoft.com/office/powerpoint/2010/main" xmlns:p15="http://schemas.microsoft.com/office/powerpoint/2012/main" xmlns:ahyp="http://schemas.microsoft.com/office/drawing/2018/hyperlinkcolor">
+  <p:cSld>
+    <p:spTree>
+      <p:nvGrpSpPr>
+        <p:cNvPr id="183" name="Shape 183"/>
+        <p:cNvGrpSpPr/>
+        <p:nvPr/>
+      </p:nvGrpSpPr>
+      <p:grpSpPr>
+        <a:xfrm>
+          <a:off x="0" y="0"/>
+          <a:ext cx="0" cy="0"/>
+          <a:chOff x="0" y="0"/>
+          <a:chExt cx="0" cy="0"/>
+        </a:xfrm>
+      </p:grpSpPr>
+      <p:sp>
+        <p:nvSpPr>
+          <p:cNvPr id="184" name="Google Shape;184;p29"/>
+          <p:cNvSpPr/>
+          <p:nvPr/>
+        </p:nvSpPr>
+        <p:spPr>
+          <a:xfrm>
+            <a:off x="713175" y="1025200"/>
+            <a:ext cx="573000" cy="261000"/>
+          </a:xfrm>
+          <a:prstGeom prst="rect">
+            <a:avLst/>
+          </a:prstGeom>
+          <a:solidFill>
+            <a:schemeClr val="lt1"/>
+          </a:solidFill>
+          <a:ln cap="flat" cmpd="sng" w="9525">
+            <a:solidFill>
+              <a:schemeClr val="lt1"/>
+            </a:solidFill>
+            <a:prstDash val="solid"/>
+            <a:round/>
+            <a:headEnd len="sm" w="sm" type="none"/>
+            <a:tailEnd len="sm" w="sm" type="none"/>
+          </a:ln>
+        </p:spPr>
+        <p:txBody>
+          <a:bodyPr anchorCtr="0" anchor="ctr" bIns="91425" lIns="91425" spcFirstLastPara="1" rIns="91425" wrap="square" tIns="91425">
+            <a:noAutofit/>
+          </a:bodyPr>
+          <a:lstStyle/>
+          <a:p>
+            <a:pPr indent="0" lvl="0" marL="0" rtl="0" algn="l">
+              <a:spcBef>
+                <a:spcPts val="0"/>
+              </a:spcBef>
+              <a:spcAft>
+                <a:spcPts val="0"/>
+              </a:spcAft>
+              <a:buNone/>
+            </a:pPr>
+            <a:r>
+              <a:t/>
+            </a:r>
+            <a:endParaRPr/>
+          </a:p>
+        </p:txBody>
+      </p:sp>
+      <p:pic>
+        <p:nvPicPr>
+          <p:cNvPr id="185" name="Google Shape;185;p29"/>
+          <p:cNvPicPr preferRelativeResize="0"/>
+          <p:nvPr/>
+        </p:nvPicPr>
+        <p:blipFill>
+          <a:blip r:embed="rId3">
+            <a:alphaModFix/>
+          </a:blip>
+          <a:stretch>
+            <a:fillRect/>
+          </a:stretch>
+        </p:blipFill>
+        <p:spPr>
+          <a:xfrm>
+            <a:off x="1143000" y="0"/>
+            <a:ext cx="6858000" cy="5143500"/>
+          </a:xfrm>
+          <a:prstGeom prst="rect">
+            <a:avLst/>
+          </a:prstGeom>
+          <a:noFill/>
+          <a:ln>
+            <a:noFill/>
+          </a:ln>
+        </p:spPr>
+      </p:pic>
     </p:spTree>
   </p:cSld>
   <p:clrMapOvr>
@@ -10771,7 +11334,7 @@
   <p:cSld>
     <p:spTree>
       <p:nvGrpSpPr>
-        <p:cNvPr id="214" name="Shape 214"/>
+        <p:cNvPr id="189" name="Shape 189"/>
         <p:cNvGrpSpPr/>
         <p:nvPr/>
       </p:nvGrpSpPr>
@@ -10785,24 +11348,34 @@
       </p:grpSpPr>
       <p:sp>
         <p:nvSpPr>
-          <p:cNvPr id="215" name="Google Shape;215;p30"/>
-          <p:cNvSpPr txBox="1"/>
-          <p:nvPr>
-            <p:ph type="title"/>
-          </p:nvPr>
-        </p:nvSpPr>
-        <p:spPr>
-          <a:xfrm>
-            <a:off x="729450" y="1318650"/>
-            <a:ext cx="7688700" cy="535200"/>
+          <p:cNvPr id="190" name="Google Shape;190;p30"/>
+          <p:cNvSpPr/>
+          <p:nvPr/>
+        </p:nvSpPr>
+        <p:spPr>
+          <a:xfrm>
+            <a:off x="713175" y="1025200"/>
+            <a:ext cx="573000" cy="261000"/>
           </a:xfrm>
           <a:prstGeom prst="rect">
             <a:avLst/>
           </a:prstGeom>
+          <a:solidFill>
+            <a:schemeClr val="lt1"/>
+          </a:solidFill>
+          <a:ln cap="flat" cmpd="sng" w="9525">
+            <a:solidFill>
+              <a:schemeClr val="lt1"/>
+            </a:solidFill>
+            <a:prstDash val="solid"/>
+            <a:round/>
+            <a:headEnd len="sm" w="sm" type="none"/>
+            <a:tailEnd len="sm" w="sm" type="none"/>
+          </a:ln>
         </p:spPr>
         <p:txBody>
-          <a:bodyPr anchorCtr="0" anchor="t" bIns="91425" lIns="91425" spcFirstLastPara="1" rIns="91425" wrap="square" tIns="91425">
-            <a:normAutofit fontScale="90000"/>
+          <a:bodyPr anchorCtr="0" anchor="ctr" bIns="91425" lIns="91425" spcFirstLastPara="1" rIns="91425" wrap="square" tIns="91425">
+            <a:noAutofit/>
           </a:bodyPr>
           <a:lstStyle/>
           <a:p>
@@ -10822,45 +11395,34 @@
           </a:p>
         </p:txBody>
       </p:sp>
-      <p:sp>
-        <p:nvSpPr>
-          <p:cNvPr id="216" name="Google Shape;216;p30"/>
-          <p:cNvSpPr txBox="1"/>
-          <p:nvPr>
-            <p:ph idx="1" type="body"/>
-          </p:nvPr>
-        </p:nvSpPr>
-        <p:spPr>
-          <a:xfrm>
-            <a:off x="729450" y="2078875"/>
-            <a:ext cx="7688700" cy="2261100"/>
+      <p:pic>
+        <p:nvPicPr>
+          <p:cNvPr id="191" name="Google Shape;191;p30"/>
+          <p:cNvPicPr preferRelativeResize="0"/>
+          <p:nvPr/>
+        </p:nvPicPr>
+        <p:blipFill>
+          <a:blip r:embed="rId3">
+            <a:alphaModFix/>
+          </a:blip>
+          <a:stretch>
+            <a:fillRect/>
+          </a:stretch>
+        </p:blipFill>
+        <p:spPr>
+          <a:xfrm>
+            <a:off x="1143000" y="0"/>
+            <a:ext cx="6858000" cy="5143500"/>
           </a:xfrm>
           <a:prstGeom prst="rect">
             <a:avLst/>
           </a:prstGeom>
-        </p:spPr>
-        <p:txBody>
-          <a:bodyPr anchorCtr="0" anchor="t" bIns="91425" lIns="91425" spcFirstLastPara="1" rIns="91425" wrap="square" tIns="91425">
-            <a:normAutofit/>
-          </a:bodyPr>
-          <a:lstStyle/>
-          <a:p>
-            <a:pPr indent="0" lvl="0" marL="0" rtl="0" algn="l">
-              <a:spcBef>
-                <a:spcPts val="0"/>
-              </a:spcBef>
-              <a:spcAft>
-                <a:spcPts val="1200"/>
-              </a:spcAft>
-              <a:buNone/>
-            </a:pPr>
-            <a:r>
-              <a:t/>
-            </a:r>
-            <a:endParaRPr/>
-          </a:p>
-        </p:txBody>
-      </p:sp>
+          <a:noFill/>
+          <a:ln>
+            <a:noFill/>
+          </a:ln>
+        </p:spPr>
+      </p:pic>
     </p:spTree>
   </p:cSld>
   <p:clrMapOvr>
@@ -10874,7 +11436,7 @@
   <p:cSld>
     <p:spTree>
       <p:nvGrpSpPr>
-        <p:cNvPr id="220" name="Shape 220"/>
+        <p:cNvPr id="195" name="Shape 195"/>
         <p:cNvGrpSpPr/>
         <p:nvPr/>
       </p:nvGrpSpPr>
@@ -10888,7 +11450,7 @@
       </p:grpSpPr>
       <p:sp>
         <p:nvSpPr>
-          <p:cNvPr id="221" name="Google Shape;221;p31"/>
+          <p:cNvPr id="196" name="Google Shape;196;p31"/>
           <p:cNvSpPr txBox="1"/>
           <p:nvPr>
             <p:ph type="title"/>
@@ -10919,46 +11481,8 @@
               <a:buNone/>
             </a:pPr>
             <a:r>
-              <a:t/>
-            </a:r>
-            <a:endParaRPr/>
-          </a:p>
-        </p:txBody>
-      </p:sp>
-      <p:sp>
-        <p:nvSpPr>
-          <p:cNvPr id="222" name="Google Shape;222;p31"/>
-          <p:cNvSpPr txBox="1"/>
-          <p:nvPr>
-            <p:ph idx="1" type="body"/>
-          </p:nvPr>
-        </p:nvSpPr>
-        <p:spPr>
-          <a:xfrm>
-            <a:off x="729450" y="2078875"/>
-            <a:ext cx="7688700" cy="2261100"/>
-          </a:xfrm>
-          <a:prstGeom prst="rect">
-            <a:avLst/>
-          </a:prstGeom>
-        </p:spPr>
-        <p:txBody>
-          <a:bodyPr anchorCtr="0" anchor="t" bIns="91425" lIns="91425" spcFirstLastPara="1" rIns="91425" wrap="square" tIns="91425">
-            <a:normAutofit/>
-          </a:bodyPr>
-          <a:lstStyle/>
-          <a:p>
-            <a:pPr indent="0" lvl="0" marL="0" rtl="0" algn="l">
-              <a:spcBef>
-                <a:spcPts val="0"/>
-              </a:spcBef>
-              <a:spcAft>
-                <a:spcPts val="1200"/>
-              </a:spcAft>
-              <a:buNone/>
-            </a:pPr>
-            <a:r>
-              <a:t/>
+              <a:rPr lang="en"/>
+              <a:t>How would this look in the frequentist world?</a:t>
             </a:r>
             <a:endParaRPr/>
           </a:p>
@@ -11023,7 +11547,7 @@
             </a:pPr>
             <a:r>
               <a:rPr lang="en"/>
-              <a:t>This lecture</a:t>
+              <a:t>My background</a:t>
             </a:r>
             <a:endParaRPr/>
           </a:p>
@@ -11064,7 +11588,7 @@
             </a:pPr>
             <a:r>
               <a:rPr lang="en"/>
-              <a:t>Recap lecture 1</a:t>
+              <a:t>Computer science</a:t>
             </a:r>
             <a:endParaRPr/>
           </a:p>
@@ -11081,7 +11605,7 @@
             </a:pPr>
             <a:r>
               <a:rPr lang="en"/>
-              <a:t>Break</a:t>
+              <a:t>Now PhD in psychology</a:t>
             </a:r>
             <a:endParaRPr/>
           </a:p>
@@ -11098,7 +11622,39 @@
             </a:pPr>
             <a:r>
               <a:rPr lang="en"/>
-              <a:t>Bayesian assignment</a:t>
+              <a:t>Prefer Bayesian</a:t>
+            </a:r>
+            <a:endParaRPr/>
+          </a:p>
+          <a:p>
+            <a:pPr indent="-311150" lvl="0" marL="457200" rtl="0" algn="l">
+              <a:spcBef>
+                <a:spcPts val="0"/>
+              </a:spcBef>
+              <a:spcAft>
+                <a:spcPts val="0"/>
+              </a:spcAft>
+              <a:buSzPts val="1300"/>
+              <a:buChar char="-"/>
+            </a:pPr>
+            <a:r>
+              <a:rPr lang="en"/>
+              <a:t>Write blog posts (some lecture content is from my blog)</a:t>
+            </a:r>
+            <a:endParaRPr/>
+          </a:p>
+          <a:p>
+            <a:pPr indent="0" lvl="0" marL="0" rtl="0" algn="l">
+              <a:spcBef>
+                <a:spcPts val="1200"/>
+              </a:spcBef>
+              <a:spcAft>
+                <a:spcPts val="1200"/>
+              </a:spcAft>
+              <a:buNone/>
+            </a:pPr>
+            <a:r>
+              <a:t/>
             </a:r>
             <a:endParaRPr/>
           </a:p>
@@ -11117,7 +11673,7 @@
   <p:cSld>
     <p:spTree>
       <p:nvGrpSpPr>
-        <p:cNvPr id="226" name="Shape 226"/>
+        <p:cNvPr id="200" name="Shape 200"/>
         <p:cNvGrpSpPr/>
         <p:nvPr/>
       </p:nvGrpSpPr>
@@ -11131,7 +11687,7 @@
       </p:grpSpPr>
       <p:sp>
         <p:nvSpPr>
-          <p:cNvPr id="227" name="Google Shape;227;p32"/>
+          <p:cNvPr id="201" name="Google Shape;201;p32"/>
           <p:cNvSpPr txBox="1"/>
           <p:nvPr>
             <p:ph type="title"/>
@@ -11162,51 +11718,41 @@
               <a:buNone/>
             </a:pPr>
             <a:r>
-              <a:t/>
+              <a:rPr lang="en"/>
+              <a:t>How would this look in the frequentist world?</a:t>
             </a:r>
             <a:endParaRPr/>
           </a:p>
         </p:txBody>
       </p:sp>
-      <p:sp>
-        <p:nvSpPr>
-          <p:cNvPr id="228" name="Google Shape;228;p32"/>
-          <p:cNvSpPr txBox="1"/>
-          <p:nvPr>
-            <p:ph idx="1" type="body"/>
-          </p:nvPr>
-        </p:nvSpPr>
-        <p:spPr>
-          <a:xfrm>
-            <a:off x="729450" y="2078875"/>
-            <a:ext cx="7688700" cy="2261100"/>
+      <p:pic>
+        <p:nvPicPr>
+          <p:cNvPr id="202" name="Google Shape;202;p32"/>
+          <p:cNvPicPr preferRelativeResize="0"/>
+          <p:nvPr/>
+        </p:nvPicPr>
+        <p:blipFill>
+          <a:blip r:embed="rId3">
+            <a:alphaModFix/>
+          </a:blip>
+          <a:stretch>
+            <a:fillRect/>
+          </a:stretch>
+        </p:blipFill>
+        <p:spPr>
+          <a:xfrm>
+            <a:off x="2408788" y="1898675"/>
+            <a:ext cx="4326426" cy="3244825"/>
           </a:xfrm>
           <a:prstGeom prst="rect">
             <a:avLst/>
           </a:prstGeom>
-        </p:spPr>
-        <p:txBody>
-          <a:bodyPr anchorCtr="0" anchor="t" bIns="91425" lIns="91425" spcFirstLastPara="1" rIns="91425" wrap="square" tIns="91425">
-            <a:normAutofit/>
-          </a:bodyPr>
-          <a:lstStyle/>
-          <a:p>
-            <a:pPr indent="0" lvl="0" marL="0" rtl="0" algn="l">
-              <a:spcBef>
-                <a:spcPts val="0"/>
-              </a:spcBef>
-              <a:spcAft>
-                <a:spcPts val="1200"/>
-              </a:spcAft>
-              <a:buNone/>
-            </a:pPr>
-            <a:r>
-              <a:t/>
-            </a:r>
-            <a:endParaRPr/>
-          </a:p>
-        </p:txBody>
-      </p:sp>
+          <a:noFill/>
+          <a:ln>
+            <a:noFill/>
+          </a:ln>
+        </p:spPr>
+      </p:pic>
     </p:spTree>
   </p:cSld>
   <p:clrMapOvr>
@@ -11220,7 +11766,7 @@
   <p:cSld>
     <p:spTree>
       <p:nvGrpSpPr>
-        <p:cNvPr id="232" name="Shape 232"/>
+        <p:cNvPr id="206" name="Shape 206"/>
         <p:cNvGrpSpPr/>
         <p:nvPr/>
       </p:nvGrpSpPr>
@@ -11234,24 +11780,34 @@
       </p:grpSpPr>
       <p:sp>
         <p:nvSpPr>
-          <p:cNvPr id="233" name="Google Shape;233;p33"/>
-          <p:cNvSpPr txBox="1"/>
-          <p:nvPr>
-            <p:ph type="title"/>
-          </p:nvPr>
-        </p:nvSpPr>
-        <p:spPr>
-          <a:xfrm>
-            <a:off x="729450" y="1318650"/>
-            <a:ext cx="7688700" cy="535200"/>
+          <p:cNvPr id="207" name="Google Shape;207;p33"/>
+          <p:cNvSpPr/>
+          <p:nvPr/>
+        </p:nvSpPr>
+        <p:spPr>
+          <a:xfrm>
+            <a:off x="662250" y="961525"/>
+            <a:ext cx="1279800" cy="535200"/>
           </a:xfrm>
           <a:prstGeom prst="rect">
             <a:avLst/>
           </a:prstGeom>
+          <a:solidFill>
+            <a:schemeClr val="lt1"/>
+          </a:solidFill>
+          <a:ln cap="flat" cmpd="sng" w="9525">
+            <a:solidFill>
+              <a:schemeClr val="lt1"/>
+            </a:solidFill>
+            <a:prstDash val="solid"/>
+            <a:round/>
+            <a:headEnd len="sm" w="sm" type="none"/>
+            <a:tailEnd len="sm" w="sm" type="none"/>
+          </a:ln>
         </p:spPr>
         <p:txBody>
-          <a:bodyPr anchorCtr="0" anchor="t" bIns="91425" lIns="91425" spcFirstLastPara="1" rIns="91425" wrap="square" tIns="91425">
-            <a:normAutofit fontScale="90000"/>
+          <a:bodyPr anchorCtr="0" anchor="ctr" bIns="91425" lIns="91425" spcFirstLastPara="1" rIns="91425" wrap="square" tIns="91425">
+            <a:noAutofit/>
           </a:bodyPr>
           <a:lstStyle/>
           <a:p>
@@ -11271,18 +11827,46 @@
           </a:p>
         </p:txBody>
       </p:sp>
-      <p:sp>
-        <p:nvSpPr>
-          <p:cNvPr id="234" name="Google Shape;234;p33"/>
+      <p:pic>
+        <p:nvPicPr>
+          <p:cNvPr id="208" name="Google Shape;208;p33"/>
+          <p:cNvPicPr preferRelativeResize="0"/>
+          <p:nvPr/>
+        </p:nvPicPr>
+        <p:blipFill>
+          <a:blip r:embed="rId3">
+            <a:alphaModFix/>
+          </a:blip>
+          <a:stretch>
+            <a:fillRect/>
+          </a:stretch>
+        </p:blipFill>
+        <p:spPr>
+          <a:xfrm>
+            <a:off x="1143000" y="0"/>
+            <a:ext cx="6858000" cy="5143500"/>
+          </a:xfrm>
+          <a:prstGeom prst="rect">
+            <a:avLst/>
+          </a:prstGeom>
+          <a:noFill/>
+          <a:ln>
+            <a:noFill/>
+          </a:ln>
+        </p:spPr>
+      </p:pic>
+      <p:sp>
+        <p:nvSpPr>
+          <p:cNvPr id="209" name="Google Shape;209;p33"/>
           <p:cNvSpPr txBox="1"/>
           <p:nvPr>
-            <p:ph idx="1" type="body"/>
+            <p:ph idx="4294967295" type="body"/>
           </p:nvPr>
         </p:nvSpPr>
         <p:spPr>
           <a:xfrm>
-            <a:off x="729450" y="2078875"/>
-            <a:ext cx="7688700" cy="2261100"/>
+            <a:off x="0" y="4775775"/>
+            <a:ext cx="5628900" cy="367800"/>
           </a:xfrm>
           <a:prstGeom prst="rect">
             <a:avLst/>
@@ -11301,12 +11885,14 @@
               <a:spcAft>
                 <a:spcPts val="1200"/>
               </a:spcAft>
+              <a:buSzPts val="1018"/>
               <a:buNone/>
             </a:pPr>
             <a:r>
-              <a:t/>
+              <a:rPr lang="en" sz="902"/>
+              <a:t>https://huijzer.xyz/posts/frequentist-bayesian-coin-flipping/</a:t>
             </a:r>
-            <a:endParaRPr/>
+            <a:endParaRPr sz="902"/>
           </a:p>
         </p:txBody>
       </p:sp>
@@ -11323,7 +11909,7 @@
   <p:cSld>
     <p:spTree>
       <p:nvGrpSpPr>
-        <p:cNvPr id="238" name="Shape 238"/>
+        <p:cNvPr id="213" name="Shape 213"/>
         <p:cNvGrpSpPr/>
         <p:nvPr/>
       </p:nvGrpSpPr>
@@ -11337,24 +11923,34 @@
       </p:grpSpPr>
       <p:sp>
         <p:nvSpPr>
-          <p:cNvPr id="239" name="Google Shape;239;p34"/>
-          <p:cNvSpPr txBox="1"/>
-          <p:nvPr>
-            <p:ph type="title"/>
-          </p:nvPr>
-        </p:nvSpPr>
-        <p:spPr>
-          <a:xfrm>
-            <a:off x="729450" y="1318650"/>
-            <a:ext cx="7688700" cy="535200"/>
+          <p:cNvPr id="214" name="Google Shape;214;p34"/>
+          <p:cNvSpPr/>
+          <p:nvPr/>
+        </p:nvSpPr>
+        <p:spPr>
+          <a:xfrm>
+            <a:off x="662250" y="961525"/>
+            <a:ext cx="1279800" cy="535200"/>
           </a:xfrm>
           <a:prstGeom prst="rect">
             <a:avLst/>
           </a:prstGeom>
+          <a:solidFill>
+            <a:schemeClr val="lt1"/>
+          </a:solidFill>
+          <a:ln cap="flat" cmpd="sng" w="9525">
+            <a:solidFill>
+              <a:schemeClr val="lt1"/>
+            </a:solidFill>
+            <a:prstDash val="solid"/>
+            <a:round/>
+            <a:headEnd len="sm" w="sm" type="none"/>
+            <a:tailEnd len="sm" w="sm" type="none"/>
+          </a:ln>
         </p:spPr>
         <p:txBody>
-          <a:bodyPr anchorCtr="0" anchor="t" bIns="91425" lIns="91425" spcFirstLastPara="1" rIns="91425" wrap="square" tIns="91425">
-            <a:normAutofit fontScale="90000"/>
+          <a:bodyPr anchorCtr="0" anchor="ctr" bIns="91425" lIns="91425" spcFirstLastPara="1" rIns="91425" wrap="square" tIns="91425">
+            <a:noAutofit/>
           </a:bodyPr>
           <a:lstStyle/>
           <a:p>
@@ -11374,45 +11970,34 @@
           </a:p>
         </p:txBody>
       </p:sp>
-      <p:sp>
-        <p:nvSpPr>
-          <p:cNvPr id="240" name="Google Shape;240;p34"/>
-          <p:cNvSpPr txBox="1"/>
-          <p:nvPr>
-            <p:ph idx="1" type="body"/>
-          </p:nvPr>
-        </p:nvSpPr>
-        <p:spPr>
-          <a:xfrm>
-            <a:off x="729450" y="2078875"/>
-            <a:ext cx="7688700" cy="2261100"/>
+      <p:pic>
+        <p:nvPicPr>
+          <p:cNvPr id="215" name="Google Shape;215;p34"/>
+          <p:cNvPicPr preferRelativeResize="0"/>
+          <p:nvPr/>
+        </p:nvPicPr>
+        <p:blipFill>
+          <a:blip r:embed="rId3">
+            <a:alphaModFix/>
+          </a:blip>
+          <a:stretch>
+            <a:fillRect/>
+          </a:stretch>
+        </p:blipFill>
+        <p:spPr>
+          <a:xfrm>
+            <a:off x="1143000" y="0"/>
+            <a:ext cx="6858000" cy="5143500"/>
           </a:xfrm>
           <a:prstGeom prst="rect">
             <a:avLst/>
           </a:prstGeom>
-        </p:spPr>
-        <p:txBody>
-          <a:bodyPr anchorCtr="0" anchor="t" bIns="91425" lIns="91425" spcFirstLastPara="1" rIns="91425" wrap="square" tIns="91425">
-            <a:normAutofit/>
-          </a:bodyPr>
-          <a:lstStyle/>
-          <a:p>
-            <a:pPr indent="0" lvl="0" marL="0" rtl="0" algn="l">
-              <a:spcBef>
-                <a:spcPts val="0"/>
-              </a:spcBef>
-              <a:spcAft>
-                <a:spcPts val="1200"/>
-              </a:spcAft>
-              <a:buNone/>
-            </a:pPr>
-            <a:r>
-              <a:t/>
-            </a:r>
-            <a:endParaRPr/>
-          </a:p>
-        </p:txBody>
-      </p:sp>
+          <a:noFill/>
+          <a:ln>
+            <a:noFill/>
+          </a:ln>
+        </p:spPr>
+      </p:pic>
     </p:spTree>
   </p:cSld>
   <p:clrMapOvr>
@@ -11422,6 +12007,587 @@
 </file>
 
 <file path=ppt/slides/slide23.xml><?xml version="1.0" encoding="utf-8"?>
+<p:sld xmlns:a="http://schemas.openxmlformats.org/drawingml/2006/main" xmlns:r="http://schemas.openxmlformats.org/officeDocument/2006/relationships" xmlns:mc="http://schemas.openxmlformats.org/markup-compatibility/2006" xmlns:mv="urn:schemas-microsoft-com:mac:vml" xmlns:p="http://schemas.openxmlformats.org/presentationml/2006/main" xmlns:c="http://schemas.openxmlformats.org/drawingml/2006/chart" xmlns:dgm="http://schemas.openxmlformats.org/drawingml/2006/diagram" xmlns:o="urn:schemas-microsoft-com:office:office" xmlns:v="urn:schemas-microsoft-com:vml" xmlns:pvml="urn:schemas-microsoft-com:office:powerpoint" xmlns:com="http://schemas.openxmlformats.org/drawingml/2006/compatibility" xmlns:p14="http://schemas.microsoft.com/office/powerpoint/2010/main" xmlns:p15="http://schemas.microsoft.com/office/powerpoint/2012/main" xmlns:ahyp="http://schemas.microsoft.com/office/drawing/2018/hyperlinkcolor">
+  <p:cSld>
+    <p:spTree>
+      <p:nvGrpSpPr>
+        <p:cNvPr id="219" name="Shape 219"/>
+        <p:cNvGrpSpPr/>
+        <p:nvPr/>
+      </p:nvGrpSpPr>
+      <p:grpSpPr>
+        <a:xfrm>
+          <a:off x="0" y="0"/>
+          <a:ext cx="0" cy="0"/>
+          <a:chOff x="0" y="0"/>
+          <a:chExt cx="0" cy="0"/>
+        </a:xfrm>
+      </p:grpSpPr>
+      <p:sp>
+        <p:nvSpPr>
+          <p:cNvPr id="220" name="Google Shape;220;p35"/>
+          <p:cNvSpPr txBox="1"/>
+          <p:nvPr>
+            <p:ph type="title"/>
+          </p:nvPr>
+        </p:nvSpPr>
+        <p:spPr>
+          <a:xfrm>
+            <a:off x="729450" y="1318650"/>
+            <a:ext cx="7688700" cy="535200"/>
+          </a:xfrm>
+          <a:prstGeom prst="rect">
+            <a:avLst/>
+          </a:prstGeom>
+        </p:spPr>
+        <p:txBody>
+          <a:bodyPr anchorCtr="0" anchor="t" bIns="91425" lIns="91425" spcFirstLastPara="1" rIns="91425" wrap="square" tIns="91425">
+            <a:normAutofit fontScale="90000"/>
+          </a:bodyPr>
+          <a:lstStyle/>
+          <a:p>
+            <a:pPr indent="0" lvl="0" marL="0" rtl="0" algn="l">
+              <a:spcBef>
+                <a:spcPts val="0"/>
+              </a:spcBef>
+              <a:spcAft>
+                <a:spcPts val="0"/>
+              </a:spcAft>
+              <a:buNone/>
+            </a:pPr>
+            <a:r>
+              <a:rPr lang="en"/>
+              <a:t>PhD project</a:t>
+            </a:r>
+            <a:endParaRPr/>
+          </a:p>
+        </p:txBody>
+      </p:sp>
+      <p:sp>
+        <p:nvSpPr>
+          <p:cNvPr id="221" name="Google Shape;221;p35"/>
+          <p:cNvSpPr txBox="1"/>
+          <p:nvPr>
+            <p:ph idx="1" type="body"/>
+          </p:nvPr>
+        </p:nvSpPr>
+        <p:spPr>
+          <a:xfrm>
+            <a:off x="729450" y="2078875"/>
+            <a:ext cx="7688700" cy="2261100"/>
+          </a:xfrm>
+          <a:prstGeom prst="rect">
+            <a:avLst/>
+          </a:prstGeom>
+        </p:spPr>
+        <p:txBody>
+          <a:bodyPr anchorCtr="0" anchor="t" bIns="91425" lIns="91425" spcFirstLastPara="1" rIns="91425" wrap="square" tIns="91425">
+            <a:normAutofit/>
+          </a:bodyPr>
+          <a:lstStyle/>
+          <a:p>
+            <a:pPr indent="-311150" lvl="0" marL="457200" rtl="0" algn="l">
+              <a:spcBef>
+                <a:spcPts val="0"/>
+              </a:spcBef>
+              <a:spcAft>
+                <a:spcPts val="0"/>
+              </a:spcAft>
+              <a:buSzPts val="1300"/>
+              <a:buChar char="-"/>
+            </a:pPr>
+            <a:r>
+              <a:rPr lang="en"/>
+              <a:t>lorem ipsum</a:t>
+            </a:r>
+            <a:endParaRPr/>
+          </a:p>
+        </p:txBody>
+      </p:sp>
+    </p:spTree>
+  </p:cSld>
+  <p:clrMapOvr>
+    <a:masterClrMapping/>
+  </p:clrMapOvr>
+</p:sld>
+</file>
+
+<file path=ppt/slides/slide24.xml><?xml version="1.0" encoding="utf-8"?>
+<p:sld xmlns:a="http://schemas.openxmlformats.org/drawingml/2006/main" xmlns:r="http://schemas.openxmlformats.org/officeDocument/2006/relationships" xmlns:mc="http://schemas.openxmlformats.org/markup-compatibility/2006" xmlns:mv="urn:schemas-microsoft-com:mac:vml" xmlns:p="http://schemas.openxmlformats.org/presentationml/2006/main" xmlns:c="http://schemas.openxmlformats.org/drawingml/2006/chart" xmlns:dgm="http://schemas.openxmlformats.org/drawingml/2006/diagram" xmlns:o="urn:schemas-microsoft-com:office:office" xmlns:v="urn:schemas-microsoft-com:vml" xmlns:pvml="urn:schemas-microsoft-com:office:powerpoint" xmlns:com="http://schemas.openxmlformats.org/drawingml/2006/compatibility" xmlns:p14="http://schemas.microsoft.com/office/powerpoint/2010/main" xmlns:p15="http://schemas.microsoft.com/office/powerpoint/2012/main" xmlns:ahyp="http://schemas.microsoft.com/office/drawing/2018/hyperlinkcolor">
+  <p:cSld>
+    <p:spTree>
+      <p:nvGrpSpPr>
+        <p:cNvPr id="225" name="Shape 225"/>
+        <p:cNvGrpSpPr/>
+        <p:nvPr/>
+      </p:nvGrpSpPr>
+      <p:grpSpPr>
+        <a:xfrm>
+          <a:off x="0" y="0"/>
+          <a:ext cx="0" cy="0"/>
+          <a:chOff x="0" y="0"/>
+          <a:chExt cx="0" cy="0"/>
+        </a:xfrm>
+      </p:grpSpPr>
+      <p:sp>
+        <p:nvSpPr>
+          <p:cNvPr id="226" name="Google Shape;226;p36"/>
+          <p:cNvSpPr txBox="1"/>
+          <p:nvPr>
+            <p:ph type="title"/>
+          </p:nvPr>
+        </p:nvSpPr>
+        <p:spPr>
+          <a:xfrm>
+            <a:off x="729450" y="1318650"/>
+            <a:ext cx="7688700" cy="535200"/>
+          </a:xfrm>
+          <a:prstGeom prst="rect">
+            <a:avLst/>
+          </a:prstGeom>
+        </p:spPr>
+        <p:txBody>
+          <a:bodyPr anchorCtr="0" anchor="t" bIns="91425" lIns="91425" spcFirstLastPara="1" rIns="91425" wrap="square" tIns="91425">
+            <a:normAutofit fontScale="90000"/>
+          </a:bodyPr>
+          <a:lstStyle/>
+          <a:p>
+            <a:pPr indent="0" lvl="0" marL="0" rtl="0" algn="l">
+              <a:spcBef>
+                <a:spcPts val="0"/>
+              </a:spcBef>
+              <a:spcAft>
+                <a:spcPts val="0"/>
+              </a:spcAft>
+              <a:buNone/>
+            </a:pPr>
+            <a:r>
+              <a:rPr lang="en"/>
+              <a:t>Bayesian versus frequentist linear regression</a:t>
+            </a:r>
+            <a:endParaRPr/>
+          </a:p>
+        </p:txBody>
+      </p:sp>
+      <p:sp>
+        <p:nvSpPr>
+          <p:cNvPr id="227" name="Google Shape;227;p36"/>
+          <p:cNvSpPr txBox="1"/>
+          <p:nvPr>
+            <p:ph idx="1" type="body"/>
+          </p:nvPr>
+        </p:nvSpPr>
+        <p:spPr>
+          <a:xfrm>
+            <a:off x="729450" y="2078875"/>
+            <a:ext cx="7688700" cy="2261100"/>
+          </a:xfrm>
+          <a:prstGeom prst="rect">
+            <a:avLst/>
+          </a:prstGeom>
+        </p:spPr>
+        <p:txBody>
+          <a:bodyPr anchorCtr="0" anchor="t" bIns="91425" lIns="91425" spcFirstLastPara="1" rIns="91425" wrap="square" tIns="91425">
+            <a:normAutofit/>
+          </a:bodyPr>
+          <a:lstStyle/>
+          <a:p>
+            <a:pPr indent="0" lvl="0" marL="0" rtl="0" algn="l">
+              <a:spcBef>
+                <a:spcPts val="0"/>
+              </a:spcBef>
+              <a:spcAft>
+                <a:spcPts val="1200"/>
+              </a:spcAft>
+              <a:buNone/>
+            </a:pPr>
+            <a:r>
+              <a:t/>
+            </a:r>
+            <a:endParaRPr/>
+          </a:p>
+        </p:txBody>
+      </p:sp>
+    </p:spTree>
+  </p:cSld>
+  <p:clrMapOvr>
+    <a:masterClrMapping/>
+  </p:clrMapOvr>
+</p:sld>
+</file>
+
+<file path=ppt/slides/slide25.xml><?xml version="1.0" encoding="utf-8"?>
+<p:sld xmlns:a="http://schemas.openxmlformats.org/drawingml/2006/main" xmlns:r="http://schemas.openxmlformats.org/officeDocument/2006/relationships" xmlns:mc="http://schemas.openxmlformats.org/markup-compatibility/2006" xmlns:mv="urn:schemas-microsoft-com:mac:vml" xmlns:p="http://schemas.openxmlformats.org/presentationml/2006/main" xmlns:c="http://schemas.openxmlformats.org/drawingml/2006/chart" xmlns:dgm="http://schemas.openxmlformats.org/drawingml/2006/diagram" xmlns:o="urn:schemas-microsoft-com:office:office" xmlns:v="urn:schemas-microsoft-com:vml" xmlns:pvml="urn:schemas-microsoft-com:office:powerpoint" xmlns:com="http://schemas.openxmlformats.org/drawingml/2006/compatibility" xmlns:p14="http://schemas.microsoft.com/office/powerpoint/2010/main" xmlns:p15="http://schemas.microsoft.com/office/powerpoint/2012/main" xmlns:ahyp="http://schemas.microsoft.com/office/drawing/2018/hyperlinkcolor">
+  <p:cSld>
+    <p:spTree>
+      <p:nvGrpSpPr>
+        <p:cNvPr id="231" name="Shape 231"/>
+        <p:cNvGrpSpPr/>
+        <p:nvPr/>
+      </p:nvGrpSpPr>
+      <p:grpSpPr>
+        <a:xfrm>
+          <a:off x="0" y="0"/>
+          <a:ext cx="0" cy="0"/>
+          <a:chOff x="0" y="0"/>
+          <a:chExt cx="0" cy="0"/>
+        </a:xfrm>
+      </p:grpSpPr>
+      <p:sp>
+        <p:nvSpPr>
+          <p:cNvPr id="232" name="Google Shape;232;p37"/>
+          <p:cNvSpPr txBox="1"/>
+          <p:nvPr>
+            <p:ph type="title"/>
+          </p:nvPr>
+        </p:nvSpPr>
+        <p:spPr>
+          <a:xfrm>
+            <a:off x="729450" y="1318650"/>
+            <a:ext cx="7688700" cy="535200"/>
+          </a:xfrm>
+          <a:prstGeom prst="rect">
+            <a:avLst/>
+          </a:prstGeom>
+        </p:spPr>
+        <p:txBody>
+          <a:bodyPr anchorCtr="0" anchor="t" bIns="91425" lIns="91425" spcFirstLastPara="1" rIns="91425" wrap="square" tIns="91425">
+            <a:normAutofit fontScale="90000"/>
+          </a:bodyPr>
+          <a:lstStyle/>
+          <a:p>
+            <a:pPr indent="0" lvl="0" marL="0" rtl="0" algn="l">
+              <a:spcBef>
+                <a:spcPts val="0"/>
+              </a:spcBef>
+              <a:spcAft>
+                <a:spcPts val="0"/>
+              </a:spcAft>
+              <a:buNone/>
+            </a:pPr>
+            <a:r>
+              <a:rPr lang="en"/>
+              <a:t>Bayesian versus frequentist linear regression</a:t>
+            </a:r>
+            <a:endParaRPr/>
+          </a:p>
+        </p:txBody>
+      </p:sp>
+      <p:sp>
+        <p:nvSpPr>
+          <p:cNvPr id="233" name="Google Shape;233;p37"/>
+          <p:cNvSpPr txBox="1"/>
+          <p:nvPr>
+            <p:ph idx="1" type="body"/>
+          </p:nvPr>
+        </p:nvSpPr>
+        <p:spPr>
+          <a:xfrm>
+            <a:off x="729450" y="2078875"/>
+            <a:ext cx="7688700" cy="2951700"/>
+          </a:xfrm>
+          <a:prstGeom prst="rect">
+            <a:avLst/>
+          </a:prstGeom>
+        </p:spPr>
+        <p:txBody>
+          <a:bodyPr anchorCtr="0" anchor="t" bIns="91425" lIns="91425" spcFirstLastPara="1" rIns="91425" wrap="square" tIns="91425">
+            <a:normAutofit/>
+          </a:bodyPr>
+          <a:lstStyle/>
+          <a:p>
+            <a:pPr indent="-349250" lvl="0" marL="457200" rtl="0" algn="l">
+              <a:spcBef>
+                <a:spcPts val="0"/>
+              </a:spcBef>
+              <a:spcAft>
+                <a:spcPts val="0"/>
+              </a:spcAft>
+              <a:buSzPts val="1900"/>
+              <a:buChar char="-"/>
+            </a:pPr>
+            <a:r>
+              <a:rPr lang="en" sz="1900"/>
+              <a:t>Simulated data for special forces selection (PhD project)</a:t>
+            </a:r>
+            <a:endParaRPr sz="1900"/>
+          </a:p>
+          <a:p>
+            <a:pPr indent="-349250" lvl="0" marL="457200" rtl="0" algn="l">
+              <a:spcBef>
+                <a:spcPts val="0"/>
+              </a:spcBef>
+              <a:spcAft>
+                <a:spcPts val="0"/>
+              </a:spcAft>
+              <a:buSzPts val="1900"/>
+              <a:buChar char="-"/>
+            </a:pPr>
+            <a:r>
+              <a:rPr lang="en" sz="1900"/>
+              <a:t>Dropout (0.0) --- Graduate (1.0)</a:t>
+            </a:r>
+            <a:endParaRPr sz="1900"/>
+          </a:p>
+          <a:p>
+            <a:pPr indent="-349250" lvl="0" marL="457200" rtl="0" algn="l">
+              <a:spcBef>
+                <a:spcPts val="0"/>
+              </a:spcBef>
+              <a:spcAft>
+                <a:spcPts val="0"/>
+              </a:spcAft>
+              <a:buSzPts val="1900"/>
+              <a:buChar char="-"/>
+            </a:pPr>
+            <a:r>
+              <a:rPr lang="en" sz="1900"/>
+              <a:t>Number of participants: ~150</a:t>
+            </a:r>
+            <a:endParaRPr sz="1900"/>
+          </a:p>
+          <a:p>
+            <a:pPr indent="-349250" lvl="0" marL="457200" rtl="0" algn="l">
+              <a:spcBef>
+                <a:spcPts val="0"/>
+              </a:spcBef>
+              <a:spcAft>
+                <a:spcPts val="0"/>
+              </a:spcAft>
+              <a:buSzPts val="1900"/>
+              <a:buChar char="-"/>
+            </a:pPr>
+            <a:r>
+              <a:rPr lang="en" sz="1900"/>
+              <a:t>Number of questionnaires: 5 in the simulated data (&gt;20 in reality)</a:t>
+            </a:r>
+            <a:endParaRPr sz="1900"/>
+          </a:p>
+          <a:p>
+            <a:pPr indent="-349250" lvl="0" marL="457200" rtl="0" algn="l">
+              <a:spcBef>
+                <a:spcPts val="0"/>
+              </a:spcBef>
+              <a:spcAft>
+                <a:spcPts val="0"/>
+              </a:spcAft>
+              <a:buSzPts val="1900"/>
+              <a:buChar char="-"/>
+            </a:pPr>
+            <a:r>
+              <a:rPr lang="en" sz="1900"/>
+              <a:t>Questionnaire names: A, B, C, D and E</a:t>
+            </a:r>
+            <a:endParaRPr sz="1900"/>
+          </a:p>
+          <a:p>
+            <a:pPr indent="-349250" lvl="0" marL="457200" rtl="0" algn="l">
+              <a:spcBef>
+                <a:spcPts val="0"/>
+              </a:spcBef>
+              <a:spcAft>
+                <a:spcPts val="0"/>
+              </a:spcAft>
+              <a:buSzPts val="1900"/>
+              <a:buChar char="-"/>
+            </a:pPr>
+            <a:r>
+              <a:rPr lang="en" sz="1900"/>
+              <a:t>Outcome/dependent variable: Y</a:t>
+            </a:r>
+            <a:endParaRPr sz="1900"/>
+          </a:p>
+          <a:p>
+            <a:pPr indent="-349250" lvl="0" marL="457200" rtl="0" algn="l">
+              <a:spcBef>
+                <a:spcPts val="0"/>
+              </a:spcBef>
+              <a:spcAft>
+                <a:spcPts val="0"/>
+              </a:spcAft>
+              <a:buSzPts val="1900"/>
+              <a:buChar char="-"/>
+            </a:pPr>
+            <a:r>
+              <a:rPr lang="en" sz="1900"/>
+              <a:t>High correlations</a:t>
+            </a:r>
+            <a:endParaRPr sz="1900"/>
+          </a:p>
+          <a:p>
+            <a:pPr indent="-349250" lvl="0" marL="457200" rtl="0" algn="l">
+              <a:spcBef>
+                <a:spcPts val="0"/>
+              </a:spcBef>
+              <a:spcAft>
+                <a:spcPts val="0"/>
+              </a:spcAft>
+              <a:buSzPts val="1900"/>
+              <a:buChar char="-"/>
+            </a:pPr>
+            <a:r>
+              <a:rPr lang="en" sz="1900"/>
+              <a:t>Centered data</a:t>
+            </a:r>
+            <a:endParaRPr sz="1900"/>
+          </a:p>
+        </p:txBody>
+      </p:sp>
+    </p:spTree>
+  </p:cSld>
+  <p:clrMapOvr>
+    <a:masterClrMapping/>
+  </p:clrMapOvr>
+</p:sld>
+</file>
+
+<file path=ppt/slides/slide26.xml><?xml version="1.0" encoding="utf-8"?>
+<p:sld xmlns:a="http://schemas.openxmlformats.org/drawingml/2006/main" xmlns:r="http://schemas.openxmlformats.org/officeDocument/2006/relationships" xmlns:mc="http://schemas.openxmlformats.org/markup-compatibility/2006" xmlns:mv="urn:schemas-microsoft-com:mac:vml" xmlns:p="http://schemas.openxmlformats.org/presentationml/2006/main" xmlns:c="http://schemas.openxmlformats.org/drawingml/2006/chart" xmlns:dgm="http://schemas.openxmlformats.org/drawingml/2006/diagram" xmlns:o="urn:schemas-microsoft-com:office:office" xmlns:v="urn:schemas-microsoft-com:vml" xmlns:pvml="urn:schemas-microsoft-com:office:powerpoint" xmlns:com="http://schemas.openxmlformats.org/drawingml/2006/compatibility" xmlns:p14="http://schemas.microsoft.com/office/powerpoint/2010/main" xmlns:p15="http://schemas.microsoft.com/office/powerpoint/2012/main" xmlns:ahyp="http://schemas.microsoft.com/office/drawing/2018/hyperlinkcolor">
+  <p:cSld>
+    <p:spTree>
+      <p:nvGrpSpPr>
+        <p:cNvPr id="237" name="Shape 237"/>
+        <p:cNvGrpSpPr/>
+        <p:nvPr/>
+      </p:nvGrpSpPr>
+      <p:grpSpPr>
+        <a:xfrm>
+          <a:off x="0" y="0"/>
+          <a:ext cx="0" cy="0"/>
+          <a:chOff x="0" y="0"/>
+          <a:chExt cx="0" cy="0"/>
+        </a:xfrm>
+      </p:grpSpPr>
+      <p:pic>
+        <p:nvPicPr>
+          <p:cNvPr id="238" name="Google Shape;238;p38"/>
+          <p:cNvPicPr preferRelativeResize="0"/>
+          <p:nvPr/>
+        </p:nvPicPr>
+        <p:blipFill>
+          <a:blip r:embed="rId3">
+            <a:alphaModFix/>
+          </a:blip>
+          <a:stretch>
+            <a:fillRect/>
+          </a:stretch>
+        </p:blipFill>
+        <p:spPr>
+          <a:xfrm>
+            <a:off x="2000250" y="0"/>
+            <a:ext cx="5143500" cy="5143500"/>
+          </a:xfrm>
+          <a:prstGeom prst="rect">
+            <a:avLst/>
+          </a:prstGeom>
+          <a:noFill/>
+          <a:ln>
+            <a:noFill/>
+          </a:ln>
+        </p:spPr>
+      </p:pic>
+      <p:sp>
+        <p:nvSpPr>
+          <p:cNvPr id="239" name="Google Shape;239;p38"/>
+          <p:cNvSpPr txBox="1"/>
+          <p:nvPr>
+            <p:ph idx="4294967295" type="body"/>
+          </p:nvPr>
+        </p:nvSpPr>
+        <p:spPr>
+          <a:xfrm>
+            <a:off x="0" y="4775775"/>
+            <a:ext cx="5628900" cy="367800"/>
+          </a:xfrm>
+          <a:prstGeom prst="rect">
+            <a:avLst/>
+          </a:prstGeom>
+        </p:spPr>
+        <p:txBody>
+          <a:bodyPr anchorCtr="0" anchor="t" bIns="91425" lIns="91425" spcFirstLastPara="1" rIns="91425" wrap="square" tIns="91425">
+            <a:normAutofit/>
+          </a:bodyPr>
+          <a:lstStyle/>
+          <a:p>
+            <a:pPr indent="0" lvl="0" marL="0" rtl="0" algn="l">
+              <a:spcBef>
+                <a:spcPts val="0"/>
+              </a:spcBef>
+              <a:spcAft>
+                <a:spcPts val="1200"/>
+              </a:spcAft>
+              <a:buSzPts val="1018"/>
+              <a:buNone/>
+            </a:pPr>
+            <a:r>
+              <a:rPr lang="en" sz="902"/>
+              <a:t>https://huijzer.xyz/posts/collinear-bayes/</a:t>
+            </a:r>
+            <a:endParaRPr sz="902"/>
+          </a:p>
+        </p:txBody>
+      </p:sp>
+      <p:sp>
+        <p:nvSpPr>
+          <p:cNvPr id="240" name="Google Shape;240;p38"/>
+          <p:cNvSpPr txBox="1"/>
+          <p:nvPr/>
+        </p:nvSpPr>
+        <p:spPr>
+          <a:xfrm>
+            <a:off x="95525" y="2371650"/>
+            <a:ext cx="1706700" cy="400200"/>
+          </a:xfrm>
+          <a:prstGeom prst="rect">
+            <a:avLst/>
+          </a:prstGeom>
+          <a:noFill/>
+          <a:ln>
+            <a:noFill/>
+          </a:ln>
+        </p:spPr>
+        <p:txBody>
+          <a:bodyPr anchorCtr="0" anchor="t" bIns="91425" lIns="91425" spcFirstLastPara="1" rIns="91425" wrap="square" tIns="91425">
+            <a:spAutoFit/>
+          </a:bodyPr>
+          <a:lstStyle/>
+          <a:p>
+            <a:pPr indent="0" lvl="0" marL="0" rtl="0" algn="l">
+              <a:spcBef>
+                <a:spcPts val="0"/>
+              </a:spcBef>
+              <a:spcAft>
+                <a:spcPts val="0"/>
+              </a:spcAft>
+              <a:buNone/>
+            </a:pPr>
+            <a:r>
+              <a:rPr i="1" lang="en">
+                <a:latin typeface="Lato"/>
+                <a:ea typeface="Lato"/>
+                <a:cs typeface="Lato"/>
+                <a:sym typeface="Lato"/>
+              </a:rPr>
+              <a:t>NB. Centered data</a:t>
+            </a:r>
+            <a:endParaRPr i="1">
+              <a:latin typeface="Lato"/>
+              <a:ea typeface="Lato"/>
+              <a:cs typeface="Lato"/>
+              <a:sym typeface="Lato"/>
+            </a:endParaRPr>
+          </a:p>
+        </p:txBody>
+      </p:sp>
+    </p:spTree>
+  </p:cSld>
+  <p:clrMapOvr>
+    <a:masterClrMapping/>
+  </p:clrMapOvr>
+</p:sld>
+</file>
+
+<file path=ppt/slides/slide27.xml><?xml version="1.0" encoding="utf-8"?>
 <p:sld xmlns:a="http://schemas.openxmlformats.org/drawingml/2006/main" xmlns:r="http://schemas.openxmlformats.org/officeDocument/2006/relationships" xmlns:mc="http://schemas.openxmlformats.org/markup-compatibility/2006" xmlns:mv="urn:schemas-microsoft-com:mac:vml" xmlns:p="http://schemas.openxmlformats.org/presentationml/2006/main" xmlns:c="http://schemas.openxmlformats.org/drawingml/2006/chart" xmlns:dgm="http://schemas.openxmlformats.org/drawingml/2006/diagram" xmlns:o="urn:schemas-microsoft-com:office:office" xmlns:v="urn:schemas-microsoft-com:vml" xmlns:pvml="urn:schemas-microsoft-com:office:powerpoint" xmlns:com="http://schemas.openxmlformats.org/drawingml/2006/compatibility" xmlns:p14="http://schemas.microsoft.com/office/powerpoint/2010/main" xmlns:p15="http://schemas.microsoft.com/office/powerpoint/2012/main" xmlns:ahyp="http://schemas.microsoft.com/office/drawing/2018/hyperlinkcolor">
   <p:cSld>
     <p:spTree>
@@ -11438,101 +12604,130 @@
           <a:chExt cx="0" cy="0"/>
         </a:xfrm>
       </p:grpSpPr>
-      <p:sp>
-        <p:nvSpPr>
-          <p:cNvPr id="245" name="Google Shape;245;p35"/>
-          <p:cNvSpPr txBox="1"/>
-          <p:nvPr>
-            <p:ph type="title"/>
-          </p:nvPr>
-        </p:nvSpPr>
-        <p:spPr>
-          <a:xfrm>
-            <a:off x="729450" y="1318650"/>
-            <a:ext cx="7688700" cy="535200"/>
+      <p:pic>
+        <p:nvPicPr>
+          <p:cNvPr id="245" name="Google Shape;245;p39"/>
+          <p:cNvPicPr preferRelativeResize="0"/>
+          <p:nvPr/>
+        </p:nvPicPr>
+        <p:blipFill>
+          <a:blip r:embed="rId3">
+            <a:alphaModFix/>
+          </a:blip>
+          <a:stretch>
+            <a:fillRect/>
+          </a:stretch>
+        </p:blipFill>
+        <p:spPr>
+          <a:xfrm>
+            <a:off x="2643188" y="0"/>
+            <a:ext cx="3857625" cy="5143500"/>
           </a:xfrm>
           <a:prstGeom prst="rect">
             <a:avLst/>
           </a:prstGeom>
-        </p:spPr>
-        <p:txBody>
-          <a:bodyPr anchorCtr="0" anchor="t" bIns="91425" lIns="91425" spcFirstLastPara="1" rIns="91425" wrap="square" tIns="91425">
-            <a:normAutofit fontScale="90000"/>
-          </a:bodyPr>
-          <a:lstStyle/>
-          <a:p>
-            <a:pPr indent="0" lvl="0" marL="0" rtl="0" algn="l">
-              <a:spcBef>
-                <a:spcPts val="0"/>
-              </a:spcBef>
-              <a:spcAft>
-                <a:spcPts val="0"/>
-              </a:spcAft>
-              <a:buNone/>
-            </a:pPr>
-            <a:r>
-              <a:t/>
-            </a:r>
-            <a:endParaRPr/>
-          </a:p>
-        </p:txBody>
-      </p:sp>
-      <p:sp>
-        <p:nvSpPr>
-          <p:cNvPr id="246" name="Google Shape;246;p35"/>
-          <p:cNvSpPr txBox="1"/>
-          <p:nvPr>
-            <p:ph idx="1" type="body"/>
-          </p:nvPr>
-        </p:nvSpPr>
-        <p:spPr>
-          <a:xfrm>
-            <a:off x="729450" y="2078875"/>
-            <a:ext cx="7688700" cy="2261100"/>
+          <a:noFill/>
+          <a:ln>
+            <a:noFill/>
+          </a:ln>
+        </p:spPr>
+      </p:pic>
+    </p:spTree>
+  </p:cSld>
+  <p:clrMapOvr>
+    <a:masterClrMapping/>
+  </p:clrMapOvr>
+</p:sld>
+</file>
+
+<file path=ppt/slides/slide28.xml><?xml version="1.0" encoding="utf-8"?>
+<p:sld xmlns:a="http://schemas.openxmlformats.org/drawingml/2006/main" xmlns:r="http://schemas.openxmlformats.org/officeDocument/2006/relationships" xmlns:mc="http://schemas.openxmlformats.org/markup-compatibility/2006" xmlns:mv="urn:schemas-microsoft-com:mac:vml" xmlns:p="http://schemas.openxmlformats.org/presentationml/2006/main" xmlns:c="http://schemas.openxmlformats.org/drawingml/2006/chart" xmlns:dgm="http://schemas.openxmlformats.org/drawingml/2006/diagram" xmlns:o="urn:schemas-microsoft-com:office:office" xmlns:v="urn:schemas-microsoft-com:vml" xmlns:pvml="urn:schemas-microsoft-com:office:powerpoint" xmlns:com="http://schemas.openxmlformats.org/drawingml/2006/compatibility" xmlns:p14="http://schemas.microsoft.com/office/powerpoint/2010/main" xmlns:p15="http://schemas.microsoft.com/office/powerpoint/2012/main" xmlns:ahyp="http://schemas.microsoft.com/office/drawing/2018/hyperlinkcolor">
+  <p:cSld>
+    <p:spTree>
+      <p:nvGrpSpPr>
+        <p:cNvPr id="249" name="Shape 249"/>
+        <p:cNvGrpSpPr/>
+        <p:nvPr/>
+      </p:nvGrpSpPr>
+      <p:grpSpPr>
+        <a:xfrm>
+          <a:off x="0" y="0"/>
+          <a:ext cx="0" cy="0"/>
+          <a:chOff x="0" y="0"/>
+          <a:chExt cx="0" cy="0"/>
+        </a:xfrm>
+      </p:grpSpPr>
+      <p:pic>
+        <p:nvPicPr>
+          <p:cNvPr id="250" name="Google Shape;250;p40"/>
+          <p:cNvPicPr preferRelativeResize="0"/>
+          <p:nvPr/>
+        </p:nvPicPr>
+        <p:blipFill>
+          <a:blip r:embed="rId3">
+            <a:alphaModFix/>
+          </a:blip>
+          <a:stretch>
+            <a:fillRect/>
+          </a:stretch>
+        </p:blipFill>
+        <p:spPr>
+          <a:xfrm>
+            <a:off x="2643188" y="0"/>
+            <a:ext cx="3857625" cy="5143500"/>
           </a:xfrm>
           <a:prstGeom prst="rect">
             <a:avLst/>
           </a:prstGeom>
-        </p:spPr>
-        <p:txBody>
-          <a:bodyPr anchorCtr="0" anchor="t" bIns="91425" lIns="91425" spcFirstLastPara="1" rIns="91425" wrap="square" tIns="91425">
-            <a:normAutofit/>
-          </a:bodyPr>
-          <a:lstStyle/>
-          <a:p>
-            <a:pPr indent="0" lvl="0" marL="0" rtl="0" algn="l">
-              <a:spcBef>
-                <a:spcPts val="0"/>
-              </a:spcBef>
-              <a:spcAft>
-                <a:spcPts val="1200"/>
-              </a:spcAft>
-              <a:buNone/>
-            </a:pPr>
-            <a:r>
-              <a:t/>
-            </a:r>
-            <a:endParaRPr/>
-          </a:p>
-        </p:txBody>
-      </p:sp>
+          <a:noFill/>
+          <a:ln>
+            <a:noFill/>
+          </a:ln>
+        </p:spPr>
+      </p:pic>
+    </p:spTree>
+  </p:cSld>
+  <p:clrMapOvr>
+    <a:masterClrMapping/>
+  </p:clrMapOvr>
+</p:sld>
+</file>
+
+<file path=ppt/slides/slide29.xml><?xml version="1.0" encoding="utf-8"?>
+<p:sld xmlns:a="http://schemas.openxmlformats.org/drawingml/2006/main" xmlns:r="http://schemas.openxmlformats.org/officeDocument/2006/relationships" xmlns:mc="http://schemas.openxmlformats.org/markup-compatibility/2006" xmlns:mv="urn:schemas-microsoft-com:mac:vml" xmlns:p="http://schemas.openxmlformats.org/presentationml/2006/main" xmlns:c="http://schemas.openxmlformats.org/drawingml/2006/chart" xmlns:dgm="http://schemas.openxmlformats.org/drawingml/2006/diagram" xmlns:o="urn:schemas-microsoft-com:office:office" xmlns:v="urn:schemas-microsoft-com:vml" xmlns:pvml="urn:schemas-microsoft-com:office:powerpoint" xmlns:com="http://schemas.openxmlformats.org/drawingml/2006/compatibility" xmlns:p14="http://schemas.microsoft.com/office/powerpoint/2010/main" xmlns:p15="http://schemas.microsoft.com/office/powerpoint/2012/main" xmlns:ahyp="http://schemas.microsoft.com/office/drawing/2018/hyperlinkcolor">
+  <p:cSld>
+    <p:spTree>
+      <p:nvGrpSpPr>
+        <p:cNvPr id="254" name="Shape 254"/>
+        <p:cNvGrpSpPr/>
+        <p:nvPr/>
+      </p:nvGrpSpPr>
+      <p:grpSpPr>
+        <a:xfrm>
+          <a:off x="0" y="0"/>
+          <a:ext cx="0" cy="0"/>
+          <a:chOff x="0" y="0"/>
+          <a:chExt cx="0" cy="0"/>
+        </a:xfrm>
+      </p:grpSpPr>
       <p:pic>
         <p:nvPicPr>
-          <p:cNvPr id="247" name="Google Shape;247;p35"/>
+          <p:cNvPr id="255" name="Google Shape;255;p41"/>
           <p:cNvPicPr preferRelativeResize="0"/>
           <p:nvPr/>
         </p:nvPicPr>
-        <p:blipFill rotWithShape="1">
+        <p:blipFill>
           <a:blip r:embed="rId3">
             <a:alphaModFix/>
           </a:blip>
-          <a:srcRect b="0" l="0" r="0" t="0"/>
-          <a:stretch/>
+          <a:stretch>
+            <a:fillRect/>
+          </a:stretch>
         </p:blipFill>
         <p:spPr>
           <a:xfrm>
-            <a:off x="5063" y="-21525"/>
-            <a:ext cx="9133876" cy="5143500"/>
+            <a:off x="2643188" y="0"/>
+            <a:ext cx="3857625" cy="5143500"/>
           </a:xfrm>
           <a:prstGeom prst="rect">
             <a:avLst/>
@@ -11571,6 +12766,693 @@
       <p:sp>
         <p:nvSpPr>
           <p:cNvPr id="98" name="Google Shape;98;p15"/>
+          <p:cNvSpPr txBox="1"/>
+          <p:nvPr>
+            <p:ph type="title"/>
+          </p:nvPr>
+        </p:nvSpPr>
+        <p:spPr>
+          <a:xfrm>
+            <a:off x="729450" y="1318650"/>
+            <a:ext cx="7688700" cy="535200"/>
+          </a:xfrm>
+          <a:prstGeom prst="rect">
+            <a:avLst/>
+          </a:prstGeom>
+        </p:spPr>
+        <p:txBody>
+          <a:bodyPr anchorCtr="0" anchor="t" bIns="91425" lIns="91425" spcFirstLastPara="1" rIns="91425" wrap="square" tIns="91425">
+            <a:normAutofit fontScale="90000"/>
+          </a:bodyPr>
+          <a:lstStyle/>
+          <a:p>
+            <a:pPr indent="0" lvl="0" marL="0" rtl="0" algn="l">
+              <a:spcBef>
+                <a:spcPts val="0"/>
+              </a:spcBef>
+              <a:spcAft>
+                <a:spcPts val="0"/>
+              </a:spcAft>
+              <a:buNone/>
+            </a:pPr>
+            <a:r>
+              <a:rPr lang="en"/>
+              <a:t>This lecture</a:t>
+            </a:r>
+            <a:endParaRPr/>
+          </a:p>
+        </p:txBody>
+      </p:sp>
+      <p:sp>
+        <p:nvSpPr>
+          <p:cNvPr id="99" name="Google Shape;99;p15"/>
+          <p:cNvSpPr txBox="1"/>
+          <p:nvPr>
+            <p:ph idx="1" type="body"/>
+          </p:nvPr>
+        </p:nvSpPr>
+        <p:spPr>
+          <a:xfrm>
+            <a:off x="729450" y="2078875"/>
+            <a:ext cx="7688700" cy="2261100"/>
+          </a:xfrm>
+          <a:prstGeom prst="rect">
+            <a:avLst/>
+          </a:prstGeom>
+        </p:spPr>
+        <p:txBody>
+          <a:bodyPr anchorCtr="0" anchor="t" bIns="91425" lIns="91425" spcFirstLastPara="1" rIns="91425" wrap="square" tIns="91425">
+            <a:normAutofit/>
+          </a:bodyPr>
+          <a:lstStyle/>
+          <a:p>
+            <a:pPr indent="-311150" lvl="0" marL="457200" rtl="0" algn="l">
+              <a:spcBef>
+                <a:spcPts val="0"/>
+              </a:spcBef>
+              <a:spcAft>
+                <a:spcPts val="0"/>
+              </a:spcAft>
+              <a:buSzPts val="1300"/>
+              <a:buChar char="-"/>
+            </a:pPr>
+            <a:r>
+              <a:rPr lang="en"/>
+              <a:t>Recap lecture 1</a:t>
+            </a:r>
+            <a:endParaRPr/>
+          </a:p>
+          <a:p>
+            <a:pPr indent="-311150" lvl="0" marL="457200" rtl="0" algn="l">
+              <a:spcBef>
+                <a:spcPts val="0"/>
+              </a:spcBef>
+              <a:spcAft>
+                <a:spcPts val="0"/>
+              </a:spcAft>
+              <a:buSzPts val="1300"/>
+              <a:buChar char="-"/>
+            </a:pPr>
+            <a:r>
+              <a:rPr lang="en"/>
+              <a:t>Break</a:t>
+            </a:r>
+            <a:endParaRPr/>
+          </a:p>
+          <a:p>
+            <a:pPr indent="-311150" lvl="0" marL="457200" rtl="0" algn="l">
+              <a:spcBef>
+                <a:spcPts val="0"/>
+              </a:spcBef>
+              <a:spcAft>
+                <a:spcPts val="0"/>
+              </a:spcAft>
+              <a:buSzPts val="1300"/>
+              <a:buChar char="-"/>
+            </a:pPr>
+            <a:r>
+              <a:rPr lang="en"/>
+              <a:t>Bayesian assignment</a:t>
+            </a:r>
+            <a:endParaRPr/>
+          </a:p>
+        </p:txBody>
+      </p:sp>
+    </p:spTree>
+  </p:cSld>
+  <p:clrMapOvr>
+    <a:masterClrMapping/>
+  </p:clrMapOvr>
+</p:sld>
+</file>
+
+<file path=ppt/slides/slide30.xml><?xml version="1.0" encoding="utf-8"?>
+<p:sld xmlns:a="http://schemas.openxmlformats.org/drawingml/2006/main" xmlns:r="http://schemas.openxmlformats.org/officeDocument/2006/relationships" xmlns:mc="http://schemas.openxmlformats.org/markup-compatibility/2006" xmlns:mv="urn:schemas-microsoft-com:mac:vml" xmlns:p="http://schemas.openxmlformats.org/presentationml/2006/main" xmlns:c="http://schemas.openxmlformats.org/drawingml/2006/chart" xmlns:dgm="http://schemas.openxmlformats.org/drawingml/2006/diagram" xmlns:o="urn:schemas-microsoft-com:office:office" xmlns:v="urn:schemas-microsoft-com:vml" xmlns:pvml="urn:schemas-microsoft-com:office:powerpoint" xmlns:com="http://schemas.openxmlformats.org/drawingml/2006/compatibility" xmlns:p14="http://schemas.microsoft.com/office/powerpoint/2010/main" xmlns:p15="http://schemas.microsoft.com/office/powerpoint/2012/main" xmlns:ahyp="http://schemas.microsoft.com/office/drawing/2018/hyperlinkcolor">
+  <p:cSld>
+    <p:spTree>
+      <p:nvGrpSpPr>
+        <p:cNvPr id="259" name="Shape 259"/>
+        <p:cNvGrpSpPr/>
+        <p:nvPr/>
+      </p:nvGrpSpPr>
+      <p:grpSpPr>
+        <a:xfrm>
+          <a:off x="0" y="0"/>
+          <a:ext cx="0" cy="0"/>
+          <a:chOff x="0" y="0"/>
+          <a:chExt cx="0" cy="0"/>
+        </a:xfrm>
+      </p:grpSpPr>
+      <p:sp>
+        <p:nvSpPr>
+          <p:cNvPr id="260" name="Google Shape;260;p42"/>
+          <p:cNvSpPr txBox="1"/>
+          <p:nvPr>
+            <p:ph type="title"/>
+          </p:nvPr>
+        </p:nvSpPr>
+        <p:spPr>
+          <a:xfrm>
+            <a:off x="729450" y="1318650"/>
+            <a:ext cx="7688700" cy="535200"/>
+          </a:xfrm>
+          <a:prstGeom prst="rect">
+            <a:avLst/>
+          </a:prstGeom>
+        </p:spPr>
+        <p:txBody>
+          <a:bodyPr anchorCtr="0" anchor="t" bIns="91425" lIns="91425" spcFirstLastPara="1" rIns="91425" wrap="square" tIns="91425">
+            <a:normAutofit fontScale="90000"/>
+          </a:bodyPr>
+          <a:lstStyle/>
+          <a:p>
+            <a:pPr indent="0" lvl="0" marL="0" rtl="0" algn="l">
+              <a:spcBef>
+                <a:spcPts val="0"/>
+              </a:spcBef>
+              <a:spcAft>
+                <a:spcPts val="0"/>
+              </a:spcAft>
+              <a:buNone/>
+            </a:pPr>
+            <a:r>
+              <a:t/>
+            </a:r>
+            <a:endParaRPr/>
+          </a:p>
+        </p:txBody>
+      </p:sp>
+      <p:sp>
+        <p:nvSpPr>
+          <p:cNvPr id="261" name="Google Shape;261;p42"/>
+          <p:cNvSpPr txBox="1"/>
+          <p:nvPr>
+            <p:ph idx="1" type="body"/>
+          </p:nvPr>
+        </p:nvSpPr>
+        <p:spPr>
+          <a:xfrm>
+            <a:off x="729450" y="2078875"/>
+            <a:ext cx="7688700" cy="2261100"/>
+          </a:xfrm>
+          <a:prstGeom prst="rect">
+            <a:avLst/>
+          </a:prstGeom>
+        </p:spPr>
+        <p:txBody>
+          <a:bodyPr anchorCtr="0" anchor="t" bIns="91425" lIns="91425" spcFirstLastPara="1" rIns="91425" wrap="square" tIns="91425">
+            <a:normAutofit/>
+          </a:bodyPr>
+          <a:lstStyle/>
+          <a:p>
+            <a:pPr indent="0" lvl="0" marL="0" rtl="0" algn="l">
+              <a:spcBef>
+                <a:spcPts val="0"/>
+              </a:spcBef>
+              <a:spcAft>
+                <a:spcPts val="1200"/>
+              </a:spcAft>
+              <a:buNone/>
+            </a:pPr>
+            <a:r>
+              <a:t/>
+            </a:r>
+            <a:endParaRPr/>
+          </a:p>
+        </p:txBody>
+      </p:sp>
+    </p:spTree>
+  </p:cSld>
+  <p:clrMapOvr>
+    <a:masterClrMapping/>
+  </p:clrMapOvr>
+</p:sld>
+</file>
+
+<file path=ppt/slides/slide31.xml><?xml version="1.0" encoding="utf-8"?>
+<p:sld xmlns:a="http://schemas.openxmlformats.org/drawingml/2006/main" xmlns:r="http://schemas.openxmlformats.org/officeDocument/2006/relationships" xmlns:mc="http://schemas.openxmlformats.org/markup-compatibility/2006" xmlns:mv="urn:schemas-microsoft-com:mac:vml" xmlns:p="http://schemas.openxmlformats.org/presentationml/2006/main" xmlns:c="http://schemas.openxmlformats.org/drawingml/2006/chart" xmlns:dgm="http://schemas.openxmlformats.org/drawingml/2006/diagram" xmlns:o="urn:schemas-microsoft-com:office:office" xmlns:v="urn:schemas-microsoft-com:vml" xmlns:pvml="urn:schemas-microsoft-com:office:powerpoint" xmlns:com="http://schemas.openxmlformats.org/drawingml/2006/compatibility" xmlns:p14="http://schemas.microsoft.com/office/powerpoint/2010/main" xmlns:p15="http://schemas.microsoft.com/office/powerpoint/2012/main" xmlns:ahyp="http://schemas.microsoft.com/office/drawing/2018/hyperlinkcolor">
+  <p:cSld>
+    <p:spTree>
+      <p:nvGrpSpPr>
+        <p:cNvPr id="265" name="Shape 265"/>
+        <p:cNvGrpSpPr/>
+        <p:nvPr/>
+      </p:nvGrpSpPr>
+      <p:grpSpPr>
+        <a:xfrm>
+          <a:off x="0" y="0"/>
+          <a:ext cx="0" cy="0"/>
+          <a:chOff x="0" y="0"/>
+          <a:chExt cx="0" cy="0"/>
+        </a:xfrm>
+      </p:grpSpPr>
+      <p:sp>
+        <p:nvSpPr>
+          <p:cNvPr id="266" name="Google Shape;266;p43"/>
+          <p:cNvSpPr txBox="1"/>
+          <p:nvPr>
+            <p:ph type="title"/>
+          </p:nvPr>
+        </p:nvSpPr>
+        <p:spPr>
+          <a:xfrm>
+            <a:off x="729450" y="1318650"/>
+            <a:ext cx="7688700" cy="535200"/>
+          </a:xfrm>
+          <a:prstGeom prst="rect">
+            <a:avLst/>
+          </a:prstGeom>
+        </p:spPr>
+        <p:txBody>
+          <a:bodyPr anchorCtr="0" anchor="t" bIns="91425" lIns="91425" spcFirstLastPara="1" rIns="91425" wrap="square" tIns="91425">
+            <a:normAutofit fontScale="90000"/>
+          </a:bodyPr>
+          <a:lstStyle/>
+          <a:p>
+            <a:pPr indent="0" lvl="0" marL="0" rtl="0" algn="l">
+              <a:spcBef>
+                <a:spcPts val="0"/>
+              </a:spcBef>
+              <a:spcAft>
+                <a:spcPts val="0"/>
+              </a:spcAft>
+              <a:buNone/>
+            </a:pPr>
+            <a:r>
+              <a:t/>
+            </a:r>
+            <a:endParaRPr/>
+          </a:p>
+        </p:txBody>
+      </p:sp>
+      <p:sp>
+        <p:nvSpPr>
+          <p:cNvPr id="267" name="Google Shape;267;p43"/>
+          <p:cNvSpPr txBox="1"/>
+          <p:nvPr>
+            <p:ph idx="1" type="body"/>
+          </p:nvPr>
+        </p:nvSpPr>
+        <p:spPr>
+          <a:xfrm>
+            <a:off x="729450" y="2078875"/>
+            <a:ext cx="7688700" cy="2261100"/>
+          </a:xfrm>
+          <a:prstGeom prst="rect">
+            <a:avLst/>
+          </a:prstGeom>
+        </p:spPr>
+        <p:txBody>
+          <a:bodyPr anchorCtr="0" anchor="t" bIns="91425" lIns="91425" spcFirstLastPara="1" rIns="91425" wrap="square" tIns="91425">
+            <a:normAutofit/>
+          </a:bodyPr>
+          <a:lstStyle/>
+          <a:p>
+            <a:pPr indent="0" lvl="0" marL="0" rtl="0" algn="l">
+              <a:spcBef>
+                <a:spcPts val="0"/>
+              </a:spcBef>
+              <a:spcAft>
+                <a:spcPts val="1200"/>
+              </a:spcAft>
+              <a:buNone/>
+            </a:pPr>
+            <a:r>
+              <a:t/>
+            </a:r>
+            <a:endParaRPr/>
+          </a:p>
+        </p:txBody>
+      </p:sp>
+    </p:spTree>
+  </p:cSld>
+  <p:clrMapOvr>
+    <a:masterClrMapping/>
+  </p:clrMapOvr>
+</p:sld>
+</file>
+
+<file path=ppt/slides/slide32.xml><?xml version="1.0" encoding="utf-8"?>
+<p:sld xmlns:a="http://schemas.openxmlformats.org/drawingml/2006/main" xmlns:r="http://schemas.openxmlformats.org/officeDocument/2006/relationships" xmlns:mc="http://schemas.openxmlformats.org/markup-compatibility/2006" xmlns:mv="urn:schemas-microsoft-com:mac:vml" xmlns:p="http://schemas.openxmlformats.org/presentationml/2006/main" xmlns:c="http://schemas.openxmlformats.org/drawingml/2006/chart" xmlns:dgm="http://schemas.openxmlformats.org/drawingml/2006/diagram" xmlns:o="urn:schemas-microsoft-com:office:office" xmlns:v="urn:schemas-microsoft-com:vml" xmlns:pvml="urn:schemas-microsoft-com:office:powerpoint" xmlns:com="http://schemas.openxmlformats.org/drawingml/2006/compatibility" xmlns:p14="http://schemas.microsoft.com/office/powerpoint/2010/main" xmlns:p15="http://schemas.microsoft.com/office/powerpoint/2012/main" xmlns:ahyp="http://schemas.microsoft.com/office/drawing/2018/hyperlinkcolor">
+  <p:cSld>
+    <p:spTree>
+      <p:nvGrpSpPr>
+        <p:cNvPr id="271" name="Shape 271"/>
+        <p:cNvGrpSpPr/>
+        <p:nvPr/>
+      </p:nvGrpSpPr>
+      <p:grpSpPr>
+        <a:xfrm>
+          <a:off x="0" y="0"/>
+          <a:ext cx="0" cy="0"/>
+          <a:chOff x="0" y="0"/>
+          <a:chExt cx="0" cy="0"/>
+        </a:xfrm>
+      </p:grpSpPr>
+      <p:sp>
+        <p:nvSpPr>
+          <p:cNvPr id="272" name="Google Shape;272;p44"/>
+          <p:cNvSpPr txBox="1"/>
+          <p:nvPr>
+            <p:ph type="title"/>
+          </p:nvPr>
+        </p:nvSpPr>
+        <p:spPr>
+          <a:xfrm>
+            <a:off x="729450" y="1318650"/>
+            <a:ext cx="7688700" cy="535200"/>
+          </a:xfrm>
+          <a:prstGeom prst="rect">
+            <a:avLst/>
+          </a:prstGeom>
+        </p:spPr>
+        <p:txBody>
+          <a:bodyPr anchorCtr="0" anchor="t" bIns="91425" lIns="91425" spcFirstLastPara="1" rIns="91425" wrap="square" tIns="91425">
+            <a:normAutofit fontScale="90000"/>
+          </a:bodyPr>
+          <a:lstStyle/>
+          <a:p>
+            <a:pPr indent="0" lvl="0" marL="0" rtl="0" algn="l">
+              <a:spcBef>
+                <a:spcPts val="0"/>
+              </a:spcBef>
+              <a:spcAft>
+                <a:spcPts val="0"/>
+              </a:spcAft>
+              <a:buNone/>
+            </a:pPr>
+            <a:r>
+              <a:t/>
+            </a:r>
+            <a:endParaRPr/>
+          </a:p>
+        </p:txBody>
+      </p:sp>
+      <p:sp>
+        <p:nvSpPr>
+          <p:cNvPr id="273" name="Google Shape;273;p44"/>
+          <p:cNvSpPr txBox="1"/>
+          <p:nvPr>
+            <p:ph idx="1" type="body"/>
+          </p:nvPr>
+        </p:nvSpPr>
+        <p:spPr>
+          <a:xfrm>
+            <a:off x="729450" y="2078875"/>
+            <a:ext cx="7688700" cy="2261100"/>
+          </a:xfrm>
+          <a:prstGeom prst="rect">
+            <a:avLst/>
+          </a:prstGeom>
+        </p:spPr>
+        <p:txBody>
+          <a:bodyPr anchorCtr="0" anchor="t" bIns="91425" lIns="91425" spcFirstLastPara="1" rIns="91425" wrap="square" tIns="91425">
+            <a:normAutofit/>
+          </a:bodyPr>
+          <a:lstStyle/>
+          <a:p>
+            <a:pPr indent="0" lvl="0" marL="0" rtl="0" algn="l">
+              <a:spcBef>
+                <a:spcPts val="0"/>
+              </a:spcBef>
+              <a:spcAft>
+                <a:spcPts val="1200"/>
+              </a:spcAft>
+              <a:buNone/>
+            </a:pPr>
+            <a:r>
+              <a:t/>
+            </a:r>
+            <a:endParaRPr/>
+          </a:p>
+        </p:txBody>
+      </p:sp>
+      <p:pic>
+        <p:nvPicPr>
+          <p:cNvPr id="274" name="Google Shape;274;p44"/>
+          <p:cNvPicPr preferRelativeResize="0"/>
+          <p:nvPr/>
+        </p:nvPicPr>
+        <p:blipFill rotWithShape="1">
+          <a:blip r:embed="rId3">
+            <a:alphaModFix/>
+          </a:blip>
+          <a:srcRect b="0" l="0" r="0" t="0"/>
+          <a:stretch/>
+        </p:blipFill>
+        <p:spPr>
+          <a:xfrm>
+            <a:off x="5063" y="-21525"/>
+            <a:ext cx="9133876" cy="5143500"/>
+          </a:xfrm>
+          <a:prstGeom prst="rect">
+            <a:avLst/>
+          </a:prstGeom>
+          <a:noFill/>
+          <a:ln>
+            <a:noFill/>
+          </a:ln>
+        </p:spPr>
+      </p:pic>
+    </p:spTree>
+  </p:cSld>
+  <p:clrMapOvr>
+    <a:masterClrMapping/>
+  </p:clrMapOvr>
+</p:sld>
+</file>
+
+<file path=ppt/slides/slide33.xml><?xml version="1.0" encoding="utf-8"?>
+<p:sld xmlns:a="http://schemas.openxmlformats.org/drawingml/2006/main" xmlns:r="http://schemas.openxmlformats.org/officeDocument/2006/relationships" xmlns:mc="http://schemas.openxmlformats.org/markup-compatibility/2006" xmlns:mv="urn:schemas-microsoft-com:mac:vml" xmlns:p="http://schemas.openxmlformats.org/presentationml/2006/main" xmlns:c="http://schemas.openxmlformats.org/drawingml/2006/chart" xmlns:dgm="http://schemas.openxmlformats.org/drawingml/2006/diagram" xmlns:o="urn:schemas-microsoft-com:office:office" xmlns:v="urn:schemas-microsoft-com:vml" xmlns:pvml="urn:schemas-microsoft-com:office:powerpoint" xmlns:com="http://schemas.openxmlformats.org/drawingml/2006/compatibility" xmlns:p14="http://schemas.microsoft.com/office/powerpoint/2010/main" xmlns:p15="http://schemas.microsoft.com/office/powerpoint/2012/main" xmlns:ahyp="http://schemas.microsoft.com/office/drawing/2018/hyperlinkcolor">
+  <p:cSld>
+    <p:spTree>
+      <p:nvGrpSpPr>
+        <p:cNvPr id="278" name="Shape 278"/>
+        <p:cNvGrpSpPr/>
+        <p:nvPr/>
+      </p:nvGrpSpPr>
+      <p:grpSpPr>
+        <a:xfrm>
+          <a:off x="0" y="0"/>
+          <a:ext cx="0" cy="0"/>
+          <a:chOff x="0" y="0"/>
+          <a:chExt cx="0" cy="0"/>
+        </a:xfrm>
+      </p:grpSpPr>
+      <p:sp>
+        <p:nvSpPr>
+          <p:cNvPr id="279" name="Google Shape;279;p45"/>
+          <p:cNvSpPr txBox="1"/>
+          <p:nvPr>
+            <p:ph type="title"/>
+          </p:nvPr>
+        </p:nvSpPr>
+        <p:spPr>
+          <a:xfrm>
+            <a:off x="729450" y="1318650"/>
+            <a:ext cx="7688700" cy="535200"/>
+          </a:xfrm>
+          <a:prstGeom prst="rect">
+            <a:avLst/>
+          </a:prstGeom>
+        </p:spPr>
+        <p:txBody>
+          <a:bodyPr anchorCtr="0" anchor="t" bIns="91425" lIns="91425" spcFirstLastPara="1" rIns="91425" wrap="square" tIns="91425">
+            <a:normAutofit fontScale="90000"/>
+          </a:bodyPr>
+          <a:lstStyle/>
+          <a:p>
+            <a:pPr indent="0" lvl="0" marL="0" rtl="0" algn="l">
+              <a:spcBef>
+                <a:spcPts val="0"/>
+              </a:spcBef>
+              <a:spcAft>
+                <a:spcPts val="0"/>
+              </a:spcAft>
+              <a:buNone/>
+            </a:pPr>
+            <a:r>
+              <a:rPr lang="en"/>
+              <a:t>Assignment grading</a:t>
+            </a:r>
+            <a:endParaRPr/>
+          </a:p>
+        </p:txBody>
+      </p:sp>
+      <p:sp>
+        <p:nvSpPr>
+          <p:cNvPr id="280" name="Google Shape;280;p45"/>
+          <p:cNvSpPr txBox="1"/>
+          <p:nvPr>
+            <p:ph idx="1" type="body"/>
+          </p:nvPr>
+        </p:nvSpPr>
+        <p:spPr>
+          <a:xfrm>
+            <a:off x="729450" y="2078875"/>
+            <a:ext cx="7688700" cy="2261100"/>
+          </a:xfrm>
+          <a:prstGeom prst="rect">
+            <a:avLst/>
+          </a:prstGeom>
+        </p:spPr>
+        <p:txBody>
+          <a:bodyPr anchorCtr="0" anchor="t" bIns="91425" lIns="91425" spcFirstLastPara="1" rIns="91425" wrap="square" tIns="91425">
+            <a:normAutofit/>
+          </a:bodyPr>
+          <a:lstStyle/>
+          <a:p>
+            <a:pPr indent="-311150" lvl="0" marL="457200" rtl="0" algn="l">
+              <a:spcBef>
+                <a:spcPts val="0"/>
+              </a:spcBef>
+              <a:spcAft>
+                <a:spcPts val="0"/>
+              </a:spcAft>
+              <a:buSzPts val="1300"/>
+              <a:buChar char="-"/>
+            </a:pPr>
+            <a:r>
+              <a:rPr lang="en"/>
+              <a:t>[2 pt] data cleaning</a:t>
+            </a:r>
+            <a:endParaRPr/>
+          </a:p>
+          <a:p>
+            <a:pPr indent="-311150" lvl="0" marL="457200" rtl="0" algn="l">
+              <a:spcBef>
+                <a:spcPts val="0"/>
+              </a:spcBef>
+              <a:spcAft>
+                <a:spcPts val="0"/>
+              </a:spcAft>
+              <a:buSzPts val="1300"/>
+              <a:buChar char="-"/>
+            </a:pPr>
+            <a:r>
+              <a:rPr lang="en"/>
+              <a:t>[2 pt] plots</a:t>
+            </a:r>
+            <a:endParaRPr/>
+          </a:p>
+          <a:p>
+            <a:pPr indent="-311150" lvl="0" marL="457200" rtl="0" algn="l">
+              <a:spcBef>
+                <a:spcPts val="0"/>
+              </a:spcBef>
+              <a:spcAft>
+                <a:spcPts val="0"/>
+              </a:spcAft>
+              <a:buSzPts val="1300"/>
+              <a:buChar char="-"/>
+            </a:pPr>
+            <a:r>
+              <a:rPr lang="en"/>
+              <a:t>[3 pt] traditional inference tests with results section</a:t>
+            </a:r>
+            <a:endParaRPr/>
+          </a:p>
+          <a:p>
+            <a:pPr indent="-311150" lvl="0" marL="457200" rtl="0" algn="l">
+              <a:spcBef>
+                <a:spcPts val="0"/>
+              </a:spcBef>
+              <a:spcAft>
+                <a:spcPts val="0"/>
+              </a:spcAft>
+              <a:buSzPts val="1300"/>
+              <a:buChar char="-"/>
+            </a:pPr>
+            <a:r>
+              <a:rPr lang="en"/>
+              <a:t>[3 pt] Bayesian tests with results section</a:t>
+            </a:r>
+            <a:endParaRPr/>
+          </a:p>
+          <a:p>
+            <a:pPr indent="0" lvl="0" marL="0" rtl="0" algn="l">
+              <a:spcBef>
+                <a:spcPts val="1200"/>
+              </a:spcBef>
+              <a:spcAft>
+                <a:spcPts val="0"/>
+              </a:spcAft>
+              <a:buNone/>
+            </a:pPr>
+            <a:r>
+              <a:rPr lang="en"/>
+              <a:t>Common-sense APA:</a:t>
+            </a:r>
+            <a:endParaRPr/>
+          </a:p>
+          <a:p>
+            <a:pPr indent="-298450" lvl="1" marL="914400" rtl="0" algn="l">
+              <a:spcBef>
+                <a:spcPts val="1200"/>
+              </a:spcBef>
+              <a:spcAft>
+                <a:spcPts val="0"/>
+              </a:spcAft>
+              <a:buSzPts val="1100"/>
+              <a:buChar char="-"/>
+            </a:pPr>
+            <a:r>
+              <a:rPr lang="en"/>
+              <a:t>Give all figures and tables a name (number) and mention them in-text </a:t>
+            </a:r>
+            <a:r>
+              <a:rPr lang="en"/>
+              <a:t>(so that we don't have to guess)</a:t>
+            </a:r>
+            <a:endParaRPr/>
+          </a:p>
+          <a:p>
+            <a:pPr indent="-298450" lvl="1" marL="914400" rtl="0" algn="l">
+              <a:spcBef>
+                <a:spcPts val="0"/>
+              </a:spcBef>
+              <a:spcAft>
+                <a:spcPts val="0"/>
+              </a:spcAft>
+              <a:buSzPts val="1100"/>
+              <a:buChar char="-"/>
+            </a:pPr>
+            <a:r>
+              <a:rPr lang="en"/>
+              <a:t>Explicitly mention which part of your report belongs to what question (so that we don't have to guess)</a:t>
+            </a:r>
+            <a:endParaRPr/>
+          </a:p>
+        </p:txBody>
+      </p:sp>
+    </p:spTree>
+  </p:cSld>
+  <p:clrMapOvr>
+    <a:masterClrMapping/>
+  </p:clrMapOvr>
+</p:sld>
+</file>
+
+<file path=ppt/slides/slide4.xml><?xml version="1.0" encoding="utf-8"?>
+<p:sld xmlns:a="http://schemas.openxmlformats.org/drawingml/2006/main" xmlns:r="http://schemas.openxmlformats.org/officeDocument/2006/relationships" xmlns:mc="http://schemas.openxmlformats.org/markup-compatibility/2006" xmlns:mv="urn:schemas-microsoft-com:mac:vml" xmlns:p="http://schemas.openxmlformats.org/presentationml/2006/main" xmlns:c="http://schemas.openxmlformats.org/drawingml/2006/chart" xmlns:dgm="http://schemas.openxmlformats.org/drawingml/2006/diagram" xmlns:o="urn:schemas-microsoft-com:office:office" xmlns:v="urn:schemas-microsoft-com:vml" xmlns:pvml="urn:schemas-microsoft-com:office:powerpoint" xmlns:com="http://schemas.openxmlformats.org/drawingml/2006/compatibility" xmlns:p14="http://schemas.microsoft.com/office/powerpoint/2010/main" xmlns:p15="http://schemas.microsoft.com/office/powerpoint/2012/main" xmlns:ahyp="http://schemas.microsoft.com/office/drawing/2018/hyperlinkcolor">
+  <p:cSld>
+    <p:spTree>
+      <p:nvGrpSpPr>
+        <p:cNvPr id="103" name="Shape 103"/>
+        <p:cNvGrpSpPr/>
+        <p:nvPr/>
+      </p:nvGrpSpPr>
+      <p:grpSpPr>
+        <a:xfrm>
+          <a:off x="0" y="0"/>
+          <a:ext cx="0" cy="0"/>
+          <a:chOff x="0" y="0"/>
+          <a:chExt cx="0" cy="0"/>
+        </a:xfrm>
+      </p:grpSpPr>
+      <p:sp>
+        <p:nvSpPr>
+          <p:cNvPr id="104" name="Google Shape;104;p16"/>
           <p:cNvSpPr/>
           <p:nvPr/>
         </p:nvSpPr>
@@ -11617,7 +13499,7 @@
       </p:sp>
       <p:sp>
         <p:nvSpPr>
-          <p:cNvPr id="99" name="Google Shape;99;p15"/>
+          <p:cNvPr id="105" name="Google Shape;105;p16"/>
           <p:cNvSpPr txBox="1"/>
           <p:nvPr>
             <p:ph type="title"/>
@@ -11657,7 +13539,7 @@
       </p:sp>
       <p:sp>
         <p:nvSpPr>
-          <p:cNvPr id="100" name="Google Shape;100;p15"/>
+          <p:cNvPr id="106" name="Google Shape;106;p16"/>
           <p:cNvSpPr/>
           <p:nvPr/>
         </p:nvSpPr>
@@ -11706,7 +13588,7 @@
       </p:sp>
       <p:sp>
         <p:nvSpPr>
-          <p:cNvPr id="101" name="Google Shape;101;p15"/>
+          <p:cNvPr id="107" name="Google Shape;107;p16"/>
           <p:cNvSpPr txBox="1"/>
           <p:nvPr>
             <p:ph idx="1" type="body"/>
@@ -11815,12 +13697,12 @@
 </p:sld>
 </file>
 
-<file path=ppt/slides/slide4.xml><?xml version="1.0" encoding="utf-8"?>
+<file path=ppt/slides/slide5.xml><?xml version="1.0" encoding="utf-8"?>
 <p:sld xmlns:a="http://schemas.openxmlformats.org/drawingml/2006/main" xmlns:r="http://schemas.openxmlformats.org/officeDocument/2006/relationships" xmlns:mc="http://schemas.openxmlformats.org/markup-compatibility/2006" xmlns:mv="urn:schemas-microsoft-com:mac:vml" xmlns:p="http://schemas.openxmlformats.org/presentationml/2006/main" xmlns:c="http://schemas.openxmlformats.org/drawingml/2006/chart" xmlns:dgm="http://schemas.openxmlformats.org/drawingml/2006/diagram" xmlns:o="urn:schemas-microsoft-com:office:office" xmlns:v="urn:schemas-microsoft-com:vml" xmlns:pvml="urn:schemas-microsoft-com:office:powerpoint" xmlns:com="http://schemas.openxmlformats.org/drawingml/2006/compatibility" xmlns:p14="http://schemas.microsoft.com/office/powerpoint/2010/main" xmlns:p15="http://schemas.microsoft.com/office/powerpoint/2012/main" xmlns:ahyp="http://schemas.microsoft.com/office/drawing/2018/hyperlinkcolor">
   <p:cSld>
     <p:spTree>
       <p:nvGrpSpPr>
-        <p:cNvPr id="105" name="Shape 105"/>
+        <p:cNvPr id="111" name="Shape 111"/>
         <p:cNvGrpSpPr/>
         <p:nvPr/>
       </p:nvGrpSpPr>
@@ -11834,7 +13716,7 @@
       </p:grpSpPr>
       <p:sp>
         <p:nvSpPr>
-          <p:cNvPr id="106" name="Google Shape;106;p16"/>
+          <p:cNvPr id="112" name="Google Shape;112;p17"/>
           <p:cNvSpPr txBox="1"/>
           <p:nvPr>
             <p:ph type="title"/>
@@ -11865,7 +13747,8 @@
               <a:buNone/>
             </a:pPr>
             <a:r>
-              <a:t/>
+              <a:rPr lang="en"/>
+              <a:t>What is parameter estimation again?</a:t>
             </a:r>
             <a:endParaRPr/>
           </a:p>
@@ -11873,7 +13756,7 @@
       </p:sp>
       <p:sp>
         <p:nvSpPr>
-          <p:cNvPr id="107" name="Google Shape;107;p16"/>
+          <p:cNvPr id="113" name="Google Shape;113;p17"/>
           <p:cNvSpPr txBox="1"/>
           <p:nvPr>
             <p:ph idx="1" type="body"/>
@@ -11890,29 +13773,174 @@
         </p:spPr>
         <p:txBody>
           <a:bodyPr anchorCtr="0" anchor="t" bIns="91425" lIns="91425" spcFirstLastPara="1" rIns="91425" wrap="square" tIns="91425">
-            <a:normAutofit/>
+            <a:normAutofit fontScale="92500"/>
           </a:bodyPr>
           <a:lstStyle/>
           <a:p>
-            <a:pPr indent="0" lvl="0" marL="0" rtl="0" algn="l">
-              <a:spcBef>
-                <a:spcPts val="0"/>
-              </a:spcBef>
-              <a:spcAft>
-                <a:spcPts val="1200"/>
+            <a:pPr indent="0" lvl="0" marL="0" rtl="0" algn="ctr">
+              <a:spcBef>
+                <a:spcPts val="0"/>
+              </a:spcBef>
+              <a:spcAft>
+                <a:spcPts val="0"/>
               </a:spcAft>
               <a:buNone/>
             </a:pPr>
             <a:r>
-              <a:t/>
+              <a:rPr lang="en" sz="1800"/>
+              <a:t>From a </a:t>
             </a:r>
-            <a:endParaRPr/>
+            <a:r>
+              <a:rPr b="1" lang="en" sz="1800"/>
+              <a:t>sample, </a:t>
+            </a:r>
+            <a:r>
+              <a:rPr lang="en" sz="1800"/>
+              <a:t>e</a:t>
+            </a:r>
+            <a:r>
+              <a:rPr lang="en" sz="1800"/>
+              <a:t>stimate </a:t>
+            </a:r>
+            <a:r>
+              <a:rPr b="1" lang="en" sz="1800"/>
+              <a:t>population</a:t>
+            </a:r>
+            <a:r>
+              <a:rPr lang="en" sz="1800"/>
+              <a:t> </a:t>
+            </a:r>
+            <a:r>
+              <a:rPr b="1" lang="en" sz="1800"/>
+              <a:t>parameters</a:t>
+            </a:r>
+            <a:r>
+              <a:rPr lang="en" sz="1800"/>
+              <a:t>.</a:t>
+            </a:r>
+            <a:endParaRPr b="1" sz="1800"/>
+          </a:p>
+          <a:p>
+            <a:pPr indent="-334327" lvl="0" marL="457200" rtl="0" algn="l">
+              <a:spcBef>
+                <a:spcPts val="1200"/>
+              </a:spcBef>
+              <a:spcAft>
+                <a:spcPts val="0"/>
+              </a:spcAft>
+              <a:buSzPct val="100000"/>
+              <a:buChar char="-"/>
+            </a:pPr>
+            <a:r>
+              <a:rPr lang="en" sz="1800"/>
+              <a:t>given </a:t>
+            </a:r>
+            <a:r>
+              <a:rPr i="1" lang="en" sz="1800"/>
+              <a:t>n </a:t>
+            </a:r>
+            <a:r>
+              <a:rPr lang="en" sz="1800"/>
+              <a:t>lengths of Dutch people, what is the height of the Dutch population?</a:t>
+            </a:r>
+            <a:endParaRPr sz="1800"/>
+          </a:p>
+          <a:p>
+            <a:pPr indent="-334327" lvl="0" marL="457200" rtl="0" algn="l">
+              <a:spcBef>
+                <a:spcPts val="0"/>
+              </a:spcBef>
+              <a:spcAft>
+                <a:spcPts val="0"/>
+              </a:spcAft>
+              <a:buSzPct val="100000"/>
+              <a:buChar char="-"/>
+            </a:pPr>
+            <a:r>
+              <a:rPr lang="en" sz="1800"/>
+              <a:t>given </a:t>
+            </a:r>
+            <a:r>
+              <a:rPr i="1" lang="en" sz="1800"/>
+              <a:t>n</a:t>
+            </a:r>
+            <a:r>
+              <a:rPr lang="en" sz="1800"/>
+              <a:t> participants personality scores, what is the population score?</a:t>
+            </a:r>
+            <a:endParaRPr sz="1800"/>
+          </a:p>
+          <a:p>
+            <a:pPr indent="-334327" lvl="0" marL="457200" rtl="0" algn="l">
+              <a:spcBef>
+                <a:spcPts val="0"/>
+              </a:spcBef>
+              <a:spcAft>
+                <a:spcPts val="0"/>
+              </a:spcAft>
+              <a:buSzPct val="100000"/>
+              <a:buChar char="-"/>
+            </a:pPr>
+            <a:r>
+              <a:rPr lang="en" sz="1800"/>
+              <a:t>given the widths of </a:t>
+            </a:r>
+            <a:r>
+              <a:rPr i="1" lang="en" sz="1800"/>
+              <a:t>n </a:t>
+            </a:r>
+            <a:r>
+              <a:rPr lang="en" sz="1800"/>
+              <a:t>produced buckets in a factory,  what is the width produced by the machine?</a:t>
+            </a:r>
+            <a:endParaRPr sz="1800"/>
+          </a:p>
+          <a:p>
+            <a:pPr indent="0" lvl="0" marL="0" rtl="0" algn="l">
+              <a:spcBef>
+                <a:spcPts val="1200"/>
+              </a:spcBef>
+              <a:spcAft>
+                <a:spcPts val="1200"/>
+              </a:spcAft>
+              <a:buNone/>
+            </a:pPr>
+            <a:r>
+              <a:rPr lang="en" sz="1800"/>
+              <a:t>This is the foundation for statistical tests such as t-tests or Bayes factors</a:t>
+            </a:r>
+            <a:endParaRPr sz="1800"/>
           </a:p>
         </p:txBody>
       </p:sp>
-      <p:sp>
-        <p:nvSpPr>
-          <p:cNvPr id="108" name="Google Shape;108;p16"/>
+    </p:spTree>
+  </p:cSld>
+  <p:clrMapOvr>
+    <a:masterClrMapping/>
+  </p:clrMapOvr>
+</p:sld>
+</file>
+
+<file path=ppt/slides/slide6.xml><?xml version="1.0" encoding="utf-8"?>
+<p:sld xmlns:a="http://schemas.openxmlformats.org/drawingml/2006/main" xmlns:r="http://schemas.openxmlformats.org/officeDocument/2006/relationships" xmlns:mc="http://schemas.openxmlformats.org/markup-compatibility/2006" xmlns:mv="urn:schemas-microsoft-com:mac:vml" xmlns:p="http://schemas.openxmlformats.org/presentationml/2006/main" xmlns:c="http://schemas.openxmlformats.org/drawingml/2006/chart" xmlns:dgm="http://schemas.openxmlformats.org/drawingml/2006/diagram" xmlns:o="urn:schemas-microsoft-com:office:office" xmlns:v="urn:schemas-microsoft-com:vml" xmlns:pvml="urn:schemas-microsoft-com:office:powerpoint" xmlns:com="http://schemas.openxmlformats.org/drawingml/2006/compatibility" xmlns:p14="http://schemas.microsoft.com/office/powerpoint/2010/main" xmlns:p15="http://schemas.microsoft.com/office/powerpoint/2012/main" xmlns:ahyp="http://schemas.microsoft.com/office/drawing/2018/hyperlinkcolor">
+  <p:cSld>
+    <p:spTree>
+      <p:nvGrpSpPr>
+        <p:cNvPr id="117" name="Shape 117"/>
+        <p:cNvGrpSpPr/>
+        <p:nvPr/>
+      </p:nvGrpSpPr>
+      <p:grpSpPr>
+        <a:xfrm>
+          <a:off x="0" y="0"/>
+          <a:ext cx="0" cy="0"/>
+          <a:chOff x="0" y="0"/>
+          <a:chExt cx="0" cy="0"/>
+        </a:xfrm>
+      </p:grpSpPr>
+      <p:sp>
+        <p:nvSpPr>
+          <p:cNvPr id="118" name="Google Shape;118;p18"/>
           <p:cNvSpPr/>
           <p:nvPr/>
         </p:nvSpPr>
@@ -11961,7 +13989,7 @@
       </p:sp>
       <p:pic>
         <p:nvPicPr>
-          <p:cNvPr id="109" name="Google Shape;109;p16"/>
+          <p:cNvPr id="119" name="Google Shape;119;p18"/>
           <p:cNvPicPr preferRelativeResize="0"/>
           <p:nvPr/>
         </p:nvPicPr>
@@ -11995,12 +14023,12 @@
 </p:sld>
 </file>
 
-<file path=ppt/slides/slide5.xml><?xml version="1.0" encoding="utf-8"?>
+<file path=ppt/slides/slide7.xml><?xml version="1.0" encoding="utf-8"?>
 <p:sld xmlns:a="http://schemas.openxmlformats.org/drawingml/2006/main" xmlns:r="http://schemas.openxmlformats.org/officeDocument/2006/relationships" xmlns:mc="http://schemas.openxmlformats.org/markup-compatibility/2006" xmlns:mv="urn:schemas-microsoft-com:mac:vml" xmlns:p="http://schemas.openxmlformats.org/presentationml/2006/main" xmlns:c="http://schemas.openxmlformats.org/drawingml/2006/chart" xmlns:dgm="http://schemas.openxmlformats.org/drawingml/2006/diagram" xmlns:o="urn:schemas-microsoft-com:office:office" xmlns:v="urn:schemas-microsoft-com:vml" xmlns:pvml="urn:schemas-microsoft-com:office:powerpoint" xmlns:com="http://schemas.openxmlformats.org/drawingml/2006/compatibility" xmlns:p14="http://schemas.microsoft.com/office/powerpoint/2010/main" xmlns:p15="http://schemas.microsoft.com/office/powerpoint/2012/main" xmlns:ahyp="http://schemas.microsoft.com/office/drawing/2018/hyperlinkcolor">
   <p:cSld>
     <p:spTree>
       <p:nvGrpSpPr>
-        <p:cNvPr id="113" name="Shape 113"/>
+        <p:cNvPr id="123" name="Shape 123"/>
         <p:cNvGrpSpPr/>
         <p:nvPr/>
       </p:nvGrpSpPr>
@@ -12014,7 +14042,7 @@
       </p:grpSpPr>
       <p:sp>
         <p:nvSpPr>
-          <p:cNvPr id="114" name="Google Shape;114;p17"/>
+          <p:cNvPr id="124" name="Google Shape;124;p19"/>
           <p:cNvSpPr txBox="1"/>
           <p:nvPr>
             <p:ph type="title"/>
@@ -12022,47 +14050,8 @@
         </p:nvSpPr>
         <p:spPr>
           <a:xfrm>
-            <a:off x="729450" y="1318650"/>
-            <a:ext cx="7688700" cy="535200"/>
-          </a:xfrm>
-          <a:prstGeom prst="rect">
-            <a:avLst/>
-          </a:prstGeom>
-        </p:spPr>
-        <p:txBody>
-          <a:bodyPr anchorCtr="0" anchor="t" bIns="91425" lIns="91425" spcFirstLastPara="1" rIns="91425" wrap="square" tIns="91425">
-            <a:normAutofit fontScale="90000"/>
-          </a:bodyPr>
-          <a:lstStyle/>
-          <a:p>
-            <a:pPr indent="0" lvl="0" marL="0" rtl="0" algn="l">
-              <a:spcBef>
-                <a:spcPts val="0"/>
-              </a:spcBef>
-              <a:spcAft>
-                <a:spcPts val="0"/>
-              </a:spcAft>
-              <a:buNone/>
-            </a:pPr>
-            <a:r>
-              <a:t/>
-            </a:r>
-            <a:endParaRPr/>
-          </a:p>
-        </p:txBody>
-      </p:sp>
-      <p:sp>
-        <p:nvSpPr>
-          <p:cNvPr id="115" name="Google Shape;115;p17"/>
-          <p:cNvSpPr txBox="1"/>
-          <p:nvPr>
-            <p:ph idx="1" type="body"/>
-          </p:nvPr>
-        </p:nvSpPr>
-        <p:spPr>
-          <a:xfrm>
-            <a:off x="729450" y="2078875"/>
-            <a:ext cx="7688700" cy="2261100"/>
+            <a:off x="730000" y="1318650"/>
+            <a:ext cx="3300900" cy="1381500"/>
           </a:xfrm>
           <a:prstGeom prst="rect">
             <a:avLst/>
@@ -12074,17 +14063,32 @@
           </a:bodyPr>
           <a:lstStyle/>
           <a:p>
-            <a:pPr indent="0" lvl="0" marL="0" rtl="0" algn="l">
-              <a:spcBef>
-                <a:spcPts val="0"/>
-              </a:spcBef>
-              <a:spcAft>
-                <a:spcPts val="1200"/>
+            <a:pPr indent="0" lvl="0" marL="0" marR="152400" rtl="0" algn="l">
+              <a:lnSpc>
+                <a:spcPct val="120000"/>
+              </a:lnSpc>
+              <a:spcBef>
+                <a:spcPts val="0"/>
+              </a:spcBef>
+              <a:spcAft>
+                <a:spcPts val="0"/>
               </a:spcAft>
               <a:buNone/>
             </a:pPr>
             <a:r>
-              <a:t/>
+              <a:rPr lang="en" sz="2100">
+                <a:solidFill>
+                  <a:srgbClr val="202124"/>
+                </a:solidFill>
+                <a:highlight>
+                  <a:srgbClr val="FFFFFF"/>
+                </a:highlight>
+                <a:latin typeface="Arial"/>
+                <a:ea typeface="Arial"/>
+                <a:cs typeface="Arial"/>
+                <a:sym typeface="Arial"/>
+              </a:rPr>
+              <a:t>Bayes' theorem</a:t>
             </a:r>
             <a:endParaRPr/>
           </a:p>
@@ -12092,38 +14096,28 @@
       </p:sp>
       <p:sp>
         <p:nvSpPr>
-          <p:cNvPr id="116" name="Google Shape;116;p17"/>
-          <p:cNvSpPr/>
-          <p:nvPr/>
-        </p:nvSpPr>
-        <p:spPr>
-          <a:xfrm>
-            <a:off x="713175" y="1025200"/>
-            <a:ext cx="573000" cy="261000"/>
+          <p:cNvPr id="125" name="Google Shape;125;p19"/>
+          <p:cNvSpPr txBox="1"/>
+          <p:nvPr>
+            <p:ph idx="1" type="body"/>
+          </p:nvPr>
+        </p:nvSpPr>
+        <p:spPr>
+          <a:xfrm>
+            <a:off x="721225" y="2247800"/>
+            <a:ext cx="7652400" cy="2610900"/>
           </a:xfrm>
           <a:prstGeom prst="rect">
             <a:avLst/>
           </a:prstGeom>
-          <a:solidFill>
-            <a:schemeClr val="lt1"/>
-          </a:solidFill>
-          <a:ln cap="flat" cmpd="sng" w="9525">
-            <a:solidFill>
-              <a:schemeClr val="lt1"/>
-            </a:solidFill>
-            <a:prstDash val="solid"/>
-            <a:round/>
-            <a:headEnd len="sm" w="sm" type="none"/>
-            <a:tailEnd len="sm" w="sm" type="none"/>
-          </a:ln>
         </p:spPr>
         <p:txBody>
-          <a:bodyPr anchorCtr="0" anchor="ctr" bIns="91425" lIns="91425" spcFirstLastPara="1" rIns="91425" wrap="square" tIns="91425">
-            <a:noAutofit/>
+          <a:bodyPr anchorCtr="0" anchor="t" bIns="91425" lIns="91425" spcFirstLastPara="1" rIns="91425" wrap="square" tIns="91425">
+            <a:normAutofit/>
           </a:bodyPr>
           <a:lstStyle/>
           <a:p>
-            <a:pPr indent="0" lvl="0" marL="0" rtl="0" algn="l">
+            <a:pPr indent="0" lvl="0" marL="0" rtl="0" algn="ctr">
               <a:spcBef>
                 <a:spcPts val="0"/>
               </a:spcBef>
@@ -12133,40 +14127,85 @@
               <a:buNone/>
             </a:pPr>
             <a:r>
-              <a:t/>
+              <a:rPr i="1" lang="en" sz="3100"/>
+              <a:t>p</a:t>
             </a:r>
-            <a:endParaRPr/>
+            <a:r>
+              <a:rPr i="1" lang="en" sz="3100"/>
+              <a:t>osterior belief</a:t>
+            </a:r>
+            <a:r>
+              <a:rPr lang="en" sz="3100"/>
+              <a:t> ∝ </a:t>
+            </a:r>
+            <a:r>
+              <a:rPr i="1" lang="en" sz="3100"/>
+              <a:t>likelihood</a:t>
+            </a:r>
+            <a:r>
+              <a:rPr lang="en" sz="3100"/>
+              <a:t> </a:t>
+            </a:r>
+            <a:r>
+              <a:rPr lang="en" sz="2100"/>
+              <a:t>×</a:t>
+            </a:r>
+            <a:r>
+              <a:rPr lang="en" sz="3100"/>
+              <a:t> </a:t>
+            </a:r>
+            <a:r>
+              <a:rPr i="1" lang="en" sz="3100"/>
+              <a:t>prior belief</a:t>
+            </a:r>
+            <a:endParaRPr i="1" sz="3100"/>
+          </a:p>
+          <a:p>
+            <a:pPr indent="0" lvl="0" marL="0" rtl="0" algn="ctr">
+              <a:spcBef>
+                <a:spcPts val="1200"/>
+              </a:spcBef>
+              <a:spcAft>
+                <a:spcPts val="0"/>
+              </a:spcAft>
+              <a:buNone/>
+            </a:pPr>
+            <a:r>
+              <a:rPr i="1" lang="en" sz="2359"/>
+              <a:t>O</a:t>
+            </a:r>
+            <a:r>
+              <a:rPr i="1" lang="en" sz="2359"/>
+              <a:t>r, even simpler:</a:t>
+            </a:r>
+            <a:endParaRPr i="1" sz="2359"/>
+          </a:p>
+          <a:p>
+            <a:pPr indent="0" lvl="0" marL="0" rtl="0" algn="ctr">
+              <a:spcBef>
+                <a:spcPts val="1200"/>
+              </a:spcBef>
+              <a:spcAft>
+                <a:spcPts val="1200"/>
+              </a:spcAft>
+              <a:buNone/>
+            </a:pPr>
+            <a:r>
+              <a:rPr i="1" lang="en" sz="3100"/>
+              <a:t>prior </a:t>
+            </a:r>
+            <a:r>
+              <a:rPr i="1" lang="en" sz="2100"/>
+              <a:t>× </a:t>
+            </a:r>
+            <a:r>
+              <a:rPr i="1" lang="en" sz="3100"/>
+              <a:t>data = posterior</a:t>
+            </a:r>
+            <a:endParaRPr i="1" sz="3100"/>
           </a:p>
         </p:txBody>
       </p:sp>
-      <p:pic>
-        <p:nvPicPr>
-          <p:cNvPr id="117" name="Google Shape;117;p17"/>
-          <p:cNvPicPr preferRelativeResize="0"/>
-          <p:nvPr/>
-        </p:nvPicPr>
-        <p:blipFill>
-          <a:blip r:embed="rId3">
-            <a:alphaModFix/>
-          </a:blip>
-          <a:stretch>
-            <a:fillRect/>
-          </a:stretch>
-        </p:blipFill>
-        <p:spPr>
-          <a:xfrm>
-            <a:off x="1143000" y="0"/>
-            <a:ext cx="6858000" cy="5143500"/>
-          </a:xfrm>
-          <a:prstGeom prst="rect">
-            <a:avLst/>
-          </a:prstGeom>
-          <a:noFill/>
-          <a:ln>
-            <a:noFill/>
-          </a:ln>
-        </p:spPr>
-      </p:pic>
     </p:spTree>
   </p:cSld>
   <p:clrMapOvr>
@@ -12175,187 +14214,7 @@
 </p:sld>
 </file>
 
-<file path=ppt/slides/slide6.xml><?xml version="1.0" encoding="utf-8"?>
-<p:sld xmlns:a="http://schemas.openxmlformats.org/drawingml/2006/main" xmlns:r="http://schemas.openxmlformats.org/officeDocument/2006/relationships" xmlns:mc="http://schemas.openxmlformats.org/markup-compatibility/2006" xmlns:mv="urn:schemas-microsoft-com:mac:vml" xmlns:p="http://schemas.openxmlformats.org/presentationml/2006/main" xmlns:c="http://schemas.openxmlformats.org/drawingml/2006/chart" xmlns:dgm="http://schemas.openxmlformats.org/drawingml/2006/diagram" xmlns:o="urn:schemas-microsoft-com:office:office" xmlns:v="urn:schemas-microsoft-com:vml" xmlns:pvml="urn:schemas-microsoft-com:office:powerpoint" xmlns:com="http://schemas.openxmlformats.org/drawingml/2006/compatibility" xmlns:p14="http://schemas.microsoft.com/office/powerpoint/2010/main" xmlns:p15="http://schemas.microsoft.com/office/powerpoint/2012/main" xmlns:ahyp="http://schemas.microsoft.com/office/drawing/2018/hyperlinkcolor">
-  <p:cSld>
-    <p:spTree>
-      <p:nvGrpSpPr>
-        <p:cNvPr id="121" name="Shape 121"/>
-        <p:cNvGrpSpPr/>
-        <p:nvPr/>
-      </p:nvGrpSpPr>
-      <p:grpSpPr>
-        <a:xfrm>
-          <a:off x="0" y="0"/>
-          <a:ext cx="0" cy="0"/>
-          <a:chOff x="0" y="0"/>
-          <a:chExt cx="0" cy="0"/>
-        </a:xfrm>
-      </p:grpSpPr>
-      <p:sp>
-        <p:nvSpPr>
-          <p:cNvPr id="122" name="Google Shape;122;p18"/>
-          <p:cNvSpPr txBox="1"/>
-          <p:nvPr>
-            <p:ph type="title"/>
-          </p:nvPr>
-        </p:nvSpPr>
-        <p:spPr>
-          <a:xfrm>
-            <a:off x="729450" y="1318650"/>
-            <a:ext cx="7688700" cy="535200"/>
-          </a:xfrm>
-          <a:prstGeom prst="rect">
-            <a:avLst/>
-          </a:prstGeom>
-        </p:spPr>
-        <p:txBody>
-          <a:bodyPr anchorCtr="0" anchor="t" bIns="91425" lIns="91425" spcFirstLastPara="1" rIns="91425" wrap="square" tIns="91425">
-            <a:normAutofit fontScale="90000"/>
-          </a:bodyPr>
-          <a:lstStyle/>
-          <a:p>
-            <a:pPr indent="0" lvl="0" marL="0" rtl="0" algn="l">
-              <a:spcBef>
-                <a:spcPts val="0"/>
-              </a:spcBef>
-              <a:spcAft>
-                <a:spcPts val="0"/>
-              </a:spcAft>
-              <a:buNone/>
-            </a:pPr>
-            <a:r>
-              <a:t/>
-            </a:r>
-            <a:endParaRPr/>
-          </a:p>
-        </p:txBody>
-      </p:sp>
-      <p:sp>
-        <p:nvSpPr>
-          <p:cNvPr id="123" name="Google Shape;123;p18"/>
-          <p:cNvSpPr txBox="1"/>
-          <p:nvPr>
-            <p:ph idx="1" type="body"/>
-          </p:nvPr>
-        </p:nvSpPr>
-        <p:spPr>
-          <a:xfrm>
-            <a:off x="729450" y="2078875"/>
-            <a:ext cx="7688700" cy="2261100"/>
-          </a:xfrm>
-          <a:prstGeom prst="rect">
-            <a:avLst/>
-          </a:prstGeom>
-        </p:spPr>
-        <p:txBody>
-          <a:bodyPr anchorCtr="0" anchor="t" bIns="91425" lIns="91425" spcFirstLastPara="1" rIns="91425" wrap="square" tIns="91425">
-            <a:normAutofit/>
-          </a:bodyPr>
-          <a:lstStyle/>
-          <a:p>
-            <a:pPr indent="0" lvl="0" marL="0" rtl="0" algn="l">
-              <a:spcBef>
-                <a:spcPts val="0"/>
-              </a:spcBef>
-              <a:spcAft>
-                <a:spcPts val="1200"/>
-              </a:spcAft>
-              <a:buNone/>
-            </a:pPr>
-            <a:r>
-              <a:t/>
-            </a:r>
-            <a:endParaRPr/>
-          </a:p>
-        </p:txBody>
-      </p:sp>
-      <p:sp>
-        <p:nvSpPr>
-          <p:cNvPr id="124" name="Google Shape;124;p18"/>
-          <p:cNvSpPr/>
-          <p:nvPr/>
-        </p:nvSpPr>
-        <p:spPr>
-          <a:xfrm>
-            <a:off x="713175" y="1025200"/>
-            <a:ext cx="573000" cy="261000"/>
-          </a:xfrm>
-          <a:prstGeom prst="rect">
-            <a:avLst/>
-          </a:prstGeom>
-          <a:solidFill>
-            <a:schemeClr val="lt1"/>
-          </a:solidFill>
-          <a:ln cap="flat" cmpd="sng" w="9525">
-            <a:solidFill>
-              <a:schemeClr val="lt1"/>
-            </a:solidFill>
-            <a:prstDash val="solid"/>
-            <a:round/>
-            <a:headEnd len="sm" w="sm" type="none"/>
-            <a:tailEnd len="sm" w="sm" type="none"/>
-          </a:ln>
-        </p:spPr>
-        <p:txBody>
-          <a:bodyPr anchorCtr="0" anchor="ctr" bIns="91425" lIns="91425" spcFirstLastPara="1" rIns="91425" wrap="square" tIns="91425">
-            <a:noAutofit/>
-          </a:bodyPr>
-          <a:lstStyle/>
-          <a:p>
-            <a:pPr indent="0" lvl="0" marL="0" rtl="0" algn="l">
-              <a:spcBef>
-                <a:spcPts val="0"/>
-              </a:spcBef>
-              <a:spcAft>
-                <a:spcPts val="0"/>
-              </a:spcAft>
-              <a:buNone/>
-            </a:pPr>
-            <a:r>
-              <a:t/>
-            </a:r>
-            <a:endParaRPr/>
-          </a:p>
-        </p:txBody>
-      </p:sp>
-      <p:pic>
-        <p:nvPicPr>
-          <p:cNvPr id="125" name="Google Shape;125;p18"/>
-          <p:cNvPicPr preferRelativeResize="0"/>
-          <p:nvPr/>
-        </p:nvPicPr>
-        <p:blipFill>
-          <a:blip r:embed="rId3">
-            <a:alphaModFix/>
-          </a:blip>
-          <a:stretch>
-            <a:fillRect/>
-          </a:stretch>
-        </p:blipFill>
-        <p:spPr>
-          <a:xfrm>
-            <a:off x="1143000" y="0"/>
-            <a:ext cx="6858000" cy="5143500"/>
-          </a:xfrm>
-          <a:prstGeom prst="rect">
-            <a:avLst/>
-          </a:prstGeom>
-          <a:noFill/>
-          <a:ln>
-            <a:noFill/>
-          </a:ln>
-        </p:spPr>
-      </p:pic>
-    </p:spTree>
-  </p:cSld>
-  <p:clrMapOvr>
-    <a:masterClrMapping/>
-  </p:clrMapOvr>
-</p:sld>
-</file>
-
-<file path=ppt/slides/slide7.xml><?xml version="1.0" encoding="utf-8"?>
+<file path=ppt/slides/slide8.xml><?xml version="1.0" encoding="utf-8"?>
 <p:sld xmlns:a="http://schemas.openxmlformats.org/drawingml/2006/main" xmlns:r="http://schemas.openxmlformats.org/officeDocument/2006/relationships" xmlns:mc="http://schemas.openxmlformats.org/markup-compatibility/2006" xmlns:mv="urn:schemas-microsoft-com:mac:vml" xmlns:p="http://schemas.openxmlformats.org/presentationml/2006/main" xmlns:c="http://schemas.openxmlformats.org/drawingml/2006/chart" xmlns:dgm="http://schemas.openxmlformats.org/drawingml/2006/diagram" xmlns:o="urn:schemas-microsoft-com:office:office" xmlns:v="urn:schemas-microsoft-com:vml" xmlns:pvml="urn:schemas-microsoft-com:office:powerpoint" xmlns:com="http://schemas.openxmlformats.org/drawingml/2006/compatibility" xmlns:p14="http://schemas.microsoft.com/office/powerpoint/2010/main" xmlns:p15="http://schemas.microsoft.com/office/powerpoint/2012/main" xmlns:ahyp="http://schemas.microsoft.com/office/drawing/2018/hyperlinkcolor">
   <p:cSld>
     <p:spTree>
@@ -12374,46 +14233,7 @@
       </p:grpSpPr>
       <p:sp>
         <p:nvSpPr>
-          <p:cNvPr id="130" name="Google Shape;130;p19"/>
-          <p:cNvSpPr txBox="1"/>
-          <p:nvPr>
-            <p:ph type="title"/>
-          </p:nvPr>
-        </p:nvSpPr>
-        <p:spPr>
-          <a:xfrm>
-            <a:off x="729450" y="1318650"/>
-            <a:ext cx="7688700" cy="535200"/>
-          </a:xfrm>
-          <a:prstGeom prst="rect">
-            <a:avLst/>
-          </a:prstGeom>
-        </p:spPr>
-        <p:txBody>
-          <a:bodyPr anchorCtr="0" anchor="t" bIns="91425" lIns="91425" spcFirstLastPara="1" rIns="91425" wrap="square" tIns="91425">
-            <a:normAutofit fontScale="90000"/>
-          </a:bodyPr>
-          <a:lstStyle/>
-          <a:p>
-            <a:pPr indent="0" lvl="0" marL="0" rtl="0" algn="l">
-              <a:spcBef>
-                <a:spcPts val="0"/>
-              </a:spcBef>
-              <a:spcAft>
-                <a:spcPts val="0"/>
-              </a:spcAft>
-              <a:buNone/>
-            </a:pPr>
-            <a:r>
-              <a:t/>
-            </a:r>
-            <a:endParaRPr/>
-          </a:p>
-        </p:txBody>
-      </p:sp>
-      <p:sp>
-        <p:nvSpPr>
-          <p:cNvPr id="131" name="Google Shape;131;p19"/>
+          <p:cNvPr id="130" name="Google Shape;130;p20"/>
           <p:cNvSpPr txBox="1"/>
           <p:nvPr>
             <p:ph idx="1" type="body"/>
@@ -12421,8 +14241,8 @@
         </p:nvSpPr>
         <p:spPr>
           <a:xfrm>
-            <a:off x="729450" y="2078875"/>
-            <a:ext cx="7688700" cy="2261100"/>
+            <a:off x="727650" y="2136175"/>
+            <a:ext cx="7688700" cy="1092300"/>
           </a:xfrm>
           <a:prstGeom prst="rect">
             <a:avLst/>
@@ -12434,7 +14254,7 @@
           </a:bodyPr>
           <a:lstStyle/>
           <a:p>
-            <a:pPr indent="0" lvl="0" marL="0" rtl="0" algn="l">
+            <a:pPr indent="0" lvl="0" marL="0" rtl="0" algn="ctr">
               <a:spcBef>
                 <a:spcPts val="0"/>
               </a:spcBef>
@@ -12444,15 +14264,41 @@
               <a:buNone/>
             </a:pPr>
             <a:r>
-              <a:t/>
+              <a:rPr lang="en" sz="2600"/>
+              <a:t>Today's posterior is tomorrow's prior</a:t>
             </a:r>
-            <a:endParaRPr/>
+            <a:endParaRPr sz="2600"/>
           </a:p>
         </p:txBody>
       </p:sp>
-      <p:sp>
-        <p:nvSpPr>
-          <p:cNvPr id="132" name="Google Shape;132;p19"/>
+    </p:spTree>
+  </p:cSld>
+  <p:clrMapOvr>
+    <a:masterClrMapping/>
+  </p:clrMapOvr>
+</p:sld>
+</file>
+
+<file path=ppt/slides/slide9.xml><?xml version="1.0" encoding="utf-8"?>
+<p:sld xmlns:a="http://schemas.openxmlformats.org/drawingml/2006/main" xmlns:r="http://schemas.openxmlformats.org/officeDocument/2006/relationships" xmlns:mc="http://schemas.openxmlformats.org/markup-compatibility/2006" xmlns:mv="urn:schemas-microsoft-com:mac:vml" xmlns:p="http://schemas.openxmlformats.org/presentationml/2006/main" xmlns:c="http://schemas.openxmlformats.org/drawingml/2006/chart" xmlns:dgm="http://schemas.openxmlformats.org/drawingml/2006/diagram" xmlns:o="urn:schemas-microsoft-com:office:office" xmlns:v="urn:schemas-microsoft-com:vml" xmlns:pvml="urn:schemas-microsoft-com:office:powerpoint" xmlns:com="http://schemas.openxmlformats.org/drawingml/2006/compatibility" xmlns:p14="http://schemas.microsoft.com/office/powerpoint/2010/main" xmlns:p15="http://schemas.microsoft.com/office/powerpoint/2012/main" xmlns:ahyp="http://schemas.microsoft.com/office/drawing/2018/hyperlinkcolor">
+  <p:cSld>
+    <p:spTree>
+      <p:nvGrpSpPr>
+        <p:cNvPr id="134" name="Shape 134"/>
+        <p:cNvGrpSpPr/>
+        <p:nvPr/>
+      </p:nvGrpSpPr>
+      <p:grpSpPr>
+        <a:xfrm>
+          <a:off x="0" y="0"/>
+          <a:ext cx="0" cy="0"/>
+          <a:chOff x="0" y="0"/>
+          <a:chExt cx="0" cy="0"/>
+        </a:xfrm>
+      </p:grpSpPr>
+      <p:sp>
+        <p:nvSpPr>
+          <p:cNvPr id="135" name="Google Shape;135;p21"/>
           <p:cNvSpPr/>
           <p:nvPr/>
         </p:nvSpPr>
@@ -12501,400 +14347,12 @@
       </p:sp>
       <p:pic>
         <p:nvPicPr>
-          <p:cNvPr id="133" name="Google Shape;133;p19"/>
+          <p:cNvPr id="136" name="Google Shape;136;p21"/>
           <p:cNvPicPr preferRelativeResize="0"/>
           <p:nvPr/>
         </p:nvPicPr>
         <p:blipFill>
           <a:blip r:embed="rId3">
-            <a:alphaModFix/>
-          </a:blip>
-          <a:stretch>
-            <a:fillRect/>
-          </a:stretch>
-        </p:blipFill>
-        <p:spPr>
-          <a:xfrm>
-            <a:off x="1143000" y="0"/>
-            <a:ext cx="6858000" cy="5143500"/>
-          </a:xfrm>
-          <a:prstGeom prst="rect">
-            <a:avLst/>
-          </a:prstGeom>
-          <a:noFill/>
-          <a:ln>
-            <a:noFill/>
-          </a:ln>
-        </p:spPr>
-      </p:pic>
-    </p:spTree>
-  </p:cSld>
-  <p:clrMapOvr>
-    <a:masterClrMapping/>
-  </p:clrMapOvr>
-</p:sld>
-</file>
-
-<file path=ppt/slides/slide8.xml><?xml version="1.0" encoding="utf-8"?>
-<p:sld xmlns:a="http://schemas.openxmlformats.org/drawingml/2006/main" xmlns:r="http://schemas.openxmlformats.org/officeDocument/2006/relationships" xmlns:mc="http://schemas.openxmlformats.org/markup-compatibility/2006" xmlns:mv="urn:schemas-microsoft-com:mac:vml" xmlns:p="http://schemas.openxmlformats.org/presentationml/2006/main" xmlns:c="http://schemas.openxmlformats.org/drawingml/2006/chart" xmlns:dgm="http://schemas.openxmlformats.org/drawingml/2006/diagram" xmlns:o="urn:schemas-microsoft-com:office:office" xmlns:v="urn:schemas-microsoft-com:vml" xmlns:pvml="urn:schemas-microsoft-com:office:powerpoint" xmlns:com="http://schemas.openxmlformats.org/drawingml/2006/compatibility" xmlns:p14="http://schemas.microsoft.com/office/powerpoint/2010/main" xmlns:p15="http://schemas.microsoft.com/office/powerpoint/2012/main" xmlns:ahyp="http://schemas.microsoft.com/office/drawing/2018/hyperlinkcolor">
-  <p:cSld>
-    <p:spTree>
-      <p:nvGrpSpPr>
-        <p:cNvPr id="137" name="Shape 137"/>
-        <p:cNvGrpSpPr/>
-        <p:nvPr/>
-      </p:nvGrpSpPr>
-      <p:grpSpPr>
-        <a:xfrm>
-          <a:off x="0" y="0"/>
-          <a:ext cx="0" cy="0"/>
-          <a:chOff x="0" y="0"/>
-          <a:chExt cx="0" cy="0"/>
-        </a:xfrm>
-      </p:grpSpPr>
-      <p:sp>
-        <p:nvSpPr>
-          <p:cNvPr id="138" name="Google Shape;138;p20"/>
-          <p:cNvSpPr txBox="1"/>
-          <p:nvPr>
-            <p:ph type="title"/>
-          </p:nvPr>
-        </p:nvSpPr>
-        <p:spPr>
-          <a:xfrm>
-            <a:off x="729450" y="1318650"/>
-            <a:ext cx="7688700" cy="535200"/>
-          </a:xfrm>
-          <a:prstGeom prst="rect">
-            <a:avLst/>
-          </a:prstGeom>
-        </p:spPr>
-        <p:txBody>
-          <a:bodyPr anchorCtr="0" anchor="t" bIns="91425" lIns="91425" spcFirstLastPara="1" rIns="91425" wrap="square" tIns="91425">
-            <a:normAutofit fontScale="90000"/>
-          </a:bodyPr>
-          <a:lstStyle/>
-          <a:p>
-            <a:pPr indent="0" lvl="0" marL="0" rtl="0" algn="l">
-              <a:spcBef>
-                <a:spcPts val="0"/>
-              </a:spcBef>
-              <a:spcAft>
-                <a:spcPts val="0"/>
-              </a:spcAft>
-              <a:buNone/>
-            </a:pPr>
-            <a:r>
-              <a:t/>
-            </a:r>
-            <a:endParaRPr/>
-          </a:p>
-        </p:txBody>
-      </p:sp>
-      <p:sp>
-        <p:nvSpPr>
-          <p:cNvPr id="139" name="Google Shape;139;p20"/>
-          <p:cNvSpPr txBox="1"/>
-          <p:nvPr>
-            <p:ph idx="1" type="body"/>
-          </p:nvPr>
-        </p:nvSpPr>
-        <p:spPr>
-          <a:xfrm>
-            <a:off x="729450" y="2078875"/>
-            <a:ext cx="7688700" cy="2261100"/>
-          </a:xfrm>
-          <a:prstGeom prst="rect">
-            <a:avLst/>
-          </a:prstGeom>
-        </p:spPr>
-        <p:txBody>
-          <a:bodyPr anchorCtr="0" anchor="t" bIns="91425" lIns="91425" spcFirstLastPara="1" rIns="91425" wrap="square" tIns="91425">
-            <a:normAutofit/>
-          </a:bodyPr>
-          <a:lstStyle/>
-          <a:p>
-            <a:pPr indent="0" lvl="0" marL="0" rtl="0" algn="l">
-              <a:spcBef>
-                <a:spcPts val="0"/>
-              </a:spcBef>
-              <a:spcAft>
-                <a:spcPts val="1200"/>
-              </a:spcAft>
-              <a:buNone/>
-            </a:pPr>
-            <a:r>
-              <a:t/>
-            </a:r>
-            <a:endParaRPr/>
-          </a:p>
-        </p:txBody>
-      </p:sp>
-      <p:sp>
-        <p:nvSpPr>
-          <p:cNvPr id="140" name="Google Shape;140;p20"/>
-          <p:cNvSpPr/>
-          <p:nvPr/>
-        </p:nvSpPr>
-        <p:spPr>
-          <a:xfrm>
-            <a:off x="713175" y="1025200"/>
-            <a:ext cx="573000" cy="261000"/>
-          </a:xfrm>
-          <a:prstGeom prst="rect">
-            <a:avLst/>
-          </a:prstGeom>
-          <a:solidFill>
-            <a:schemeClr val="lt1"/>
-          </a:solidFill>
-          <a:ln cap="flat" cmpd="sng" w="9525">
-            <a:solidFill>
-              <a:schemeClr val="lt1"/>
-            </a:solidFill>
-            <a:prstDash val="solid"/>
-            <a:round/>
-            <a:headEnd len="sm" w="sm" type="none"/>
-            <a:tailEnd len="sm" w="sm" type="none"/>
-          </a:ln>
-        </p:spPr>
-        <p:txBody>
-          <a:bodyPr anchorCtr="0" anchor="ctr" bIns="91425" lIns="91425" spcFirstLastPara="1" rIns="91425" wrap="square" tIns="91425">
-            <a:noAutofit/>
-          </a:bodyPr>
-          <a:lstStyle/>
-          <a:p>
-            <a:pPr indent="0" lvl="0" marL="0" rtl="0" algn="l">
-              <a:spcBef>
-                <a:spcPts val="0"/>
-              </a:spcBef>
-              <a:spcAft>
-                <a:spcPts val="0"/>
-              </a:spcAft>
-              <a:buNone/>
-            </a:pPr>
-            <a:r>
-              <a:t/>
-            </a:r>
-            <a:endParaRPr/>
-          </a:p>
-        </p:txBody>
-      </p:sp>
-      <p:pic>
-        <p:nvPicPr>
-          <p:cNvPr id="141" name="Google Shape;141;p20"/>
-          <p:cNvPicPr preferRelativeResize="0"/>
-          <p:nvPr/>
-        </p:nvPicPr>
-        <p:blipFill>
-          <a:blip r:embed="rId3">
-            <a:alphaModFix/>
-          </a:blip>
-          <a:stretch>
-            <a:fillRect/>
-          </a:stretch>
-        </p:blipFill>
-        <p:spPr>
-          <a:xfrm>
-            <a:off x="1143000" y="0"/>
-            <a:ext cx="6858000" cy="5143500"/>
-          </a:xfrm>
-          <a:prstGeom prst="rect">
-            <a:avLst/>
-          </a:prstGeom>
-          <a:noFill/>
-          <a:ln>
-            <a:noFill/>
-          </a:ln>
-        </p:spPr>
-      </p:pic>
-    </p:spTree>
-  </p:cSld>
-  <p:clrMapOvr>
-    <a:masterClrMapping/>
-  </p:clrMapOvr>
-</p:sld>
-</file>
-
-<file path=ppt/slides/slide9.xml><?xml version="1.0" encoding="utf-8"?>
-<p:sld xmlns:a="http://schemas.openxmlformats.org/drawingml/2006/main" xmlns:r="http://schemas.openxmlformats.org/officeDocument/2006/relationships" xmlns:mc="http://schemas.openxmlformats.org/markup-compatibility/2006" xmlns:mv="urn:schemas-microsoft-com:mac:vml" xmlns:p="http://schemas.openxmlformats.org/presentationml/2006/main" xmlns:c="http://schemas.openxmlformats.org/drawingml/2006/chart" xmlns:dgm="http://schemas.openxmlformats.org/drawingml/2006/diagram" xmlns:o="urn:schemas-microsoft-com:office:office" xmlns:v="urn:schemas-microsoft-com:vml" xmlns:pvml="urn:schemas-microsoft-com:office:powerpoint" xmlns:com="http://schemas.openxmlformats.org/drawingml/2006/compatibility" xmlns:p14="http://schemas.microsoft.com/office/powerpoint/2010/main" xmlns:p15="http://schemas.microsoft.com/office/powerpoint/2012/main" xmlns:ahyp="http://schemas.microsoft.com/office/drawing/2018/hyperlinkcolor">
-  <p:cSld>
-    <p:spTree>
-      <p:nvGrpSpPr>
-        <p:cNvPr id="145" name="Shape 145"/>
-        <p:cNvGrpSpPr/>
-        <p:nvPr/>
-      </p:nvGrpSpPr>
-      <p:grpSpPr>
-        <a:xfrm>
-          <a:off x="0" y="0"/>
-          <a:ext cx="0" cy="0"/>
-          <a:chOff x="0" y="0"/>
-          <a:chExt cx="0" cy="0"/>
-        </a:xfrm>
-      </p:grpSpPr>
-      <p:sp>
-        <p:nvSpPr>
-          <p:cNvPr id="146" name="Google Shape;146;p21"/>
-          <p:cNvSpPr txBox="1"/>
-          <p:nvPr>
-            <p:ph type="title"/>
-          </p:nvPr>
-        </p:nvSpPr>
-        <p:spPr>
-          <a:xfrm>
-            <a:off x="729450" y="1318650"/>
-            <a:ext cx="7688700" cy="535200"/>
-          </a:xfrm>
-          <a:prstGeom prst="rect">
-            <a:avLst/>
-          </a:prstGeom>
-        </p:spPr>
-        <p:txBody>
-          <a:bodyPr anchorCtr="0" anchor="t" bIns="91425" lIns="91425" spcFirstLastPara="1" rIns="91425" wrap="square" tIns="91425">
-            <a:normAutofit fontScale="90000"/>
-          </a:bodyPr>
-          <a:lstStyle/>
-          <a:p>
-            <a:pPr indent="0" lvl="0" marL="0" rtl="0" algn="l">
-              <a:spcBef>
-                <a:spcPts val="0"/>
-              </a:spcBef>
-              <a:spcAft>
-                <a:spcPts val="0"/>
-              </a:spcAft>
-              <a:buNone/>
-            </a:pPr>
-            <a:r>
-              <a:t/>
-            </a:r>
-            <a:endParaRPr/>
-          </a:p>
-        </p:txBody>
-      </p:sp>
-      <p:sp>
-        <p:nvSpPr>
-          <p:cNvPr id="147" name="Google Shape;147;p21"/>
-          <p:cNvSpPr txBox="1"/>
-          <p:nvPr>
-            <p:ph idx="1" type="body"/>
-          </p:nvPr>
-        </p:nvSpPr>
-        <p:spPr>
-          <a:xfrm>
-            <a:off x="729450" y="2078875"/>
-            <a:ext cx="7688700" cy="2261100"/>
-          </a:xfrm>
-          <a:prstGeom prst="rect">
-            <a:avLst/>
-          </a:prstGeom>
-        </p:spPr>
-        <p:txBody>
-          <a:bodyPr anchorCtr="0" anchor="t" bIns="91425" lIns="91425" spcFirstLastPara="1" rIns="91425" wrap="square" tIns="91425">
-            <a:normAutofit/>
-          </a:bodyPr>
-          <a:lstStyle/>
-          <a:p>
-            <a:pPr indent="0" lvl="0" marL="0" rtl="0" algn="l">
-              <a:spcBef>
-                <a:spcPts val="0"/>
-              </a:spcBef>
-              <a:spcAft>
-                <a:spcPts val="1200"/>
-              </a:spcAft>
-              <a:buNone/>
-            </a:pPr>
-            <a:r>
-              <a:t/>
-            </a:r>
-            <a:endParaRPr/>
-          </a:p>
-        </p:txBody>
-      </p:sp>
-      <p:sp>
-        <p:nvSpPr>
-          <p:cNvPr id="148" name="Google Shape;148;p21"/>
-          <p:cNvSpPr/>
-          <p:nvPr/>
-        </p:nvSpPr>
-        <p:spPr>
-          <a:xfrm>
-            <a:off x="713175" y="1025200"/>
-            <a:ext cx="573000" cy="261000"/>
-          </a:xfrm>
-          <a:prstGeom prst="rect">
-            <a:avLst/>
-          </a:prstGeom>
-          <a:solidFill>
-            <a:schemeClr val="lt1"/>
-          </a:solidFill>
-          <a:ln cap="flat" cmpd="sng" w="9525">
-            <a:solidFill>
-              <a:schemeClr val="lt1"/>
-            </a:solidFill>
-            <a:prstDash val="solid"/>
-            <a:round/>
-            <a:headEnd len="sm" w="sm" type="none"/>
-            <a:tailEnd len="sm" w="sm" type="none"/>
-          </a:ln>
-        </p:spPr>
-        <p:txBody>
-          <a:bodyPr anchorCtr="0" anchor="ctr" bIns="91425" lIns="91425" spcFirstLastPara="1" rIns="91425" wrap="square" tIns="91425">
-            <a:noAutofit/>
-          </a:bodyPr>
-          <a:lstStyle/>
-          <a:p>
-            <a:pPr indent="0" lvl="0" marL="0" rtl="0" algn="l">
-              <a:spcBef>
-                <a:spcPts val="0"/>
-              </a:spcBef>
-              <a:spcAft>
-                <a:spcPts val="0"/>
-              </a:spcAft>
-              <a:buNone/>
-            </a:pPr>
-            <a:r>
-              <a:t/>
-            </a:r>
-            <a:endParaRPr/>
-          </a:p>
-        </p:txBody>
-      </p:sp>
-      <p:pic>
-        <p:nvPicPr>
-          <p:cNvPr id="149" name="Google Shape;149;p21"/>
-          <p:cNvPicPr preferRelativeResize="0"/>
-          <p:nvPr/>
-        </p:nvPicPr>
-        <p:blipFill>
-          <a:blip r:embed="rId3">
-            <a:alphaModFix/>
-          </a:blip>
-          <a:stretch>
-            <a:fillRect/>
-          </a:stretch>
-        </p:blipFill>
-        <p:spPr>
-          <a:xfrm>
-            <a:off x="1143000" y="0"/>
-            <a:ext cx="6858000" cy="5143500"/>
-          </a:xfrm>
-          <a:prstGeom prst="rect">
-            <a:avLst/>
-          </a:prstGeom>
-          <a:noFill/>
-          <a:ln>
-            <a:noFill/>
-          </a:ln>
-        </p:spPr>
-      </p:pic>
-      <p:pic>
-        <p:nvPicPr>
-          <p:cNvPr id="150" name="Google Shape;150;p21"/>
-          <p:cNvPicPr preferRelativeResize="0"/>
-          <p:nvPr/>
-        </p:nvPicPr>
-        <p:blipFill>
-          <a:blip r:embed="rId4">
             <a:alphaModFix/>
           </a:blip>
           <a:stretch>

--- a/presentation/Bayesian assignment.pptx
+++ b/presentation/Bayesian assignment.pptx
@@ -41,23 +41,33 @@
     <p:sldId id="286" r:id="rId36"/>
     <p:sldId id="287" r:id="rId37"/>
     <p:sldId id="288" r:id="rId38"/>
+    <p:sldId id="289" r:id="rId39"/>
+    <p:sldId id="290" r:id="rId40"/>
+    <p:sldId id="291" r:id="rId41"/>
+    <p:sldId id="292" r:id="rId42"/>
+    <p:sldId id="293" r:id="rId43"/>
+    <p:sldId id="294" r:id="rId44"/>
+    <p:sldId id="295" r:id="rId45"/>
+    <p:sldId id="296" r:id="rId46"/>
+    <p:sldId id="297" r:id="rId47"/>
+    <p:sldId id="298" r:id="rId48"/>
   </p:sldIdLst>
   <p:sldSz cy="5143500" cx="9144000"/>
   <p:notesSz cx="6858000" cy="9144000"/>
   <p:embeddedFontLst>
     <p:embeddedFont>
       <p:font typeface="Raleway"/>
-      <p:regular r:id="rId39"/>
-      <p:bold r:id="rId40"/>
-      <p:italic r:id="rId41"/>
-      <p:boldItalic r:id="rId42"/>
+      <p:regular r:id="rId49"/>
+      <p:bold r:id="rId50"/>
+      <p:italic r:id="rId51"/>
+      <p:boldItalic r:id="rId52"/>
     </p:embeddedFont>
     <p:embeddedFont>
       <p:font typeface="Lato"/>
-      <p:regular r:id="rId43"/>
-      <p:bold r:id="rId44"/>
-      <p:italic r:id="rId45"/>
-      <p:boldItalic r:id="rId46"/>
+      <p:regular r:id="rId53"/>
+      <p:bold r:id="rId54"/>
+      <p:italic r:id="rId55"/>
+      <p:boldItalic r:id="rId56"/>
     </p:embeddedFont>
   </p:embeddedFontLst>
   <p:defaultTextStyle>
@@ -852,7 +862,7 @@
       </p:grpSpPr>
       <p:sp>
         <p:nvSpPr>
-          <p:cNvPr id="138" name="Google Shape;138;gfbfb770d81_0_310:notes"/>
+          <p:cNvPr id="138" name="Google Shape;138;gfbfb770d81_0_453:notes"/>
           <p:cNvSpPr/>
           <p:nvPr>
             <p:ph idx="2" type="sldImg"/>
@@ -887,7 +897,7 @@
       </p:sp>
       <p:sp>
         <p:nvSpPr>
-          <p:cNvPr id="139" name="Google Shape;139;gfbfb770d81_0_310:notes"/>
+          <p:cNvPr id="139" name="Google Shape;139;gfbfb770d81_0_453:notes"/>
           <p:cNvSpPr txBox="1"/>
           <p:nvPr>
             <p:ph idx="1" type="body"/>
@@ -951,7 +961,7 @@
       </p:grpSpPr>
       <p:sp>
         <p:nvSpPr>
-          <p:cNvPr id="144" name="Google Shape;144;gfbfb770d81_0_317:notes"/>
+          <p:cNvPr id="144" name="Google Shape;144;gfbfb770d81_0_310:notes"/>
           <p:cNvSpPr/>
           <p:nvPr>
             <p:ph idx="2" type="sldImg"/>
@@ -986,7 +996,7 @@
       </p:sp>
       <p:sp>
         <p:nvSpPr>
-          <p:cNvPr id="145" name="Google Shape;145;gfbfb770d81_0_317:notes"/>
+          <p:cNvPr id="145" name="Google Shape;145;gfbfb770d81_0_310:notes"/>
           <p:cNvSpPr txBox="1"/>
           <p:nvPr>
             <p:ph idx="1" type="body"/>
@@ -1050,7 +1060,7 @@
       </p:grpSpPr>
       <p:sp>
         <p:nvSpPr>
-          <p:cNvPr id="150" name="Google Shape;150;gfbfb770d81_0_324:notes"/>
+          <p:cNvPr id="150" name="Google Shape;150;gfbfb770d81_0_317:notes"/>
           <p:cNvSpPr/>
           <p:nvPr>
             <p:ph idx="2" type="sldImg"/>
@@ -1085,7 +1095,7 @@
       </p:sp>
       <p:sp>
         <p:nvSpPr>
-          <p:cNvPr id="151" name="Google Shape;151;gfbfb770d81_0_324:notes"/>
+          <p:cNvPr id="151" name="Google Shape;151;gfbfb770d81_0_317:notes"/>
           <p:cNvSpPr txBox="1"/>
           <p:nvPr>
             <p:ph idx="1" type="body"/>
@@ -1149,7 +1159,7 @@
       </p:grpSpPr>
       <p:sp>
         <p:nvSpPr>
-          <p:cNvPr id="156" name="Google Shape;156;gfbfb770d81_0_331:notes"/>
+          <p:cNvPr id="156" name="Google Shape;156;gfbfb770d81_0_324:notes"/>
           <p:cNvSpPr/>
           <p:nvPr>
             <p:ph idx="2" type="sldImg"/>
@@ -1184,7 +1194,7 @@
       </p:sp>
       <p:sp>
         <p:nvSpPr>
-          <p:cNvPr id="157" name="Google Shape;157;gfbfb770d81_0_331:notes"/>
+          <p:cNvPr id="157" name="Google Shape;157;gfbfb770d81_0_324:notes"/>
           <p:cNvSpPr txBox="1"/>
           <p:nvPr>
             <p:ph idx="1" type="body"/>
@@ -1248,7 +1258,7 @@
       </p:grpSpPr>
       <p:sp>
         <p:nvSpPr>
-          <p:cNvPr id="162" name="Google Shape;162;gfbfb770d81_0_349:notes"/>
+          <p:cNvPr id="162" name="Google Shape;162;gfbfb770d81_0_331:notes"/>
           <p:cNvSpPr/>
           <p:nvPr>
             <p:ph idx="2" type="sldImg"/>
@@ -1283,7 +1293,7 @@
       </p:sp>
       <p:sp>
         <p:nvSpPr>
-          <p:cNvPr id="163" name="Google Shape;163;gfbfb770d81_0_349:notes"/>
+          <p:cNvPr id="163" name="Google Shape;163;gfbfb770d81_0_331:notes"/>
           <p:cNvSpPr txBox="1"/>
           <p:nvPr>
             <p:ph idx="1" type="body"/>
@@ -1333,7 +1343,7 @@
   <p:cSld>
     <p:spTree>
       <p:nvGrpSpPr>
-        <p:cNvPr id="168" name="Shape 168"/>
+        <p:cNvPr id="167" name="Shape 167"/>
         <p:cNvGrpSpPr/>
         <p:nvPr/>
       </p:nvGrpSpPr>
@@ -1347,7 +1357,7 @@
       </p:grpSpPr>
       <p:sp>
         <p:nvSpPr>
-          <p:cNvPr id="169" name="Google Shape;169;gfbfb770d81_0_342:notes"/>
+          <p:cNvPr id="168" name="Google Shape;168;gfbfb770d81_0_349:notes"/>
           <p:cNvSpPr/>
           <p:nvPr>
             <p:ph idx="2" type="sldImg"/>
@@ -1382,7 +1392,7 @@
       </p:sp>
       <p:sp>
         <p:nvSpPr>
-          <p:cNvPr id="170" name="Google Shape;170;gfbfb770d81_0_342:notes"/>
+          <p:cNvPr id="169" name="Google Shape;169;gfbfb770d81_0_349:notes"/>
           <p:cNvSpPr txBox="1"/>
           <p:nvPr>
             <p:ph idx="1" type="body"/>
@@ -1446,7 +1456,7 @@
       </p:grpSpPr>
       <p:sp>
         <p:nvSpPr>
-          <p:cNvPr id="175" name="Google Shape;175;gfbfb770d81_0_358:notes"/>
+          <p:cNvPr id="175" name="Google Shape;175;gfbfb770d81_0_342:notes"/>
           <p:cNvSpPr/>
           <p:nvPr>
             <p:ph idx="2" type="sldImg"/>
@@ -1481,7 +1491,7 @@
       </p:sp>
       <p:sp>
         <p:nvSpPr>
-          <p:cNvPr id="176" name="Google Shape;176;gfbfb770d81_0_358:notes"/>
+          <p:cNvPr id="176" name="Google Shape;176;gfbfb770d81_0_342:notes"/>
           <p:cNvSpPr txBox="1"/>
           <p:nvPr>
             <p:ph idx="1" type="body"/>
@@ -1545,7 +1555,7 @@
       </p:grpSpPr>
       <p:sp>
         <p:nvSpPr>
-          <p:cNvPr id="181" name="Google Shape;181;gfbfb770d81_0_365:notes"/>
+          <p:cNvPr id="181" name="Google Shape;181;gfbfb770d81_0_358:notes"/>
           <p:cNvSpPr/>
           <p:nvPr>
             <p:ph idx="2" type="sldImg"/>
@@ -1580,7 +1590,7 @@
       </p:sp>
       <p:sp>
         <p:nvSpPr>
-          <p:cNvPr id="182" name="Google Shape;182;gfbfb770d81_0_365:notes"/>
+          <p:cNvPr id="182" name="Google Shape;182;gfbfb770d81_0_358:notes"/>
           <p:cNvSpPr txBox="1"/>
           <p:nvPr>
             <p:ph idx="1" type="body"/>
@@ -1644,7 +1654,7 @@
       </p:grpSpPr>
       <p:sp>
         <p:nvSpPr>
-          <p:cNvPr id="187" name="Google Shape;187;gfbfb770d81_0_374:notes"/>
+          <p:cNvPr id="187" name="Google Shape;187;gfbfb770d81_0_365:notes"/>
           <p:cNvSpPr/>
           <p:nvPr>
             <p:ph idx="2" type="sldImg"/>
@@ -1679,7 +1689,7 @@
       </p:sp>
       <p:sp>
         <p:nvSpPr>
-          <p:cNvPr id="188" name="Google Shape;188;gfbfb770d81_0_374:notes"/>
+          <p:cNvPr id="188" name="Google Shape;188;gfbfb770d81_0_365:notes"/>
           <p:cNvSpPr txBox="1"/>
           <p:nvPr>
             <p:ph idx="1" type="body"/>
@@ -1743,7 +1753,7 @@
       </p:grpSpPr>
       <p:sp>
         <p:nvSpPr>
-          <p:cNvPr id="193" name="Google Shape;193;gfbfb770d81_0_389:notes"/>
+          <p:cNvPr id="193" name="Google Shape;193;gfbfb770d81_0_374:notes"/>
           <p:cNvSpPr/>
           <p:nvPr>
             <p:ph idx="2" type="sldImg"/>
@@ -1778,7 +1788,7 @@
       </p:sp>
       <p:sp>
         <p:nvSpPr>
-          <p:cNvPr id="194" name="Google Shape;194;gfbfb770d81_0_389:notes"/>
+          <p:cNvPr id="194" name="Google Shape;194;gfbfb770d81_0_374:notes"/>
           <p:cNvSpPr txBox="1"/>
           <p:nvPr>
             <p:ph idx="1" type="body"/>
@@ -1927,7 +1937,7 @@
   <p:cSld>
     <p:spTree>
       <p:nvGrpSpPr>
-        <p:cNvPr id="197" name="Shape 197"/>
+        <p:cNvPr id="198" name="Shape 198"/>
         <p:cNvGrpSpPr/>
         <p:nvPr/>
       </p:nvGrpSpPr>
@@ -1941,7 +1951,7 @@
       </p:grpSpPr>
       <p:sp>
         <p:nvSpPr>
-          <p:cNvPr id="198" name="Google Shape;198;gfbfb770d81_0_402:notes"/>
+          <p:cNvPr id="199" name="Google Shape;199;gfbfb770d81_0_389:notes"/>
           <p:cNvSpPr/>
           <p:nvPr>
             <p:ph idx="2" type="sldImg"/>
@@ -1976,7 +1986,7 @@
       </p:sp>
       <p:sp>
         <p:nvSpPr>
-          <p:cNvPr id="199" name="Google Shape;199;gfbfb770d81_0_402:notes"/>
+          <p:cNvPr id="200" name="Google Shape;200;gfbfb770d81_0_389:notes"/>
           <p:cNvSpPr txBox="1"/>
           <p:nvPr>
             <p:ph idx="1" type="body"/>
@@ -2040,7 +2050,7 @@
       </p:grpSpPr>
       <p:sp>
         <p:nvSpPr>
-          <p:cNvPr id="204" name="Google Shape;204;gfbfb770d81_0_281:notes"/>
+          <p:cNvPr id="204" name="Google Shape;204;gfbfb770d81_0_402:notes"/>
           <p:cNvSpPr/>
           <p:nvPr>
             <p:ph idx="2" type="sldImg"/>
@@ -2075,7 +2085,7 @@
       </p:sp>
       <p:sp>
         <p:nvSpPr>
-          <p:cNvPr id="205" name="Google Shape;205;gfbfb770d81_0_281:notes"/>
+          <p:cNvPr id="205" name="Google Shape;205;gfbfb770d81_0_402:notes"/>
           <p:cNvSpPr txBox="1"/>
           <p:nvPr>
             <p:ph idx="1" type="body"/>
@@ -2125,7 +2135,7 @@
   <p:cSld>
     <p:spTree>
       <p:nvGrpSpPr>
-        <p:cNvPr id="210" name="Shape 210"/>
+        <p:cNvPr id="208" name="Shape 208"/>
         <p:cNvGrpSpPr/>
         <p:nvPr/>
       </p:nvGrpSpPr>
@@ -2139,7 +2149,7 @@
       </p:grpSpPr>
       <p:sp>
         <p:nvSpPr>
-          <p:cNvPr id="211" name="Google Shape;211;gfbfb770d81_0_299:notes"/>
+          <p:cNvPr id="209" name="Google Shape;209;gfbfb770d81_0_281:notes"/>
           <p:cNvSpPr/>
           <p:nvPr>
             <p:ph idx="2" type="sldImg"/>
@@ -2174,7 +2184,7 @@
       </p:sp>
       <p:sp>
         <p:nvSpPr>
-          <p:cNvPr id="212" name="Google Shape;212;gfbfb770d81_0_299:notes"/>
+          <p:cNvPr id="210" name="Google Shape;210;gfbfb770d81_0_281:notes"/>
           <p:cNvSpPr txBox="1"/>
           <p:nvPr>
             <p:ph idx="1" type="body"/>
@@ -2224,7 +2234,7 @@
   <p:cSld>
     <p:spTree>
       <p:nvGrpSpPr>
-        <p:cNvPr id="216" name="Shape 216"/>
+        <p:cNvPr id="215" name="Shape 215"/>
         <p:cNvGrpSpPr/>
         <p:nvPr/>
       </p:nvGrpSpPr>
@@ -2238,7 +2248,7 @@
       </p:grpSpPr>
       <p:sp>
         <p:nvSpPr>
-          <p:cNvPr id="217" name="Google Shape;217;gfbfb770d81_0_470:notes"/>
+          <p:cNvPr id="216" name="Google Shape;216;gfbfb770d81_0_299:notes"/>
           <p:cNvSpPr/>
           <p:nvPr>
             <p:ph idx="2" type="sldImg"/>
@@ -2273,7 +2283,7 @@
       </p:sp>
       <p:sp>
         <p:nvSpPr>
-          <p:cNvPr id="218" name="Google Shape;218;gfbfb770d81_0_470:notes"/>
+          <p:cNvPr id="217" name="Google Shape;217;gfbfb770d81_0_299:notes"/>
           <p:cNvSpPr txBox="1"/>
           <p:nvPr>
             <p:ph idx="1" type="body"/>
@@ -2323,7 +2333,7 @@
   <p:cSld>
     <p:spTree>
       <p:nvGrpSpPr>
-        <p:cNvPr id="222" name="Shape 222"/>
+        <p:cNvPr id="221" name="Shape 221"/>
         <p:cNvGrpSpPr/>
         <p:nvPr/>
       </p:nvGrpSpPr>
@@ -2337,7 +2347,7 @@
       </p:grpSpPr>
       <p:sp>
         <p:nvSpPr>
-          <p:cNvPr id="223" name="Google Shape;223;gfbfb770d81_0_167:notes"/>
+          <p:cNvPr id="222" name="Google Shape;222;gfbfb770d81_0_470:notes"/>
           <p:cNvSpPr/>
           <p:nvPr>
             <p:ph idx="2" type="sldImg"/>
@@ -2372,7 +2382,7 @@
       </p:sp>
       <p:sp>
         <p:nvSpPr>
-          <p:cNvPr id="224" name="Google Shape;224;gfbfb770d81_0_167:notes"/>
+          <p:cNvPr id="223" name="Google Shape;223;gfbfb770d81_0_470:notes"/>
           <p:cNvSpPr txBox="1"/>
           <p:nvPr>
             <p:ph idx="1" type="body"/>
@@ -2422,7 +2432,7 @@
   <p:cSld>
     <p:spTree>
       <p:nvGrpSpPr>
-        <p:cNvPr id="228" name="Shape 228"/>
+        <p:cNvPr id="229" name="Shape 229"/>
         <p:cNvGrpSpPr/>
         <p:nvPr/>
       </p:nvGrpSpPr>
@@ -2436,7 +2446,7 @@
       </p:grpSpPr>
       <p:sp>
         <p:nvSpPr>
-          <p:cNvPr id="229" name="Google Shape;229;gfbfb770d81_0_411:notes"/>
+          <p:cNvPr id="230" name="Google Shape;230;gfbfb770d81_0_411:notes"/>
           <p:cNvSpPr/>
           <p:nvPr>
             <p:ph idx="2" type="sldImg"/>
@@ -2471,7 +2481,7 @@
       </p:sp>
       <p:sp>
         <p:nvSpPr>
-          <p:cNvPr id="230" name="Google Shape;230;gfbfb770d81_0_411:notes"/>
+          <p:cNvPr id="231" name="Google Shape;231;gfbfb770d81_0_411:notes"/>
           <p:cNvSpPr txBox="1"/>
           <p:nvPr>
             <p:ph idx="1" type="body"/>
@@ -2521,7 +2531,7 @@
   <p:cSld>
     <p:spTree>
       <p:nvGrpSpPr>
-        <p:cNvPr id="234" name="Shape 234"/>
+        <p:cNvPr id="235" name="Shape 235"/>
         <p:cNvGrpSpPr/>
         <p:nvPr/>
       </p:nvGrpSpPr>
@@ -2535,7 +2545,7 @@
       </p:grpSpPr>
       <p:sp>
         <p:nvSpPr>
-          <p:cNvPr id="235" name="Google Shape;235;gfbfb770d81_0_172:notes"/>
+          <p:cNvPr id="236" name="Google Shape;236;gfbfb770d81_0_172:notes"/>
           <p:cNvSpPr/>
           <p:nvPr>
             <p:ph idx="2" type="sldImg"/>
@@ -2570,7 +2580,7 @@
       </p:sp>
       <p:sp>
         <p:nvSpPr>
-          <p:cNvPr id="236" name="Google Shape;236;gfbfb770d81_0_172:notes"/>
+          <p:cNvPr id="237" name="Google Shape;237;gfbfb770d81_0_172:notes"/>
           <p:cNvSpPr txBox="1"/>
           <p:nvPr>
             <p:ph idx="1" type="body"/>
@@ -2620,7 +2630,7 @@
   <p:cSld>
     <p:spTree>
       <p:nvGrpSpPr>
-        <p:cNvPr id="241" name="Shape 241"/>
+        <p:cNvPr id="242" name="Shape 242"/>
         <p:cNvGrpSpPr/>
         <p:nvPr/>
       </p:nvGrpSpPr>
@@ -2634,7 +2644,7 @@
       </p:grpSpPr>
       <p:sp>
         <p:nvSpPr>
-          <p:cNvPr id="242" name="Google Shape;242;gfbfb770d81_0_177:notes"/>
+          <p:cNvPr id="243" name="Google Shape;243;gfbfb770d81_0_177:notes"/>
           <p:cNvSpPr/>
           <p:nvPr>
             <p:ph idx="2" type="sldImg"/>
@@ -2669,7 +2679,7 @@
       </p:sp>
       <p:sp>
         <p:nvSpPr>
-          <p:cNvPr id="243" name="Google Shape;243;gfbfb770d81_0_177:notes"/>
+          <p:cNvPr id="244" name="Google Shape;244;gfbfb770d81_0_177:notes"/>
           <p:cNvSpPr txBox="1"/>
           <p:nvPr>
             <p:ph idx="1" type="body"/>
@@ -2719,7 +2729,7 @@
   <p:cSld>
     <p:spTree>
       <p:nvGrpSpPr>
-        <p:cNvPr id="246" name="Shape 246"/>
+        <p:cNvPr id="247" name="Shape 247"/>
         <p:cNvGrpSpPr/>
         <p:nvPr/>
       </p:nvGrpSpPr>
@@ -2733,7 +2743,7 @@
       </p:grpSpPr>
       <p:sp>
         <p:nvSpPr>
-          <p:cNvPr id="247" name="Google Shape;247;gfbfb770d81_0_419:notes"/>
+          <p:cNvPr id="248" name="Google Shape;248;gfbfb770d81_0_419:notes"/>
           <p:cNvSpPr/>
           <p:nvPr>
             <p:ph idx="2" type="sldImg"/>
@@ -2768,7 +2778,7 @@
       </p:sp>
       <p:sp>
         <p:nvSpPr>
-          <p:cNvPr id="248" name="Google Shape;248;gfbfb770d81_0_419:notes"/>
+          <p:cNvPr id="249" name="Google Shape;249;gfbfb770d81_0_419:notes"/>
           <p:cNvSpPr txBox="1"/>
           <p:nvPr>
             <p:ph idx="1" type="body"/>
@@ -2818,7 +2828,7 @@
   <p:cSld>
     <p:spTree>
       <p:nvGrpSpPr>
-        <p:cNvPr id="251" name="Shape 251"/>
+        <p:cNvPr id="252" name="Shape 252"/>
         <p:cNvGrpSpPr/>
         <p:nvPr/>
       </p:nvGrpSpPr>
@@ -2832,7 +2842,7 @@
       </p:grpSpPr>
       <p:sp>
         <p:nvSpPr>
-          <p:cNvPr id="252" name="Google Shape;252;gfbfb770d81_0_423:notes"/>
+          <p:cNvPr id="253" name="Google Shape;253;gfbfb770d81_0_423:notes"/>
           <p:cNvSpPr/>
           <p:nvPr>
             <p:ph idx="2" type="sldImg"/>
@@ -2867,7 +2877,7 @@
       </p:sp>
       <p:sp>
         <p:nvSpPr>
-          <p:cNvPr id="253" name="Google Shape;253;gfbfb770d81_0_423:notes"/>
+          <p:cNvPr id="254" name="Google Shape;254;gfbfb770d81_0_423:notes"/>
           <p:cNvSpPr txBox="1"/>
           <p:nvPr>
             <p:ph idx="1" type="body"/>
@@ -3016,7 +3026,7 @@
   <p:cSld>
     <p:spTree>
       <p:nvGrpSpPr>
-        <p:cNvPr id="256" name="Shape 256"/>
+        <p:cNvPr id="257" name="Shape 257"/>
         <p:cNvGrpSpPr/>
         <p:nvPr/>
       </p:nvGrpSpPr>
@@ -3030,7 +3040,7 @@
       </p:grpSpPr>
       <p:sp>
         <p:nvSpPr>
-          <p:cNvPr id="257" name="Google Shape;257;gfbfb770d81_0_182:notes"/>
+          <p:cNvPr id="258" name="Google Shape;258;gfbfb770d81_0_182:notes"/>
           <p:cNvSpPr/>
           <p:nvPr>
             <p:ph idx="2" type="sldImg"/>
@@ -3065,7 +3075,7 @@
       </p:sp>
       <p:sp>
         <p:nvSpPr>
-          <p:cNvPr id="258" name="Google Shape;258;gfbfb770d81_0_182:notes"/>
+          <p:cNvPr id="259" name="Google Shape;259;gfbfb770d81_0_182:notes"/>
           <p:cNvSpPr txBox="1"/>
           <p:nvPr>
             <p:ph idx="1" type="body"/>
@@ -3115,7 +3125,7 @@
   <p:cSld>
     <p:spTree>
       <p:nvGrpSpPr>
-        <p:cNvPr id="262" name="Shape 262"/>
+        <p:cNvPr id="263" name="Shape 263"/>
         <p:cNvGrpSpPr/>
         <p:nvPr/>
       </p:nvGrpSpPr>
@@ -3129,7 +3139,7 @@
       </p:grpSpPr>
       <p:sp>
         <p:nvSpPr>
-          <p:cNvPr id="263" name="Google Shape;263;gfbfb770d81_0_187:notes"/>
+          <p:cNvPr id="264" name="Google Shape;264;gfbfb770d81_0_187:notes"/>
           <p:cNvSpPr/>
           <p:nvPr>
             <p:ph idx="2" type="sldImg"/>
@@ -3164,7 +3174,7 @@
       </p:sp>
       <p:sp>
         <p:nvSpPr>
-          <p:cNvPr id="264" name="Google Shape;264;gfbfb770d81_0_187:notes"/>
+          <p:cNvPr id="265" name="Google Shape;265;gfbfb770d81_0_187:notes"/>
           <p:cNvSpPr txBox="1"/>
           <p:nvPr>
             <p:ph idx="1" type="body"/>
@@ -3214,7 +3224,7 @@
   <p:cSld>
     <p:spTree>
       <p:nvGrpSpPr>
-        <p:cNvPr id="268" name="Shape 268"/>
+        <p:cNvPr id="270" name="Shape 270"/>
         <p:cNvGrpSpPr/>
         <p:nvPr/>
       </p:nvGrpSpPr>
@@ -3228,7 +3238,7 @@
       </p:grpSpPr>
       <p:sp>
         <p:nvSpPr>
-          <p:cNvPr id="269" name="Google Shape;269;gfbfb770d81_0_56:notes"/>
+          <p:cNvPr id="271" name="Google Shape;271;gfbfb770d81_0_56:notes"/>
           <p:cNvSpPr/>
           <p:nvPr>
             <p:ph idx="2" type="sldImg"/>
@@ -3263,7 +3273,7 @@
       </p:sp>
       <p:sp>
         <p:nvSpPr>
-          <p:cNvPr id="270" name="Google Shape;270;gfbfb770d81_0_56:notes"/>
+          <p:cNvPr id="272" name="Google Shape;272;gfbfb770d81_0_56:notes"/>
           <p:cNvSpPr txBox="1"/>
           <p:nvPr>
             <p:ph idx="1" type="body"/>
@@ -3313,7 +3323,7 @@
   <p:cSld>
     <p:spTree>
       <p:nvGrpSpPr>
-        <p:cNvPr id="275" name="Shape 275"/>
+        <p:cNvPr id="277" name="Shape 277"/>
         <p:cNvGrpSpPr/>
         <p:nvPr/>
       </p:nvGrpSpPr>
@@ -3327,7 +3337,7 @@
       </p:grpSpPr>
       <p:sp>
         <p:nvSpPr>
-          <p:cNvPr id="276" name="Google Shape;276;gfbfb770d81_0_465:notes"/>
+          <p:cNvPr id="278" name="Google Shape;278;gfc886d1ecf_1_10:notes"/>
           <p:cNvSpPr/>
           <p:nvPr>
             <p:ph idx="2" type="sldImg"/>
@@ -3362,7 +3372,601 @@
       </p:sp>
       <p:sp>
         <p:nvSpPr>
-          <p:cNvPr id="277" name="Google Shape;277;gfbfb770d81_0_465:notes"/>
+          <p:cNvPr id="279" name="Google Shape;279;gfc886d1ecf_1_10:notes"/>
+          <p:cNvSpPr txBox="1"/>
+          <p:nvPr>
+            <p:ph idx="1" type="body"/>
+          </p:nvPr>
+        </p:nvSpPr>
+        <p:spPr>
+          <a:xfrm>
+            <a:off x="685800" y="4343400"/>
+            <a:ext cx="5486400" cy="4114800"/>
+          </a:xfrm>
+          <a:prstGeom prst="rect">
+            <a:avLst/>
+          </a:prstGeom>
+        </p:spPr>
+        <p:txBody>
+          <a:bodyPr anchorCtr="0" anchor="t" bIns="91425" lIns="91425" spcFirstLastPara="1" rIns="91425" wrap="square" tIns="91425">
+            <a:noAutofit/>
+          </a:bodyPr>
+          <a:lstStyle/>
+          <a:p>
+            <a:pPr indent="0" lvl="0" marL="0" rtl="0" algn="l">
+              <a:spcBef>
+                <a:spcPts val="0"/>
+              </a:spcBef>
+              <a:spcAft>
+                <a:spcPts val="0"/>
+              </a:spcAft>
+              <a:buNone/>
+            </a:pPr>
+            <a:r>
+              <a:t/>
+            </a:r>
+            <a:endParaRPr/>
+          </a:p>
+        </p:txBody>
+      </p:sp>
+    </p:spTree>
+  </p:cSld>
+  <p:clrMapOvr>
+    <a:masterClrMapping/>
+  </p:clrMapOvr>
+</p:notes>
+</file>
+
+<file path=ppt/notesSlides/notesSlide34.xml><?xml version="1.0" encoding="utf-8"?>
+<p:notes xmlns:a="http://schemas.openxmlformats.org/drawingml/2006/main" xmlns:r="http://schemas.openxmlformats.org/officeDocument/2006/relationships" xmlns:mc="http://schemas.openxmlformats.org/markup-compatibility/2006" xmlns:mv="urn:schemas-microsoft-com:mac:vml" xmlns:p="http://schemas.openxmlformats.org/presentationml/2006/main" xmlns:c="http://schemas.openxmlformats.org/drawingml/2006/chart" xmlns:dgm="http://schemas.openxmlformats.org/drawingml/2006/diagram" xmlns:o="urn:schemas-microsoft-com:office:office" xmlns:v="urn:schemas-microsoft-com:vml" xmlns:pvml="urn:schemas-microsoft-com:office:powerpoint" xmlns:com="http://schemas.openxmlformats.org/drawingml/2006/compatibility" xmlns:p14="http://schemas.microsoft.com/office/powerpoint/2010/main" xmlns:p15="http://schemas.microsoft.com/office/powerpoint/2012/main" xmlns:ahyp="http://schemas.microsoft.com/office/drawing/2018/hyperlinkcolor" showMasterPhAnim="0" showMasterSp="0">
+  <p:cSld>
+    <p:spTree>
+      <p:nvGrpSpPr>
+        <p:cNvPr id="283" name="Shape 283"/>
+        <p:cNvGrpSpPr/>
+        <p:nvPr/>
+      </p:nvGrpSpPr>
+      <p:grpSpPr>
+        <a:xfrm>
+          <a:off x="0" y="0"/>
+          <a:ext cx="0" cy="0"/>
+          <a:chOff x="0" y="0"/>
+          <a:chExt cx="0" cy="0"/>
+        </a:xfrm>
+      </p:grpSpPr>
+      <p:sp>
+        <p:nvSpPr>
+          <p:cNvPr id="284" name="Google Shape;284;gfc886d2016_0_5:notes"/>
+          <p:cNvSpPr/>
+          <p:nvPr>
+            <p:ph idx="2" type="sldImg"/>
+          </p:nvPr>
+        </p:nvSpPr>
+        <p:spPr>
+          <a:xfrm>
+            <a:off x="381300" y="685800"/>
+            <a:ext cx="6096000" cy="3429000"/>
+          </a:xfrm>
+          <a:custGeom>
+            <a:rect b="b" l="l" r="r" t="t"/>
+            <a:pathLst>
+              <a:path extrusionOk="0" h="120000" w="120000">
+                <a:moveTo>
+                  <a:pt x="0" y="0"/>
+                </a:moveTo>
+                <a:lnTo>
+                  <a:pt x="120000" y="0"/>
+                </a:lnTo>
+                <a:lnTo>
+                  <a:pt x="120000" y="120000"/>
+                </a:lnTo>
+                <a:lnTo>
+                  <a:pt x="0" y="120000"/>
+                </a:lnTo>
+                <a:close/>
+              </a:path>
+            </a:pathLst>
+          </a:custGeom>
+        </p:spPr>
+      </p:sp>
+      <p:sp>
+        <p:nvSpPr>
+          <p:cNvPr id="285" name="Google Shape;285;gfc886d2016_0_5:notes"/>
+          <p:cNvSpPr txBox="1"/>
+          <p:nvPr>
+            <p:ph idx="1" type="body"/>
+          </p:nvPr>
+        </p:nvSpPr>
+        <p:spPr>
+          <a:xfrm>
+            <a:off x="685800" y="4343400"/>
+            <a:ext cx="5486400" cy="4114800"/>
+          </a:xfrm>
+          <a:prstGeom prst="rect">
+            <a:avLst/>
+          </a:prstGeom>
+        </p:spPr>
+        <p:txBody>
+          <a:bodyPr anchorCtr="0" anchor="t" bIns="91425" lIns="91425" spcFirstLastPara="1" rIns="91425" wrap="square" tIns="91425">
+            <a:noAutofit/>
+          </a:bodyPr>
+          <a:lstStyle/>
+          <a:p>
+            <a:pPr indent="0" lvl="0" marL="0" rtl="0" algn="l">
+              <a:spcBef>
+                <a:spcPts val="0"/>
+              </a:spcBef>
+              <a:spcAft>
+                <a:spcPts val="0"/>
+              </a:spcAft>
+              <a:buNone/>
+            </a:pPr>
+            <a:r>
+              <a:t/>
+            </a:r>
+            <a:endParaRPr/>
+          </a:p>
+        </p:txBody>
+      </p:sp>
+    </p:spTree>
+  </p:cSld>
+  <p:clrMapOvr>
+    <a:masterClrMapping/>
+  </p:clrMapOvr>
+</p:notes>
+</file>
+
+<file path=ppt/notesSlides/notesSlide35.xml><?xml version="1.0" encoding="utf-8"?>
+<p:notes xmlns:a="http://schemas.openxmlformats.org/drawingml/2006/main" xmlns:r="http://schemas.openxmlformats.org/officeDocument/2006/relationships" xmlns:mc="http://schemas.openxmlformats.org/markup-compatibility/2006" xmlns:mv="urn:schemas-microsoft-com:mac:vml" xmlns:p="http://schemas.openxmlformats.org/presentationml/2006/main" xmlns:c="http://schemas.openxmlformats.org/drawingml/2006/chart" xmlns:dgm="http://schemas.openxmlformats.org/drawingml/2006/diagram" xmlns:o="urn:schemas-microsoft-com:office:office" xmlns:v="urn:schemas-microsoft-com:vml" xmlns:pvml="urn:schemas-microsoft-com:office:powerpoint" xmlns:com="http://schemas.openxmlformats.org/drawingml/2006/compatibility" xmlns:p14="http://schemas.microsoft.com/office/powerpoint/2010/main" xmlns:p15="http://schemas.microsoft.com/office/powerpoint/2012/main" xmlns:ahyp="http://schemas.microsoft.com/office/drawing/2018/hyperlinkcolor" showMasterPhAnim="0" showMasterSp="0">
+  <p:cSld>
+    <p:spTree>
+      <p:nvGrpSpPr>
+        <p:cNvPr id="291" name="Shape 291"/>
+        <p:cNvGrpSpPr/>
+        <p:nvPr/>
+      </p:nvGrpSpPr>
+      <p:grpSpPr>
+        <a:xfrm>
+          <a:off x="0" y="0"/>
+          <a:ext cx="0" cy="0"/>
+          <a:chOff x="0" y="0"/>
+          <a:chExt cx="0" cy="0"/>
+        </a:xfrm>
+      </p:grpSpPr>
+      <p:sp>
+        <p:nvSpPr>
+          <p:cNvPr id="292" name="Google Shape;292;gfc886d2016_0_15:notes"/>
+          <p:cNvSpPr/>
+          <p:nvPr>
+            <p:ph idx="2" type="sldImg"/>
+          </p:nvPr>
+        </p:nvSpPr>
+        <p:spPr>
+          <a:xfrm>
+            <a:off x="381300" y="685800"/>
+            <a:ext cx="6096000" cy="3429000"/>
+          </a:xfrm>
+          <a:custGeom>
+            <a:rect b="b" l="l" r="r" t="t"/>
+            <a:pathLst>
+              <a:path extrusionOk="0" h="120000" w="120000">
+                <a:moveTo>
+                  <a:pt x="0" y="0"/>
+                </a:moveTo>
+                <a:lnTo>
+                  <a:pt x="120000" y="0"/>
+                </a:lnTo>
+                <a:lnTo>
+                  <a:pt x="120000" y="120000"/>
+                </a:lnTo>
+                <a:lnTo>
+                  <a:pt x="0" y="120000"/>
+                </a:lnTo>
+                <a:close/>
+              </a:path>
+            </a:pathLst>
+          </a:custGeom>
+        </p:spPr>
+      </p:sp>
+      <p:sp>
+        <p:nvSpPr>
+          <p:cNvPr id="293" name="Google Shape;293;gfc886d2016_0_15:notes"/>
+          <p:cNvSpPr txBox="1"/>
+          <p:nvPr>
+            <p:ph idx="1" type="body"/>
+          </p:nvPr>
+        </p:nvSpPr>
+        <p:spPr>
+          <a:xfrm>
+            <a:off x="685800" y="4343400"/>
+            <a:ext cx="5486400" cy="4114800"/>
+          </a:xfrm>
+          <a:prstGeom prst="rect">
+            <a:avLst/>
+          </a:prstGeom>
+        </p:spPr>
+        <p:txBody>
+          <a:bodyPr anchorCtr="0" anchor="t" bIns="91425" lIns="91425" spcFirstLastPara="1" rIns="91425" wrap="square" tIns="91425">
+            <a:noAutofit/>
+          </a:bodyPr>
+          <a:lstStyle/>
+          <a:p>
+            <a:pPr indent="0" lvl="0" marL="0" rtl="0" algn="l">
+              <a:spcBef>
+                <a:spcPts val="0"/>
+              </a:spcBef>
+              <a:spcAft>
+                <a:spcPts val="0"/>
+              </a:spcAft>
+              <a:buNone/>
+            </a:pPr>
+            <a:r>
+              <a:t/>
+            </a:r>
+            <a:endParaRPr/>
+          </a:p>
+        </p:txBody>
+      </p:sp>
+    </p:spTree>
+  </p:cSld>
+  <p:clrMapOvr>
+    <a:masterClrMapping/>
+  </p:clrMapOvr>
+</p:notes>
+</file>
+
+<file path=ppt/notesSlides/notesSlide36.xml><?xml version="1.0" encoding="utf-8"?>
+<p:notes xmlns:a="http://schemas.openxmlformats.org/drawingml/2006/main" xmlns:r="http://schemas.openxmlformats.org/officeDocument/2006/relationships" xmlns:mc="http://schemas.openxmlformats.org/markup-compatibility/2006" xmlns:mv="urn:schemas-microsoft-com:mac:vml" xmlns:p="http://schemas.openxmlformats.org/presentationml/2006/main" xmlns:c="http://schemas.openxmlformats.org/drawingml/2006/chart" xmlns:dgm="http://schemas.openxmlformats.org/drawingml/2006/diagram" xmlns:o="urn:schemas-microsoft-com:office:office" xmlns:v="urn:schemas-microsoft-com:vml" xmlns:pvml="urn:schemas-microsoft-com:office:powerpoint" xmlns:com="http://schemas.openxmlformats.org/drawingml/2006/compatibility" xmlns:p14="http://schemas.microsoft.com/office/powerpoint/2010/main" xmlns:p15="http://schemas.microsoft.com/office/powerpoint/2012/main" xmlns:ahyp="http://schemas.microsoft.com/office/drawing/2018/hyperlinkcolor" showMasterPhAnim="0" showMasterSp="0">
+  <p:cSld>
+    <p:spTree>
+      <p:nvGrpSpPr>
+        <p:cNvPr id="297" name="Shape 297"/>
+        <p:cNvGrpSpPr/>
+        <p:nvPr/>
+      </p:nvGrpSpPr>
+      <p:grpSpPr>
+        <a:xfrm>
+          <a:off x="0" y="0"/>
+          <a:ext cx="0" cy="0"/>
+          <a:chOff x="0" y="0"/>
+          <a:chExt cx="0" cy="0"/>
+        </a:xfrm>
+      </p:grpSpPr>
+      <p:sp>
+        <p:nvSpPr>
+          <p:cNvPr id="298" name="Google Shape;298;gfc886d1ecf_1_15:notes"/>
+          <p:cNvSpPr/>
+          <p:nvPr>
+            <p:ph idx="2" type="sldImg"/>
+          </p:nvPr>
+        </p:nvSpPr>
+        <p:spPr>
+          <a:xfrm>
+            <a:off x="381300" y="685800"/>
+            <a:ext cx="6096000" cy="3429000"/>
+          </a:xfrm>
+          <a:custGeom>
+            <a:rect b="b" l="l" r="r" t="t"/>
+            <a:pathLst>
+              <a:path extrusionOk="0" h="120000" w="120000">
+                <a:moveTo>
+                  <a:pt x="0" y="0"/>
+                </a:moveTo>
+                <a:lnTo>
+                  <a:pt x="120000" y="0"/>
+                </a:lnTo>
+                <a:lnTo>
+                  <a:pt x="120000" y="120000"/>
+                </a:lnTo>
+                <a:lnTo>
+                  <a:pt x="0" y="120000"/>
+                </a:lnTo>
+                <a:close/>
+              </a:path>
+            </a:pathLst>
+          </a:custGeom>
+        </p:spPr>
+      </p:sp>
+      <p:sp>
+        <p:nvSpPr>
+          <p:cNvPr id="299" name="Google Shape;299;gfc886d1ecf_1_15:notes"/>
+          <p:cNvSpPr txBox="1"/>
+          <p:nvPr>
+            <p:ph idx="1" type="body"/>
+          </p:nvPr>
+        </p:nvSpPr>
+        <p:spPr>
+          <a:xfrm>
+            <a:off x="685800" y="4343400"/>
+            <a:ext cx="5486400" cy="4114800"/>
+          </a:xfrm>
+          <a:prstGeom prst="rect">
+            <a:avLst/>
+          </a:prstGeom>
+        </p:spPr>
+        <p:txBody>
+          <a:bodyPr anchorCtr="0" anchor="t" bIns="91425" lIns="91425" spcFirstLastPara="1" rIns="91425" wrap="square" tIns="91425">
+            <a:noAutofit/>
+          </a:bodyPr>
+          <a:lstStyle/>
+          <a:p>
+            <a:pPr indent="0" lvl="0" marL="0" rtl="0" algn="l">
+              <a:spcBef>
+                <a:spcPts val="0"/>
+              </a:spcBef>
+              <a:spcAft>
+                <a:spcPts val="0"/>
+              </a:spcAft>
+              <a:buNone/>
+            </a:pPr>
+            <a:r>
+              <a:t/>
+            </a:r>
+            <a:endParaRPr/>
+          </a:p>
+        </p:txBody>
+      </p:sp>
+    </p:spTree>
+  </p:cSld>
+  <p:clrMapOvr>
+    <a:masterClrMapping/>
+  </p:clrMapOvr>
+</p:notes>
+</file>
+
+<file path=ppt/notesSlides/notesSlide37.xml><?xml version="1.0" encoding="utf-8"?>
+<p:notes xmlns:a="http://schemas.openxmlformats.org/drawingml/2006/main" xmlns:r="http://schemas.openxmlformats.org/officeDocument/2006/relationships" xmlns:mc="http://schemas.openxmlformats.org/markup-compatibility/2006" xmlns:mv="urn:schemas-microsoft-com:mac:vml" xmlns:p="http://schemas.openxmlformats.org/presentationml/2006/main" xmlns:c="http://schemas.openxmlformats.org/drawingml/2006/chart" xmlns:dgm="http://schemas.openxmlformats.org/drawingml/2006/diagram" xmlns:o="urn:schemas-microsoft-com:office:office" xmlns:v="urn:schemas-microsoft-com:vml" xmlns:pvml="urn:schemas-microsoft-com:office:powerpoint" xmlns:com="http://schemas.openxmlformats.org/drawingml/2006/compatibility" xmlns:p14="http://schemas.microsoft.com/office/powerpoint/2010/main" xmlns:p15="http://schemas.microsoft.com/office/powerpoint/2012/main" xmlns:ahyp="http://schemas.microsoft.com/office/drawing/2018/hyperlinkcolor" showMasterPhAnim="0" showMasterSp="0">
+  <p:cSld>
+    <p:spTree>
+      <p:nvGrpSpPr>
+        <p:cNvPr id="302" name="Shape 302"/>
+        <p:cNvGrpSpPr/>
+        <p:nvPr/>
+      </p:nvGrpSpPr>
+      <p:grpSpPr>
+        <a:xfrm>
+          <a:off x="0" y="0"/>
+          <a:ext cx="0" cy="0"/>
+          <a:chOff x="0" y="0"/>
+          <a:chExt cx="0" cy="0"/>
+        </a:xfrm>
+      </p:grpSpPr>
+      <p:sp>
+        <p:nvSpPr>
+          <p:cNvPr id="303" name="Google Shape;303;gfc886d2016_0_21:notes"/>
+          <p:cNvSpPr/>
+          <p:nvPr>
+            <p:ph idx="2" type="sldImg"/>
+          </p:nvPr>
+        </p:nvSpPr>
+        <p:spPr>
+          <a:xfrm>
+            <a:off x="381300" y="685800"/>
+            <a:ext cx="6096000" cy="3429000"/>
+          </a:xfrm>
+          <a:custGeom>
+            <a:rect b="b" l="l" r="r" t="t"/>
+            <a:pathLst>
+              <a:path extrusionOk="0" h="120000" w="120000">
+                <a:moveTo>
+                  <a:pt x="0" y="0"/>
+                </a:moveTo>
+                <a:lnTo>
+                  <a:pt x="120000" y="0"/>
+                </a:lnTo>
+                <a:lnTo>
+                  <a:pt x="120000" y="120000"/>
+                </a:lnTo>
+                <a:lnTo>
+                  <a:pt x="0" y="120000"/>
+                </a:lnTo>
+                <a:close/>
+              </a:path>
+            </a:pathLst>
+          </a:custGeom>
+        </p:spPr>
+      </p:sp>
+      <p:sp>
+        <p:nvSpPr>
+          <p:cNvPr id="304" name="Google Shape;304;gfc886d2016_0_21:notes"/>
+          <p:cNvSpPr txBox="1"/>
+          <p:nvPr>
+            <p:ph idx="1" type="body"/>
+          </p:nvPr>
+        </p:nvSpPr>
+        <p:spPr>
+          <a:xfrm>
+            <a:off x="685800" y="4343400"/>
+            <a:ext cx="5486400" cy="4114800"/>
+          </a:xfrm>
+          <a:prstGeom prst="rect">
+            <a:avLst/>
+          </a:prstGeom>
+        </p:spPr>
+        <p:txBody>
+          <a:bodyPr anchorCtr="0" anchor="t" bIns="91425" lIns="91425" spcFirstLastPara="1" rIns="91425" wrap="square" tIns="91425">
+            <a:noAutofit/>
+          </a:bodyPr>
+          <a:lstStyle/>
+          <a:p>
+            <a:pPr indent="0" lvl="0" marL="0" rtl="0" algn="l">
+              <a:spcBef>
+                <a:spcPts val="0"/>
+              </a:spcBef>
+              <a:spcAft>
+                <a:spcPts val="0"/>
+              </a:spcAft>
+              <a:buNone/>
+            </a:pPr>
+            <a:r>
+              <a:t/>
+            </a:r>
+            <a:endParaRPr/>
+          </a:p>
+        </p:txBody>
+      </p:sp>
+    </p:spTree>
+  </p:cSld>
+  <p:clrMapOvr>
+    <a:masterClrMapping/>
+  </p:clrMapOvr>
+</p:notes>
+</file>
+
+<file path=ppt/notesSlides/notesSlide38.xml><?xml version="1.0" encoding="utf-8"?>
+<p:notes xmlns:a="http://schemas.openxmlformats.org/drawingml/2006/main" xmlns:r="http://schemas.openxmlformats.org/officeDocument/2006/relationships" xmlns:mc="http://schemas.openxmlformats.org/markup-compatibility/2006" xmlns:mv="urn:schemas-microsoft-com:mac:vml" xmlns:p="http://schemas.openxmlformats.org/presentationml/2006/main" xmlns:c="http://schemas.openxmlformats.org/drawingml/2006/chart" xmlns:dgm="http://schemas.openxmlformats.org/drawingml/2006/diagram" xmlns:o="urn:schemas-microsoft-com:office:office" xmlns:v="urn:schemas-microsoft-com:vml" xmlns:pvml="urn:schemas-microsoft-com:office:powerpoint" xmlns:com="http://schemas.openxmlformats.org/drawingml/2006/compatibility" xmlns:p14="http://schemas.microsoft.com/office/powerpoint/2010/main" xmlns:p15="http://schemas.microsoft.com/office/powerpoint/2012/main" xmlns:ahyp="http://schemas.microsoft.com/office/drawing/2018/hyperlinkcolor" showMasterPhAnim="0" showMasterSp="0">
+  <p:cSld>
+    <p:spTree>
+      <p:nvGrpSpPr>
+        <p:cNvPr id="307" name="Shape 307"/>
+        <p:cNvGrpSpPr/>
+        <p:nvPr/>
+      </p:nvGrpSpPr>
+      <p:grpSpPr>
+        <a:xfrm>
+          <a:off x="0" y="0"/>
+          <a:ext cx="0" cy="0"/>
+          <a:chOff x="0" y="0"/>
+          <a:chExt cx="0" cy="0"/>
+        </a:xfrm>
+      </p:grpSpPr>
+      <p:sp>
+        <p:nvSpPr>
+          <p:cNvPr id="308" name="Google Shape;308;gfc886d1ecf_1_22:notes"/>
+          <p:cNvSpPr/>
+          <p:nvPr>
+            <p:ph idx="2" type="sldImg"/>
+          </p:nvPr>
+        </p:nvSpPr>
+        <p:spPr>
+          <a:xfrm>
+            <a:off x="381300" y="685800"/>
+            <a:ext cx="6096000" cy="3429000"/>
+          </a:xfrm>
+          <a:custGeom>
+            <a:rect b="b" l="l" r="r" t="t"/>
+            <a:pathLst>
+              <a:path extrusionOk="0" h="120000" w="120000">
+                <a:moveTo>
+                  <a:pt x="0" y="0"/>
+                </a:moveTo>
+                <a:lnTo>
+                  <a:pt x="120000" y="0"/>
+                </a:lnTo>
+                <a:lnTo>
+                  <a:pt x="120000" y="120000"/>
+                </a:lnTo>
+                <a:lnTo>
+                  <a:pt x="0" y="120000"/>
+                </a:lnTo>
+                <a:close/>
+              </a:path>
+            </a:pathLst>
+          </a:custGeom>
+        </p:spPr>
+      </p:sp>
+      <p:sp>
+        <p:nvSpPr>
+          <p:cNvPr id="309" name="Google Shape;309;gfc886d1ecf_1_22:notes"/>
+          <p:cNvSpPr txBox="1"/>
+          <p:nvPr>
+            <p:ph idx="1" type="body"/>
+          </p:nvPr>
+        </p:nvSpPr>
+        <p:spPr>
+          <a:xfrm>
+            <a:off x="685800" y="4343400"/>
+            <a:ext cx="5486400" cy="4114800"/>
+          </a:xfrm>
+          <a:prstGeom prst="rect">
+            <a:avLst/>
+          </a:prstGeom>
+        </p:spPr>
+        <p:txBody>
+          <a:bodyPr anchorCtr="0" anchor="t" bIns="91425" lIns="91425" spcFirstLastPara="1" rIns="91425" wrap="square" tIns="91425">
+            <a:noAutofit/>
+          </a:bodyPr>
+          <a:lstStyle/>
+          <a:p>
+            <a:pPr indent="0" lvl="0" marL="0" rtl="0" algn="l">
+              <a:spcBef>
+                <a:spcPts val="0"/>
+              </a:spcBef>
+              <a:spcAft>
+                <a:spcPts val="0"/>
+              </a:spcAft>
+              <a:buNone/>
+            </a:pPr>
+            <a:r>
+              <a:t/>
+            </a:r>
+            <a:endParaRPr/>
+          </a:p>
+        </p:txBody>
+      </p:sp>
+    </p:spTree>
+  </p:cSld>
+  <p:clrMapOvr>
+    <a:masterClrMapping/>
+  </p:clrMapOvr>
+</p:notes>
+</file>
+
+<file path=ppt/notesSlides/notesSlide39.xml><?xml version="1.0" encoding="utf-8"?>
+<p:notes xmlns:a="http://schemas.openxmlformats.org/drawingml/2006/main" xmlns:r="http://schemas.openxmlformats.org/officeDocument/2006/relationships" xmlns:mc="http://schemas.openxmlformats.org/markup-compatibility/2006" xmlns:mv="urn:schemas-microsoft-com:mac:vml" xmlns:p="http://schemas.openxmlformats.org/presentationml/2006/main" xmlns:c="http://schemas.openxmlformats.org/drawingml/2006/chart" xmlns:dgm="http://schemas.openxmlformats.org/drawingml/2006/diagram" xmlns:o="urn:schemas-microsoft-com:office:office" xmlns:v="urn:schemas-microsoft-com:vml" xmlns:pvml="urn:schemas-microsoft-com:office:powerpoint" xmlns:com="http://schemas.openxmlformats.org/drawingml/2006/compatibility" xmlns:p14="http://schemas.microsoft.com/office/powerpoint/2010/main" xmlns:p15="http://schemas.microsoft.com/office/powerpoint/2012/main" xmlns:ahyp="http://schemas.microsoft.com/office/drawing/2018/hyperlinkcolor" showMasterPhAnim="0" showMasterSp="0">
+  <p:cSld>
+    <p:spTree>
+      <p:nvGrpSpPr>
+        <p:cNvPr id="312" name="Shape 312"/>
+        <p:cNvGrpSpPr/>
+        <p:nvPr/>
+      </p:nvGrpSpPr>
+      <p:grpSpPr>
+        <a:xfrm>
+          <a:off x="0" y="0"/>
+          <a:ext cx="0" cy="0"/>
+          <a:chOff x="0" y="0"/>
+          <a:chExt cx="0" cy="0"/>
+        </a:xfrm>
+      </p:grpSpPr>
+      <p:sp>
+        <p:nvSpPr>
+          <p:cNvPr id="313" name="Google Shape;313;gfc886d1ecf_1_26:notes"/>
+          <p:cNvSpPr/>
+          <p:nvPr>
+            <p:ph idx="2" type="sldImg"/>
+          </p:nvPr>
+        </p:nvSpPr>
+        <p:spPr>
+          <a:xfrm>
+            <a:off x="381300" y="685800"/>
+            <a:ext cx="6096000" cy="3429000"/>
+          </a:xfrm>
+          <a:custGeom>
+            <a:rect b="b" l="l" r="r" t="t"/>
+            <a:pathLst>
+              <a:path extrusionOk="0" h="120000" w="120000">
+                <a:moveTo>
+                  <a:pt x="0" y="0"/>
+                </a:moveTo>
+                <a:lnTo>
+                  <a:pt x="120000" y="0"/>
+                </a:lnTo>
+                <a:lnTo>
+                  <a:pt x="120000" y="120000"/>
+                </a:lnTo>
+                <a:lnTo>
+                  <a:pt x="0" y="120000"/>
+                </a:lnTo>
+                <a:close/>
+              </a:path>
+            </a:pathLst>
+          </a:custGeom>
+        </p:spPr>
+      </p:sp>
+      <p:sp>
+        <p:nvSpPr>
+          <p:cNvPr id="314" name="Google Shape;314;gfc886d1ecf_1_26:notes"/>
           <p:cNvSpPr txBox="1"/>
           <p:nvPr>
             <p:ph idx="1" type="body"/>
@@ -3506,6 +4110,402 @@
 </p:notes>
 </file>
 
+<file path=ppt/notesSlides/notesSlide40.xml><?xml version="1.0" encoding="utf-8"?>
+<p:notes xmlns:a="http://schemas.openxmlformats.org/drawingml/2006/main" xmlns:r="http://schemas.openxmlformats.org/officeDocument/2006/relationships" xmlns:mc="http://schemas.openxmlformats.org/markup-compatibility/2006" xmlns:mv="urn:schemas-microsoft-com:mac:vml" xmlns:p="http://schemas.openxmlformats.org/presentationml/2006/main" xmlns:c="http://schemas.openxmlformats.org/drawingml/2006/chart" xmlns:dgm="http://schemas.openxmlformats.org/drawingml/2006/diagram" xmlns:o="urn:schemas-microsoft-com:office:office" xmlns:v="urn:schemas-microsoft-com:vml" xmlns:pvml="urn:schemas-microsoft-com:office:powerpoint" xmlns:com="http://schemas.openxmlformats.org/drawingml/2006/compatibility" xmlns:p14="http://schemas.microsoft.com/office/powerpoint/2010/main" xmlns:p15="http://schemas.microsoft.com/office/powerpoint/2012/main" xmlns:ahyp="http://schemas.microsoft.com/office/drawing/2018/hyperlinkcolor" showMasterPhAnim="0" showMasterSp="0">
+  <p:cSld>
+    <p:spTree>
+      <p:nvGrpSpPr>
+        <p:cNvPr id="317" name="Shape 317"/>
+        <p:cNvGrpSpPr/>
+        <p:nvPr/>
+      </p:nvGrpSpPr>
+      <p:grpSpPr>
+        <a:xfrm>
+          <a:off x="0" y="0"/>
+          <a:ext cx="0" cy="0"/>
+          <a:chOff x="0" y="0"/>
+          <a:chExt cx="0" cy="0"/>
+        </a:xfrm>
+      </p:grpSpPr>
+      <p:sp>
+        <p:nvSpPr>
+          <p:cNvPr id="318" name="Google Shape;318;gfc886d2016_0_25:notes"/>
+          <p:cNvSpPr/>
+          <p:nvPr>
+            <p:ph idx="2" type="sldImg"/>
+          </p:nvPr>
+        </p:nvSpPr>
+        <p:spPr>
+          <a:xfrm>
+            <a:off x="381300" y="685800"/>
+            <a:ext cx="6096000" cy="3429000"/>
+          </a:xfrm>
+          <a:custGeom>
+            <a:rect b="b" l="l" r="r" t="t"/>
+            <a:pathLst>
+              <a:path extrusionOk="0" h="120000" w="120000">
+                <a:moveTo>
+                  <a:pt x="0" y="0"/>
+                </a:moveTo>
+                <a:lnTo>
+                  <a:pt x="120000" y="0"/>
+                </a:lnTo>
+                <a:lnTo>
+                  <a:pt x="120000" y="120000"/>
+                </a:lnTo>
+                <a:lnTo>
+                  <a:pt x="0" y="120000"/>
+                </a:lnTo>
+                <a:close/>
+              </a:path>
+            </a:pathLst>
+          </a:custGeom>
+        </p:spPr>
+      </p:sp>
+      <p:sp>
+        <p:nvSpPr>
+          <p:cNvPr id="319" name="Google Shape;319;gfc886d2016_0_25:notes"/>
+          <p:cNvSpPr txBox="1"/>
+          <p:nvPr>
+            <p:ph idx="1" type="body"/>
+          </p:nvPr>
+        </p:nvSpPr>
+        <p:spPr>
+          <a:xfrm>
+            <a:off x="685800" y="4343400"/>
+            <a:ext cx="5486400" cy="4114800"/>
+          </a:xfrm>
+          <a:prstGeom prst="rect">
+            <a:avLst/>
+          </a:prstGeom>
+        </p:spPr>
+        <p:txBody>
+          <a:bodyPr anchorCtr="0" anchor="t" bIns="91425" lIns="91425" spcFirstLastPara="1" rIns="91425" wrap="square" tIns="91425">
+            <a:noAutofit/>
+          </a:bodyPr>
+          <a:lstStyle/>
+          <a:p>
+            <a:pPr indent="0" lvl="0" marL="0" rtl="0" algn="l">
+              <a:spcBef>
+                <a:spcPts val="0"/>
+              </a:spcBef>
+              <a:spcAft>
+                <a:spcPts val="0"/>
+              </a:spcAft>
+              <a:buNone/>
+            </a:pPr>
+            <a:r>
+              <a:t/>
+            </a:r>
+            <a:endParaRPr/>
+          </a:p>
+        </p:txBody>
+      </p:sp>
+    </p:spTree>
+  </p:cSld>
+  <p:clrMapOvr>
+    <a:masterClrMapping/>
+  </p:clrMapOvr>
+</p:notes>
+</file>
+
+<file path=ppt/notesSlides/notesSlide41.xml><?xml version="1.0" encoding="utf-8"?>
+<p:notes xmlns:a="http://schemas.openxmlformats.org/drawingml/2006/main" xmlns:r="http://schemas.openxmlformats.org/officeDocument/2006/relationships" xmlns:mc="http://schemas.openxmlformats.org/markup-compatibility/2006" xmlns:mv="urn:schemas-microsoft-com:mac:vml" xmlns:p="http://schemas.openxmlformats.org/presentationml/2006/main" xmlns:c="http://schemas.openxmlformats.org/drawingml/2006/chart" xmlns:dgm="http://schemas.openxmlformats.org/drawingml/2006/diagram" xmlns:o="urn:schemas-microsoft-com:office:office" xmlns:v="urn:schemas-microsoft-com:vml" xmlns:pvml="urn:schemas-microsoft-com:office:powerpoint" xmlns:com="http://schemas.openxmlformats.org/drawingml/2006/compatibility" xmlns:p14="http://schemas.microsoft.com/office/powerpoint/2010/main" xmlns:p15="http://schemas.microsoft.com/office/powerpoint/2012/main" xmlns:ahyp="http://schemas.microsoft.com/office/drawing/2018/hyperlinkcolor" showMasterPhAnim="0" showMasterSp="0">
+  <p:cSld>
+    <p:spTree>
+      <p:nvGrpSpPr>
+        <p:cNvPr id="324" name="Shape 324"/>
+        <p:cNvGrpSpPr/>
+        <p:nvPr/>
+      </p:nvGrpSpPr>
+      <p:grpSpPr>
+        <a:xfrm>
+          <a:off x="0" y="0"/>
+          <a:ext cx="0" cy="0"/>
+          <a:chOff x="0" y="0"/>
+          <a:chExt cx="0" cy="0"/>
+        </a:xfrm>
+      </p:grpSpPr>
+      <p:sp>
+        <p:nvSpPr>
+          <p:cNvPr id="325" name="Google Shape;325;gfc886d2016_0_29:notes"/>
+          <p:cNvSpPr/>
+          <p:nvPr>
+            <p:ph idx="2" type="sldImg"/>
+          </p:nvPr>
+        </p:nvSpPr>
+        <p:spPr>
+          <a:xfrm>
+            <a:off x="381300" y="685800"/>
+            <a:ext cx="6096000" cy="3429000"/>
+          </a:xfrm>
+          <a:custGeom>
+            <a:rect b="b" l="l" r="r" t="t"/>
+            <a:pathLst>
+              <a:path extrusionOk="0" h="120000" w="120000">
+                <a:moveTo>
+                  <a:pt x="0" y="0"/>
+                </a:moveTo>
+                <a:lnTo>
+                  <a:pt x="120000" y="0"/>
+                </a:lnTo>
+                <a:lnTo>
+                  <a:pt x="120000" y="120000"/>
+                </a:lnTo>
+                <a:lnTo>
+                  <a:pt x="0" y="120000"/>
+                </a:lnTo>
+                <a:close/>
+              </a:path>
+            </a:pathLst>
+          </a:custGeom>
+        </p:spPr>
+      </p:sp>
+      <p:sp>
+        <p:nvSpPr>
+          <p:cNvPr id="326" name="Google Shape;326;gfc886d2016_0_29:notes"/>
+          <p:cNvSpPr txBox="1"/>
+          <p:nvPr>
+            <p:ph idx="1" type="body"/>
+          </p:nvPr>
+        </p:nvSpPr>
+        <p:spPr>
+          <a:xfrm>
+            <a:off x="685800" y="4343400"/>
+            <a:ext cx="5486400" cy="4114800"/>
+          </a:xfrm>
+          <a:prstGeom prst="rect">
+            <a:avLst/>
+          </a:prstGeom>
+        </p:spPr>
+        <p:txBody>
+          <a:bodyPr anchorCtr="0" anchor="t" bIns="91425" lIns="91425" spcFirstLastPara="1" rIns="91425" wrap="square" tIns="91425">
+            <a:noAutofit/>
+          </a:bodyPr>
+          <a:lstStyle/>
+          <a:p>
+            <a:pPr indent="0" lvl="0" marL="0" rtl="0" algn="l">
+              <a:spcBef>
+                <a:spcPts val="0"/>
+              </a:spcBef>
+              <a:spcAft>
+                <a:spcPts val="0"/>
+              </a:spcAft>
+              <a:buNone/>
+            </a:pPr>
+            <a:r>
+              <a:t/>
+            </a:r>
+            <a:endParaRPr/>
+          </a:p>
+        </p:txBody>
+      </p:sp>
+    </p:spTree>
+  </p:cSld>
+  <p:clrMapOvr>
+    <a:masterClrMapping/>
+  </p:clrMapOvr>
+</p:notes>
+</file>
+
+<file path=ppt/notesSlides/notesSlide42.xml><?xml version="1.0" encoding="utf-8"?>
+<p:notes xmlns:a="http://schemas.openxmlformats.org/drawingml/2006/main" xmlns:r="http://schemas.openxmlformats.org/officeDocument/2006/relationships" xmlns:mc="http://schemas.openxmlformats.org/markup-compatibility/2006" xmlns:mv="urn:schemas-microsoft-com:mac:vml" xmlns:p="http://schemas.openxmlformats.org/presentationml/2006/main" xmlns:c="http://schemas.openxmlformats.org/drawingml/2006/chart" xmlns:dgm="http://schemas.openxmlformats.org/drawingml/2006/diagram" xmlns:o="urn:schemas-microsoft-com:office:office" xmlns:v="urn:schemas-microsoft-com:vml" xmlns:pvml="urn:schemas-microsoft-com:office:powerpoint" xmlns:com="http://schemas.openxmlformats.org/drawingml/2006/compatibility" xmlns:p14="http://schemas.microsoft.com/office/powerpoint/2010/main" xmlns:p15="http://schemas.microsoft.com/office/powerpoint/2012/main" xmlns:ahyp="http://schemas.microsoft.com/office/drawing/2018/hyperlinkcolor" showMasterPhAnim="0" showMasterSp="0">
+  <p:cSld>
+    <p:spTree>
+      <p:nvGrpSpPr>
+        <p:cNvPr id="329" name="Shape 329"/>
+        <p:cNvGrpSpPr/>
+        <p:nvPr/>
+      </p:nvGrpSpPr>
+      <p:grpSpPr>
+        <a:xfrm>
+          <a:off x="0" y="0"/>
+          <a:ext cx="0" cy="0"/>
+          <a:chOff x="0" y="0"/>
+          <a:chExt cx="0" cy="0"/>
+        </a:xfrm>
+      </p:grpSpPr>
+      <p:sp>
+        <p:nvSpPr>
+          <p:cNvPr id="330" name="Google Shape;330;gfc886d2016_0_0:notes"/>
+          <p:cNvSpPr/>
+          <p:nvPr>
+            <p:ph idx="2" type="sldImg"/>
+          </p:nvPr>
+        </p:nvSpPr>
+        <p:spPr>
+          <a:xfrm>
+            <a:off x="381300" y="685800"/>
+            <a:ext cx="6096000" cy="3429000"/>
+          </a:xfrm>
+          <a:custGeom>
+            <a:rect b="b" l="l" r="r" t="t"/>
+            <a:pathLst>
+              <a:path extrusionOk="0" h="120000" w="120000">
+                <a:moveTo>
+                  <a:pt x="0" y="0"/>
+                </a:moveTo>
+                <a:lnTo>
+                  <a:pt x="120000" y="0"/>
+                </a:lnTo>
+                <a:lnTo>
+                  <a:pt x="120000" y="120000"/>
+                </a:lnTo>
+                <a:lnTo>
+                  <a:pt x="0" y="120000"/>
+                </a:lnTo>
+                <a:close/>
+              </a:path>
+            </a:pathLst>
+          </a:custGeom>
+        </p:spPr>
+      </p:sp>
+      <p:sp>
+        <p:nvSpPr>
+          <p:cNvPr id="331" name="Google Shape;331;gfc886d2016_0_0:notes"/>
+          <p:cNvSpPr txBox="1"/>
+          <p:nvPr>
+            <p:ph idx="1" type="body"/>
+          </p:nvPr>
+        </p:nvSpPr>
+        <p:spPr>
+          <a:xfrm>
+            <a:off x="685800" y="4343400"/>
+            <a:ext cx="5486400" cy="4114800"/>
+          </a:xfrm>
+          <a:prstGeom prst="rect">
+            <a:avLst/>
+          </a:prstGeom>
+        </p:spPr>
+        <p:txBody>
+          <a:bodyPr anchorCtr="0" anchor="t" bIns="91425" lIns="91425" spcFirstLastPara="1" rIns="91425" wrap="square" tIns="91425">
+            <a:noAutofit/>
+          </a:bodyPr>
+          <a:lstStyle/>
+          <a:p>
+            <a:pPr indent="0" lvl="0" marL="0" rtl="0" algn="l">
+              <a:spcBef>
+                <a:spcPts val="0"/>
+              </a:spcBef>
+              <a:spcAft>
+                <a:spcPts val="0"/>
+              </a:spcAft>
+              <a:buNone/>
+            </a:pPr>
+            <a:r>
+              <a:t/>
+            </a:r>
+            <a:endParaRPr/>
+          </a:p>
+        </p:txBody>
+      </p:sp>
+    </p:spTree>
+  </p:cSld>
+  <p:clrMapOvr>
+    <a:masterClrMapping/>
+  </p:clrMapOvr>
+</p:notes>
+</file>
+
+<file path=ppt/notesSlides/notesSlide43.xml><?xml version="1.0" encoding="utf-8"?>
+<p:notes xmlns:a="http://schemas.openxmlformats.org/drawingml/2006/main" xmlns:r="http://schemas.openxmlformats.org/officeDocument/2006/relationships" xmlns:mc="http://schemas.openxmlformats.org/markup-compatibility/2006" xmlns:mv="urn:schemas-microsoft-com:mac:vml" xmlns:p="http://schemas.openxmlformats.org/presentationml/2006/main" xmlns:c="http://schemas.openxmlformats.org/drawingml/2006/chart" xmlns:dgm="http://schemas.openxmlformats.org/drawingml/2006/diagram" xmlns:o="urn:schemas-microsoft-com:office:office" xmlns:v="urn:schemas-microsoft-com:vml" xmlns:pvml="urn:schemas-microsoft-com:office:powerpoint" xmlns:com="http://schemas.openxmlformats.org/drawingml/2006/compatibility" xmlns:p14="http://schemas.microsoft.com/office/powerpoint/2010/main" xmlns:p15="http://schemas.microsoft.com/office/powerpoint/2012/main" xmlns:ahyp="http://schemas.microsoft.com/office/drawing/2018/hyperlinkcolor" showMasterPhAnim="0" showMasterSp="0">
+  <p:cSld>
+    <p:spTree>
+      <p:nvGrpSpPr>
+        <p:cNvPr id="335" name="Shape 335"/>
+        <p:cNvGrpSpPr/>
+        <p:nvPr/>
+      </p:nvGrpSpPr>
+      <p:grpSpPr>
+        <a:xfrm>
+          <a:off x="0" y="0"/>
+          <a:ext cx="0" cy="0"/>
+          <a:chOff x="0" y="0"/>
+          <a:chExt cx="0" cy="0"/>
+        </a:xfrm>
+      </p:grpSpPr>
+      <p:sp>
+        <p:nvSpPr>
+          <p:cNvPr id="336" name="Google Shape;336;gfbfb770d81_0_465:notes"/>
+          <p:cNvSpPr/>
+          <p:nvPr>
+            <p:ph idx="2" type="sldImg"/>
+          </p:nvPr>
+        </p:nvSpPr>
+        <p:spPr>
+          <a:xfrm>
+            <a:off x="381300" y="685800"/>
+            <a:ext cx="6096000" cy="3429000"/>
+          </a:xfrm>
+          <a:custGeom>
+            <a:rect b="b" l="l" r="r" t="t"/>
+            <a:pathLst>
+              <a:path extrusionOk="0" h="120000" w="120000">
+                <a:moveTo>
+                  <a:pt x="0" y="0"/>
+                </a:moveTo>
+                <a:lnTo>
+                  <a:pt x="120000" y="0"/>
+                </a:lnTo>
+                <a:lnTo>
+                  <a:pt x="120000" y="120000"/>
+                </a:lnTo>
+                <a:lnTo>
+                  <a:pt x="0" y="120000"/>
+                </a:lnTo>
+                <a:close/>
+              </a:path>
+            </a:pathLst>
+          </a:custGeom>
+        </p:spPr>
+      </p:sp>
+      <p:sp>
+        <p:nvSpPr>
+          <p:cNvPr id="337" name="Google Shape;337;gfbfb770d81_0_465:notes"/>
+          <p:cNvSpPr txBox="1"/>
+          <p:nvPr>
+            <p:ph idx="1" type="body"/>
+          </p:nvPr>
+        </p:nvSpPr>
+        <p:spPr>
+          <a:xfrm>
+            <a:off x="685800" y="4343400"/>
+            <a:ext cx="5486400" cy="4114800"/>
+          </a:xfrm>
+          <a:prstGeom prst="rect">
+            <a:avLst/>
+          </a:prstGeom>
+        </p:spPr>
+        <p:txBody>
+          <a:bodyPr anchorCtr="0" anchor="t" bIns="91425" lIns="91425" spcFirstLastPara="1" rIns="91425" wrap="square" tIns="91425">
+            <a:noAutofit/>
+          </a:bodyPr>
+          <a:lstStyle/>
+          <a:p>
+            <a:pPr indent="0" lvl="0" marL="0" rtl="0" algn="l">
+              <a:spcBef>
+                <a:spcPts val="0"/>
+              </a:spcBef>
+              <a:spcAft>
+                <a:spcPts val="0"/>
+              </a:spcAft>
+              <a:buNone/>
+            </a:pPr>
+            <a:r>
+              <a:t/>
+            </a:r>
+            <a:endParaRPr/>
+          </a:p>
+        </p:txBody>
+      </p:sp>
+    </p:spTree>
+  </p:cSld>
+  <p:clrMapOvr>
+    <a:masterClrMapping/>
+  </p:clrMapOvr>
+</p:notes>
+</file>
+
 <file path=ppt/notesSlides/notesSlide5.xml><?xml version="1.0" encoding="utf-8"?>
 <p:notes xmlns:a="http://schemas.openxmlformats.org/drawingml/2006/main" xmlns:r="http://schemas.openxmlformats.org/officeDocument/2006/relationships" xmlns:mc="http://schemas.openxmlformats.org/markup-compatibility/2006" xmlns:mv="urn:schemas-microsoft-com:mac:vml" xmlns:p="http://schemas.openxmlformats.org/presentationml/2006/main" xmlns:c="http://schemas.openxmlformats.org/drawingml/2006/chart" xmlns:dgm="http://schemas.openxmlformats.org/drawingml/2006/diagram" xmlns:o="urn:schemas-microsoft-com:office:office" xmlns:v="urn:schemas-microsoft-com:vml" xmlns:pvml="urn:schemas-microsoft-com:office:powerpoint" xmlns:com="http://schemas.openxmlformats.org/drawingml/2006/compatibility" xmlns:p14="http://schemas.microsoft.com/office/powerpoint/2010/main" xmlns:p15="http://schemas.microsoft.com/office/powerpoint/2012/main" xmlns:ahyp="http://schemas.microsoft.com/office/drawing/2018/hyperlinkcolor" showMasterPhAnim="0" showMasterSp="0">
   <p:cSld>
@@ -3624,7 +4624,7 @@
       </p:grpSpPr>
       <p:sp>
         <p:nvSpPr>
-          <p:cNvPr id="115" name="Google Shape;115;gfbfb770d81_0_147:notes"/>
+          <p:cNvPr id="115" name="Google Shape;115;gfc886d1ecf_1_0:notes"/>
           <p:cNvSpPr/>
           <p:nvPr>
             <p:ph idx="2" type="sldImg"/>
@@ -3659,7 +4659,7 @@
       </p:sp>
       <p:sp>
         <p:nvSpPr>
-          <p:cNvPr id="116" name="Google Shape;116;gfbfb770d81_0_147:notes"/>
+          <p:cNvPr id="116" name="Google Shape;116;gfc886d1ecf_1_0:notes"/>
           <p:cNvSpPr txBox="1"/>
           <p:nvPr>
             <p:ph idx="1" type="body"/>
@@ -3723,7 +4723,7 @@
       </p:grpSpPr>
       <p:sp>
         <p:nvSpPr>
-          <p:cNvPr id="121" name="Google Shape;121;gfbfb770d81_0_437:notes"/>
+          <p:cNvPr id="121" name="Google Shape;121;gfbfb770d81_0_147:notes"/>
           <p:cNvSpPr/>
           <p:nvPr>
             <p:ph idx="2" type="sldImg"/>
@@ -3758,7 +4758,7 @@
       </p:sp>
       <p:sp>
         <p:nvSpPr>
-          <p:cNvPr id="122" name="Google Shape;122;gfbfb770d81_0_437:notes"/>
+          <p:cNvPr id="122" name="Google Shape;122;gfbfb770d81_0_147:notes"/>
           <p:cNvSpPr txBox="1"/>
           <p:nvPr>
             <p:ph idx="1" type="body"/>
@@ -3822,7 +4822,7 @@
       </p:grpSpPr>
       <p:sp>
         <p:nvSpPr>
-          <p:cNvPr id="127" name="Google Shape;127;gfbfb770d81_0_459:notes"/>
+          <p:cNvPr id="127" name="Google Shape;127;gfbfb770d81_0_437:notes"/>
           <p:cNvSpPr/>
           <p:nvPr>
             <p:ph idx="2" type="sldImg"/>
@@ -3857,7 +4857,7 @@
       </p:sp>
       <p:sp>
         <p:nvSpPr>
-          <p:cNvPr id="128" name="Google Shape;128;gfbfb770d81_0_459:notes"/>
+          <p:cNvPr id="128" name="Google Shape;128;gfbfb770d81_0_437:notes"/>
           <p:cNvSpPr txBox="1"/>
           <p:nvPr>
             <p:ph idx="1" type="body"/>
@@ -3907,7 +4907,7 @@
   <p:cSld>
     <p:spTree>
       <p:nvGrpSpPr>
-        <p:cNvPr id="131" name="Shape 131"/>
+        <p:cNvPr id="132" name="Shape 132"/>
         <p:cNvGrpSpPr/>
         <p:nvPr/>
       </p:nvGrpSpPr>
@@ -3921,7 +4921,7 @@
       </p:grpSpPr>
       <p:sp>
         <p:nvSpPr>
-          <p:cNvPr id="132" name="Google Shape;132;gfbfb770d81_0_453:notes"/>
+          <p:cNvPr id="133" name="Google Shape;133;gfbfb770d81_0_459:notes"/>
           <p:cNvSpPr/>
           <p:nvPr>
             <p:ph idx="2" type="sldImg"/>
@@ -3956,7 +4956,7 @@
       </p:sp>
       <p:sp>
         <p:nvSpPr>
-          <p:cNvPr id="133" name="Google Shape;133;gfbfb770d81_0_453:notes"/>
+          <p:cNvPr id="134" name="Google Shape;134;gfbfb770d81_0_459:notes"/>
           <p:cNvSpPr txBox="1"/>
           <p:nvPr>
             <p:ph idx="1" type="body"/>
@@ -10987,34 +11987,6 @@
           </a:ln>
         </p:spPr>
       </p:pic>
-      <p:pic>
-        <p:nvPicPr>
-          <p:cNvPr id="167" name="Google Shape;167;p26"/>
-          <p:cNvPicPr preferRelativeResize="0"/>
-          <p:nvPr/>
-        </p:nvPicPr>
-        <p:blipFill>
-          <a:blip r:embed="rId4">
-            <a:alphaModFix/>
-          </a:blip>
-          <a:stretch>
-            <a:fillRect/>
-          </a:stretch>
-        </p:blipFill>
-        <p:spPr>
-          <a:xfrm>
-            <a:off x="1143000" y="0"/>
-            <a:ext cx="6858000" cy="5143500"/>
-          </a:xfrm>
-          <a:prstGeom prst="rect">
-            <a:avLst/>
-          </a:prstGeom>
-          <a:noFill/>
-          <a:ln>
-            <a:noFill/>
-          </a:ln>
-        </p:spPr>
-      </p:pic>
     </p:spTree>
   </p:cSld>
   <p:clrMapOvr>
@@ -11028,7 +12000,7 @@
   <p:cSld>
     <p:spTree>
       <p:nvGrpSpPr>
-        <p:cNvPr id="171" name="Shape 171"/>
+        <p:cNvPr id="170" name="Shape 170"/>
         <p:cNvGrpSpPr/>
         <p:nvPr/>
       </p:nvGrpSpPr>
@@ -11042,7 +12014,7 @@
       </p:grpSpPr>
       <p:sp>
         <p:nvSpPr>
-          <p:cNvPr id="172" name="Google Shape;172;p27"/>
+          <p:cNvPr id="171" name="Google Shape;171;p27"/>
           <p:cNvSpPr/>
           <p:nvPr/>
         </p:nvSpPr>
@@ -11091,12 +12063,40 @@
       </p:sp>
       <p:pic>
         <p:nvPicPr>
+          <p:cNvPr id="172" name="Google Shape;172;p27"/>
+          <p:cNvPicPr preferRelativeResize="0"/>
+          <p:nvPr/>
+        </p:nvPicPr>
+        <p:blipFill>
+          <a:blip r:embed="rId3">
+            <a:alphaModFix/>
+          </a:blip>
+          <a:stretch>
+            <a:fillRect/>
+          </a:stretch>
+        </p:blipFill>
+        <p:spPr>
+          <a:xfrm>
+            <a:off x="1143000" y="0"/>
+            <a:ext cx="6858000" cy="5143500"/>
+          </a:xfrm>
+          <a:prstGeom prst="rect">
+            <a:avLst/>
+          </a:prstGeom>
+          <a:noFill/>
+          <a:ln>
+            <a:noFill/>
+          </a:ln>
+        </p:spPr>
+      </p:pic>
+      <p:pic>
+        <p:nvPicPr>
           <p:cNvPr id="173" name="Google Shape;173;p27"/>
           <p:cNvPicPr preferRelativeResize="0"/>
           <p:nvPr/>
         </p:nvPicPr>
         <p:blipFill>
-          <a:blip r:embed="rId3">
+          <a:blip r:embed="rId4">
             <a:alphaModFix/>
           </a:blip>
           <a:stretch>
@@ -11451,23 +12451,33 @@
       <p:sp>
         <p:nvSpPr>
           <p:cNvPr id="196" name="Google Shape;196;p31"/>
-          <p:cNvSpPr txBox="1"/>
-          <p:nvPr>
-            <p:ph type="title"/>
-          </p:nvPr>
-        </p:nvSpPr>
-        <p:spPr>
-          <a:xfrm>
-            <a:off x="729450" y="1318650"/>
-            <a:ext cx="7688700" cy="535200"/>
+          <p:cNvSpPr/>
+          <p:nvPr/>
+        </p:nvSpPr>
+        <p:spPr>
+          <a:xfrm>
+            <a:off x="713175" y="1025200"/>
+            <a:ext cx="573000" cy="261000"/>
           </a:xfrm>
           <a:prstGeom prst="rect">
             <a:avLst/>
           </a:prstGeom>
+          <a:solidFill>
+            <a:schemeClr val="lt1"/>
+          </a:solidFill>
+          <a:ln cap="flat" cmpd="sng" w="9525">
+            <a:solidFill>
+              <a:schemeClr val="lt1"/>
+            </a:solidFill>
+            <a:prstDash val="solid"/>
+            <a:round/>
+            <a:headEnd len="sm" w="sm" type="none"/>
+            <a:tailEnd len="sm" w="sm" type="none"/>
+          </a:ln>
         </p:spPr>
         <p:txBody>
-          <a:bodyPr anchorCtr="0" anchor="t" bIns="91425" lIns="91425" spcFirstLastPara="1" rIns="91425" wrap="square" tIns="91425">
-            <a:normAutofit fontScale="90000"/>
+          <a:bodyPr anchorCtr="0" anchor="ctr" bIns="91425" lIns="91425" spcFirstLastPara="1" rIns="91425" wrap="square" tIns="91425">
+            <a:noAutofit/>
           </a:bodyPr>
           <a:lstStyle/>
           <a:p>
@@ -11481,13 +12491,40 @@
               <a:buNone/>
             </a:pPr>
             <a:r>
-              <a:rPr lang="en"/>
-              <a:t>How would this look in the frequentist world?</a:t>
+              <a:t/>
             </a:r>
             <a:endParaRPr/>
           </a:p>
         </p:txBody>
       </p:sp>
+      <p:pic>
+        <p:nvPicPr>
+          <p:cNvPr id="197" name="Google Shape;197;p31"/>
+          <p:cNvPicPr preferRelativeResize="0"/>
+          <p:nvPr/>
+        </p:nvPicPr>
+        <p:blipFill>
+          <a:blip r:embed="rId3">
+            <a:alphaModFix/>
+          </a:blip>
+          <a:stretch>
+            <a:fillRect/>
+          </a:stretch>
+        </p:blipFill>
+        <p:spPr>
+          <a:xfrm>
+            <a:off x="1143000" y="0"/>
+            <a:ext cx="6858000" cy="5143500"/>
+          </a:xfrm>
+          <a:prstGeom prst="rect">
+            <a:avLst/>
+          </a:prstGeom>
+          <a:noFill/>
+          <a:ln>
+            <a:noFill/>
+          </a:ln>
+        </p:spPr>
+      </p:pic>
     </p:spTree>
   </p:cSld>
   <p:clrMapOvr>
@@ -11673,7 +12710,7 @@
   <p:cSld>
     <p:spTree>
       <p:nvGrpSpPr>
-        <p:cNvPr id="200" name="Shape 200"/>
+        <p:cNvPr id="201" name="Shape 201"/>
         <p:cNvGrpSpPr/>
         <p:nvPr/>
       </p:nvGrpSpPr>
@@ -11687,7 +12724,7 @@
       </p:grpSpPr>
       <p:sp>
         <p:nvSpPr>
-          <p:cNvPr id="201" name="Google Shape;201;p32"/>
+          <p:cNvPr id="202" name="Google Shape;202;p32"/>
           <p:cNvSpPr txBox="1"/>
           <p:nvPr>
             <p:ph type="title"/>
@@ -11725,34 +12762,6 @@
           </a:p>
         </p:txBody>
       </p:sp>
-      <p:pic>
-        <p:nvPicPr>
-          <p:cNvPr id="202" name="Google Shape;202;p32"/>
-          <p:cNvPicPr preferRelativeResize="0"/>
-          <p:nvPr/>
-        </p:nvPicPr>
-        <p:blipFill>
-          <a:blip r:embed="rId3">
-            <a:alphaModFix/>
-          </a:blip>
-          <a:stretch>
-            <a:fillRect/>
-          </a:stretch>
-        </p:blipFill>
-        <p:spPr>
-          <a:xfrm>
-            <a:off x="2408788" y="1898675"/>
-            <a:ext cx="4326426" cy="3244825"/>
-          </a:xfrm>
-          <a:prstGeom prst="rect">
-            <a:avLst/>
-          </a:prstGeom>
-          <a:noFill/>
-          <a:ln>
-            <a:noFill/>
-          </a:ln>
-        </p:spPr>
-      </p:pic>
     </p:spTree>
   </p:cSld>
   <p:clrMapOvr>
@@ -11778,9 +12787,62 @@
           <a:chExt cx="0" cy="0"/>
         </a:xfrm>
       </p:grpSpPr>
-      <p:sp>
-        <p:nvSpPr>
+      <p:pic>
+        <p:nvPicPr>
           <p:cNvPr id="207" name="Google Shape;207;p33"/>
+          <p:cNvPicPr preferRelativeResize="0"/>
+          <p:nvPr/>
+        </p:nvPicPr>
+        <p:blipFill>
+          <a:blip r:embed="rId3">
+            <a:alphaModFix/>
+          </a:blip>
+          <a:stretch>
+            <a:fillRect/>
+          </a:stretch>
+        </p:blipFill>
+        <p:spPr>
+          <a:xfrm>
+            <a:off x="1143007" y="0"/>
+            <a:ext cx="6857986" cy="5143500"/>
+          </a:xfrm>
+          <a:prstGeom prst="rect">
+            <a:avLst/>
+          </a:prstGeom>
+          <a:noFill/>
+          <a:ln>
+            <a:noFill/>
+          </a:ln>
+        </p:spPr>
+      </p:pic>
+    </p:spTree>
+  </p:cSld>
+  <p:clrMapOvr>
+    <a:masterClrMapping/>
+  </p:clrMapOvr>
+</p:sld>
+</file>
+
+<file path=ppt/slides/slide22.xml><?xml version="1.0" encoding="utf-8"?>
+<p:sld xmlns:a="http://schemas.openxmlformats.org/drawingml/2006/main" xmlns:r="http://schemas.openxmlformats.org/officeDocument/2006/relationships" xmlns:mc="http://schemas.openxmlformats.org/markup-compatibility/2006" xmlns:mv="urn:schemas-microsoft-com:mac:vml" xmlns:p="http://schemas.openxmlformats.org/presentationml/2006/main" xmlns:c="http://schemas.openxmlformats.org/drawingml/2006/chart" xmlns:dgm="http://schemas.openxmlformats.org/drawingml/2006/diagram" xmlns:o="urn:schemas-microsoft-com:office:office" xmlns:v="urn:schemas-microsoft-com:vml" xmlns:pvml="urn:schemas-microsoft-com:office:powerpoint" xmlns:com="http://schemas.openxmlformats.org/drawingml/2006/compatibility" xmlns:p14="http://schemas.microsoft.com/office/powerpoint/2010/main" xmlns:p15="http://schemas.microsoft.com/office/powerpoint/2012/main" xmlns:ahyp="http://schemas.microsoft.com/office/drawing/2018/hyperlinkcolor">
+  <p:cSld>
+    <p:spTree>
+      <p:nvGrpSpPr>
+        <p:cNvPr id="211" name="Shape 211"/>
+        <p:cNvGrpSpPr/>
+        <p:nvPr/>
+      </p:nvGrpSpPr>
+      <p:grpSpPr>
+        <a:xfrm>
+          <a:off x="0" y="0"/>
+          <a:ext cx="0" cy="0"/>
+          <a:chOff x="0" y="0"/>
+          <a:chExt cx="0" cy="0"/>
+        </a:xfrm>
+      </p:grpSpPr>
+      <p:sp>
+        <p:nvSpPr>
+          <p:cNvPr id="212" name="Google Shape;212;p34"/>
           <p:cNvSpPr/>
           <p:nvPr/>
         </p:nvSpPr>
@@ -11829,7 +12891,7 @@
       </p:sp>
       <p:pic>
         <p:nvPicPr>
-          <p:cNvPr id="208" name="Google Shape;208;p33"/>
+          <p:cNvPr id="213" name="Google Shape;213;p34"/>
           <p:cNvPicPr preferRelativeResize="0"/>
           <p:nvPr/>
         </p:nvPicPr>
@@ -11857,7 +12919,7 @@
       </p:pic>
       <p:sp>
         <p:nvSpPr>
-          <p:cNvPr id="209" name="Google Shape;209;p33"/>
+          <p:cNvPr id="214" name="Google Shape;214;p34"/>
           <p:cNvSpPr txBox="1"/>
           <p:nvPr>
             <p:ph idx="4294967295" type="body"/>
@@ -11904,12 +12966,12 @@
 </p:sld>
 </file>
 
-<file path=ppt/slides/slide22.xml><?xml version="1.0" encoding="utf-8"?>
+<file path=ppt/slides/slide23.xml><?xml version="1.0" encoding="utf-8"?>
 <p:sld xmlns:a="http://schemas.openxmlformats.org/drawingml/2006/main" xmlns:r="http://schemas.openxmlformats.org/officeDocument/2006/relationships" xmlns:mc="http://schemas.openxmlformats.org/markup-compatibility/2006" xmlns:mv="urn:schemas-microsoft-com:mac:vml" xmlns:p="http://schemas.openxmlformats.org/presentationml/2006/main" xmlns:c="http://schemas.openxmlformats.org/drawingml/2006/chart" xmlns:dgm="http://schemas.openxmlformats.org/drawingml/2006/diagram" xmlns:o="urn:schemas-microsoft-com:office:office" xmlns:v="urn:schemas-microsoft-com:vml" xmlns:pvml="urn:schemas-microsoft-com:office:powerpoint" xmlns:com="http://schemas.openxmlformats.org/drawingml/2006/compatibility" xmlns:p14="http://schemas.microsoft.com/office/powerpoint/2010/main" xmlns:p15="http://schemas.microsoft.com/office/powerpoint/2012/main" xmlns:ahyp="http://schemas.microsoft.com/office/drawing/2018/hyperlinkcolor">
   <p:cSld>
     <p:spTree>
       <p:nvGrpSpPr>
-        <p:cNvPr id="213" name="Shape 213"/>
+        <p:cNvPr id="218" name="Shape 218"/>
         <p:cNvGrpSpPr/>
         <p:nvPr/>
       </p:nvGrpSpPr>
@@ -11923,7 +12985,7 @@
       </p:grpSpPr>
       <p:sp>
         <p:nvSpPr>
-          <p:cNvPr id="214" name="Google Shape;214;p34"/>
+          <p:cNvPr id="219" name="Google Shape;219;p35"/>
           <p:cNvSpPr/>
           <p:nvPr/>
         </p:nvSpPr>
@@ -11972,7 +13034,7 @@
       </p:sp>
       <p:pic>
         <p:nvPicPr>
-          <p:cNvPr id="215" name="Google Shape;215;p34"/>
+          <p:cNvPr id="220" name="Google Shape;220;p35"/>
           <p:cNvPicPr preferRelativeResize="0"/>
           <p:nvPr/>
         </p:nvPicPr>
@@ -11998,112 +13060,6 @@
           </a:ln>
         </p:spPr>
       </p:pic>
-    </p:spTree>
-  </p:cSld>
-  <p:clrMapOvr>
-    <a:masterClrMapping/>
-  </p:clrMapOvr>
-</p:sld>
-</file>
-
-<file path=ppt/slides/slide23.xml><?xml version="1.0" encoding="utf-8"?>
-<p:sld xmlns:a="http://schemas.openxmlformats.org/drawingml/2006/main" xmlns:r="http://schemas.openxmlformats.org/officeDocument/2006/relationships" xmlns:mc="http://schemas.openxmlformats.org/markup-compatibility/2006" xmlns:mv="urn:schemas-microsoft-com:mac:vml" xmlns:p="http://schemas.openxmlformats.org/presentationml/2006/main" xmlns:c="http://schemas.openxmlformats.org/drawingml/2006/chart" xmlns:dgm="http://schemas.openxmlformats.org/drawingml/2006/diagram" xmlns:o="urn:schemas-microsoft-com:office:office" xmlns:v="urn:schemas-microsoft-com:vml" xmlns:pvml="urn:schemas-microsoft-com:office:powerpoint" xmlns:com="http://schemas.openxmlformats.org/drawingml/2006/compatibility" xmlns:p14="http://schemas.microsoft.com/office/powerpoint/2010/main" xmlns:p15="http://schemas.microsoft.com/office/powerpoint/2012/main" xmlns:ahyp="http://schemas.microsoft.com/office/drawing/2018/hyperlinkcolor">
-  <p:cSld>
-    <p:spTree>
-      <p:nvGrpSpPr>
-        <p:cNvPr id="219" name="Shape 219"/>
-        <p:cNvGrpSpPr/>
-        <p:nvPr/>
-      </p:nvGrpSpPr>
-      <p:grpSpPr>
-        <a:xfrm>
-          <a:off x="0" y="0"/>
-          <a:ext cx="0" cy="0"/>
-          <a:chOff x="0" y="0"/>
-          <a:chExt cx="0" cy="0"/>
-        </a:xfrm>
-      </p:grpSpPr>
-      <p:sp>
-        <p:nvSpPr>
-          <p:cNvPr id="220" name="Google Shape;220;p35"/>
-          <p:cNvSpPr txBox="1"/>
-          <p:nvPr>
-            <p:ph type="title"/>
-          </p:nvPr>
-        </p:nvSpPr>
-        <p:spPr>
-          <a:xfrm>
-            <a:off x="729450" y="1318650"/>
-            <a:ext cx="7688700" cy="535200"/>
-          </a:xfrm>
-          <a:prstGeom prst="rect">
-            <a:avLst/>
-          </a:prstGeom>
-        </p:spPr>
-        <p:txBody>
-          <a:bodyPr anchorCtr="0" anchor="t" bIns="91425" lIns="91425" spcFirstLastPara="1" rIns="91425" wrap="square" tIns="91425">
-            <a:normAutofit fontScale="90000"/>
-          </a:bodyPr>
-          <a:lstStyle/>
-          <a:p>
-            <a:pPr indent="0" lvl="0" marL="0" rtl="0" algn="l">
-              <a:spcBef>
-                <a:spcPts val="0"/>
-              </a:spcBef>
-              <a:spcAft>
-                <a:spcPts val="0"/>
-              </a:spcAft>
-              <a:buNone/>
-            </a:pPr>
-            <a:r>
-              <a:rPr lang="en"/>
-              <a:t>PhD project</a:t>
-            </a:r>
-            <a:endParaRPr/>
-          </a:p>
-        </p:txBody>
-      </p:sp>
-      <p:sp>
-        <p:nvSpPr>
-          <p:cNvPr id="221" name="Google Shape;221;p35"/>
-          <p:cNvSpPr txBox="1"/>
-          <p:nvPr>
-            <p:ph idx="1" type="body"/>
-          </p:nvPr>
-        </p:nvSpPr>
-        <p:spPr>
-          <a:xfrm>
-            <a:off x="729450" y="2078875"/>
-            <a:ext cx="7688700" cy="2261100"/>
-          </a:xfrm>
-          <a:prstGeom prst="rect">
-            <a:avLst/>
-          </a:prstGeom>
-        </p:spPr>
-        <p:txBody>
-          <a:bodyPr anchorCtr="0" anchor="t" bIns="91425" lIns="91425" spcFirstLastPara="1" rIns="91425" wrap="square" tIns="91425">
-            <a:normAutofit/>
-          </a:bodyPr>
-          <a:lstStyle/>
-          <a:p>
-            <a:pPr indent="-311150" lvl="0" marL="457200" rtl="0" algn="l">
-              <a:spcBef>
-                <a:spcPts val="0"/>
-              </a:spcBef>
-              <a:spcAft>
-                <a:spcPts val="0"/>
-              </a:spcAft>
-              <a:buSzPts val="1300"/>
-              <a:buChar char="-"/>
-            </a:pPr>
-            <a:r>
-              <a:rPr lang="en"/>
-              <a:t>lorem ipsum</a:t>
-            </a:r>
-            <a:endParaRPr/>
-          </a:p>
-        </p:txBody>
-      </p:sp>
     </p:spTree>
   </p:cSld>
   <p:clrMapOvr>
@@ -12117,7 +13073,7 @@
   <p:cSld>
     <p:spTree>
       <p:nvGrpSpPr>
-        <p:cNvPr id="225" name="Shape 225"/>
+        <p:cNvPr id="224" name="Shape 224"/>
         <p:cNvGrpSpPr/>
         <p:nvPr/>
       </p:nvGrpSpPr>
@@ -12131,7 +13087,7 @@
       </p:grpSpPr>
       <p:sp>
         <p:nvSpPr>
-          <p:cNvPr id="226" name="Google Shape;226;p36"/>
+          <p:cNvPr id="225" name="Google Shape;225;p36"/>
           <p:cNvSpPr txBox="1"/>
           <p:nvPr>
             <p:ph type="title"/>
@@ -12163,7 +13119,7 @@
             </a:pPr>
             <a:r>
               <a:rPr lang="en"/>
-              <a:t>Bayesian versus frequentist linear regression</a:t>
+              <a:t>PhD project</a:t>
             </a:r>
             <a:endParaRPr/>
           </a:p>
@@ -12171,7 +13127,7 @@
       </p:sp>
       <p:sp>
         <p:nvSpPr>
-          <p:cNvPr id="227" name="Google Shape;227;p36"/>
+          <p:cNvPr id="226" name="Google Shape;226;p36"/>
           <p:cNvSpPr txBox="1"/>
           <p:nvPr>
             <p:ph idx="1" type="body"/>
@@ -12192,19 +13148,152 @@
           </a:bodyPr>
           <a:lstStyle/>
           <a:p>
+            <a:pPr indent="-311150" lvl="0" marL="457200" rtl="0" algn="l">
+              <a:spcBef>
+                <a:spcPts val="0"/>
+              </a:spcBef>
+              <a:spcAft>
+                <a:spcPts val="0"/>
+              </a:spcAft>
+              <a:buSzPts val="1300"/>
+              <a:buChar char="-"/>
+            </a:pPr>
+            <a:r>
+              <a:rPr lang="en"/>
+              <a:t>Special forces (commandos)</a:t>
+            </a:r>
+            <a:endParaRPr/>
+          </a:p>
+          <a:p>
+            <a:pPr indent="-311150" lvl="0" marL="457200" rtl="0" algn="l">
+              <a:spcBef>
+                <a:spcPts val="0"/>
+              </a:spcBef>
+              <a:spcAft>
+                <a:spcPts val="0"/>
+              </a:spcAft>
+              <a:buSzPts val="1300"/>
+              <a:buChar char="-"/>
+            </a:pPr>
+            <a:r>
+              <a:rPr lang="en"/>
+              <a:t>Predict graduation</a:t>
+            </a:r>
+            <a:endParaRPr/>
+          </a:p>
+          <a:p>
+            <a:pPr indent="-311150" lvl="0" marL="457200" rtl="0" algn="l">
+              <a:spcBef>
+                <a:spcPts val="0"/>
+              </a:spcBef>
+              <a:spcAft>
+                <a:spcPts val="0"/>
+              </a:spcAft>
+              <a:buSzPts val="1300"/>
+              <a:buChar char="-"/>
+            </a:pPr>
+            <a:r>
+              <a:rPr lang="en"/>
+              <a:t>Questionnaires</a:t>
+            </a:r>
+            <a:endParaRPr/>
+          </a:p>
+          <a:p>
+            <a:pPr indent="-311150" lvl="0" marL="457200" rtl="0" algn="l">
+              <a:spcBef>
+                <a:spcPts val="0"/>
+              </a:spcBef>
+              <a:spcAft>
+                <a:spcPts val="0"/>
+              </a:spcAft>
+              <a:buSzPts val="1300"/>
+              <a:buChar char="-"/>
+            </a:pPr>
+            <a:r>
+              <a:rPr lang="en"/>
+              <a:t>Personality</a:t>
+            </a:r>
+            <a:endParaRPr/>
+          </a:p>
+        </p:txBody>
+      </p:sp>
+      <p:pic>
+        <p:nvPicPr>
+          <p:cNvPr id="227" name="Google Shape;227;p36"/>
+          <p:cNvPicPr preferRelativeResize="0"/>
+          <p:nvPr/>
+        </p:nvPicPr>
+        <p:blipFill>
+          <a:blip r:embed="rId3">
+            <a:alphaModFix/>
+          </a:blip>
+          <a:stretch>
+            <a:fillRect/>
+          </a:stretch>
+        </p:blipFill>
+        <p:spPr>
+          <a:xfrm>
+            <a:off x="3968575" y="883525"/>
+            <a:ext cx="5067725" cy="3376449"/>
+          </a:xfrm>
+          <a:prstGeom prst="rect">
+            <a:avLst/>
+          </a:prstGeom>
+          <a:noFill/>
+          <a:ln>
+            <a:noFill/>
+          </a:ln>
+        </p:spPr>
+      </p:pic>
+      <p:sp>
+        <p:nvSpPr>
+          <p:cNvPr id="228" name="Google Shape;228;p36"/>
+          <p:cNvSpPr txBox="1"/>
+          <p:nvPr/>
+        </p:nvSpPr>
+        <p:spPr>
+          <a:xfrm>
+            <a:off x="3968575" y="4259975"/>
+            <a:ext cx="3783600" cy="338700"/>
+          </a:xfrm>
+          <a:prstGeom prst="rect">
+            <a:avLst/>
+          </a:prstGeom>
+          <a:noFill/>
+          <a:ln>
+            <a:noFill/>
+          </a:ln>
+        </p:spPr>
+        <p:txBody>
+          <a:bodyPr anchorCtr="0" anchor="t" bIns="91425" lIns="91425" spcFirstLastPara="1" rIns="91425" wrap="square" tIns="91425">
+            <a:spAutoFit/>
+          </a:bodyPr>
+          <a:lstStyle/>
+          <a:p>
             <a:pPr indent="0" lvl="0" marL="0" rtl="0" algn="l">
               <a:spcBef>
                 <a:spcPts val="0"/>
               </a:spcBef>
               <a:spcAft>
-                <a:spcPts val="1200"/>
-              </a:spcAft>
-              <a:buNone/>
-            </a:pPr>
-            <a:r>
-              <a:t/>
-            </a:r>
-            <a:endParaRPr/>
+                <a:spcPts val="0"/>
+              </a:spcAft>
+              <a:buNone/>
+            </a:pPr>
+            <a:r>
+              <a:rPr lang="en" sz="1000">
+                <a:latin typeface="Lato"/>
+                <a:ea typeface="Lato"/>
+                <a:cs typeface="Lato"/>
+                <a:sym typeface="Lato"/>
+              </a:rPr>
+              <a:t>source: Defensie.nl</a:t>
+            </a:r>
+            <a:endParaRPr sz="1000">
+              <a:latin typeface="Lato"/>
+              <a:ea typeface="Lato"/>
+              <a:cs typeface="Lato"/>
+              <a:sym typeface="Lato"/>
+            </a:endParaRPr>
           </a:p>
         </p:txBody>
       </p:sp>
@@ -12221,7 +13310,7 @@
   <p:cSld>
     <p:spTree>
       <p:nvGrpSpPr>
-        <p:cNvPr id="231" name="Shape 231"/>
+        <p:cNvPr id="232" name="Shape 232"/>
         <p:cNvGrpSpPr/>
         <p:nvPr/>
       </p:nvGrpSpPr>
@@ -12235,7 +13324,7 @@
       </p:grpSpPr>
       <p:sp>
         <p:nvSpPr>
-          <p:cNvPr id="232" name="Google Shape;232;p37"/>
+          <p:cNvPr id="233" name="Google Shape;233;p37"/>
           <p:cNvSpPr txBox="1"/>
           <p:nvPr>
             <p:ph type="title"/>
@@ -12275,7 +13364,7 @@
       </p:sp>
       <p:sp>
         <p:nvSpPr>
-          <p:cNvPr id="233" name="Google Shape;233;p37"/>
+          <p:cNvPr id="234" name="Google Shape;234;p37"/>
           <p:cNvSpPr txBox="1"/>
           <p:nvPr>
             <p:ph idx="1" type="body"/>
@@ -12292,7 +13381,7 @@
         </p:spPr>
         <p:txBody>
           <a:bodyPr anchorCtr="0" anchor="t" bIns="91425" lIns="91425" spcFirstLastPara="1" rIns="91425" wrap="square" tIns="91425">
-            <a:normAutofit/>
+            <a:normAutofit lnSpcReduction="10000"/>
           </a:bodyPr>
           <a:lstStyle/>
           <a:p>
@@ -12308,7 +13397,7 @@
             </a:pPr>
             <a:r>
               <a:rPr lang="en" sz="1900"/>
-              <a:t>Simulated data for special forces selection (PhD project)</a:t>
+              <a:t>Simulated data for special forces selection</a:t>
             </a:r>
             <a:endParaRPr sz="1900"/>
           </a:p>
@@ -12427,7 +13516,7 @@
             </a:pPr>
             <a:r>
               <a:rPr lang="en" sz="1900"/>
-              <a:t>Centered data</a:t>
+              <a:t>Centered and standardized data (to compare different questionnaires)</a:t>
             </a:r>
             <a:endParaRPr sz="1900"/>
           </a:p>
@@ -12446,7 +13535,7 @@
   <p:cSld>
     <p:spTree>
       <p:nvGrpSpPr>
-        <p:cNvPr id="237" name="Shape 237"/>
+        <p:cNvPr id="238" name="Shape 238"/>
         <p:cNvGrpSpPr/>
         <p:nvPr/>
       </p:nvGrpSpPr>
@@ -12460,7 +13549,7 @@
       </p:grpSpPr>
       <p:pic>
         <p:nvPicPr>
-          <p:cNvPr id="238" name="Google Shape;238;p38"/>
+          <p:cNvPr id="239" name="Google Shape;239;p38"/>
           <p:cNvPicPr preferRelativeResize="0"/>
           <p:nvPr/>
         </p:nvPicPr>
@@ -12488,7 +13577,7 @@
       </p:pic>
       <p:sp>
         <p:nvSpPr>
-          <p:cNvPr id="239" name="Google Shape;239;p38"/>
+          <p:cNvPr id="240" name="Google Shape;240;p38"/>
           <p:cNvSpPr txBox="1"/>
           <p:nvPr>
             <p:ph idx="4294967295" type="body"/>
@@ -12529,14 +13618,14 @@
       </p:sp>
       <p:sp>
         <p:nvSpPr>
-          <p:cNvPr id="240" name="Google Shape;240;p38"/>
+          <p:cNvPr id="241" name="Google Shape;241;p38"/>
           <p:cNvSpPr txBox="1"/>
           <p:nvPr/>
         </p:nvSpPr>
         <p:spPr>
           <a:xfrm>
             <a:off x="95525" y="2371650"/>
-            <a:ext cx="1706700" cy="400200"/>
+            <a:ext cx="1822500" cy="615600"/>
           </a:xfrm>
           <a:prstGeom prst="rect">
             <a:avLst/>
@@ -12568,7 +13657,7 @@
                 <a:cs typeface="Lato"/>
                 <a:sym typeface="Lato"/>
               </a:rPr>
-              <a:t>NB. Centered data</a:t>
+              <a:t>NB. Centered and standardized data</a:t>
             </a:r>
             <a:endParaRPr i="1">
               <a:latin typeface="Lato"/>
@@ -12592,7 +13681,7 @@
   <p:cSld>
     <p:spTree>
       <p:nvGrpSpPr>
-        <p:cNvPr id="244" name="Shape 244"/>
+        <p:cNvPr id="245" name="Shape 245"/>
         <p:cNvGrpSpPr/>
         <p:nvPr/>
       </p:nvGrpSpPr>
@@ -12606,7 +13695,7 @@
       </p:grpSpPr>
       <p:pic>
         <p:nvPicPr>
-          <p:cNvPr id="245" name="Google Shape;245;p39"/>
+          <p:cNvPr id="246" name="Google Shape;246;p39"/>
           <p:cNvPicPr preferRelativeResize="0"/>
           <p:nvPr/>
         </p:nvPicPr>
@@ -12645,7 +13734,7 @@
   <p:cSld>
     <p:spTree>
       <p:nvGrpSpPr>
-        <p:cNvPr id="249" name="Shape 249"/>
+        <p:cNvPr id="250" name="Shape 250"/>
         <p:cNvGrpSpPr/>
         <p:nvPr/>
       </p:nvGrpSpPr>
@@ -12659,7 +13748,7 @@
       </p:grpSpPr>
       <p:pic>
         <p:nvPicPr>
-          <p:cNvPr id="250" name="Google Shape;250;p40"/>
+          <p:cNvPr id="251" name="Google Shape;251;p40"/>
           <p:cNvPicPr preferRelativeResize="0"/>
           <p:nvPr/>
         </p:nvPicPr>
@@ -12698,7 +13787,7 @@
   <p:cSld>
     <p:spTree>
       <p:nvGrpSpPr>
-        <p:cNvPr id="254" name="Shape 254"/>
+        <p:cNvPr id="255" name="Shape 255"/>
         <p:cNvGrpSpPr/>
         <p:nvPr/>
       </p:nvGrpSpPr>
@@ -12712,7 +13801,7 @@
       </p:grpSpPr>
       <p:pic>
         <p:nvPicPr>
-          <p:cNvPr id="255" name="Google Shape;255;p41"/>
+          <p:cNvPr id="256" name="Google Shape;256;p41"/>
           <p:cNvPicPr preferRelativeResize="0"/>
           <p:nvPr/>
         </p:nvPicPr>
@@ -12726,8 +13815,8 @@
         </p:blipFill>
         <p:spPr>
           <a:xfrm>
-            <a:off x="2643188" y="0"/>
-            <a:ext cx="3857625" cy="5143500"/>
+            <a:off x="2726125" y="0"/>
+            <a:ext cx="3774699" cy="5143500"/>
           </a:xfrm>
           <a:prstGeom prst="rect">
             <a:avLst/>
@@ -12891,7 +13980,7 @@
   <p:cSld>
     <p:spTree>
       <p:nvGrpSpPr>
-        <p:cNvPr id="259" name="Shape 259"/>
+        <p:cNvPr id="260" name="Shape 260"/>
         <p:cNvGrpSpPr/>
         <p:nvPr/>
       </p:nvGrpSpPr>
@@ -12905,7 +13994,7 @@
       </p:grpSpPr>
       <p:sp>
         <p:nvSpPr>
-          <p:cNvPr id="260" name="Google Shape;260;p42"/>
+          <p:cNvPr id="261" name="Google Shape;261;p42"/>
           <p:cNvSpPr txBox="1"/>
           <p:nvPr>
             <p:ph type="title"/>
@@ -12936,7 +14025,8 @@
               <a:buNone/>
             </a:pPr>
             <a:r>
-              <a:t/>
+              <a:rPr lang="en"/>
+              <a:t>Takeaways</a:t>
             </a:r>
             <a:endParaRPr/>
           </a:p>
@@ -12944,7 +14034,7 @@
       </p:sp>
       <p:sp>
         <p:nvSpPr>
-          <p:cNvPr id="261" name="Google Shape;261;p42"/>
+          <p:cNvPr id="262" name="Google Shape;262;p42"/>
           <p:cNvSpPr txBox="1"/>
           <p:nvPr>
             <p:ph idx="1" type="body"/>
@@ -12965,19 +14055,38 @@
           </a:bodyPr>
           <a:lstStyle/>
           <a:p>
-            <a:pPr indent="0" lvl="0" marL="0" rtl="0" algn="l">
-              <a:spcBef>
-                <a:spcPts val="0"/>
-              </a:spcBef>
-              <a:spcAft>
-                <a:spcPts val="1200"/>
-              </a:spcAft>
-              <a:buNone/>
-            </a:pPr>
-            <a:r>
-              <a:t/>
-            </a:r>
-            <a:endParaRPr/>
+            <a:pPr indent="-342900" lvl="0" marL="457200" rtl="0" algn="l">
+              <a:spcBef>
+                <a:spcPts val="0"/>
+              </a:spcBef>
+              <a:spcAft>
+                <a:spcPts val="0"/>
+              </a:spcAft>
+              <a:buSzPts val="1800"/>
+              <a:buChar char="-"/>
+            </a:pPr>
+            <a:r>
+              <a:rPr lang="en" sz="1800"/>
+              <a:t>Many things possible</a:t>
+            </a:r>
+            <a:endParaRPr sz="1800"/>
+          </a:p>
+          <a:p>
+            <a:pPr indent="-342900" lvl="0" marL="457200" rtl="0" algn="l">
+              <a:spcBef>
+                <a:spcPts val="0"/>
+              </a:spcBef>
+              <a:spcAft>
+                <a:spcPts val="0"/>
+              </a:spcAft>
+              <a:buSzPts val="1800"/>
+              <a:buChar char="-"/>
+            </a:pPr>
+            <a:r>
+              <a:rPr lang="en" sz="1800"/>
+              <a:t>Given the same data, frequentist and Bayesian statistics will often yield the same conclusions</a:t>
+            </a:r>
+            <a:endParaRPr sz="1800"/>
           </a:p>
         </p:txBody>
       </p:sp>
@@ -12994,7 +14103,7 @@
   <p:cSld>
     <p:spTree>
       <p:nvGrpSpPr>
-        <p:cNvPr id="265" name="Shape 265"/>
+        <p:cNvPr id="266" name="Shape 266"/>
         <p:cNvGrpSpPr/>
         <p:nvPr/>
       </p:nvGrpSpPr>
@@ -13008,7 +14117,7 @@
       </p:grpSpPr>
       <p:sp>
         <p:nvSpPr>
-          <p:cNvPr id="266" name="Google Shape;266;p43"/>
+          <p:cNvPr id="267" name="Google Shape;267;p43"/>
           <p:cNvSpPr txBox="1"/>
           <p:nvPr>
             <p:ph type="title"/>
@@ -13039,7 +14148,8 @@
               <a:buNone/>
             </a:pPr>
             <a:r>
-              <a:t/>
+              <a:rPr lang="en"/>
+              <a:t>Recap Bayes factor</a:t>
             </a:r>
             <a:endParaRPr/>
           </a:p>
@@ -13047,7 +14157,7 @@
       </p:sp>
       <p:sp>
         <p:nvSpPr>
-          <p:cNvPr id="267" name="Google Shape;267;p43"/>
+          <p:cNvPr id="268" name="Google Shape;268;p43"/>
           <p:cNvSpPr txBox="1"/>
           <p:nvPr>
             <p:ph idx="1" type="body"/>
@@ -13068,22 +14178,160 @@
           </a:bodyPr>
           <a:lstStyle/>
           <a:p>
+            <a:pPr indent="-311150" lvl="0" marL="457200" rtl="0" algn="l">
+              <a:spcBef>
+                <a:spcPts val="0"/>
+              </a:spcBef>
+              <a:spcAft>
+                <a:spcPts val="0"/>
+              </a:spcAft>
+              <a:buSzPts val="1300"/>
+              <a:buChar char="-"/>
+            </a:pPr>
+            <a:r>
+              <a:rPr lang="en"/>
+              <a:t>Two hypotheses H</a:t>
+            </a:r>
+            <a:r>
+              <a:rPr baseline="-25000" lang="en"/>
+              <a:t>0</a:t>
+            </a:r>
+            <a:r>
+              <a:rPr lang="en"/>
+              <a:t> and H</a:t>
+            </a:r>
+            <a:r>
+              <a:rPr baseline="-25000" lang="en"/>
+              <a:t>1</a:t>
+            </a:r>
+            <a:endParaRPr baseline="-25000"/>
+          </a:p>
+          <a:p>
+            <a:pPr indent="-311150" lvl="0" marL="457200" rtl="0" algn="l">
+              <a:spcBef>
+                <a:spcPts val="0"/>
+              </a:spcBef>
+              <a:spcAft>
+                <a:spcPts val="0"/>
+              </a:spcAft>
+              <a:buSzPts val="1300"/>
+              <a:buChar char="-"/>
+            </a:pPr>
+            <a:r>
+              <a:rPr lang="en"/>
+              <a:t>Observe data</a:t>
+            </a:r>
+            <a:endParaRPr/>
+          </a:p>
+          <a:p>
+            <a:pPr indent="-311150" lvl="0" marL="457200" rtl="0" algn="l">
+              <a:spcBef>
+                <a:spcPts val="0"/>
+              </a:spcBef>
+              <a:spcAft>
+                <a:spcPts val="0"/>
+              </a:spcAft>
+              <a:buSzPts val="1300"/>
+              <a:buChar char="-"/>
+            </a:pPr>
+            <a:r>
+              <a:rPr lang="en"/>
+              <a:t>Bayes factor is ratio between p(data | H</a:t>
+            </a:r>
+            <a:r>
+              <a:rPr baseline="-25000" lang="en"/>
+              <a:t>0</a:t>
+            </a:r>
+            <a:r>
+              <a:rPr lang="en"/>
+              <a:t>) and p(data | H</a:t>
+            </a:r>
+            <a:r>
+              <a:rPr baseline="-25000" lang="en"/>
+              <a:t>1</a:t>
+            </a:r>
+            <a:r>
+              <a:rPr lang="en"/>
+              <a:t>)</a:t>
+            </a:r>
+            <a:endParaRPr/>
+          </a:p>
+          <a:p>
             <a:pPr indent="0" lvl="0" marL="0" rtl="0" algn="l">
               <a:spcBef>
-                <a:spcPts val="0"/>
-              </a:spcBef>
-              <a:spcAft>
                 <a:spcPts val="1200"/>
+              </a:spcBef>
+              <a:spcAft>
+                <a:spcPts val="0"/>
               </a:spcAft>
               <a:buNone/>
             </a:pPr>
             <a:r>
               <a:t/>
             </a:r>
+            <a:endParaRPr b="1"/>
+          </a:p>
+          <a:p>
+            <a:pPr indent="0" lvl="0" marL="0" rtl="0" algn="l">
+              <a:spcBef>
+                <a:spcPts val="1200"/>
+              </a:spcBef>
+              <a:spcAft>
+                <a:spcPts val="0"/>
+              </a:spcAft>
+              <a:buNone/>
+            </a:pPr>
+            <a:r>
+              <a:t/>
+            </a:r>
+            <a:endParaRPr b="1"/>
+          </a:p>
+          <a:p>
+            <a:pPr indent="0" lvl="0" marL="0" rtl="0" algn="l">
+              <a:spcBef>
+                <a:spcPts val="1200"/>
+              </a:spcBef>
+              <a:spcAft>
+                <a:spcPts val="1200"/>
+              </a:spcAft>
+              <a:buNone/>
+            </a:pPr>
+            <a:r>
+              <a:rPr b="1" lang="en"/>
+              <a:t>Notation:</a:t>
+            </a:r>
             <a:endParaRPr/>
           </a:p>
         </p:txBody>
       </p:sp>
+      <p:pic>
+        <p:nvPicPr>
+          <p:cNvPr id="269" name="Google Shape;269;p43"/>
+          <p:cNvPicPr preferRelativeResize="0"/>
+          <p:nvPr/>
+        </p:nvPicPr>
+        <p:blipFill>
+          <a:blip r:embed="rId3">
+            <a:alphaModFix/>
+          </a:blip>
+          <a:stretch>
+            <a:fillRect/>
+          </a:stretch>
+        </p:blipFill>
+        <p:spPr>
+          <a:xfrm>
+            <a:off x="2366149" y="3122650"/>
+            <a:ext cx="2094175" cy="1508475"/>
+          </a:xfrm>
+          <a:prstGeom prst="rect">
+            <a:avLst/>
+          </a:prstGeom>
+          <a:noFill/>
+          <a:ln>
+            <a:noFill/>
+          </a:ln>
+        </p:spPr>
+      </p:pic>
     </p:spTree>
   </p:cSld>
   <p:clrMapOvr>
@@ -13097,7 +14345,7 @@
   <p:cSld>
     <p:spTree>
       <p:nvGrpSpPr>
-        <p:cNvPr id="271" name="Shape 271"/>
+        <p:cNvPr id="273" name="Shape 273"/>
         <p:cNvGrpSpPr/>
         <p:nvPr/>
       </p:nvGrpSpPr>
@@ -13111,7 +14359,7 @@
       </p:grpSpPr>
       <p:sp>
         <p:nvSpPr>
-          <p:cNvPr id="272" name="Google Shape;272;p44"/>
+          <p:cNvPr id="274" name="Google Shape;274;p44"/>
           <p:cNvSpPr txBox="1"/>
           <p:nvPr>
             <p:ph type="title"/>
@@ -13150,7 +14398,7 @@
       </p:sp>
       <p:sp>
         <p:nvSpPr>
-          <p:cNvPr id="273" name="Google Shape;273;p44"/>
+          <p:cNvPr id="275" name="Google Shape;275;p44"/>
           <p:cNvSpPr txBox="1"/>
           <p:nvPr>
             <p:ph idx="1" type="body"/>
@@ -13189,7 +14437,7 @@
       </p:sp>
       <p:pic>
         <p:nvPicPr>
-          <p:cNvPr id="274" name="Google Shape;274;p44"/>
+          <p:cNvPr id="276" name="Google Shape;276;p44"/>
           <p:cNvPicPr preferRelativeResize="0"/>
           <p:nvPr/>
         </p:nvPicPr>
@@ -13227,7 +14475,7 @@
   <p:cSld>
     <p:spTree>
       <p:nvGrpSpPr>
-        <p:cNvPr id="278" name="Shape 278"/>
+        <p:cNvPr id="280" name="Shape 280"/>
         <p:cNvGrpSpPr/>
         <p:nvPr/>
       </p:nvGrpSpPr>
@@ -13241,7 +14489,7 @@
       </p:grpSpPr>
       <p:sp>
         <p:nvSpPr>
-          <p:cNvPr id="279" name="Google Shape;279;p45"/>
+          <p:cNvPr id="281" name="Google Shape;281;p45"/>
           <p:cNvSpPr txBox="1"/>
           <p:nvPr>
             <p:ph type="title"/>
@@ -13273,7 +14521,7 @@
             </a:pPr>
             <a:r>
               <a:rPr lang="en"/>
-              <a:t>Assignment grading</a:t>
+              <a:t>Personality of commandos</a:t>
             </a:r>
             <a:endParaRPr/>
           </a:p>
@@ -13281,7 +14529,7 @@
       </p:sp>
       <p:sp>
         <p:nvSpPr>
-          <p:cNvPr id="280" name="Google Shape;280;p45"/>
+          <p:cNvPr id="282" name="Google Shape;282;p45"/>
           <p:cNvSpPr txBox="1"/>
           <p:nvPr>
             <p:ph idx="1" type="body"/>
@@ -13314,7 +14562,7 @@
             </a:pPr>
             <a:r>
               <a:rPr lang="en"/>
-              <a:t>[2 pt] data cleaning</a:t>
+              <a:t>Big five: NEOAC</a:t>
             </a:r>
             <a:endParaRPr/>
           </a:p>
@@ -13331,7 +14579,7 @@
             </a:pPr>
             <a:r>
               <a:rPr lang="en"/>
-              <a:t>[2 pt] plots</a:t>
+              <a:t>Literature inconsistent</a:t>
             </a:r>
             <a:endParaRPr/>
           </a:p>
@@ -13348,26 +14596,497 @@
             </a:pPr>
             <a:r>
               <a:rPr lang="en"/>
-              <a:t>[3 pt] traditional inference tests with results section</a:t>
+              <a:t>Assignment is based on paper</a:t>
             </a:r>
             <a:endParaRPr/>
           </a:p>
-          <a:p>
-            <a:pPr indent="-311150" lvl="0" marL="457200" rtl="0" algn="l">
-              <a:spcBef>
-                <a:spcPts val="0"/>
-              </a:spcBef>
-              <a:spcAft>
-                <a:spcPts val="0"/>
-              </a:spcAft>
-              <a:buSzPts val="1300"/>
+        </p:txBody>
+      </p:sp>
+    </p:spTree>
+  </p:cSld>
+  <p:clrMapOvr>
+    <a:masterClrMapping/>
+  </p:clrMapOvr>
+</p:sld>
+</file>
+
+<file path=ppt/slides/slide34.xml><?xml version="1.0" encoding="utf-8"?>
+<p:sld xmlns:a="http://schemas.openxmlformats.org/drawingml/2006/main" xmlns:r="http://schemas.openxmlformats.org/officeDocument/2006/relationships" xmlns:mc="http://schemas.openxmlformats.org/markup-compatibility/2006" xmlns:mv="urn:schemas-microsoft-com:mac:vml" xmlns:p="http://schemas.openxmlformats.org/presentationml/2006/main" xmlns:c="http://schemas.openxmlformats.org/drawingml/2006/chart" xmlns:dgm="http://schemas.openxmlformats.org/drawingml/2006/diagram" xmlns:o="urn:schemas-microsoft-com:office:office" xmlns:v="urn:schemas-microsoft-com:vml" xmlns:pvml="urn:schemas-microsoft-com:office:powerpoint" xmlns:com="http://schemas.openxmlformats.org/drawingml/2006/compatibility" xmlns:p14="http://schemas.microsoft.com/office/powerpoint/2010/main" xmlns:p15="http://schemas.microsoft.com/office/powerpoint/2012/main" xmlns:ahyp="http://schemas.microsoft.com/office/drawing/2018/hyperlinkcolor">
+  <p:cSld>
+    <p:spTree>
+      <p:nvGrpSpPr>
+        <p:cNvPr id="286" name="Shape 286"/>
+        <p:cNvGrpSpPr/>
+        <p:nvPr/>
+      </p:nvGrpSpPr>
+      <p:grpSpPr>
+        <a:xfrm>
+          <a:off x="0" y="0"/>
+          <a:ext cx="0" cy="0"/>
+          <a:chOff x="0" y="0"/>
+          <a:chExt cx="0" cy="0"/>
+        </a:xfrm>
+      </p:grpSpPr>
+      <p:sp>
+        <p:nvSpPr>
+          <p:cNvPr id="287" name="Google Shape;287;p46"/>
+          <p:cNvSpPr txBox="1"/>
+          <p:nvPr>
+            <p:ph type="title"/>
+          </p:nvPr>
+        </p:nvSpPr>
+        <p:spPr>
+          <a:xfrm>
+            <a:off x="775425" y="1312075"/>
+            <a:ext cx="7688400" cy="535200"/>
+          </a:xfrm>
+          <a:prstGeom prst="rect">
+            <a:avLst/>
+          </a:prstGeom>
+        </p:spPr>
+        <p:txBody>
+          <a:bodyPr anchorCtr="0" anchor="t" bIns="91425" lIns="91425" spcFirstLastPara="1" rIns="91425" wrap="square" tIns="91425">
+            <a:normAutofit fontScale="90000"/>
+          </a:bodyPr>
+          <a:lstStyle/>
+          <a:p>
+            <a:pPr indent="0" lvl="0" marL="0" rtl="0" algn="l">
+              <a:spcBef>
+                <a:spcPts val="0"/>
+              </a:spcBef>
+              <a:spcAft>
+                <a:spcPts val="0"/>
+              </a:spcAft>
+              <a:buNone/>
+            </a:pPr>
+            <a:r>
+              <a:rPr lang="en"/>
+              <a:t>Assignment</a:t>
+            </a:r>
+            <a:endParaRPr/>
+          </a:p>
+        </p:txBody>
+      </p:sp>
+      <p:sp>
+        <p:nvSpPr>
+          <p:cNvPr id="288" name="Google Shape;288;p46"/>
+          <p:cNvSpPr txBox="1"/>
+          <p:nvPr>
+            <p:ph idx="1" type="body"/>
+          </p:nvPr>
+        </p:nvSpPr>
+        <p:spPr>
+          <a:xfrm>
+            <a:off x="729325" y="2078875"/>
+            <a:ext cx="3774300" cy="2261100"/>
+          </a:xfrm>
+          <a:prstGeom prst="rect">
+            <a:avLst/>
+          </a:prstGeom>
+        </p:spPr>
+        <p:txBody>
+          <a:bodyPr anchorCtr="0" anchor="t" bIns="91425" lIns="91425" spcFirstLastPara="1" rIns="91425" wrap="square" tIns="91425">
+            <a:normAutofit/>
+          </a:bodyPr>
+          <a:lstStyle/>
+          <a:p>
+            <a:pPr indent="0" lvl="0" marL="0" rtl="0" algn="l">
+              <a:spcBef>
+                <a:spcPts val="0"/>
+              </a:spcBef>
+              <a:spcAft>
+                <a:spcPts val="1200"/>
+              </a:spcAft>
+              <a:buNone/>
+            </a:pPr>
+            <a:r>
+              <a:rPr lang="en"/>
+              <a:t>Do commandos differ from civilians on </a:t>
+            </a:r>
+            <a:r>
+              <a:rPr b="1" lang="en"/>
+              <a:t>neuroticism</a:t>
+            </a:r>
+            <a:r>
+              <a:rPr lang="en"/>
+              <a:t>?</a:t>
+            </a:r>
+            <a:endParaRPr/>
+          </a:p>
+        </p:txBody>
+      </p:sp>
+      <p:sp>
+        <p:nvSpPr>
+          <p:cNvPr id="289" name="Google Shape;289;p46"/>
+          <p:cNvSpPr txBox="1"/>
+          <p:nvPr>
+            <p:ph idx="2" type="body"/>
+          </p:nvPr>
+        </p:nvSpPr>
+        <p:spPr>
+          <a:xfrm>
+            <a:off x="4643604" y="2078875"/>
+            <a:ext cx="3774300" cy="2261100"/>
+          </a:xfrm>
+          <a:prstGeom prst="rect">
+            <a:avLst/>
+          </a:prstGeom>
+        </p:spPr>
+        <p:txBody>
+          <a:bodyPr anchorCtr="0" anchor="t" bIns="91425" lIns="91425" spcFirstLastPara="1" rIns="91425" wrap="square" tIns="91425">
+            <a:normAutofit/>
+          </a:bodyPr>
+          <a:lstStyle/>
+          <a:p>
+            <a:pPr indent="0" lvl="0" marL="0" rtl="0" algn="l">
+              <a:spcBef>
+                <a:spcPts val="0"/>
+              </a:spcBef>
+              <a:spcAft>
+                <a:spcPts val="1200"/>
+              </a:spcAft>
+              <a:buNone/>
+            </a:pPr>
+            <a:r>
+              <a:rPr lang="en"/>
+              <a:t>Do commandos differ from civilians on </a:t>
+            </a:r>
+            <a:r>
+              <a:rPr b="1" lang="en"/>
+              <a:t>extraversion</a:t>
+            </a:r>
+            <a:r>
+              <a:rPr lang="en"/>
+              <a:t>?</a:t>
+            </a:r>
+            <a:endParaRPr/>
+          </a:p>
+        </p:txBody>
+      </p:sp>
+      <p:sp>
+        <p:nvSpPr>
+          <p:cNvPr id="290" name="Google Shape;290;p46"/>
+          <p:cNvSpPr txBox="1"/>
+          <p:nvPr/>
+        </p:nvSpPr>
+        <p:spPr>
+          <a:xfrm>
+            <a:off x="729325" y="3534100"/>
+            <a:ext cx="7603500" cy="1262100"/>
+          </a:xfrm>
+          <a:prstGeom prst="rect">
+            <a:avLst/>
+          </a:prstGeom>
+          <a:noFill/>
+          <a:ln>
+            <a:noFill/>
+          </a:ln>
+        </p:spPr>
+        <p:txBody>
+          <a:bodyPr anchorCtr="0" anchor="t" bIns="91425" lIns="91425" spcFirstLastPara="1" rIns="91425" wrap="square" tIns="91425">
+            <a:spAutoFit/>
+          </a:bodyPr>
+          <a:lstStyle/>
+          <a:p>
+            <a:pPr indent="0" lvl="0" marL="0" rtl="0" algn="l">
+              <a:spcBef>
+                <a:spcPts val="0"/>
+              </a:spcBef>
+              <a:spcAft>
+                <a:spcPts val="0"/>
+              </a:spcAft>
+              <a:buNone/>
+            </a:pPr>
+            <a:r>
+              <a:rPr lang="en">
+                <a:latin typeface="Lato"/>
+                <a:ea typeface="Lato"/>
+                <a:cs typeface="Lato"/>
+                <a:sym typeface="Lato"/>
+              </a:rPr>
+              <a:t>These links can also be found in the assignments document on Nestor:</a:t>
+            </a:r>
+            <a:endParaRPr>
+              <a:latin typeface="Lato"/>
+              <a:ea typeface="Lato"/>
+              <a:cs typeface="Lato"/>
+              <a:sym typeface="Lato"/>
+            </a:endParaRPr>
+          </a:p>
+          <a:p>
+            <a:pPr indent="0" lvl="0" marL="0" rtl="0" algn="l">
+              <a:spcBef>
+                <a:spcPts val="0"/>
+              </a:spcBef>
+              <a:spcAft>
+                <a:spcPts val="0"/>
+              </a:spcAft>
+              <a:buNone/>
+            </a:pPr>
+            <a:r>
+              <a:t/>
+            </a:r>
+            <a:endParaRPr>
+              <a:latin typeface="Lato"/>
+              <a:ea typeface="Lato"/>
+              <a:cs typeface="Lato"/>
+              <a:sym typeface="Lato"/>
+            </a:endParaRPr>
+          </a:p>
+          <a:p>
+            <a:pPr indent="0" lvl="0" marL="0" rtl="0" algn="l">
+              <a:spcBef>
+                <a:spcPts val="0"/>
+              </a:spcBef>
+              <a:spcAft>
+                <a:spcPts val="0"/>
+              </a:spcAft>
+              <a:buNone/>
+            </a:pPr>
+            <a:r>
+              <a:rPr lang="en">
+                <a:latin typeface="Lato"/>
+                <a:ea typeface="Lato"/>
+                <a:cs typeface="Lato"/>
+                <a:sym typeface="Lato"/>
+              </a:rPr>
+              <a:t>Website: </a:t>
+            </a:r>
+            <a:r>
+              <a:rPr lang="en" u="sng">
+                <a:solidFill>
+                  <a:schemeClr val="hlink"/>
+                </a:solidFill>
+                <a:latin typeface="Lato"/>
+                <a:ea typeface="Lato"/>
+                <a:cs typeface="Lato"/>
+                <a:sym typeface="Lato"/>
+                <a:hlinkClick r:id="rId3"/>
+              </a:rPr>
+              <a:t>https://rikhuijzer.github.io/BayesianAssignment.jl/</a:t>
+            </a:r>
+            <a:endParaRPr>
+              <a:latin typeface="Lato"/>
+              <a:ea typeface="Lato"/>
+              <a:cs typeface="Lato"/>
+              <a:sym typeface="Lato"/>
+            </a:endParaRPr>
+          </a:p>
+          <a:p>
+            <a:pPr indent="0" lvl="0" marL="0" rtl="0" algn="l">
+              <a:spcBef>
+                <a:spcPts val="0"/>
+              </a:spcBef>
+              <a:spcAft>
+                <a:spcPts val="0"/>
+              </a:spcAft>
+              <a:buNone/>
+            </a:pPr>
+            <a:r>
+              <a:t/>
+            </a:r>
+            <a:endParaRPr>
+              <a:latin typeface="Lato"/>
+              <a:ea typeface="Lato"/>
+              <a:cs typeface="Lato"/>
+              <a:sym typeface="Lato"/>
+            </a:endParaRPr>
+          </a:p>
+          <a:p>
+            <a:pPr indent="0" lvl="0" marL="0" rtl="0" algn="l">
+              <a:spcBef>
+                <a:spcPts val="0"/>
+              </a:spcBef>
+              <a:spcAft>
+                <a:spcPts val="0"/>
+              </a:spcAft>
+              <a:buNone/>
+            </a:pPr>
+            <a:r>
+              <a:rPr lang="en">
+                <a:latin typeface="Lato"/>
+                <a:ea typeface="Lato"/>
+                <a:cs typeface="Lato"/>
+                <a:sym typeface="Lato"/>
+              </a:rPr>
+              <a:t>PDF: </a:t>
+            </a:r>
+            <a:r>
+              <a:rPr lang="en" u="sng">
+                <a:solidFill>
+                  <a:schemeClr val="hlink"/>
+                </a:solidFill>
+                <a:latin typeface="Lato"/>
+                <a:ea typeface="Lato"/>
+                <a:cs typeface="Lato"/>
+                <a:sym typeface="Lato"/>
+                <a:hlinkClick r:id="rId4"/>
+              </a:rPr>
+              <a:t>https://rikhuijzer.github.io/BayesianAssignment.jl/bayesian-assignment.pdf</a:t>
+            </a:r>
+            <a:endParaRPr>
+              <a:latin typeface="Lato"/>
+              <a:ea typeface="Lato"/>
+              <a:cs typeface="Lato"/>
+              <a:sym typeface="Lato"/>
+            </a:endParaRPr>
+          </a:p>
+        </p:txBody>
+      </p:sp>
+    </p:spTree>
+  </p:cSld>
+  <p:clrMapOvr>
+    <a:masterClrMapping/>
+  </p:clrMapOvr>
+</p:sld>
+</file>
+
+<file path=ppt/slides/slide35.xml><?xml version="1.0" encoding="utf-8"?>
+<p:sld xmlns:a="http://schemas.openxmlformats.org/drawingml/2006/main" xmlns:r="http://schemas.openxmlformats.org/officeDocument/2006/relationships" xmlns:mc="http://schemas.openxmlformats.org/markup-compatibility/2006" xmlns:mv="urn:schemas-microsoft-com:mac:vml" xmlns:p="http://schemas.openxmlformats.org/presentationml/2006/main" xmlns:c="http://schemas.openxmlformats.org/drawingml/2006/chart" xmlns:dgm="http://schemas.openxmlformats.org/drawingml/2006/diagram" xmlns:o="urn:schemas-microsoft-com:office:office" xmlns:v="urn:schemas-microsoft-com:vml" xmlns:pvml="urn:schemas-microsoft-com:office:powerpoint" xmlns:com="http://schemas.openxmlformats.org/drawingml/2006/compatibility" xmlns:p14="http://schemas.microsoft.com/office/powerpoint/2010/main" xmlns:p15="http://schemas.microsoft.com/office/powerpoint/2012/main" xmlns:ahyp="http://schemas.microsoft.com/office/drawing/2018/hyperlinkcolor">
+  <p:cSld>
+    <p:spTree>
+      <p:nvGrpSpPr>
+        <p:cNvPr id="294" name="Shape 294"/>
+        <p:cNvGrpSpPr/>
+        <p:nvPr/>
+      </p:nvGrpSpPr>
+      <p:grpSpPr>
+        <a:xfrm>
+          <a:off x="0" y="0"/>
+          <a:ext cx="0" cy="0"/>
+          <a:chOff x="0" y="0"/>
+          <a:chExt cx="0" cy="0"/>
+        </a:xfrm>
+      </p:grpSpPr>
+      <p:sp>
+        <p:nvSpPr>
+          <p:cNvPr id="295" name="Google Shape;295;p47"/>
+          <p:cNvSpPr txBox="1"/>
+          <p:nvPr>
+            <p:ph type="title"/>
+          </p:nvPr>
+        </p:nvSpPr>
+        <p:spPr>
+          <a:xfrm>
+            <a:off x="729450" y="1318650"/>
+            <a:ext cx="7688700" cy="535200"/>
+          </a:xfrm>
+          <a:prstGeom prst="rect">
+            <a:avLst/>
+          </a:prstGeom>
+        </p:spPr>
+        <p:txBody>
+          <a:bodyPr anchorCtr="0" anchor="t" bIns="91425" lIns="91425" spcFirstLastPara="1" rIns="91425" wrap="square" tIns="91425">
+            <a:normAutofit fontScale="90000"/>
+          </a:bodyPr>
+          <a:lstStyle/>
+          <a:p>
+            <a:pPr indent="0" lvl="0" marL="0" rtl="0" algn="l">
+              <a:spcBef>
+                <a:spcPts val="0"/>
+              </a:spcBef>
+              <a:spcAft>
+                <a:spcPts val="0"/>
+              </a:spcAft>
+              <a:buNone/>
+            </a:pPr>
+            <a:r>
+              <a:rPr lang="en"/>
+              <a:t>Assignment</a:t>
+            </a:r>
+            <a:endParaRPr/>
+          </a:p>
+        </p:txBody>
+      </p:sp>
+      <p:sp>
+        <p:nvSpPr>
+          <p:cNvPr id="296" name="Google Shape;296;p47"/>
+          <p:cNvSpPr txBox="1"/>
+          <p:nvPr>
+            <p:ph idx="1" type="body"/>
+          </p:nvPr>
+        </p:nvSpPr>
+        <p:spPr>
+          <a:xfrm>
+            <a:off x="729450" y="2289075"/>
+            <a:ext cx="7688700" cy="2261100"/>
+          </a:xfrm>
+          <a:prstGeom prst="rect">
+            <a:avLst/>
+          </a:prstGeom>
+        </p:spPr>
+        <p:txBody>
+          <a:bodyPr anchorCtr="0" anchor="t" bIns="91425" lIns="91425" spcFirstLastPara="1" rIns="91425" wrap="square" tIns="91425">
+            <a:normAutofit lnSpcReduction="20000"/>
+          </a:bodyPr>
+          <a:lstStyle/>
+          <a:p>
+            <a:pPr indent="-349250" lvl="0" marL="457200" rtl="0" algn="l">
+              <a:spcBef>
+                <a:spcPts val="0"/>
+              </a:spcBef>
+              <a:spcAft>
+                <a:spcPts val="0"/>
+              </a:spcAft>
+              <a:buSzPts val="1900"/>
               <a:buChar char="-"/>
             </a:pPr>
             <a:r>
-              <a:rPr lang="en"/>
+              <a:rPr lang="en" sz="1900"/>
+              <a:t>[2 pt] data cleaning</a:t>
+            </a:r>
+            <a:endParaRPr sz="1900"/>
+          </a:p>
+          <a:p>
+            <a:pPr indent="-349250" lvl="0" marL="457200" rtl="0" algn="l">
+              <a:spcBef>
+                <a:spcPts val="0"/>
+              </a:spcBef>
+              <a:spcAft>
+                <a:spcPts val="0"/>
+              </a:spcAft>
+              <a:buSzPts val="1900"/>
+              <a:buChar char="-"/>
+            </a:pPr>
+            <a:r>
+              <a:rPr lang="en" sz="1900"/>
+              <a:t>[2 pt] plots</a:t>
+            </a:r>
+            <a:endParaRPr sz="1900"/>
+          </a:p>
+          <a:p>
+            <a:pPr indent="-349250" lvl="0" marL="457200" rtl="0" algn="l">
+              <a:spcBef>
+                <a:spcPts val="0"/>
+              </a:spcBef>
+              <a:spcAft>
+                <a:spcPts val="0"/>
+              </a:spcAft>
+              <a:buSzPts val="1900"/>
+              <a:buChar char="-"/>
+            </a:pPr>
+            <a:r>
+              <a:rPr lang="en" sz="1900"/>
+              <a:t>[3 pt] frequentist tests with results section</a:t>
+            </a:r>
+            <a:endParaRPr sz="1900"/>
+          </a:p>
+          <a:p>
+            <a:pPr indent="-349250" lvl="0" marL="457200" rtl="0" algn="l">
+              <a:spcBef>
+                <a:spcPts val="0"/>
+              </a:spcBef>
+              <a:spcAft>
+                <a:spcPts val="0"/>
+              </a:spcAft>
+              <a:buSzPts val="1900"/>
+              <a:buChar char="-"/>
+            </a:pPr>
+            <a:r>
+              <a:rPr lang="en" sz="1900"/>
               <a:t>[3 pt] Bayesian tests with results section</a:t>
             </a:r>
-            <a:endParaRPr/>
+            <a:endParaRPr sz="1900"/>
           </a:p>
           <a:p>
             <a:pPr indent="0" lvl="0" marL="0" rtl="0" algn="l">
@@ -13380,51 +15099,244 @@
               <a:buNone/>
             </a:pPr>
             <a:r>
-              <a:rPr lang="en"/>
-              <a:t>Common-sense APA:</a:t>
-            </a:r>
-            <a:endParaRPr/>
-          </a:p>
-          <a:p>
-            <a:pPr indent="-298450" lvl="1" marL="914400" rtl="0" algn="l">
+              <a:t/>
+            </a:r>
+            <a:endParaRPr sz="1900"/>
+          </a:p>
+          <a:p>
+            <a:pPr indent="0" lvl="0" marL="0" rtl="0" algn="l">
               <a:spcBef>
                 <a:spcPts val="1200"/>
               </a:spcBef>
               <a:spcAft>
-                <a:spcPts val="0"/>
-              </a:spcAft>
-              <a:buSzPts val="1100"/>
-              <a:buChar char="-"/>
-            </a:pPr>
-            <a:r>
-              <a:rPr lang="en"/>
-              <a:t>Give all figures and tables a name (number) and mention them in-text </a:t>
-            </a:r>
-            <a:r>
-              <a:rPr lang="en"/>
-              <a:t>(so that we don't have to guess)</a:t>
-            </a:r>
-            <a:endParaRPr/>
-          </a:p>
-          <a:p>
-            <a:pPr indent="-298450" lvl="1" marL="914400" rtl="0" algn="l">
-              <a:spcBef>
-                <a:spcPts val="0"/>
-              </a:spcBef>
-              <a:spcAft>
-                <a:spcPts val="0"/>
-              </a:spcAft>
-              <a:buSzPts val="1100"/>
-              <a:buChar char="-"/>
-            </a:pPr>
-            <a:r>
-              <a:rPr lang="en"/>
-              <a:t>Explicitly mention which part of your report belongs to what question (so that we don't have to guess)</a:t>
-            </a:r>
-            <a:endParaRPr/>
+                <a:spcPts val="1200"/>
+              </a:spcAft>
+              <a:buNone/>
+            </a:pPr>
+            <a:r>
+              <a:rPr b="1" lang="en" sz="1900"/>
+              <a:t>Write</a:t>
+            </a:r>
+            <a:r>
+              <a:rPr lang="en" sz="1900"/>
+              <a:t> results sections. So, don't just copy-and-paste numbers.</a:t>
+            </a:r>
+            <a:endParaRPr sz="1900"/>
           </a:p>
         </p:txBody>
       </p:sp>
+    </p:spTree>
+  </p:cSld>
+  <p:clrMapOvr>
+    <a:masterClrMapping/>
+  </p:clrMapOvr>
+</p:sld>
+</file>
+
+<file path=ppt/slides/slide36.xml><?xml version="1.0" encoding="utf-8"?>
+<p:sld xmlns:a="http://schemas.openxmlformats.org/drawingml/2006/main" xmlns:r="http://schemas.openxmlformats.org/officeDocument/2006/relationships" xmlns:mc="http://schemas.openxmlformats.org/markup-compatibility/2006" xmlns:mv="urn:schemas-microsoft-com:mac:vml" xmlns:p="http://schemas.openxmlformats.org/presentationml/2006/main" xmlns:c="http://schemas.openxmlformats.org/drawingml/2006/chart" xmlns:dgm="http://schemas.openxmlformats.org/drawingml/2006/diagram" xmlns:o="urn:schemas-microsoft-com:office:office" xmlns:v="urn:schemas-microsoft-com:vml" xmlns:pvml="urn:schemas-microsoft-com:office:powerpoint" xmlns:com="http://schemas.openxmlformats.org/drawingml/2006/compatibility" xmlns:p14="http://schemas.microsoft.com/office/powerpoint/2010/main" xmlns:p15="http://schemas.microsoft.com/office/powerpoint/2012/main" xmlns:ahyp="http://schemas.microsoft.com/office/drawing/2018/hyperlinkcolor">
+  <p:cSld>
+    <p:spTree>
+      <p:nvGrpSpPr>
+        <p:cNvPr id="300" name="Shape 300"/>
+        <p:cNvGrpSpPr/>
+        <p:nvPr/>
+      </p:nvGrpSpPr>
+      <p:grpSpPr>
+        <a:xfrm>
+          <a:off x="0" y="0"/>
+          <a:ext cx="0" cy="0"/>
+          <a:chOff x="0" y="0"/>
+          <a:chExt cx="0" cy="0"/>
+        </a:xfrm>
+      </p:grpSpPr>
+      <p:pic>
+        <p:nvPicPr>
+          <p:cNvPr id="301" name="Google Shape;301;p48"/>
+          <p:cNvPicPr preferRelativeResize="0"/>
+          <p:nvPr/>
+        </p:nvPicPr>
+        <p:blipFill>
+          <a:blip r:embed="rId3">
+            <a:alphaModFix/>
+          </a:blip>
+          <a:stretch>
+            <a:fillRect/>
+          </a:stretch>
+        </p:blipFill>
+        <p:spPr>
+          <a:xfrm>
+            <a:off x="1435950" y="152400"/>
+            <a:ext cx="6272095" cy="4838700"/>
+          </a:xfrm>
+          <a:prstGeom prst="rect">
+            <a:avLst/>
+          </a:prstGeom>
+          <a:noFill/>
+          <a:ln>
+            <a:noFill/>
+          </a:ln>
+        </p:spPr>
+      </p:pic>
+    </p:spTree>
+  </p:cSld>
+  <p:clrMapOvr>
+    <a:masterClrMapping/>
+  </p:clrMapOvr>
+</p:sld>
+</file>
+
+<file path=ppt/slides/slide37.xml><?xml version="1.0" encoding="utf-8"?>
+<p:sld xmlns:a="http://schemas.openxmlformats.org/drawingml/2006/main" xmlns:r="http://schemas.openxmlformats.org/officeDocument/2006/relationships" xmlns:mc="http://schemas.openxmlformats.org/markup-compatibility/2006" xmlns:mv="urn:schemas-microsoft-com:mac:vml" xmlns:p="http://schemas.openxmlformats.org/presentationml/2006/main" xmlns:c="http://schemas.openxmlformats.org/drawingml/2006/chart" xmlns:dgm="http://schemas.openxmlformats.org/drawingml/2006/diagram" xmlns:o="urn:schemas-microsoft-com:office:office" xmlns:v="urn:schemas-microsoft-com:vml" xmlns:pvml="urn:schemas-microsoft-com:office:powerpoint" xmlns:com="http://schemas.openxmlformats.org/drawingml/2006/compatibility" xmlns:p14="http://schemas.microsoft.com/office/powerpoint/2010/main" xmlns:p15="http://schemas.microsoft.com/office/powerpoint/2012/main" xmlns:ahyp="http://schemas.microsoft.com/office/drawing/2018/hyperlinkcolor">
+  <p:cSld>
+    <p:spTree>
+      <p:nvGrpSpPr>
+        <p:cNvPr id="305" name="Shape 305"/>
+        <p:cNvGrpSpPr/>
+        <p:nvPr/>
+      </p:nvGrpSpPr>
+      <p:grpSpPr>
+        <a:xfrm>
+          <a:off x="0" y="0"/>
+          <a:ext cx="0" cy="0"/>
+          <a:chOff x="0" y="0"/>
+          <a:chExt cx="0" cy="0"/>
+        </a:xfrm>
+      </p:grpSpPr>
+      <p:pic>
+        <p:nvPicPr>
+          <p:cNvPr id="306" name="Google Shape;306;p49"/>
+          <p:cNvPicPr preferRelativeResize="0"/>
+          <p:nvPr/>
+        </p:nvPicPr>
+        <p:blipFill>
+          <a:blip r:embed="rId3">
+            <a:alphaModFix/>
+          </a:blip>
+          <a:stretch>
+            <a:fillRect/>
+          </a:stretch>
+        </p:blipFill>
+        <p:spPr>
+          <a:xfrm>
+            <a:off x="2207700" y="152400"/>
+            <a:ext cx="4728598" cy="4838700"/>
+          </a:xfrm>
+          <a:prstGeom prst="rect">
+            <a:avLst/>
+          </a:prstGeom>
+          <a:noFill/>
+          <a:ln>
+            <a:noFill/>
+          </a:ln>
+        </p:spPr>
+      </p:pic>
+    </p:spTree>
+  </p:cSld>
+  <p:clrMapOvr>
+    <a:masterClrMapping/>
+  </p:clrMapOvr>
+</p:sld>
+</file>
+
+<file path=ppt/slides/slide38.xml><?xml version="1.0" encoding="utf-8"?>
+<p:sld xmlns:a="http://schemas.openxmlformats.org/drawingml/2006/main" xmlns:r="http://schemas.openxmlformats.org/officeDocument/2006/relationships" xmlns:mc="http://schemas.openxmlformats.org/markup-compatibility/2006" xmlns:mv="urn:schemas-microsoft-com:mac:vml" xmlns:p="http://schemas.openxmlformats.org/presentationml/2006/main" xmlns:c="http://schemas.openxmlformats.org/drawingml/2006/chart" xmlns:dgm="http://schemas.openxmlformats.org/drawingml/2006/diagram" xmlns:o="urn:schemas-microsoft-com:office:office" xmlns:v="urn:schemas-microsoft-com:vml" xmlns:pvml="urn:schemas-microsoft-com:office:powerpoint" xmlns:com="http://schemas.openxmlformats.org/drawingml/2006/compatibility" xmlns:p14="http://schemas.microsoft.com/office/powerpoint/2010/main" xmlns:p15="http://schemas.microsoft.com/office/powerpoint/2012/main" xmlns:ahyp="http://schemas.microsoft.com/office/drawing/2018/hyperlinkcolor">
+  <p:cSld>
+    <p:spTree>
+      <p:nvGrpSpPr>
+        <p:cNvPr id="310" name="Shape 310"/>
+        <p:cNvGrpSpPr/>
+        <p:nvPr/>
+      </p:nvGrpSpPr>
+      <p:grpSpPr>
+        <a:xfrm>
+          <a:off x="0" y="0"/>
+          <a:ext cx="0" cy="0"/>
+          <a:chOff x="0" y="0"/>
+          <a:chExt cx="0" cy="0"/>
+        </a:xfrm>
+      </p:grpSpPr>
+      <p:pic>
+        <p:nvPicPr>
+          <p:cNvPr id="311" name="Google Shape;311;p50"/>
+          <p:cNvPicPr preferRelativeResize="0"/>
+          <p:nvPr/>
+        </p:nvPicPr>
+        <p:blipFill>
+          <a:blip r:embed="rId3">
+            <a:alphaModFix/>
+          </a:blip>
+          <a:stretch>
+            <a:fillRect/>
+          </a:stretch>
+        </p:blipFill>
+        <p:spPr>
+          <a:xfrm>
+            <a:off x="1346200" y="152400"/>
+            <a:ext cx="6451600" cy="4838700"/>
+          </a:xfrm>
+          <a:prstGeom prst="rect">
+            <a:avLst/>
+          </a:prstGeom>
+          <a:noFill/>
+          <a:ln>
+            <a:noFill/>
+          </a:ln>
+        </p:spPr>
+      </p:pic>
+    </p:spTree>
+  </p:cSld>
+  <p:clrMapOvr>
+    <a:masterClrMapping/>
+  </p:clrMapOvr>
+</p:sld>
+</file>
+
+<file path=ppt/slides/slide39.xml><?xml version="1.0" encoding="utf-8"?>
+<p:sld xmlns:a="http://schemas.openxmlformats.org/drawingml/2006/main" xmlns:r="http://schemas.openxmlformats.org/officeDocument/2006/relationships" xmlns:mc="http://schemas.openxmlformats.org/markup-compatibility/2006" xmlns:mv="urn:schemas-microsoft-com:mac:vml" xmlns:p="http://schemas.openxmlformats.org/presentationml/2006/main" xmlns:c="http://schemas.openxmlformats.org/drawingml/2006/chart" xmlns:dgm="http://schemas.openxmlformats.org/drawingml/2006/diagram" xmlns:o="urn:schemas-microsoft-com:office:office" xmlns:v="urn:schemas-microsoft-com:vml" xmlns:pvml="urn:schemas-microsoft-com:office:powerpoint" xmlns:com="http://schemas.openxmlformats.org/drawingml/2006/compatibility" xmlns:p14="http://schemas.microsoft.com/office/powerpoint/2010/main" xmlns:p15="http://schemas.microsoft.com/office/powerpoint/2012/main" xmlns:ahyp="http://schemas.microsoft.com/office/drawing/2018/hyperlinkcolor">
+  <p:cSld>
+    <p:spTree>
+      <p:nvGrpSpPr>
+        <p:cNvPr id="315" name="Shape 315"/>
+        <p:cNvGrpSpPr/>
+        <p:nvPr/>
+      </p:nvGrpSpPr>
+      <p:grpSpPr>
+        <a:xfrm>
+          <a:off x="0" y="0"/>
+          <a:ext cx="0" cy="0"/>
+          <a:chOff x="0" y="0"/>
+          <a:chExt cx="0" cy="0"/>
+        </a:xfrm>
+      </p:grpSpPr>
+      <p:pic>
+        <p:nvPicPr>
+          <p:cNvPr id="316" name="Google Shape;316;p51"/>
+          <p:cNvPicPr preferRelativeResize="0"/>
+          <p:nvPr/>
+        </p:nvPicPr>
+        <p:blipFill>
+          <a:blip r:embed="rId3">
+            <a:alphaModFix/>
+          </a:blip>
+          <a:stretch>
+            <a:fillRect/>
+          </a:stretch>
+        </p:blipFill>
+        <p:spPr>
+          <a:xfrm>
+            <a:off x="1346200" y="152400"/>
+            <a:ext cx="6451600" cy="4838700"/>
+          </a:xfrm>
+          <a:prstGeom prst="rect">
+            <a:avLst/>
+          </a:prstGeom>
+          <a:noFill/>
+          <a:ln>
+            <a:noFill/>
+          </a:ln>
+        </p:spPr>
+      </p:pic>
     </p:spTree>
   </p:cSld>
   <p:clrMapOvr>
@@ -13697,6 +15609,574 @@
 </p:sld>
 </file>
 
+<file path=ppt/slides/slide40.xml><?xml version="1.0" encoding="utf-8"?>
+<p:sld xmlns:a="http://schemas.openxmlformats.org/drawingml/2006/main" xmlns:r="http://schemas.openxmlformats.org/officeDocument/2006/relationships" xmlns:mc="http://schemas.openxmlformats.org/markup-compatibility/2006" xmlns:mv="urn:schemas-microsoft-com:mac:vml" xmlns:p="http://schemas.openxmlformats.org/presentationml/2006/main" xmlns:c="http://schemas.openxmlformats.org/drawingml/2006/chart" xmlns:dgm="http://schemas.openxmlformats.org/drawingml/2006/diagram" xmlns:o="urn:schemas-microsoft-com:office:office" xmlns:v="urn:schemas-microsoft-com:vml" xmlns:pvml="urn:schemas-microsoft-com:office:powerpoint" xmlns:com="http://schemas.openxmlformats.org/drawingml/2006/compatibility" xmlns:p14="http://schemas.microsoft.com/office/powerpoint/2010/main" xmlns:p15="http://schemas.microsoft.com/office/powerpoint/2012/main" xmlns:ahyp="http://schemas.microsoft.com/office/drawing/2018/hyperlinkcolor">
+  <p:cSld>
+    <p:spTree>
+      <p:nvGrpSpPr>
+        <p:cNvPr id="320" name="Shape 320"/>
+        <p:cNvGrpSpPr/>
+        <p:nvPr/>
+      </p:nvGrpSpPr>
+      <p:grpSpPr>
+        <a:xfrm>
+          <a:off x="0" y="0"/>
+          <a:ext cx="0" cy="0"/>
+          <a:chOff x="0" y="0"/>
+          <a:chExt cx="0" cy="0"/>
+        </a:xfrm>
+      </p:grpSpPr>
+      <p:pic>
+        <p:nvPicPr>
+          <p:cNvPr id="321" name="Google Shape;321;p52"/>
+          <p:cNvPicPr preferRelativeResize="0"/>
+          <p:nvPr/>
+        </p:nvPicPr>
+        <p:blipFill>
+          <a:blip r:embed="rId3">
+            <a:alphaModFix/>
+          </a:blip>
+          <a:stretch>
+            <a:fillRect/>
+          </a:stretch>
+        </p:blipFill>
+        <p:spPr>
+          <a:xfrm>
+            <a:off x="962325" y="152400"/>
+            <a:ext cx="6807840" cy="4838700"/>
+          </a:xfrm>
+          <a:prstGeom prst="rect">
+            <a:avLst/>
+          </a:prstGeom>
+          <a:noFill/>
+          <a:ln>
+            <a:noFill/>
+          </a:ln>
+        </p:spPr>
+      </p:pic>
+      <p:sp>
+        <p:nvSpPr>
+          <p:cNvPr id="322" name="Google Shape;322;p52"/>
+          <p:cNvSpPr txBox="1"/>
+          <p:nvPr/>
+        </p:nvSpPr>
+        <p:spPr>
+          <a:xfrm>
+            <a:off x="0" y="4789500"/>
+            <a:ext cx="5555100" cy="354000"/>
+          </a:xfrm>
+          <a:prstGeom prst="rect">
+            <a:avLst/>
+          </a:prstGeom>
+          <a:noFill/>
+          <a:ln>
+            <a:noFill/>
+          </a:ln>
+        </p:spPr>
+        <p:txBody>
+          <a:bodyPr anchorCtr="0" anchor="t" bIns="91425" lIns="91425" spcFirstLastPara="1" rIns="91425" wrap="square" tIns="91425">
+            <a:spAutoFit/>
+          </a:bodyPr>
+          <a:lstStyle/>
+          <a:p>
+            <a:pPr indent="0" lvl="0" marL="0" rtl="0" algn="l">
+              <a:spcBef>
+                <a:spcPts val="0"/>
+              </a:spcBef>
+              <a:spcAft>
+                <a:spcPts val="0"/>
+              </a:spcAft>
+              <a:buNone/>
+            </a:pPr>
+            <a:r>
+              <a:rPr lang="en" sz="1100"/>
+              <a:t>https://static.jasp-stats.org/presentations/ICPS2015/ICPS15EJ.pdf</a:t>
+            </a:r>
+            <a:endParaRPr sz="1100"/>
+          </a:p>
+        </p:txBody>
+      </p:sp>
+      <p:sp>
+        <p:nvSpPr>
+          <p:cNvPr id="323" name="Google Shape;323;p52"/>
+          <p:cNvSpPr txBox="1"/>
+          <p:nvPr/>
+        </p:nvSpPr>
+        <p:spPr>
+          <a:xfrm>
+            <a:off x="1851650" y="329175"/>
+            <a:ext cx="7340700" cy="400200"/>
+          </a:xfrm>
+          <a:prstGeom prst="rect">
+            <a:avLst/>
+          </a:prstGeom>
+          <a:noFill/>
+          <a:ln>
+            <a:noFill/>
+          </a:ln>
+        </p:spPr>
+        <p:txBody>
+          <a:bodyPr anchorCtr="0" anchor="t" bIns="91425" lIns="91425" spcFirstLastPara="1" rIns="91425" wrap="square" tIns="91425">
+            <a:spAutoFit/>
+          </a:bodyPr>
+          <a:lstStyle/>
+          <a:p>
+            <a:pPr indent="0" lvl="0" marL="0" rtl="0" algn="l">
+              <a:spcBef>
+                <a:spcPts val="0"/>
+              </a:spcBef>
+              <a:spcAft>
+                <a:spcPts val="0"/>
+              </a:spcAft>
+              <a:buNone/>
+            </a:pPr>
+            <a:r>
+              <a:t/>
+            </a:r>
+            <a:endParaRPr>
+              <a:latin typeface="Lato"/>
+              <a:ea typeface="Lato"/>
+              <a:cs typeface="Lato"/>
+              <a:sym typeface="Lato"/>
+            </a:endParaRPr>
+          </a:p>
+        </p:txBody>
+      </p:sp>
+    </p:spTree>
+  </p:cSld>
+  <p:clrMapOvr>
+    <a:masterClrMapping/>
+  </p:clrMapOvr>
+</p:sld>
+</file>
+
+<file path=ppt/slides/slide41.xml><?xml version="1.0" encoding="utf-8"?>
+<p:sld xmlns:a="http://schemas.openxmlformats.org/drawingml/2006/main" xmlns:r="http://schemas.openxmlformats.org/officeDocument/2006/relationships" xmlns:mc="http://schemas.openxmlformats.org/markup-compatibility/2006" xmlns:mv="urn:schemas-microsoft-com:mac:vml" xmlns:p="http://schemas.openxmlformats.org/presentationml/2006/main" xmlns:c="http://schemas.openxmlformats.org/drawingml/2006/chart" xmlns:dgm="http://schemas.openxmlformats.org/drawingml/2006/diagram" xmlns:o="urn:schemas-microsoft-com:office:office" xmlns:v="urn:schemas-microsoft-com:vml" xmlns:pvml="urn:schemas-microsoft-com:office:powerpoint" xmlns:com="http://schemas.openxmlformats.org/drawingml/2006/compatibility" xmlns:p14="http://schemas.microsoft.com/office/powerpoint/2010/main" xmlns:p15="http://schemas.microsoft.com/office/powerpoint/2012/main" xmlns:ahyp="http://schemas.microsoft.com/office/drawing/2018/hyperlinkcolor">
+  <p:cSld>
+    <p:spTree>
+      <p:nvGrpSpPr>
+        <p:cNvPr id="327" name="Shape 327"/>
+        <p:cNvGrpSpPr/>
+        <p:nvPr/>
+      </p:nvGrpSpPr>
+      <p:grpSpPr>
+        <a:xfrm>
+          <a:off x="0" y="0"/>
+          <a:ext cx="0" cy="0"/>
+          <a:chOff x="0" y="0"/>
+          <a:chExt cx="0" cy="0"/>
+        </a:xfrm>
+      </p:grpSpPr>
+      <p:pic>
+        <p:nvPicPr>
+          <p:cNvPr id="328" name="Google Shape;328;p53"/>
+          <p:cNvPicPr preferRelativeResize="0"/>
+          <p:nvPr/>
+        </p:nvPicPr>
+        <p:blipFill>
+          <a:blip r:embed="rId3">
+            <a:alphaModFix/>
+          </a:blip>
+          <a:stretch>
+            <a:fillRect/>
+          </a:stretch>
+        </p:blipFill>
+        <p:spPr>
+          <a:xfrm>
+            <a:off x="1056450" y="152400"/>
+            <a:ext cx="7031101" cy="4838700"/>
+          </a:xfrm>
+          <a:prstGeom prst="rect">
+            <a:avLst/>
+          </a:prstGeom>
+          <a:noFill/>
+          <a:ln>
+            <a:noFill/>
+          </a:ln>
+        </p:spPr>
+      </p:pic>
+    </p:spTree>
+  </p:cSld>
+  <p:clrMapOvr>
+    <a:masterClrMapping/>
+  </p:clrMapOvr>
+</p:sld>
+</file>
+
+<file path=ppt/slides/slide42.xml><?xml version="1.0" encoding="utf-8"?>
+<p:sld xmlns:a="http://schemas.openxmlformats.org/drawingml/2006/main" xmlns:r="http://schemas.openxmlformats.org/officeDocument/2006/relationships" xmlns:mc="http://schemas.openxmlformats.org/markup-compatibility/2006" xmlns:mv="urn:schemas-microsoft-com:mac:vml" xmlns:p="http://schemas.openxmlformats.org/presentationml/2006/main" xmlns:c="http://schemas.openxmlformats.org/drawingml/2006/chart" xmlns:dgm="http://schemas.openxmlformats.org/drawingml/2006/diagram" xmlns:o="urn:schemas-microsoft-com:office:office" xmlns:v="urn:schemas-microsoft-com:vml" xmlns:pvml="urn:schemas-microsoft-com:office:powerpoint" xmlns:com="http://schemas.openxmlformats.org/drawingml/2006/compatibility" xmlns:p14="http://schemas.microsoft.com/office/powerpoint/2010/main" xmlns:p15="http://schemas.microsoft.com/office/powerpoint/2012/main" xmlns:ahyp="http://schemas.microsoft.com/office/drawing/2018/hyperlinkcolor">
+  <p:cSld>
+    <p:spTree>
+      <p:nvGrpSpPr>
+        <p:cNvPr id="332" name="Shape 332"/>
+        <p:cNvGrpSpPr/>
+        <p:nvPr/>
+      </p:nvGrpSpPr>
+      <p:grpSpPr>
+        <a:xfrm>
+          <a:off x="0" y="0"/>
+          <a:ext cx="0" cy="0"/>
+          <a:chOff x="0" y="0"/>
+          <a:chExt cx="0" cy="0"/>
+        </a:xfrm>
+      </p:grpSpPr>
+      <p:sp>
+        <p:nvSpPr>
+          <p:cNvPr id="333" name="Google Shape;333;p54"/>
+          <p:cNvSpPr txBox="1"/>
+          <p:nvPr>
+            <p:ph type="title"/>
+          </p:nvPr>
+        </p:nvSpPr>
+        <p:spPr>
+          <a:xfrm>
+            <a:off x="727800" y="1338350"/>
+            <a:ext cx="7688400" cy="535200"/>
+          </a:xfrm>
+          <a:prstGeom prst="rect">
+            <a:avLst/>
+          </a:prstGeom>
+        </p:spPr>
+        <p:txBody>
+          <a:bodyPr anchorCtr="0" anchor="t" bIns="91425" lIns="91425" spcFirstLastPara="1" rIns="91425" wrap="square" tIns="91425">
+            <a:normAutofit fontScale="90000"/>
+          </a:bodyPr>
+          <a:lstStyle/>
+          <a:p>
+            <a:pPr indent="0" lvl="0" marL="0" rtl="0" algn="l">
+              <a:spcBef>
+                <a:spcPts val="0"/>
+              </a:spcBef>
+              <a:spcAft>
+                <a:spcPts val="0"/>
+              </a:spcAft>
+              <a:buNone/>
+            </a:pPr>
+            <a:r>
+              <a:rPr lang="en"/>
+              <a:t>JASP questions?</a:t>
+            </a:r>
+            <a:endParaRPr/>
+          </a:p>
+        </p:txBody>
+      </p:sp>
+      <p:sp>
+        <p:nvSpPr>
+          <p:cNvPr id="334" name="Google Shape;334;p54"/>
+          <p:cNvSpPr txBox="1"/>
+          <p:nvPr/>
+        </p:nvSpPr>
+        <p:spPr>
+          <a:xfrm>
+            <a:off x="729450" y="2732700"/>
+            <a:ext cx="6365400" cy="831300"/>
+          </a:xfrm>
+          <a:prstGeom prst="rect">
+            <a:avLst/>
+          </a:prstGeom>
+          <a:noFill/>
+          <a:ln>
+            <a:noFill/>
+          </a:ln>
+        </p:spPr>
+        <p:txBody>
+          <a:bodyPr anchorCtr="0" anchor="t" bIns="91425" lIns="91425" spcFirstLastPara="1" rIns="91425" wrap="square" tIns="91425">
+            <a:spAutoFit/>
+          </a:bodyPr>
+          <a:lstStyle/>
+          <a:p>
+            <a:pPr indent="0" lvl="0" marL="0" rtl="0" algn="l">
+              <a:spcBef>
+                <a:spcPts val="0"/>
+              </a:spcBef>
+              <a:spcAft>
+                <a:spcPts val="0"/>
+              </a:spcAft>
+              <a:buNone/>
+            </a:pPr>
+            <a:r>
+              <a:rPr lang="en">
+                <a:latin typeface="Lato"/>
+                <a:ea typeface="Lato"/>
+                <a:cs typeface="Lato"/>
+                <a:sym typeface="Lato"/>
+              </a:rPr>
+              <a:t>Don't forget to check Google / Bing / Duckduckgo</a:t>
+            </a:r>
+            <a:endParaRPr>
+              <a:latin typeface="Lato"/>
+              <a:ea typeface="Lato"/>
+              <a:cs typeface="Lato"/>
+              <a:sym typeface="Lato"/>
+            </a:endParaRPr>
+          </a:p>
+          <a:p>
+            <a:pPr indent="0" lvl="0" marL="0" rtl="0" algn="l">
+              <a:spcBef>
+                <a:spcPts val="0"/>
+              </a:spcBef>
+              <a:spcAft>
+                <a:spcPts val="0"/>
+              </a:spcAft>
+              <a:buNone/>
+            </a:pPr>
+            <a:r>
+              <a:t/>
+            </a:r>
+            <a:endParaRPr>
+              <a:latin typeface="Lato"/>
+              <a:ea typeface="Lato"/>
+              <a:cs typeface="Lato"/>
+              <a:sym typeface="Lato"/>
+            </a:endParaRPr>
+          </a:p>
+          <a:p>
+            <a:pPr indent="0" lvl="0" marL="0" rtl="0" algn="l">
+              <a:spcBef>
+                <a:spcPts val="0"/>
+              </a:spcBef>
+              <a:spcAft>
+                <a:spcPts val="0"/>
+              </a:spcAft>
+              <a:buNone/>
+            </a:pPr>
+            <a:r>
+              <a:rPr lang="en">
+                <a:latin typeface="Lato"/>
+                <a:ea typeface="Lato"/>
+                <a:cs typeface="Lato"/>
+                <a:sym typeface="Lato"/>
+              </a:rPr>
+              <a:t>There is a lot of material available online</a:t>
+            </a:r>
+            <a:endParaRPr>
+              <a:latin typeface="Lato"/>
+              <a:ea typeface="Lato"/>
+              <a:cs typeface="Lato"/>
+              <a:sym typeface="Lato"/>
+            </a:endParaRPr>
+          </a:p>
+        </p:txBody>
+      </p:sp>
+    </p:spTree>
+  </p:cSld>
+  <p:clrMapOvr>
+    <a:masterClrMapping/>
+  </p:clrMapOvr>
+</p:sld>
+</file>
+
+<file path=ppt/slides/slide43.xml><?xml version="1.0" encoding="utf-8"?>
+<p:sld xmlns:a="http://schemas.openxmlformats.org/drawingml/2006/main" xmlns:r="http://schemas.openxmlformats.org/officeDocument/2006/relationships" xmlns:mc="http://schemas.openxmlformats.org/markup-compatibility/2006" xmlns:mv="urn:schemas-microsoft-com:mac:vml" xmlns:p="http://schemas.openxmlformats.org/presentationml/2006/main" xmlns:c="http://schemas.openxmlformats.org/drawingml/2006/chart" xmlns:dgm="http://schemas.openxmlformats.org/drawingml/2006/diagram" xmlns:o="urn:schemas-microsoft-com:office:office" xmlns:v="urn:schemas-microsoft-com:vml" xmlns:pvml="urn:schemas-microsoft-com:office:powerpoint" xmlns:com="http://schemas.openxmlformats.org/drawingml/2006/compatibility" xmlns:p14="http://schemas.microsoft.com/office/powerpoint/2010/main" xmlns:p15="http://schemas.microsoft.com/office/powerpoint/2012/main" xmlns:ahyp="http://schemas.microsoft.com/office/drawing/2018/hyperlinkcolor">
+  <p:cSld>
+    <p:spTree>
+      <p:nvGrpSpPr>
+        <p:cNvPr id="338" name="Shape 338"/>
+        <p:cNvGrpSpPr/>
+        <p:nvPr/>
+      </p:nvGrpSpPr>
+      <p:grpSpPr>
+        <a:xfrm>
+          <a:off x="0" y="0"/>
+          <a:ext cx="0" cy="0"/>
+          <a:chOff x="0" y="0"/>
+          <a:chExt cx="0" cy="0"/>
+        </a:xfrm>
+      </p:grpSpPr>
+      <p:sp>
+        <p:nvSpPr>
+          <p:cNvPr id="339" name="Google Shape;339;p55"/>
+          <p:cNvSpPr txBox="1"/>
+          <p:nvPr>
+            <p:ph type="title"/>
+          </p:nvPr>
+        </p:nvSpPr>
+        <p:spPr>
+          <a:xfrm>
+            <a:off x="729450" y="1318650"/>
+            <a:ext cx="7688700" cy="535200"/>
+          </a:xfrm>
+          <a:prstGeom prst="rect">
+            <a:avLst/>
+          </a:prstGeom>
+        </p:spPr>
+        <p:txBody>
+          <a:bodyPr anchorCtr="0" anchor="t" bIns="91425" lIns="91425" spcFirstLastPara="1" rIns="91425" wrap="square" tIns="91425">
+            <a:normAutofit fontScale="90000"/>
+          </a:bodyPr>
+          <a:lstStyle/>
+          <a:p>
+            <a:pPr indent="0" lvl="0" marL="0" rtl="0" algn="l">
+              <a:spcBef>
+                <a:spcPts val="0"/>
+              </a:spcBef>
+              <a:spcAft>
+                <a:spcPts val="0"/>
+              </a:spcAft>
+              <a:buNone/>
+            </a:pPr>
+            <a:r>
+              <a:rPr lang="en"/>
+              <a:t>Assignment grading</a:t>
+            </a:r>
+            <a:endParaRPr/>
+          </a:p>
+        </p:txBody>
+      </p:sp>
+      <p:sp>
+        <p:nvSpPr>
+          <p:cNvPr id="340" name="Google Shape;340;p55"/>
+          <p:cNvSpPr txBox="1"/>
+          <p:nvPr>
+            <p:ph idx="1" type="body"/>
+          </p:nvPr>
+        </p:nvSpPr>
+        <p:spPr>
+          <a:xfrm>
+            <a:off x="729450" y="2078875"/>
+            <a:ext cx="7688700" cy="2261100"/>
+          </a:xfrm>
+          <a:prstGeom prst="rect">
+            <a:avLst/>
+          </a:prstGeom>
+        </p:spPr>
+        <p:txBody>
+          <a:bodyPr anchorCtr="0" anchor="t" bIns="91425" lIns="91425" spcFirstLastPara="1" rIns="91425" wrap="square" tIns="91425">
+            <a:normAutofit/>
+          </a:bodyPr>
+          <a:lstStyle/>
+          <a:p>
+            <a:pPr indent="-311150" lvl="0" marL="457200" rtl="0" algn="l">
+              <a:spcBef>
+                <a:spcPts val="0"/>
+              </a:spcBef>
+              <a:spcAft>
+                <a:spcPts val="0"/>
+              </a:spcAft>
+              <a:buSzPts val="1300"/>
+              <a:buChar char="-"/>
+            </a:pPr>
+            <a:r>
+              <a:rPr lang="en"/>
+              <a:t>[2 pt] data cleaning</a:t>
+            </a:r>
+            <a:endParaRPr/>
+          </a:p>
+          <a:p>
+            <a:pPr indent="-311150" lvl="0" marL="457200" rtl="0" algn="l">
+              <a:spcBef>
+                <a:spcPts val="0"/>
+              </a:spcBef>
+              <a:spcAft>
+                <a:spcPts val="0"/>
+              </a:spcAft>
+              <a:buSzPts val="1300"/>
+              <a:buChar char="-"/>
+            </a:pPr>
+            <a:r>
+              <a:rPr lang="en"/>
+              <a:t>[2 pt] plots</a:t>
+            </a:r>
+            <a:endParaRPr/>
+          </a:p>
+          <a:p>
+            <a:pPr indent="-311150" lvl="0" marL="457200" rtl="0" algn="l">
+              <a:spcBef>
+                <a:spcPts val="0"/>
+              </a:spcBef>
+              <a:spcAft>
+                <a:spcPts val="0"/>
+              </a:spcAft>
+              <a:buSzPts val="1300"/>
+              <a:buChar char="-"/>
+            </a:pPr>
+            <a:r>
+              <a:rPr lang="en"/>
+              <a:t>[3 pt] traditional inference tests with results section</a:t>
+            </a:r>
+            <a:endParaRPr/>
+          </a:p>
+          <a:p>
+            <a:pPr indent="-311150" lvl="0" marL="457200" rtl="0" algn="l">
+              <a:spcBef>
+                <a:spcPts val="0"/>
+              </a:spcBef>
+              <a:spcAft>
+                <a:spcPts val="0"/>
+              </a:spcAft>
+              <a:buSzPts val="1300"/>
+              <a:buChar char="-"/>
+            </a:pPr>
+            <a:r>
+              <a:rPr lang="en"/>
+              <a:t>[3 pt] Bayesian tests with results section</a:t>
+            </a:r>
+            <a:endParaRPr/>
+          </a:p>
+          <a:p>
+            <a:pPr indent="0" lvl="0" marL="0" rtl="0" algn="l">
+              <a:spcBef>
+                <a:spcPts val="1200"/>
+              </a:spcBef>
+              <a:spcAft>
+                <a:spcPts val="0"/>
+              </a:spcAft>
+              <a:buNone/>
+            </a:pPr>
+            <a:r>
+              <a:rPr lang="en"/>
+              <a:t>Common-sense APA:</a:t>
+            </a:r>
+            <a:endParaRPr/>
+          </a:p>
+          <a:p>
+            <a:pPr indent="-298450" lvl="1" marL="914400" rtl="0" algn="l">
+              <a:spcBef>
+                <a:spcPts val="1200"/>
+              </a:spcBef>
+              <a:spcAft>
+                <a:spcPts val="0"/>
+              </a:spcAft>
+              <a:buSzPts val="1100"/>
+              <a:buChar char="-"/>
+            </a:pPr>
+            <a:r>
+              <a:rPr lang="en"/>
+              <a:t>Give all figures and tables a name (number) and mention them in-text </a:t>
+            </a:r>
+            <a:r>
+              <a:rPr lang="en"/>
+              <a:t>(so that we don't have to guess)</a:t>
+            </a:r>
+            <a:endParaRPr/>
+          </a:p>
+          <a:p>
+            <a:pPr indent="-298450" lvl="1" marL="914400" rtl="0" algn="l">
+              <a:spcBef>
+                <a:spcPts val="0"/>
+              </a:spcBef>
+              <a:spcAft>
+                <a:spcPts val="0"/>
+              </a:spcAft>
+              <a:buSzPts val="1100"/>
+              <a:buChar char="-"/>
+            </a:pPr>
+            <a:r>
+              <a:rPr lang="en"/>
+              <a:t>Explicitly mention which part of your report belongs to what question (so that we don't have to guess)</a:t>
+            </a:r>
+            <a:endParaRPr/>
+          </a:p>
+        </p:txBody>
+      </p:sp>
+    </p:spTree>
+  </p:cSld>
+  <p:clrMapOvr>
+    <a:masterClrMapping/>
+  </p:clrMapOvr>
+</p:sld>
+</file>
+
 <file path=ppt/slides/slide5.xml><?xml version="1.0" encoding="utf-8"?>
 <p:sld xmlns:a="http://schemas.openxmlformats.org/drawingml/2006/main" xmlns:r="http://schemas.openxmlformats.org/officeDocument/2006/relationships" xmlns:mc="http://schemas.openxmlformats.org/markup-compatibility/2006" xmlns:mv="urn:schemas-microsoft-com:mac:vml" xmlns:p="http://schemas.openxmlformats.org/presentationml/2006/main" xmlns:c="http://schemas.openxmlformats.org/drawingml/2006/chart" xmlns:dgm="http://schemas.openxmlformats.org/drawingml/2006/diagram" xmlns:o="urn:schemas-microsoft-com:office:office" xmlns:v="urn:schemas-microsoft-com:vml" xmlns:pvml="urn:schemas-microsoft-com:office:powerpoint" xmlns:com="http://schemas.openxmlformats.org/drawingml/2006/compatibility" xmlns:p14="http://schemas.microsoft.com/office/powerpoint/2010/main" xmlns:p15="http://schemas.microsoft.com/office/powerpoint/2012/main" xmlns:ahyp="http://schemas.microsoft.com/office/drawing/2018/hyperlinkcolor">
   <p:cSld>
@@ -13941,33 +16421,23 @@
       <p:sp>
         <p:nvSpPr>
           <p:cNvPr id="118" name="Google Shape;118;p18"/>
-          <p:cNvSpPr/>
-          <p:nvPr/>
-        </p:nvSpPr>
-        <p:spPr>
-          <a:xfrm>
-            <a:off x="713175" y="1025200"/>
-            <a:ext cx="573000" cy="261000"/>
+          <p:cNvSpPr txBox="1"/>
+          <p:nvPr>
+            <p:ph type="title"/>
+          </p:nvPr>
+        </p:nvSpPr>
+        <p:spPr>
+          <a:xfrm>
+            <a:off x="729450" y="1318650"/>
+            <a:ext cx="7688700" cy="535200"/>
           </a:xfrm>
           <a:prstGeom prst="rect">
             <a:avLst/>
           </a:prstGeom>
-          <a:solidFill>
-            <a:schemeClr val="lt1"/>
-          </a:solidFill>
-          <a:ln cap="flat" cmpd="sng" w="9525">
-            <a:solidFill>
-              <a:schemeClr val="lt1"/>
-            </a:solidFill>
-            <a:prstDash val="solid"/>
-            <a:round/>
-            <a:headEnd len="sm" w="sm" type="none"/>
-            <a:tailEnd len="sm" w="sm" type="none"/>
-          </a:ln>
         </p:spPr>
         <p:txBody>
-          <a:bodyPr anchorCtr="0" anchor="ctr" bIns="91425" lIns="91425" spcFirstLastPara="1" rIns="91425" wrap="square" tIns="91425">
-            <a:noAutofit/>
+          <a:bodyPr anchorCtr="0" anchor="t" bIns="91425" lIns="91425" spcFirstLastPara="1" rIns="91425" wrap="square" tIns="91425">
+            <a:normAutofit fontScale="90000"/>
           </a:bodyPr>
           <a:lstStyle/>
           <a:p>
@@ -13981,40 +16451,118 @@
               <a:buNone/>
             </a:pPr>
             <a:r>
-              <a:t/>
+              <a:rPr lang="en"/>
+              <a:t>Why do we simulate data again?</a:t>
             </a:r>
             <a:endParaRPr/>
           </a:p>
         </p:txBody>
       </p:sp>
-      <p:pic>
-        <p:nvPicPr>
+      <p:sp>
+        <p:nvSpPr>
           <p:cNvPr id="119" name="Google Shape;119;p18"/>
-          <p:cNvPicPr preferRelativeResize="0"/>
-          <p:nvPr/>
-        </p:nvPicPr>
-        <p:blipFill>
-          <a:blip r:embed="rId3">
-            <a:alphaModFix/>
-          </a:blip>
-          <a:stretch>
-            <a:fillRect/>
-          </a:stretch>
-        </p:blipFill>
-        <p:spPr>
-          <a:xfrm>
-            <a:off x="1143000" y="0"/>
-            <a:ext cx="6858000" cy="5143500"/>
+          <p:cNvSpPr txBox="1"/>
+          <p:nvPr>
+            <p:ph idx="1" type="body"/>
+          </p:nvPr>
+        </p:nvSpPr>
+        <p:spPr>
+          <a:xfrm>
+            <a:off x="2857500" y="2078875"/>
+            <a:ext cx="3974400" cy="2261100"/>
           </a:xfrm>
           <a:prstGeom prst="rect">
             <a:avLst/>
           </a:prstGeom>
-          <a:noFill/>
-          <a:ln>
-            <a:noFill/>
-          </a:ln>
-        </p:spPr>
-      </p:pic>
+        </p:spPr>
+        <p:txBody>
+          <a:bodyPr anchorCtr="0" anchor="t" bIns="91425" lIns="91425" spcFirstLastPara="1" rIns="91425" wrap="square" tIns="91425">
+            <a:normAutofit/>
+          </a:bodyPr>
+          <a:lstStyle/>
+          <a:p>
+            <a:pPr indent="457200" lvl="0" marL="0" rtl="0" algn="l">
+              <a:spcBef>
+                <a:spcPts val="0"/>
+              </a:spcBef>
+              <a:spcAft>
+                <a:spcPts val="0"/>
+              </a:spcAft>
+              <a:buNone/>
+            </a:pPr>
+            <a:r>
+              <a:t/>
+            </a:r>
+            <a:endParaRPr/>
+          </a:p>
+          <a:p>
+            <a:pPr indent="457200" lvl="0" marL="0" rtl="0" algn="l">
+              <a:spcBef>
+                <a:spcPts val="1200"/>
+              </a:spcBef>
+              <a:spcAft>
+                <a:spcPts val="0"/>
+              </a:spcAft>
+              <a:buNone/>
+            </a:pPr>
+            <a:r>
+              <a:rPr lang="en"/>
+              <a:t>"We generated fake data" </a:t>
+            </a:r>
+            <a:endParaRPr/>
+          </a:p>
+          <a:p>
+            <a:pPr indent="457200" lvl="0" marL="0" rtl="0" algn="l">
+              <a:spcBef>
+                <a:spcPts val="1200"/>
+              </a:spcBef>
+              <a:spcAft>
+                <a:spcPts val="0"/>
+              </a:spcAft>
+              <a:buNone/>
+            </a:pPr>
+            <a:r>
+              <a:rPr lang="en"/>
+              <a:t>- </a:t>
+            </a:r>
+            <a:r>
+              <a:rPr lang="en"/>
+              <a:t>"Fake? As in fake news?"</a:t>
+            </a:r>
+            <a:endParaRPr/>
+          </a:p>
+          <a:p>
+            <a:pPr indent="0" lvl="0" marL="0" rtl="0" algn="l">
+              <a:spcBef>
+                <a:spcPts val="1200"/>
+              </a:spcBef>
+              <a:spcAft>
+                <a:spcPts val="0"/>
+              </a:spcAft>
+              <a:buNone/>
+            </a:pPr>
+            <a:r>
+              <a:t/>
+            </a:r>
+            <a:endParaRPr/>
+          </a:p>
+          <a:p>
+            <a:pPr indent="0" lvl="0" marL="0" rtl="0" algn="l">
+              <a:spcBef>
+                <a:spcPts val="1200"/>
+              </a:spcBef>
+              <a:spcAft>
+                <a:spcPts val="1200"/>
+              </a:spcAft>
+              <a:buNone/>
+            </a:pPr>
+            <a:r>
+              <a:t/>
+            </a:r>
+            <a:endParaRPr/>
+          </a:p>
+        </p:txBody>
+      </p:sp>
     </p:spTree>
   </p:cSld>
   <p:clrMapOvr>
@@ -14043,169 +16591,80 @@
       <p:sp>
         <p:nvSpPr>
           <p:cNvPr id="124" name="Google Shape;124;p19"/>
-          <p:cNvSpPr txBox="1"/>
-          <p:nvPr>
-            <p:ph type="title"/>
-          </p:nvPr>
-        </p:nvSpPr>
-        <p:spPr>
-          <a:xfrm>
-            <a:off x="730000" y="1318650"/>
-            <a:ext cx="3300900" cy="1381500"/>
+          <p:cNvSpPr/>
+          <p:nvPr/>
+        </p:nvSpPr>
+        <p:spPr>
+          <a:xfrm>
+            <a:off x="713175" y="1025200"/>
+            <a:ext cx="573000" cy="261000"/>
           </a:xfrm>
           <a:prstGeom prst="rect">
             <a:avLst/>
           </a:prstGeom>
+          <a:solidFill>
+            <a:schemeClr val="lt1"/>
+          </a:solidFill>
+          <a:ln cap="flat" cmpd="sng" w="9525">
+            <a:solidFill>
+              <a:schemeClr val="lt1"/>
+            </a:solidFill>
+            <a:prstDash val="solid"/>
+            <a:round/>
+            <a:headEnd len="sm" w="sm" type="none"/>
+            <a:tailEnd len="sm" w="sm" type="none"/>
+          </a:ln>
         </p:spPr>
         <p:txBody>
-          <a:bodyPr anchorCtr="0" anchor="t" bIns="91425" lIns="91425" spcFirstLastPara="1" rIns="91425" wrap="square" tIns="91425">
-            <a:normAutofit/>
+          <a:bodyPr anchorCtr="0" anchor="ctr" bIns="91425" lIns="91425" spcFirstLastPara="1" rIns="91425" wrap="square" tIns="91425">
+            <a:noAutofit/>
           </a:bodyPr>
           <a:lstStyle/>
           <a:p>
-            <a:pPr indent="0" lvl="0" marL="0" marR="152400" rtl="0" algn="l">
-              <a:lnSpc>
-                <a:spcPct val="120000"/>
-              </a:lnSpc>
-              <a:spcBef>
-                <a:spcPts val="0"/>
-              </a:spcBef>
-              <a:spcAft>
-                <a:spcPts val="0"/>
-              </a:spcAft>
-              <a:buNone/>
-            </a:pPr>
-            <a:r>
-              <a:rPr lang="en" sz="2100">
-                <a:solidFill>
-                  <a:srgbClr val="202124"/>
-                </a:solidFill>
-                <a:highlight>
-                  <a:srgbClr val="FFFFFF"/>
-                </a:highlight>
-                <a:latin typeface="Arial"/>
-                <a:ea typeface="Arial"/>
-                <a:cs typeface="Arial"/>
-                <a:sym typeface="Arial"/>
-              </a:rPr>
-              <a:t>Bayes' theorem</a:t>
+            <a:pPr indent="0" lvl="0" marL="0" rtl="0" algn="l">
+              <a:spcBef>
+                <a:spcPts val="0"/>
+              </a:spcBef>
+              <a:spcAft>
+                <a:spcPts val="0"/>
+              </a:spcAft>
+              <a:buNone/>
+            </a:pPr>
+            <a:r>
+              <a:t/>
             </a:r>
             <a:endParaRPr/>
           </a:p>
         </p:txBody>
       </p:sp>
-      <p:sp>
-        <p:nvSpPr>
+      <p:pic>
+        <p:nvPicPr>
           <p:cNvPr id="125" name="Google Shape;125;p19"/>
-          <p:cNvSpPr txBox="1"/>
-          <p:nvPr>
-            <p:ph idx="1" type="body"/>
-          </p:nvPr>
-        </p:nvSpPr>
-        <p:spPr>
-          <a:xfrm>
-            <a:off x="721225" y="2247800"/>
-            <a:ext cx="7652400" cy="2610900"/>
+          <p:cNvPicPr preferRelativeResize="0"/>
+          <p:nvPr/>
+        </p:nvPicPr>
+        <p:blipFill>
+          <a:blip r:embed="rId3">
+            <a:alphaModFix/>
+          </a:blip>
+          <a:stretch>
+            <a:fillRect/>
+          </a:stretch>
+        </p:blipFill>
+        <p:spPr>
+          <a:xfrm>
+            <a:off x="1143000" y="0"/>
+            <a:ext cx="6858000" cy="5143500"/>
           </a:xfrm>
           <a:prstGeom prst="rect">
             <a:avLst/>
           </a:prstGeom>
-        </p:spPr>
-        <p:txBody>
-          <a:bodyPr anchorCtr="0" anchor="t" bIns="91425" lIns="91425" spcFirstLastPara="1" rIns="91425" wrap="square" tIns="91425">
-            <a:normAutofit/>
-          </a:bodyPr>
-          <a:lstStyle/>
-          <a:p>
-            <a:pPr indent="0" lvl="0" marL="0" rtl="0" algn="ctr">
-              <a:spcBef>
-                <a:spcPts val="0"/>
-              </a:spcBef>
-              <a:spcAft>
-                <a:spcPts val="0"/>
-              </a:spcAft>
-              <a:buNone/>
-            </a:pPr>
-            <a:r>
-              <a:rPr i="1" lang="en" sz="3100"/>
-              <a:t>p</a:t>
-            </a:r>
-            <a:r>
-              <a:rPr i="1" lang="en" sz="3100"/>
-              <a:t>osterior belief</a:t>
-            </a:r>
-            <a:r>
-              <a:rPr lang="en" sz="3100"/>
-              <a:t> ∝ </a:t>
-            </a:r>
-            <a:r>
-              <a:rPr i="1" lang="en" sz="3100"/>
-              <a:t>likelihood</a:t>
-            </a:r>
-            <a:r>
-              <a:rPr lang="en" sz="3100"/>
-              <a:t> </a:t>
-            </a:r>
-            <a:r>
-              <a:rPr lang="en" sz="2100"/>
-              <a:t>×</a:t>
-            </a:r>
-            <a:r>
-              <a:rPr lang="en" sz="3100"/>
-              <a:t> </a:t>
-            </a:r>
-            <a:r>
-              <a:rPr i="1" lang="en" sz="3100"/>
-              <a:t>prior belief</a:t>
-            </a:r>
-            <a:endParaRPr i="1" sz="3100"/>
-          </a:p>
-          <a:p>
-            <a:pPr indent="0" lvl="0" marL="0" rtl="0" algn="ctr">
-              <a:spcBef>
-                <a:spcPts val="1200"/>
-              </a:spcBef>
-              <a:spcAft>
-                <a:spcPts val="0"/>
-              </a:spcAft>
-              <a:buNone/>
-            </a:pPr>
-            <a:r>
-              <a:rPr i="1" lang="en" sz="2359"/>
-              <a:t>O</a:t>
-            </a:r>
-            <a:r>
-              <a:rPr i="1" lang="en" sz="2359"/>
-              <a:t>r, even simpler:</a:t>
-            </a:r>
-            <a:endParaRPr i="1" sz="2359"/>
-          </a:p>
-          <a:p>
-            <a:pPr indent="0" lvl="0" marL="0" rtl="0" algn="ctr">
-              <a:spcBef>
-                <a:spcPts val="1200"/>
-              </a:spcBef>
-              <a:spcAft>
-                <a:spcPts val="1200"/>
-              </a:spcAft>
-              <a:buNone/>
-            </a:pPr>
-            <a:r>
-              <a:rPr i="1" lang="en" sz="3100"/>
-              <a:t>prior </a:t>
-            </a:r>
-            <a:r>
-              <a:rPr i="1" lang="en" sz="2100"/>
-              <a:t>× </a:t>
-            </a:r>
-            <a:r>
-              <a:rPr i="1" lang="en" sz="3100"/>
-              <a:t>data = posterior</a:t>
-            </a:r>
-            <a:endParaRPr i="1" sz="3100"/>
-          </a:p>
-        </p:txBody>
-      </p:sp>
+          <a:noFill/>
+          <a:ln>
+            <a:noFill/>
+          </a:ln>
+        </p:spPr>
+      </p:pic>
     </p:spTree>
   </p:cSld>
   <p:clrMapOvr>
@@ -14236,13 +16695,13 @@
           <p:cNvPr id="130" name="Google Shape;130;p20"/>
           <p:cNvSpPr txBox="1"/>
           <p:nvPr>
-            <p:ph idx="1" type="body"/>
+            <p:ph type="title"/>
           </p:nvPr>
         </p:nvSpPr>
         <p:spPr>
           <a:xfrm>
-            <a:off x="727650" y="2136175"/>
-            <a:ext cx="7688700" cy="1092300"/>
+            <a:off x="730000" y="1318650"/>
+            <a:ext cx="3300900" cy="1381500"/>
           </a:xfrm>
           <a:prstGeom prst="rect">
             <a:avLst/>
@@ -14254,20 +16713,146 @@
           </a:bodyPr>
           <a:lstStyle/>
           <a:p>
+            <a:pPr indent="0" lvl="0" marL="0" marR="152400" rtl="0" algn="l">
+              <a:lnSpc>
+                <a:spcPct val="120000"/>
+              </a:lnSpc>
+              <a:spcBef>
+                <a:spcPts val="0"/>
+              </a:spcBef>
+              <a:spcAft>
+                <a:spcPts val="0"/>
+              </a:spcAft>
+              <a:buNone/>
+            </a:pPr>
+            <a:r>
+              <a:rPr lang="en" sz="2100">
+                <a:solidFill>
+                  <a:srgbClr val="202124"/>
+                </a:solidFill>
+                <a:highlight>
+                  <a:srgbClr val="FFFFFF"/>
+                </a:highlight>
+                <a:latin typeface="Arial"/>
+                <a:ea typeface="Arial"/>
+                <a:cs typeface="Arial"/>
+                <a:sym typeface="Arial"/>
+              </a:rPr>
+              <a:t>Bayes' theorem</a:t>
+            </a:r>
+            <a:endParaRPr/>
+          </a:p>
+        </p:txBody>
+      </p:sp>
+      <p:sp>
+        <p:nvSpPr>
+          <p:cNvPr id="131" name="Google Shape;131;p20"/>
+          <p:cNvSpPr txBox="1"/>
+          <p:nvPr>
+            <p:ph idx="1" type="body"/>
+          </p:nvPr>
+        </p:nvSpPr>
+        <p:spPr>
+          <a:xfrm>
+            <a:off x="721225" y="2247800"/>
+            <a:ext cx="7652400" cy="2610900"/>
+          </a:xfrm>
+          <a:prstGeom prst="rect">
+            <a:avLst/>
+          </a:prstGeom>
+        </p:spPr>
+        <p:txBody>
+          <a:bodyPr anchorCtr="0" anchor="t" bIns="91425" lIns="91425" spcFirstLastPara="1" rIns="91425" wrap="square" tIns="91425">
+            <a:normAutofit/>
+          </a:bodyPr>
+          <a:lstStyle/>
+          <a:p>
             <a:pPr indent="0" lvl="0" marL="0" rtl="0" algn="ctr">
               <a:spcBef>
                 <a:spcPts val="0"/>
               </a:spcBef>
               <a:spcAft>
+                <a:spcPts val="0"/>
+              </a:spcAft>
+              <a:buNone/>
+            </a:pPr>
+            <a:r>
+              <a:rPr i="1" lang="en" sz="3100"/>
+              <a:t>p</a:t>
+            </a:r>
+            <a:r>
+              <a:rPr i="1" lang="en" sz="3100"/>
+              <a:t>osterior belief</a:t>
+            </a:r>
+            <a:r>
+              <a:rPr lang="en" sz="3100"/>
+              <a:t> ∝ </a:t>
+            </a:r>
+            <a:r>
+              <a:rPr i="1" lang="en" sz="3100"/>
+              <a:t>likelihood</a:t>
+            </a:r>
+            <a:r>
+              <a:rPr lang="en" sz="3100"/>
+              <a:t> </a:t>
+            </a:r>
+            <a:r>
+              <a:rPr lang="en" sz="2100"/>
+              <a:t>×</a:t>
+            </a:r>
+            <a:r>
+              <a:rPr lang="en" sz="3100"/>
+              <a:t> </a:t>
+            </a:r>
+            <a:r>
+              <a:rPr i="1" lang="en" sz="3100"/>
+              <a:t>prior belief</a:t>
+            </a:r>
+            <a:endParaRPr i="1" sz="3100"/>
+          </a:p>
+          <a:p>
+            <a:pPr indent="0" lvl="0" marL="0" rtl="0" algn="ctr">
+              <a:spcBef>
                 <a:spcPts val="1200"/>
-              </a:spcAft>
-              <a:buNone/>
-            </a:pPr>
-            <a:r>
-              <a:rPr lang="en" sz="2600"/>
-              <a:t>Today's posterior is tomorrow's prior</a:t>
-            </a:r>
-            <a:endParaRPr sz="2600"/>
+              </a:spcBef>
+              <a:spcAft>
+                <a:spcPts val="0"/>
+              </a:spcAft>
+              <a:buNone/>
+            </a:pPr>
+            <a:r>
+              <a:rPr i="1" lang="en" sz="2359"/>
+              <a:t>O</a:t>
+            </a:r>
+            <a:r>
+              <a:rPr i="1" lang="en" sz="2359"/>
+              <a:t>r, even simpler:</a:t>
+            </a:r>
+            <a:endParaRPr i="1" sz="2359"/>
+          </a:p>
+          <a:p>
+            <a:pPr indent="0" lvl="0" marL="0" rtl="0" algn="ctr">
+              <a:spcBef>
+                <a:spcPts val="1200"/>
+              </a:spcBef>
+              <a:spcAft>
+                <a:spcPts val="1200"/>
+              </a:spcAft>
+              <a:buNone/>
+            </a:pPr>
+            <a:r>
+              <a:rPr i="1" lang="en" sz="3100"/>
+              <a:t>prior </a:t>
+            </a:r>
+            <a:r>
+              <a:rPr i="1" lang="en" sz="2100"/>
+              <a:t>× </a:t>
+            </a:r>
+            <a:r>
+              <a:rPr i="1" lang="en" sz="3100"/>
+              <a:t>data = posterior</a:t>
+            </a:r>
+            <a:endParaRPr i="1" sz="3100"/>
           </a:p>
         </p:txBody>
       </p:sp>
@@ -14284,7 +16869,7 @@
   <p:cSld>
     <p:spTree>
       <p:nvGrpSpPr>
-        <p:cNvPr id="134" name="Shape 134"/>
+        <p:cNvPr id="135" name="Shape 135"/>
         <p:cNvGrpSpPr/>
         <p:nvPr/>
       </p:nvGrpSpPr>
@@ -14298,81 +16883,44 @@
       </p:grpSpPr>
       <p:sp>
         <p:nvSpPr>
-          <p:cNvPr id="135" name="Google Shape;135;p21"/>
-          <p:cNvSpPr/>
-          <p:nvPr/>
-        </p:nvSpPr>
-        <p:spPr>
-          <a:xfrm>
-            <a:off x="713175" y="1025200"/>
-            <a:ext cx="573000" cy="261000"/>
+          <p:cNvPr id="136" name="Google Shape;136;p21"/>
+          <p:cNvSpPr txBox="1"/>
+          <p:nvPr>
+            <p:ph idx="1" type="body"/>
+          </p:nvPr>
+        </p:nvSpPr>
+        <p:spPr>
+          <a:xfrm>
+            <a:off x="727650" y="2136175"/>
+            <a:ext cx="7688700" cy="1092300"/>
           </a:xfrm>
           <a:prstGeom prst="rect">
             <a:avLst/>
           </a:prstGeom>
-          <a:solidFill>
-            <a:schemeClr val="lt1"/>
-          </a:solidFill>
-          <a:ln cap="flat" cmpd="sng" w="9525">
-            <a:solidFill>
-              <a:schemeClr val="lt1"/>
-            </a:solidFill>
-            <a:prstDash val="solid"/>
-            <a:round/>
-            <a:headEnd len="sm" w="sm" type="none"/>
-            <a:tailEnd len="sm" w="sm" type="none"/>
-          </a:ln>
         </p:spPr>
         <p:txBody>
-          <a:bodyPr anchorCtr="0" anchor="ctr" bIns="91425" lIns="91425" spcFirstLastPara="1" rIns="91425" wrap="square" tIns="91425">
-            <a:noAutofit/>
+          <a:bodyPr anchorCtr="0" anchor="t" bIns="91425" lIns="91425" spcFirstLastPara="1" rIns="91425" wrap="square" tIns="91425">
+            <a:normAutofit/>
           </a:bodyPr>
           <a:lstStyle/>
           <a:p>
-            <a:pPr indent="0" lvl="0" marL="0" rtl="0" algn="l">
-              <a:spcBef>
-                <a:spcPts val="0"/>
-              </a:spcBef>
-              <a:spcAft>
-                <a:spcPts val="0"/>
-              </a:spcAft>
-              <a:buNone/>
-            </a:pPr>
-            <a:r>
-              <a:t/>
-            </a:r>
-            <a:endParaRPr/>
+            <a:pPr indent="0" lvl="0" marL="0" rtl="0" algn="ctr">
+              <a:spcBef>
+                <a:spcPts val="0"/>
+              </a:spcBef>
+              <a:spcAft>
+                <a:spcPts val="1200"/>
+              </a:spcAft>
+              <a:buNone/>
+            </a:pPr>
+            <a:r>
+              <a:rPr lang="en" sz="2600"/>
+              <a:t>Today's posterior is tomorrow's prior</a:t>
+            </a:r>
+            <a:endParaRPr sz="2600"/>
           </a:p>
         </p:txBody>
       </p:sp>
-      <p:pic>
-        <p:nvPicPr>
-          <p:cNvPr id="136" name="Google Shape;136;p21"/>
-          <p:cNvPicPr preferRelativeResize="0"/>
-          <p:nvPr/>
-        </p:nvPicPr>
-        <p:blipFill>
-          <a:blip r:embed="rId3">
-            <a:alphaModFix/>
-          </a:blip>
-          <a:stretch>
-            <a:fillRect/>
-          </a:stretch>
-        </p:blipFill>
-        <p:spPr>
-          <a:xfrm>
-            <a:off x="1143000" y="0"/>
-            <a:ext cx="6858000" cy="5143500"/>
-          </a:xfrm>
-          <a:prstGeom prst="rect">
-            <a:avLst/>
-          </a:prstGeom>
-          <a:noFill/>
-          <a:ln>
-            <a:noFill/>
-          </a:ln>
-        </p:spPr>
-      </p:pic>
     </p:spTree>
   </p:cSld>
   <p:clrMapOvr>

--- a/presentation/Bayesian assignment.pptx
+++ b/presentation/Bayesian assignment.pptx
@@ -51,23 +51,26 @@
     <p:sldId id="296" r:id="rId46"/>
     <p:sldId id="297" r:id="rId47"/>
     <p:sldId id="298" r:id="rId48"/>
+    <p:sldId id="299" r:id="rId49"/>
+    <p:sldId id="300" r:id="rId50"/>
+    <p:sldId id="301" r:id="rId51"/>
   </p:sldIdLst>
   <p:sldSz cy="5143500" cx="9144000"/>
   <p:notesSz cx="6858000" cy="9144000"/>
   <p:embeddedFontLst>
     <p:embeddedFont>
       <p:font typeface="Raleway"/>
-      <p:regular r:id="rId49"/>
-      <p:bold r:id="rId50"/>
-      <p:italic r:id="rId51"/>
-      <p:boldItalic r:id="rId52"/>
+      <p:regular r:id="rId52"/>
+      <p:bold r:id="rId53"/>
+      <p:italic r:id="rId54"/>
+      <p:boldItalic r:id="rId55"/>
     </p:embeddedFont>
     <p:embeddedFont>
       <p:font typeface="Lato"/>
-      <p:regular r:id="rId53"/>
-      <p:bold r:id="rId54"/>
-      <p:italic r:id="rId55"/>
-      <p:boldItalic r:id="rId56"/>
+      <p:regular r:id="rId56"/>
+      <p:bold r:id="rId57"/>
+      <p:italic r:id="rId58"/>
+      <p:boldItalic r:id="rId59"/>
     </p:embeddedFont>
   </p:embeddedFontLst>
   <p:defaultTextStyle>
@@ -3238,7 +3241,7 @@
       </p:grpSpPr>
       <p:sp>
         <p:nvSpPr>
-          <p:cNvPr id="271" name="Google Shape;271;gfbfb770d81_0_56:notes"/>
+          <p:cNvPr id="271" name="Google Shape;271;g104422d6e31_0_0:notes"/>
           <p:cNvSpPr/>
           <p:nvPr>
             <p:ph idx="2" type="sldImg"/>
@@ -3273,7 +3276,7 @@
       </p:sp>
       <p:sp>
         <p:nvSpPr>
-          <p:cNvPr id="272" name="Google Shape;272;gfbfb770d81_0_56:notes"/>
+          <p:cNvPr id="272" name="Google Shape;272;g104422d6e31_0_0:notes"/>
           <p:cNvSpPr txBox="1"/>
           <p:nvPr>
             <p:ph idx="1" type="body"/>
@@ -3323,7 +3326,7 @@
   <p:cSld>
     <p:spTree>
       <p:nvGrpSpPr>
-        <p:cNvPr id="277" name="Shape 277"/>
+        <p:cNvPr id="275" name="Shape 275"/>
         <p:cNvGrpSpPr/>
         <p:nvPr/>
       </p:nvGrpSpPr>
@@ -3337,7 +3340,7 @@
       </p:grpSpPr>
       <p:sp>
         <p:nvSpPr>
-          <p:cNvPr id="278" name="Google Shape;278;gfc886d1ecf_1_10:notes"/>
+          <p:cNvPr id="276" name="Google Shape;276;gfbfb770d81_0_56:notes"/>
           <p:cNvSpPr/>
           <p:nvPr>
             <p:ph idx="2" type="sldImg"/>
@@ -3372,7 +3375,7 @@
       </p:sp>
       <p:sp>
         <p:nvSpPr>
-          <p:cNvPr id="279" name="Google Shape;279;gfc886d1ecf_1_10:notes"/>
+          <p:cNvPr id="277" name="Google Shape;277;gfbfb770d81_0_56:notes"/>
           <p:cNvSpPr txBox="1"/>
           <p:nvPr>
             <p:ph idx="1" type="body"/>
@@ -3422,7 +3425,7 @@
   <p:cSld>
     <p:spTree>
       <p:nvGrpSpPr>
-        <p:cNvPr id="283" name="Shape 283"/>
+        <p:cNvPr id="282" name="Shape 282"/>
         <p:cNvGrpSpPr/>
         <p:nvPr/>
       </p:nvGrpSpPr>
@@ -3436,7 +3439,7 @@
       </p:grpSpPr>
       <p:sp>
         <p:nvSpPr>
-          <p:cNvPr id="284" name="Google Shape;284;gfc886d2016_0_5:notes"/>
+          <p:cNvPr id="283" name="Google Shape;283;gfc886d1ecf_1_10:notes"/>
           <p:cNvSpPr/>
           <p:nvPr>
             <p:ph idx="2" type="sldImg"/>
@@ -3471,7 +3474,7 @@
       </p:sp>
       <p:sp>
         <p:nvSpPr>
-          <p:cNvPr id="285" name="Google Shape;285;gfc886d2016_0_5:notes"/>
+          <p:cNvPr id="284" name="Google Shape;284;gfc886d1ecf_1_10:notes"/>
           <p:cNvSpPr txBox="1"/>
           <p:nvPr>
             <p:ph idx="1" type="body"/>
@@ -3521,7 +3524,7 @@
   <p:cSld>
     <p:spTree>
       <p:nvGrpSpPr>
-        <p:cNvPr id="291" name="Shape 291"/>
+        <p:cNvPr id="288" name="Shape 288"/>
         <p:cNvGrpSpPr/>
         <p:nvPr/>
       </p:nvGrpSpPr>
@@ -3535,7 +3538,7 @@
       </p:grpSpPr>
       <p:sp>
         <p:nvSpPr>
-          <p:cNvPr id="292" name="Google Shape;292;gfc886d2016_0_15:notes"/>
+          <p:cNvPr id="289" name="Google Shape;289;gfc886d2016_0_5:notes"/>
           <p:cNvSpPr/>
           <p:nvPr>
             <p:ph idx="2" type="sldImg"/>
@@ -3570,7 +3573,7 @@
       </p:sp>
       <p:sp>
         <p:nvSpPr>
-          <p:cNvPr id="293" name="Google Shape;293;gfc886d2016_0_15:notes"/>
+          <p:cNvPr id="290" name="Google Shape;290;gfc886d2016_0_5:notes"/>
           <p:cNvSpPr txBox="1"/>
           <p:nvPr>
             <p:ph idx="1" type="body"/>
@@ -3620,7 +3623,7 @@
   <p:cSld>
     <p:spTree>
       <p:nvGrpSpPr>
-        <p:cNvPr id="297" name="Shape 297"/>
+        <p:cNvPr id="296" name="Shape 296"/>
         <p:cNvGrpSpPr/>
         <p:nvPr/>
       </p:nvGrpSpPr>
@@ -3634,7 +3637,7 @@
       </p:grpSpPr>
       <p:sp>
         <p:nvSpPr>
-          <p:cNvPr id="298" name="Google Shape;298;gfc886d1ecf_1_15:notes"/>
+          <p:cNvPr id="297" name="Google Shape;297;gfc886d2016_0_15:notes"/>
           <p:cNvSpPr/>
           <p:nvPr>
             <p:ph idx="2" type="sldImg"/>
@@ -3669,7 +3672,7 @@
       </p:sp>
       <p:sp>
         <p:nvSpPr>
-          <p:cNvPr id="299" name="Google Shape;299;gfc886d1ecf_1_15:notes"/>
+          <p:cNvPr id="298" name="Google Shape;298;gfc886d2016_0_15:notes"/>
           <p:cNvSpPr txBox="1"/>
           <p:nvPr>
             <p:ph idx="1" type="body"/>
@@ -3733,7 +3736,7 @@
       </p:grpSpPr>
       <p:sp>
         <p:nvSpPr>
-          <p:cNvPr id="303" name="Google Shape;303;gfc886d2016_0_21:notes"/>
+          <p:cNvPr id="303" name="Google Shape;303;gfc886d1ecf_1_15:notes"/>
           <p:cNvSpPr/>
           <p:nvPr>
             <p:ph idx="2" type="sldImg"/>
@@ -3768,7 +3771,7 @@
       </p:sp>
       <p:sp>
         <p:nvSpPr>
-          <p:cNvPr id="304" name="Google Shape;304;gfc886d2016_0_21:notes"/>
+          <p:cNvPr id="304" name="Google Shape;304;gfc886d1ecf_1_15:notes"/>
           <p:cNvSpPr txBox="1"/>
           <p:nvPr>
             <p:ph idx="1" type="body"/>
@@ -3832,7 +3835,7 @@
       </p:grpSpPr>
       <p:sp>
         <p:nvSpPr>
-          <p:cNvPr id="308" name="Google Shape;308;gfc886d1ecf_1_22:notes"/>
+          <p:cNvPr id="308" name="Google Shape;308;gfc886d2016_0_21:notes"/>
           <p:cNvSpPr/>
           <p:nvPr>
             <p:ph idx="2" type="sldImg"/>
@@ -3867,7 +3870,7 @@
       </p:sp>
       <p:sp>
         <p:nvSpPr>
-          <p:cNvPr id="309" name="Google Shape;309;gfc886d1ecf_1_22:notes"/>
+          <p:cNvPr id="309" name="Google Shape;309;gfc886d2016_0_21:notes"/>
           <p:cNvSpPr txBox="1"/>
           <p:nvPr>
             <p:ph idx="1" type="body"/>
@@ -3931,7 +3934,7 @@
       </p:grpSpPr>
       <p:sp>
         <p:nvSpPr>
-          <p:cNvPr id="313" name="Google Shape;313;gfc886d1ecf_1_26:notes"/>
+          <p:cNvPr id="313" name="Google Shape;313;g104422d6e31_0_5:notes"/>
           <p:cNvSpPr/>
           <p:nvPr>
             <p:ph idx="2" type="sldImg"/>
@@ -3966,7 +3969,7 @@
       </p:sp>
       <p:sp>
         <p:nvSpPr>
-          <p:cNvPr id="314" name="Google Shape;314;gfc886d1ecf_1_26:notes"/>
+          <p:cNvPr id="314" name="Google Shape;314;g104422d6e31_0_5:notes"/>
           <p:cNvSpPr txBox="1"/>
           <p:nvPr>
             <p:ph idx="1" type="body"/>
@@ -4115,7 +4118,7 @@
   <p:cSld>
     <p:spTree>
       <p:nvGrpSpPr>
-        <p:cNvPr id="317" name="Shape 317"/>
+        <p:cNvPr id="318" name="Shape 318"/>
         <p:cNvGrpSpPr/>
         <p:nvPr/>
       </p:nvGrpSpPr>
@@ -4129,7 +4132,7 @@
       </p:grpSpPr>
       <p:sp>
         <p:nvSpPr>
-          <p:cNvPr id="318" name="Google Shape;318;gfc886d2016_0_25:notes"/>
+          <p:cNvPr id="319" name="Google Shape;319;g104422d6e31_0_12:notes"/>
           <p:cNvSpPr/>
           <p:nvPr>
             <p:ph idx="2" type="sldImg"/>
@@ -4164,7 +4167,7 @@
       </p:sp>
       <p:sp>
         <p:nvSpPr>
-          <p:cNvPr id="319" name="Google Shape;319;gfc886d2016_0_25:notes"/>
+          <p:cNvPr id="320" name="Google Shape;320;g104422d6e31_0_12:notes"/>
           <p:cNvSpPr txBox="1"/>
           <p:nvPr>
             <p:ph idx="1" type="body"/>
@@ -4228,7 +4231,7 @@
       </p:grpSpPr>
       <p:sp>
         <p:nvSpPr>
-          <p:cNvPr id="325" name="Google Shape;325;gfc886d2016_0_29:notes"/>
+          <p:cNvPr id="325" name="Google Shape;325;gfc886d1ecf_1_22:notes"/>
           <p:cNvSpPr/>
           <p:nvPr>
             <p:ph idx="2" type="sldImg"/>
@@ -4263,7 +4266,7 @@
       </p:sp>
       <p:sp>
         <p:nvSpPr>
-          <p:cNvPr id="326" name="Google Shape;326;gfc886d2016_0_29:notes"/>
+          <p:cNvPr id="326" name="Google Shape;326;gfc886d1ecf_1_22:notes"/>
           <p:cNvSpPr txBox="1"/>
           <p:nvPr>
             <p:ph idx="1" type="body"/>
@@ -4327,7 +4330,7 @@
       </p:grpSpPr>
       <p:sp>
         <p:nvSpPr>
-          <p:cNvPr id="330" name="Google Shape;330;gfc886d2016_0_0:notes"/>
+          <p:cNvPr id="330" name="Google Shape;330;gfc886d1ecf_1_26:notes"/>
           <p:cNvSpPr/>
           <p:nvPr>
             <p:ph idx="2" type="sldImg"/>
@@ -4362,7 +4365,7 @@
       </p:sp>
       <p:sp>
         <p:nvSpPr>
-          <p:cNvPr id="331" name="Google Shape;331;gfc886d2016_0_0:notes"/>
+          <p:cNvPr id="331" name="Google Shape;331;gfc886d1ecf_1_26:notes"/>
           <p:cNvSpPr txBox="1"/>
           <p:nvPr>
             <p:ph idx="1" type="body"/>
@@ -4412,7 +4415,7 @@
   <p:cSld>
     <p:spTree>
       <p:nvGrpSpPr>
-        <p:cNvPr id="335" name="Shape 335"/>
+        <p:cNvPr id="334" name="Shape 334"/>
         <p:cNvGrpSpPr/>
         <p:nvPr/>
       </p:nvGrpSpPr>
@@ -4426,7 +4429,7 @@
       </p:grpSpPr>
       <p:sp>
         <p:nvSpPr>
-          <p:cNvPr id="336" name="Google Shape;336;gfbfb770d81_0_465:notes"/>
+          <p:cNvPr id="335" name="Google Shape;335;gfc886d2016_0_25:notes"/>
           <p:cNvSpPr/>
           <p:nvPr>
             <p:ph idx="2" type="sldImg"/>
@@ -4461,7 +4464,304 @@
       </p:sp>
       <p:sp>
         <p:nvSpPr>
-          <p:cNvPr id="337" name="Google Shape;337;gfbfb770d81_0_465:notes"/>
+          <p:cNvPr id="336" name="Google Shape;336;gfc886d2016_0_25:notes"/>
+          <p:cNvSpPr txBox="1"/>
+          <p:nvPr>
+            <p:ph idx="1" type="body"/>
+          </p:nvPr>
+        </p:nvSpPr>
+        <p:spPr>
+          <a:xfrm>
+            <a:off x="685800" y="4343400"/>
+            <a:ext cx="5486400" cy="4114800"/>
+          </a:xfrm>
+          <a:prstGeom prst="rect">
+            <a:avLst/>
+          </a:prstGeom>
+        </p:spPr>
+        <p:txBody>
+          <a:bodyPr anchorCtr="0" anchor="t" bIns="91425" lIns="91425" spcFirstLastPara="1" rIns="91425" wrap="square" tIns="91425">
+            <a:noAutofit/>
+          </a:bodyPr>
+          <a:lstStyle/>
+          <a:p>
+            <a:pPr indent="0" lvl="0" marL="0" rtl="0" algn="l">
+              <a:spcBef>
+                <a:spcPts val="0"/>
+              </a:spcBef>
+              <a:spcAft>
+                <a:spcPts val="0"/>
+              </a:spcAft>
+              <a:buNone/>
+            </a:pPr>
+            <a:r>
+              <a:t/>
+            </a:r>
+            <a:endParaRPr/>
+          </a:p>
+        </p:txBody>
+      </p:sp>
+    </p:spTree>
+  </p:cSld>
+  <p:clrMapOvr>
+    <a:masterClrMapping/>
+  </p:clrMapOvr>
+</p:notes>
+</file>
+
+<file path=ppt/notesSlides/notesSlide44.xml><?xml version="1.0" encoding="utf-8"?>
+<p:notes xmlns:a="http://schemas.openxmlformats.org/drawingml/2006/main" xmlns:r="http://schemas.openxmlformats.org/officeDocument/2006/relationships" xmlns:mc="http://schemas.openxmlformats.org/markup-compatibility/2006" xmlns:mv="urn:schemas-microsoft-com:mac:vml" xmlns:p="http://schemas.openxmlformats.org/presentationml/2006/main" xmlns:c="http://schemas.openxmlformats.org/drawingml/2006/chart" xmlns:dgm="http://schemas.openxmlformats.org/drawingml/2006/diagram" xmlns:o="urn:schemas-microsoft-com:office:office" xmlns:v="urn:schemas-microsoft-com:vml" xmlns:pvml="urn:schemas-microsoft-com:office:powerpoint" xmlns:com="http://schemas.openxmlformats.org/drawingml/2006/compatibility" xmlns:p14="http://schemas.microsoft.com/office/powerpoint/2010/main" xmlns:p15="http://schemas.microsoft.com/office/powerpoint/2012/main" xmlns:ahyp="http://schemas.microsoft.com/office/drawing/2018/hyperlinkcolor" showMasterPhAnim="0" showMasterSp="0">
+  <p:cSld>
+    <p:spTree>
+      <p:nvGrpSpPr>
+        <p:cNvPr id="341" name="Shape 341"/>
+        <p:cNvGrpSpPr/>
+        <p:nvPr/>
+      </p:nvGrpSpPr>
+      <p:grpSpPr>
+        <a:xfrm>
+          <a:off x="0" y="0"/>
+          <a:ext cx="0" cy="0"/>
+          <a:chOff x="0" y="0"/>
+          <a:chExt cx="0" cy="0"/>
+        </a:xfrm>
+      </p:grpSpPr>
+      <p:sp>
+        <p:nvSpPr>
+          <p:cNvPr id="342" name="Google Shape;342;gfc886d2016_0_29:notes"/>
+          <p:cNvSpPr/>
+          <p:nvPr>
+            <p:ph idx="2" type="sldImg"/>
+          </p:nvPr>
+        </p:nvSpPr>
+        <p:spPr>
+          <a:xfrm>
+            <a:off x="381300" y="685800"/>
+            <a:ext cx="6096000" cy="3429000"/>
+          </a:xfrm>
+          <a:custGeom>
+            <a:rect b="b" l="l" r="r" t="t"/>
+            <a:pathLst>
+              <a:path extrusionOk="0" h="120000" w="120000">
+                <a:moveTo>
+                  <a:pt x="0" y="0"/>
+                </a:moveTo>
+                <a:lnTo>
+                  <a:pt x="120000" y="0"/>
+                </a:lnTo>
+                <a:lnTo>
+                  <a:pt x="120000" y="120000"/>
+                </a:lnTo>
+                <a:lnTo>
+                  <a:pt x="0" y="120000"/>
+                </a:lnTo>
+                <a:close/>
+              </a:path>
+            </a:pathLst>
+          </a:custGeom>
+        </p:spPr>
+      </p:sp>
+      <p:sp>
+        <p:nvSpPr>
+          <p:cNvPr id="343" name="Google Shape;343;gfc886d2016_0_29:notes"/>
+          <p:cNvSpPr txBox="1"/>
+          <p:nvPr>
+            <p:ph idx="1" type="body"/>
+          </p:nvPr>
+        </p:nvSpPr>
+        <p:spPr>
+          <a:xfrm>
+            <a:off x="685800" y="4343400"/>
+            <a:ext cx="5486400" cy="4114800"/>
+          </a:xfrm>
+          <a:prstGeom prst="rect">
+            <a:avLst/>
+          </a:prstGeom>
+        </p:spPr>
+        <p:txBody>
+          <a:bodyPr anchorCtr="0" anchor="t" bIns="91425" lIns="91425" spcFirstLastPara="1" rIns="91425" wrap="square" tIns="91425">
+            <a:noAutofit/>
+          </a:bodyPr>
+          <a:lstStyle/>
+          <a:p>
+            <a:pPr indent="0" lvl="0" marL="0" rtl="0" algn="l">
+              <a:spcBef>
+                <a:spcPts val="0"/>
+              </a:spcBef>
+              <a:spcAft>
+                <a:spcPts val="0"/>
+              </a:spcAft>
+              <a:buNone/>
+            </a:pPr>
+            <a:r>
+              <a:t/>
+            </a:r>
+            <a:endParaRPr/>
+          </a:p>
+        </p:txBody>
+      </p:sp>
+    </p:spTree>
+  </p:cSld>
+  <p:clrMapOvr>
+    <a:masterClrMapping/>
+  </p:clrMapOvr>
+</p:notes>
+</file>
+
+<file path=ppt/notesSlides/notesSlide45.xml><?xml version="1.0" encoding="utf-8"?>
+<p:notes xmlns:a="http://schemas.openxmlformats.org/drawingml/2006/main" xmlns:r="http://schemas.openxmlformats.org/officeDocument/2006/relationships" xmlns:mc="http://schemas.openxmlformats.org/markup-compatibility/2006" xmlns:mv="urn:schemas-microsoft-com:mac:vml" xmlns:p="http://schemas.openxmlformats.org/presentationml/2006/main" xmlns:c="http://schemas.openxmlformats.org/drawingml/2006/chart" xmlns:dgm="http://schemas.openxmlformats.org/drawingml/2006/diagram" xmlns:o="urn:schemas-microsoft-com:office:office" xmlns:v="urn:schemas-microsoft-com:vml" xmlns:pvml="urn:schemas-microsoft-com:office:powerpoint" xmlns:com="http://schemas.openxmlformats.org/drawingml/2006/compatibility" xmlns:p14="http://schemas.microsoft.com/office/powerpoint/2010/main" xmlns:p15="http://schemas.microsoft.com/office/powerpoint/2012/main" xmlns:ahyp="http://schemas.microsoft.com/office/drawing/2018/hyperlinkcolor" showMasterPhAnim="0" showMasterSp="0">
+  <p:cSld>
+    <p:spTree>
+      <p:nvGrpSpPr>
+        <p:cNvPr id="346" name="Shape 346"/>
+        <p:cNvGrpSpPr/>
+        <p:nvPr/>
+      </p:nvGrpSpPr>
+      <p:grpSpPr>
+        <a:xfrm>
+          <a:off x="0" y="0"/>
+          <a:ext cx="0" cy="0"/>
+          <a:chOff x="0" y="0"/>
+          <a:chExt cx="0" cy="0"/>
+        </a:xfrm>
+      </p:grpSpPr>
+      <p:sp>
+        <p:nvSpPr>
+          <p:cNvPr id="347" name="Google Shape;347;gfc886d2016_0_0:notes"/>
+          <p:cNvSpPr/>
+          <p:nvPr>
+            <p:ph idx="2" type="sldImg"/>
+          </p:nvPr>
+        </p:nvSpPr>
+        <p:spPr>
+          <a:xfrm>
+            <a:off x="381300" y="685800"/>
+            <a:ext cx="6096000" cy="3429000"/>
+          </a:xfrm>
+          <a:custGeom>
+            <a:rect b="b" l="l" r="r" t="t"/>
+            <a:pathLst>
+              <a:path extrusionOk="0" h="120000" w="120000">
+                <a:moveTo>
+                  <a:pt x="0" y="0"/>
+                </a:moveTo>
+                <a:lnTo>
+                  <a:pt x="120000" y="0"/>
+                </a:lnTo>
+                <a:lnTo>
+                  <a:pt x="120000" y="120000"/>
+                </a:lnTo>
+                <a:lnTo>
+                  <a:pt x="0" y="120000"/>
+                </a:lnTo>
+                <a:close/>
+              </a:path>
+            </a:pathLst>
+          </a:custGeom>
+        </p:spPr>
+      </p:sp>
+      <p:sp>
+        <p:nvSpPr>
+          <p:cNvPr id="348" name="Google Shape;348;gfc886d2016_0_0:notes"/>
+          <p:cNvSpPr txBox="1"/>
+          <p:nvPr>
+            <p:ph idx="1" type="body"/>
+          </p:nvPr>
+        </p:nvSpPr>
+        <p:spPr>
+          <a:xfrm>
+            <a:off x="685800" y="4343400"/>
+            <a:ext cx="5486400" cy="4114800"/>
+          </a:xfrm>
+          <a:prstGeom prst="rect">
+            <a:avLst/>
+          </a:prstGeom>
+        </p:spPr>
+        <p:txBody>
+          <a:bodyPr anchorCtr="0" anchor="t" bIns="91425" lIns="91425" spcFirstLastPara="1" rIns="91425" wrap="square" tIns="91425">
+            <a:noAutofit/>
+          </a:bodyPr>
+          <a:lstStyle/>
+          <a:p>
+            <a:pPr indent="0" lvl="0" marL="0" rtl="0" algn="l">
+              <a:spcBef>
+                <a:spcPts val="0"/>
+              </a:spcBef>
+              <a:spcAft>
+                <a:spcPts val="0"/>
+              </a:spcAft>
+              <a:buNone/>
+            </a:pPr>
+            <a:r>
+              <a:t/>
+            </a:r>
+            <a:endParaRPr/>
+          </a:p>
+        </p:txBody>
+      </p:sp>
+    </p:spTree>
+  </p:cSld>
+  <p:clrMapOvr>
+    <a:masterClrMapping/>
+  </p:clrMapOvr>
+</p:notes>
+</file>
+
+<file path=ppt/notesSlides/notesSlide46.xml><?xml version="1.0" encoding="utf-8"?>
+<p:notes xmlns:a="http://schemas.openxmlformats.org/drawingml/2006/main" xmlns:r="http://schemas.openxmlformats.org/officeDocument/2006/relationships" xmlns:mc="http://schemas.openxmlformats.org/markup-compatibility/2006" xmlns:mv="urn:schemas-microsoft-com:mac:vml" xmlns:p="http://schemas.openxmlformats.org/presentationml/2006/main" xmlns:c="http://schemas.openxmlformats.org/drawingml/2006/chart" xmlns:dgm="http://schemas.openxmlformats.org/drawingml/2006/diagram" xmlns:o="urn:schemas-microsoft-com:office:office" xmlns:v="urn:schemas-microsoft-com:vml" xmlns:pvml="urn:schemas-microsoft-com:office:powerpoint" xmlns:com="http://schemas.openxmlformats.org/drawingml/2006/compatibility" xmlns:p14="http://schemas.microsoft.com/office/powerpoint/2010/main" xmlns:p15="http://schemas.microsoft.com/office/powerpoint/2012/main" xmlns:ahyp="http://schemas.microsoft.com/office/drawing/2018/hyperlinkcolor" showMasterPhAnim="0" showMasterSp="0">
+  <p:cSld>
+    <p:spTree>
+      <p:nvGrpSpPr>
+        <p:cNvPr id="352" name="Shape 352"/>
+        <p:cNvGrpSpPr/>
+        <p:nvPr/>
+      </p:nvGrpSpPr>
+      <p:grpSpPr>
+        <a:xfrm>
+          <a:off x="0" y="0"/>
+          <a:ext cx="0" cy="0"/>
+          <a:chOff x="0" y="0"/>
+          <a:chExt cx="0" cy="0"/>
+        </a:xfrm>
+      </p:grpSpPr>
+      <p:sp>
+        <p:nvSpPr>
+          <p:cNvPr id="353" name="Google Shape;353;gfbfb770d81_0_465:notes"/>
+          <p:cNvSpPr/>
+          <p:nvPr>
+            <p:ph idx="2" type="sldImg"/>
+          </p:nvPr>
+        </p:nvSpPr>
+        <p:spPr>
+          <a:xfrm>
+            <a:off x="381300" y="685800"/>
+            <a:ext cx="6096000" cy="3429000"/>
+          </a:xfrm>
+          <a:custGeom>
+            <a:rect b="b" l="l" r="r" t="t"/>
+            <a:pathLst>
+              <a:path extrusionOk="0" h="120000" w="120000">
+                <a:moveTo>
+                  <a:pt x="0" y="0"/>
+                </a:moveTo>
+                <a:lnTo>
+                  <a:pt x="120000" y="0"/>
+                </a:lnTo>
+                <a:lnTo>
+                  <a:pt x="120000" y="120000"/>
+                </a:lnTo>
+                <a:lnTo>
+                  <a:pt x="0" y="120000"/>
+                </a:lnTo>
+                <a:close/>
+              </a:path>
+            </a:pathLst>
+          </a:custGeom>
+        </p:spPr>
+      </p:sp>
+      <p:sp>
+        <p:nvSpPr>
+          <p:cNvPr id="354" name="Google Shape;354;gfbfb770d81_0_465:notes"/>
           <p:cNvSpPr txBox="1"/>
           <p:nvPr>
             <p:ph idx="1" type="body"/>
@@ -14390,78 +14690,13 @@
               <a:buNone/>
             </a:pPr>
             <a:r>
-              <a:t/>
+              <a:rPr lang="en"/>
+              <a:t>Break</a:t>
             </a:r>
             <a:endParaRPr/>
           </a:p>
         </p:txBody>
       </p:sp>
-      <p:sp>
-        <p:nvSpPr>
-          <p:cNvPr id="275" name="Google Shape;275;p44"/>
-          <p:cNvSpPr txBox="1"/>
-          <p:nvPr>
-            <p:ph idx="1" type="body"/>
-          </p:nvPr>
-        </p:nvSpPr>
-        <p:spPr>
-          <a:xfrm>
-            <a:off x="729450" y="2078875"/>
-            <a:ext cx="7688700" cy="2261100"/>
-          </a:xfrm>
-          <a:prstGeom prst="rect">
-            <a:avLst/>
-          </a:prstGeom>
-        </p:spPr>
-        <p:txBody>
-          <a:bodyPr anchorCtr="0" anchor="t" bIns="91425" lIns="91425" spcFirstLastPara="1" rIns="91425" wrap="square" tIns="91425">
-            <a:normAutofit/>
-          </a:bodyPr>
-          <a:lstStyle/>
-          <a:p>
-            <a:pPr indent="0" lvl="0" marL="0" rtl="0" algn="l">
-              <a:spcBef>
-                <a:spcPts val="0"/>
-              </a:spcBef>
-              <a:spcAft>
-                <a:spcPts val="1200"/>
-              </a:spcAft>
-              <a:buNone/>
-            </a:pPr>
-            <a:r>
-              <a:t/>
-            </a:r>
-            <a:endParaRPr/>
-          </a:p>
-        </p:txBody>
-      </p:sp>
-      <p:pic>
-        <p:nvPicPr>
-          <p:cNvPr id="276" name="Google Shape;276;p44"/>
-          <p:cNvPicPr preferRelativeResize="0"/>
-          <p:nvPr/>
-        </p:nvPicPr>
-        <p:blipFill rotWithShape="1">
-          <a:blip r:embed="rId3">
-            <a:alphaModFix/>
-          </a:blip>
-          <a:srcRect b="0" l="0" r="0" t="0"/>
-          <a:stretch/>
-        </p:blipFill>
-        <p:spPr>
-          <a:xfrm>
-            <a:off x="5063" y="-21525"/>
-            <a:ext cx="9133876" cy="5143500"/>
-          </a:xfrm>
-          <a:prstGeom prst="rect">
-            <a:avLst/>
-          </a:prstGeom>
-          <a:noFill/>
-          <a:ln>
-            <a:noFill/>
-          </a:ln>
-        </p:spPr>
-      </p:pic>
     </p:spTree>
   </p:cSld>
   <p:clrMapOvr>
@@ -14475,7 +14710,7 @@
   <p:cSld>
     <p:spTree>
       <p:nvGrpSpPr>
-        <p:cNvPr id="280" name="Shape 280"/>
+        <p:cNvPr id="278" name="Shape 278"/>
         <p:cNvGrpSpPr/>
         <p:nvPr/>
       </p:nvGrpSpPr>
@@ -14489,7 +14724,7 @@
       </p:grpSpPr>
       <p:sp>
         <p:nvSpPr>
-          <p:cNvPr id="281" name="Google Shape;281;p45"/>
+          <p:cNvPr id="279" name="Google Shape;279;p45"/>
           <p:cNvSpPr txBox="1"/>
           <p:nvPr>
             <p:ph type="title"/>
@@ -14520,8 +14755,7 @@
               <a:buNone/>
             </a:pPr>
             <a:r>
-              <a:rPr lang="en"/>
-              <a:t>Personality of commandos</a:t>
+              <a:t/>
             </a:r>
             <a:endParaRPr/>
           </a:p>
@@ -14529,7 +14763,7 @@
       </p:sp>
       <p:sp>
         <p:nvSpPr>
-          <p:cNvPr id="282" name="Google Shape;282;p45"/>
+          <p:cNvPr id="280" name="Google Shape;280;p45"/>
           <p:cNvSpPr txBox="1"/>
           <p:nvPr>
             <p:ph idx="1" type="body"/>
@@ -14550,58 +14784,49 @@
           </a:bodyPr>
           <a:lstStyle/>
           <a:p>
-            <a:pPr indent="-311150" lvl="0" marL="457200" rtl="0" algn="l">
-              <a:spcBef>
-                <a:spcPts val="0"/>
-              </a:spcBef>
-              <a:spcAft>
-                <a:spcPts val="0"/>
-              </a:spcAft>
-              <a:buSzPts val="1300"/>
-              <a:buChar char="-"/>
-            </a:pPr>
-            <a:r>
-              <a:rPr lang="en"/>
-              <a:t>Big five: NEOAC</a:t>
+            <a:pPr indent="0" lvl="0" marL="0" rtl="0" algn="l">
+              <a:spcBef>
+                <a:spcPts val="0"/>
+              </a:spcBef>
+              <a:spcAft>
+                <a:spcPts val="1200"/>
+              </a:spcAft>
+              <a:buNone/>
+            </a:pPr>
+            <a:r>
+              <a:t/>
             </a:r>
             <a:endParaRPr/>
           </a:p>
-          <a:p>
-            <a:pPr indent="-311150" lvl="0" marL="457200" rtl="0" algn="l">
-              <a:spcBef>
-                <a:spcPts val="0"/>
-              </a:spcBef>
-              <a:spcAft>
-                <a:spcPts val="0"/>
-              </a:spcAft>
-              <a:buSzPts val="1300"/>
-              <a:buChar char="-"/>
-            </a:pPr>
-            <a:r>
-              <a:rPr lang="en"/>
-              <a:t>Literature inconsistent</a:t>
-            </a:r>
-            <a:endParaRPr/>
-          </a:p>
-          <a:p>
-            <a:pPr indent="-311150" lvl="0" marL="457200" rtl="0" algn="l">
-              <a:spcBef>
-                <a:spcPts val="0"/>
-              </a:spcBef>
-              <a:spcAft>
-                <a:spcPts val="0"/>
-              </a:spcAft>
-              <a:buSzPts val="1300"/>
-              <a:buChar char="-"/>
-            </a:pPr>
-            <a:r>
-              <a:rPr lang="en"/>
-              <a:t>Assignment is based on paper</a:t>
-            </a:r>
-            <a:endParaRPr/>
-          </a:p>
         </p:txBody>
       </p:sp>
+      <p:pic>
+        <p:nvPicPr>
+          <p:cNvPr id="281" name="Google Shape;281;p45"/>
+          <p:cNvPicPr preferRelativeResize="0"/>
+          <p:nvPr/>
+        </p:nvPicPr>
+        <p:blipFill rotWithShape="1">
+          <a:blip r:embed="rId3">
+            <a:alphaModFix/>
+          </a:blip>
+          <a:srcRect b="0" l="0" r="0" t="0"/>
+          <a:stretch/>
+        </p:blipFill>
+        <p:spPr>
+          <a:xfrm>
+            <a:off x="5063" y="-21525"/>
+            <a:ext cx="9133876" cy="5143500"/>
+          </a:xfrm>
+          <a:prstGeom prst="rect">
+            <a:avLst/>
+          </a:prstGeom>
+          <a:noFill/>
+          <a:ln>
+            <a:noFill/>
+          </a:ln>
+        </p:spPr>
+      </p:pic>
     </p:spTree>
   </p:cSld>
   <p:clrMapOvr>
@@ -14615,7 +14840,7 @@
   <p:cSld>
     <p:spTree>
       <p:nvGrpSpPr>
-        <p:cNvPr id="286" name="Shape 286"/>
+        <p:cNvPr id="285" name="Shape 285"/>
         <p:cNvGrpSpPr/>
         <p:nvPr/>
       </p:nvGrpSpPr>
@@ -14629,7 +14854,7 @@
       </p:grpSpPr>
       <p:sp>
         <p:nvSpPr>
-          <p:cNvPr id="287" name="Google Shape;287;p46"/>
+          <p:cNvPr id="286" name="Google Shape;286;p46"/>
           <p:cNvSpPr txBox="1"/>
           <p:nvPr>
             <p:ph type="title"/>
@@ -14637,8 +14862,8 @@
         </p:nvSpPr>
         <p:spPr>
           <a:xfrm>
-            <a:off x="775425" y="1312075"/>
-            <a:ext cx="7688400" cy="535200"/>
+            <a:off x="729450" y="1318650"/>
+            <a:ext cx="7688700" cy="535200"/>
           </a:xfrm>
           <a:prstGeom prst="rect">
             <a:avLst/>
@@ -14661,7 +14886,7 @@
             </a:pPr>
             <a:r>
               <a:rPr lang="en"/>
-              <a:t>Assignment</a:t>
+              <a:t>Personality of commandos</a:t>
             </a:r>
             <a:endParaRPr/>
           </a:p>
@@ -14669,7 +14894,7 @@
       </p:sp>
       <p:sp>
         <p:nvSpPr>
-          <p:cNvPr id="288" name="Google Shape;288;p46"/>
+          <p:cNvPr id="287" name="Google Shape;287;p46"/>
           <p:cNvSpPr txBox="1"/>
           <p:nvPr>
             <p:ph idx="1" type="body"/>
@@ -14677,8 +14902,8 @@
         </p:nvSpPr>
         <p:spPr>
           <a:xfrm>
-            <a:off x="729325" y="2078875"/>
-            <a:ext cx="3774300" cy="2261100"/>
+            <a:off x="729450" y="2078875"/>
+            <a:ext cx="7688700" cy="2261100"/>
           </a:xfrm>
           <a:prstGeom prst="rect">
             <a:avLst/>
@@ -14690,246 +14915,55 @@
           </a:bodyPr>
           <a:lstStyle/>
           <a:p>
-            <a:pPr indent="0" lvl="0" marL="0" rtl="0" algn="l">
-              <a:spcBef>
-                <a:spcPts val="0"/>
-              </a:spcBef>
-              <a:spcAft>
-                <a:spcPts val="1200"/>
-              </a:spcAft>
-              <a:buNone/>
+            <a:pPr indent="-311150" lvl="0" marL="457200" rtl="0" algn="l">
+              <a:spcBef>
+                <a:spcPts val="0"/>
+              </a:spcBef>
+              <a:spcAft>
+                <a:spcPts val="0"/>
+              </a:spcAft>
+              <a:buSzPts val="1300"/>
+              <a:buChar char="-"/>
             </a:pPr>
             <a:r>
               <a:rPr lang="en"/>
-              <a:t>Do commandos differ from civilians on </a:t>
-            </a:r>
-            <a:r>
-              <a:rPr b="1" lang="en"/>
-              <a:t>neuroticism</a:t>
-            </a:r>
+              <a:t>Big five: NEOAC</a:t>
+            </a:r>
+            <a:endParaRPr/>
+          </a:p>
+          <a:p>
+            <a:pPr indent="-311150" lvl="0" marL="457200" rtl="0" algn="l">
+              <a:spcBef>
+                <a:spcPts val="0"/>
+              </a:spcBef>
+              <a:spcAft>
+                <a:spcPts val="0"/>
+              </a:spcAft>
+              <a:buSzPts val="1300"/>
+              <a:buChar char="-"/>
+            </a:pPr>
             <a:r>
               <a:rPr lang="en"/>
-              <a:t>?</a:t>
+              <a:t>Literature inconsistent</a:t>
             </a:r>
             <a:endParaRPr/>
           </a:p>
-        </p:txBody>
-      </p:sp>
-      <p:sp>
-        <p:nvSpPr>
-          <p:cNvPr id="289" name="Google Shape;289;p46"/>
-          <p:cNvSpPr txBox="1"/>
-          <p:nvPr>
-            <p:ph idx="2" type="body"/>
-          </p:nvPr>
-        </p:nvSpPr>
-        <p:spPr>
-          <a:xfrm>
-            <a:off x="4643604" y="2078875"/>
-            <a:ext cx="3774300" cy="2261100"/>
-          </a:xfrm>
-          <a:prstGeom prst="rect">
-            <a:avLst/>
-          </a:prstGeom>
-        </p:spPr>
-        <p:txBody>
-          <a:bodyPr anchorCtr="0" anchor="t" bIns="91425" lIns="91425" spcFirstLastPara="1" rIns="91425" wrap="square" tIns="91425">
-            <a:normAutofit/>
-          </a:bodyPr>
-          <a:lstStyle/>
-          <a:p>
-            <a:pPr indent="0" lvl="0" marL="0" rtl="0" algn="l">
-              <a:spcBef>
-                <a:spcPts val="0"/>
-              </a:spcBef>
-              <a:spcAft>
-                <a:spcPts val="1200"/>
-              </a:spcAft>
-              <a:buNone/>
+          <a:p>
+            <a:pPr indent="-311150" lvl="0" marL="457200" rtl="0" algn="l">
+              <a:spcBef>
+                <a:spcPts val="0"/>
+              </a:spcBef>
+              <a:spcAft>
+                <a:spcPts val="0"/>
+              </a:spcAft>
+              <a:buSzPts val="1300"/>
+              <a:buChar char="-"/>
             </a:pPr>
             <a:r>
               <a:rPr lang="en"/>
-              <a:t>Do commandos differ from civilians on </a:t>
-            </a:r>
-            <a:r>
-              <a:rPr b="1" lang="en"/>
-              <a:t>extraversion</a:t>
-            </a:r>
-            <a:r>
-              <a:rPr lang="en"/>
-              <a:t>?</a:t>
+              <a:t>Assignment is based on paper</a:t>
             </a:r>
             <a:endParaRPr/>
-          </a:p>
-        </p:txBody>
-      </p:sp>
-      <p:sp>
-        <p:nvSpPr>
-          <p:cNvPr id="290" name="Google Shape;290;p46"/>
-          <p:cNvSpPr txBox="1"/>
-          <p:nvPr/>
-        </p:nvSpPr>
-        <p:spPr>
-          <a:xfrm>
-            <a:off x="729325" y="3534100"/>
-            <a:ext cx="7603500" cy="1262100"/>
-          </a:xfrm>
-          <a:prstGeom prst="rect">
-            <a:avLst/>
-          </a:prstGeom>
-          <a:noFill/>
-          <a:ln>
-            <a:noFill/>
-          </a:ln>
-        </p:spPr>
-        <p:txBody>
-          <a:bodyPr anchorCtr="0" anchor="t" bIns="91425" lIns="91425" spcFirstLastPara="1" rIns="91425" wrap="square" tIns="91425">
-            <a:spAutoFit/>
-          </a:bodyPr>
-          <a:lstStyle/>
-          <a:p>
-            <a:pPr indent="0" lvl="0" marL="0" rtl="0" algn="l">
-              <a:spcBef>
-                <a:spcPts val="0"/>
-              </a:spcBef>
-              <a:spcAft>
-                <a:spcPts val="0"/>
-              </a:spcAft>
-              <a:buNone/>
-            </a:pPr>
-            <a:r>
-              <a:rPr lang="en">
-                <a:latin typeface="Lato"/>
-                <a:ea typeface="Lato"/>
-                <a:cs typeface="Lato"/>
-                <a:sym typeface="Lato"/>
-              </a:rPr>
-              <a:t>These links can also be found in the assignments document on Nestor:</a:t>
-            </a:r>
-            <a:endParaRPr>
-              <a:latin typeface="Lato"/>
-              <a:ea typeface="Lato"/>
-              <a:cs typeface="Lato"/>
-              <a:sym typeface="Lato"/>
-            </a:endParaRPr>
-          </a:p>
-          <a:p>
-            <a:pPr indent="0" lvl="0" marL="0" rtl="0" algn="l">
-              <a:spcBef>
-                <a:spcPts val="0"/>
-              </a:spcBef>
-              <a:spcAft>
-                <a:spcPts val="0"/>
-              </a:spcAft>
-              <a:buNone/>
-            </a:pPr>
-            <a:r>
-              <a:t/>
-            </a:r>
-            <a:endParaRPr>
-              <a:latin typeface="Lato"/>
-              <a:ea typeface="Lato"/>
-              <a:cs typeface="Lato"/>
-              <a:sym typeface="Lato"/>
-            </a:endParaRPr>
-          </a:p>
-          <a:p>
-            <a:pPr indent="0" lvl="0" marL="0" rtl="0" algn="l">
-              <a:spcBef>
-                <a:spcPts val="0"/>
-              </a:spcBef>
-              <a:spcAft>
-                <a:spcPts val="0"/>
-              </a:spcAft>
-              <a:buNone/>
-            </a:pPr>
-            <a:r>
-              <a:rPr lang="en">
-                <a:latin typeface="Lato"/>
-                <a:ea typeface="Lato"/>
-                <a:cs typeface="Lato"/>
-                <a:sym typeface="Lato"/>
-              </a:rPr>
-              <a:t>Website: </a:t>
-            </a:r>
-            <a:r>
-              <a:rPr lang="en" u="sng">
-                <a:solidFill>
-                  <a:schemeClr val="hlink"/>
-                </a:solidFill>
-                <a:latin typeface="Lato"/>
-                <a:ea typeface="Lato"/>
-                <a:cs typeface="Lato"/>
-                <a:sym typeface="Lato"/>
-                <a:hlinkClick r:id="rId3"/>
-              </a:rPr>
-              <a:t>https://rikhuijzer.github.io/BayesianAssignment.jl/</a:t>
-            </a:r>
-            <a:endParaRPr>
-              <a:latin typeface="Lato"/>
-              <a:ea typeface="Lato"/>
-              <a:cs typeface="Lato"/>
-              <a:sym typeface="Lato"/>
-            </a:endParaRPr>
-          </a:p>
-          <a:p>
-            <a:pPr indent="0" lvl="0" marL="0" rtl="0" algn="l">
-              <a:spcBef>
-                <a:spcPts val="0"/>
-              </a:spcBef>
-              <a:spcAft>
-                <a:spcPts val="0"/>
-              </a:spcAft>
-              <a:buNone/>
-            </a:pPr>
-            <a:r>
-              <a:t/>
-            </a:r>
-            <a:endParaRPr>
-              <a:latin typeface="Lato"/>
-              <a:ea typeface="Lato"/>
-              <a:cs typeface="Lato"/>
-              <a:sym typeface="Lato"/>
-            </a:endParaRPr>
-          </a:p>
-          <a:p>
-            <a:pPr indent="0" lvl="0" marL="0" rtl="0" algn="l">
-              <a:spcBef>
-                <a:spcPts val="0"/>
-              </a:spcBef>
-              <a:spcAft>
-                <a:spcPts val="0"/>
-              </a:spcAft>
-              <a:buNone/>
-            </a:pPr>
-            <a:r>
-              <a:rPr lang="en">
-                <a:latin typeface="Lato"/>
-                <a:ea typeface="Lato"/>
-                <a:cs typeface="Lato"/>
-                <a:sym typeface="Lato"/>
-              </a:rPr>
-              <a:t>PDF: </a:t>
-            </a:r>
-            <a:r>
-              <a:rPr lang="en" u="sng">
-                <a:solidFill>
-                  <a:schemeClr val="hlink"/>
-                </a:solidFill>
-                <a:latin typeface="Lato"/>
-                <a:ea typeface="Lato"/>
-                <a:cs typeface="Lato"/>
-                <a:sym typeface="Lato"/>
-                <a:hlinkClick r:id="rId4"/>
-              </a:rPr>
-              <a:t>https://rikhuijzer.github.io/BayesianAssignment.jl/bayesian-assignment.pdf</a:t>
-            </a:r>
-            <a:endParaRPr>
-              <a:latin typeface="Lato"/>
-              <a:ea typeface="Lato"/>
-              <a:cs typeface="Lato"/>
-              <a:sym typeface="Lato"/>
-            </a:endParaRPr>
           </a:p>
         </p:txBody>
       </p:sp>
@@ -14946,7 +14980,7 @@
   <p:cSld>
     <p:spTree>
       <p:nvGrpSpPr>
-        <p:cNvPr id="294" name="Shape 294"/>
+        <p:cNvPr id="291" name="Shape 291"/>
         <p:cNvGrpSpPr/>
         <p:nvPr/>
       </p:nvGrpSpPr>
@@ -14960,7 +14994,7 @@
       </p:grpSpPr>
       <p:sp>
         <p:nvSpPr>
-          <p:cNvPr id="295" name="Google Shape;295;p47"/>
+          <p:cNvPr id="292" name="Google Shape;292;p47"/>
           <p:cNvSpPr txBox="1"/>
           <p:nvPr>
             <p:ph type="title"/>
@@ -14968,8 +15002,8 @@
         </p:nvSpPr>
         <p:spPr>
           <a:xfrm>
-            <a:off x="729450" y="1318650"/>
-            <a:ext cx="7688700" cy="535200"/>
+            <a:off x="775425" y="1312075"/>
+            <a:ext cx="7688400" cy="535200"/>
           </a:xfrm>
           <a:prstGeom prst="rect">
             <a:avLst/>
@@ -15000,7 +15034,7 @@
       </p:sp>
       <p:sp>
         <p:nvSpPr>
-          <p:cNvPr id="296" name="Google Shape;296;p47"/>
+          <p:cNvPr id="293" name="Google Shape;293;p47"/>
           <p:cNvSpPr txBox="1"/>
           <p:nvPr>
             <p:ph idx="1" type="body"/>
@@ -15008,8 +15042,8 @@
         </p:nvSpPr>
         <p:spPr>
           <a:xfrm>
-            <a:off x="729450" y="2289075"/>
-            <a:ext cx="7688700" cy="2261100"/>
+            <a:off x="729325" y="2078875"/>
+            <a:ext cx="3774300" cy="2261100"/>
           </a:xfrm>
           <a:prstGeom prst="rect">
             <a:avLst/>
@@ -15017,81 +15051,137 @@
         </p:spPr>
         <p:txBody>
           <a:bodyPr anchorCtr="0" anchor="t" bIns="91425" lIns="91425" spcFirstLastPara="1" rIns="91425" wrap="square" tIns="91425">
-            <a:normAutofit lnSpcReduction="20000"/>
+            <a:normAutofit/>
           </a:bodyPr>
           <a:lstStyle/>
           <a:p>
-            <a:pPr indent="-349250" lvl="0" marL="457200" rtl="0" algn="l">
-              <a:spcBef>
-                <a:spcPts val="0"/>
-              </a:spcBef>
-              <a:spcAft>
-                <a:spcPts val="0"/>
-              </a:spcAft>
-              <a:buSzPts val="1900"/>
-              <a:buChar char="-"/>
-            </a:pPr>
-            <a:r>
-              <a:rPr lang="en" sz="1900"/>
-              <a:t>[2 pt] data cleaning</a:t>
-            </a:r>
-            <a:endParaRPr sz="1900"/>
-          </a:p>
-          <a:p>
-            <a:pPr indent="-349250" lvl="0" marL="457200" rtl="0" algn="l">
-              <a:spcBef>
-                <a:spcPts val="0"/>
-              </a:spcBef>
-              <a:spcAft>
-                <a:spcPts val="0"/>
-              </a:spcAft>
-              <a:buSzPts val="1900"/>
-              <a:buChar char="-"/>
-            </a:pPr>
-            <a:r>
-              <a:rPr lang="en" sz="1900"/>
-              <a:t>[2 pt] plots</a:t>
-            </a:r>
-            <a:endParaRPr sz="1900"/>
-          </a:p>
-          <a:p>
-            <a:pPr indent="-349250" lvl="0" marL="457200" rtl="0" algn="l">
-              <a:spcBef>
-                <a:spcPts val="0"/>
-              </a:spcBef>
-              <a:spcAft>
-                <a:spcPts val="0"/>
-              </a:spcAft>
-              <a:buSzPts val="1900"/>
-              <a:buChar char="-"/>
-            </a:pPr>
-            <a:r>
-              <a:rPr lang="en" sz="1900"/>
-              <a:t>[3 pt] frequentist tests with results section</a:t>
-            </a:r>
-            <a:endParaRPr sz="1900"/>
-          </a:p>
-          <a:p>
-            <a:pPr indent="-349250" lvl="0" marL="457200" rtl="0" algn="l">
-              <a:spcBef>
-                <a:spcPts val="0"/>
-              </a:spcBef>
-              <a:spcAft>
-                <a:spcPts val="0"/>
-              </a:spcAft>
-              <a:buSzPts val="1900"/>
-              <a:buChar char="-"/>
-            </a:pPr>
-            <a:r>
-              <a:rPr lang="en" sz="1900"/>
-              <a:t>[3 pt] Bayesian tests with results section</a:t>
-            </a:r>
-            <a:endParaRPr sz="1900"/>
-          </a:p>
-          <a:p>
             <a:pPr indent="0" lvl="0" marL="0" rtl="0" algn="l">
               <a:spcBef>
+                <a:spcPts val="0"/>
+              </a:spcBef>
+              <a:spcAft>
                 <a:spcPts val="1200"/>
+              </a:spcAft>
+              <a:buNone/>
+            </a:pPr>
+            <a:r>
+              <a:rPr lang="en"/>
+              <a:t>Do commandos differ from civilians on </a:t>
+            </a:r>
+            <a:r>
+              <a:rPr b="1" lang="en"/>
+              <a:t>neuroticism</a:t>
+            </a:r>
+            <a:r>
+              <a:rPr lang="en"/>
+              <a:t>?</a:t>
+            </a:r>
+            <a:endParaRPr/>
+          </a:p>
+        </p:txBody>
+      </p:sp>
+      <p:sp>
+        <p:nvSpPr>
+          <p:cNvPr id="294" name="Google Shape;294;p47"/>
+          <p:cNvSpPr txBox="1"/>
+          <p:nvPr>
+            <p:ph idx="2" type="body"/>
+          </p:nvPr>
+        </p:nvSpPr>
+        <p:spPr>
+          <a:xfrm>
+            <a:off x="4643604" y="2078875"/>
+            <a:ext cx="3774300" cy="2261100"/>
+          </a:xfrm>
+          <a:prstGeom prst="rect">
+            <a:avLst/>
+          </a:prstGeom>
+        </p:spPr>
+        <p:txBody>
+          <a:bodyPr anchorCtr="0" anchor="t" bIns="91425" lIns="91425" spcFirstLastPara="1" rIns="91425" wrap="square" tIns="91425">
+            <a:normAutofit/>
+          </a:bodyPr>
+          <a:lstStyle/>
+          <a:p>
+            <a:pPr indent="0" lvl="0" marL="0" rtl="0" algn="l">
+              <a:spcBef>
+                <a:spcPts val="0"/>
+              </a:spcBef>
+              <a:spcAft>
+                <a:spcPts val="1200"/>
+              </a:spcAft>
+              <a:buNone/>
+            </a:pPr>
+            <a:r>
+              <a:rPr lang="en"/>
+              <a:t>Do commandos differ from civilians on </a:t>
+            </a:r>
+            <a:r>
+              <a:rPr b="1" lang="en"/>
+              <a:t>extraversion</a:t>
+            </a:r>
+            <a:r>
+              <a:rPr lang="en"/>
+              <a:t>?</a:t>
+            </a:r>
+            <a:endParaRPr/>
+          </a:p>
+        </p:txBody>
+      </p:sp>
+      <p:sp>
+        <p:nvSpPr>
+          <p:cNvPr id="295" name="Google Shape;295;p47"/>
+          <p:cNvSpPr txBox="1"/>
+          <p:nvPr/>
+        </p:nvSpPr>
+        <p:spPr>
+          <a:xfrm>
+            <a:off x="729325" y="3534100"/>
+            <a:ext cx="7603500" cy="1262100"/>
+          </a:xfrm>
+          <a:prstGeom prst="rect">
+            <a:avLst/>
+          </a:prstGeom>
+          <a:noFill/>
+          <a:ln>
+            <a:noFill/>
+          </a:ln>
+        </p:spPr>
+        <p:txBody>
+          <a:bodyPr anchorCtr="0" anchor="t" bIns="91425" lIns="91425" spcFirstLastPara="1" rIns="91425" wrap="square" tIns="91425">
+            <a:spAutoFit/>
+          </a:bodyPr>
+          <a:lstStyle/>
+          <a:p>
+            <a:pPr indent="0" lvl="0" marL="0" rtl="0" algn="l">
+              <a:spcBef>
+                <a:spcPts val="0"/>
+              </a:spcBef>
+              <a:spcAft>
+                <a:spcPts val="0"/>
+              </a:spcAft>
+              <a:buNone/>
+            </a:pPr>
+            <a:r>
+              <a:rPr lang="en">
+                <a:latin typeface="Lato"/>
+                <a:ea typeface="Lato"/>
+                <a:cs typeface="Lato"/>
+                <a:sym typeface="Lato"/>
+              </a:rPr>
+              <a:t>These links can also be found in the assignments document on Nestor:</a:t>
+            </a:r>
+            <a:endParaRPr>
+              <a:latin typeface="Lato"/>
+              <a:ea typeface="Lato"/>
+              <a:cs typeface="Lato"/>
+              <a:sym typeface="Lato"/>
+            </a:endParaRPr>
+          </a:p>
+          <a:p>
+            <a:pPr indent="0" lvl="0" marL="0" rtl="0" algn="l">
+              <a:spcBef>
+                <a:spcPts val="0"/>
               </a:spcBef>
               <a:spcAft>
                 <a:spcPts val="0"/>
@@ -15101,27 +15191,110 @@
             <a:r>
               <a:t/>
             </a:r>
-            <a:endParaRPr sz="1900"/>
+            <a:endParaRPr>
+              <a:latin typeface="Lato"/>
+              <a:ea typeface="Lato"/>
+              <a:cs typeface="Lato"/>
+              <a:sym typeface="Lato"/>
+            </a:endParaRPr>
           </a:p>
           <a:p>
             <a:pPr indent="0" lvl="0" marL="0" rtl="0" algn="l">
               <a:spcBef>
-                <a:spcPts val="1200"/>
-              </a:spcBef>
-              <a:spcAft>
-                <a:spcPts val="1200"/>
-              </a:spcAft>
-              <a:buNone/>
-            </a:pPr>
-            <a:r>
-              <a:rPr b="1" lang="en" sz="1900"/>
-              <a:t>Write</a:t>
-            </a:r>
-            <a:r>
-              <a:rPr lang="en" sz="1900"/>
-              <a:t> results sections. So, don't just copy-and-paste numbers.</a:t>
-            </a:r>
-            <a:endParaRPr sz="1900"/>
+                <a:spcPts val="0"/>
+              </a:spcBef>
+              <a:spcAft>
+                <a:spcPts val="0"/>
+              </a:spcAft>
+              <a:buNone/>
+            </a:pPr>
+            <a:r>
+              <a:rPr lang="en">
+                <a:latin typeface="Lato"/>
+                <a:ea typeface="Lato"/>
+                <a:cs typeface="Lato"/>
+                <a:sym typeface="Lato"/>
+              </a:rPr>
+              <a:t>Website: </a:t>
+            </a:r>
+            <a:r>
+              <a:rPr lang="en" u="sng">
+                <a:solidFill>
+                  <a:schemeClr val="hlink"/>
+                </a:solidFill>
+                <a:latin typeface="Lato"/>
+                <a:ea typeface="Lato"/>
+                <a:cs typeface="Lato"/>
+                <a:sym typeface="Lato"/>
+                <a:hlinkClick r:id="rId3"/>
+              </a:rPr>
+              <a:t>https://rikhuijzer.github.io/BayesianAssignment.jl/</a:t>
+            </a:r>
+            <a:endParaRPr>
+              <a:latin typeface="Lato"/>
+              <a:ea typeface="Lato"/>
+              <a:cs typeface="Lato"/>
+              <a:sym typeface="Lato"/>
+            </a:endParaRPr>
+          </a:p>
+          <a:p>
+            <a:pPr indent="0" lvl="0" marL="0" rtl="0" algn="l">
+              <a:spcBef>
+                <a:spcPts val="0"/>
+              </a:spcBef>
+              <a:spcAft>
+                <a:spcPts val="0"/>
+              </a:spcAft>
+              <a:buNone/>
+            </a:pPr>
+            <a:r>
+              <a:t/>
+            </a:r>
+            <a:endParaRPr>
+              <a:latin typeface="Lato"/>
+              <a:ea typeface="Lato"/>
+              <a:cs typeface="Lato"/>
+              <a:sym typeface="Lato"/>
+            </a:endParaRPr>
+          </a:p>
+          <a:p>
+            <a:pPr indent="0" lvl="0" marL="0" rtl="0" algn="l">
+              <a:spcBef>
+                <a:spcPts val="0"/>
+              </a:spcBef>
+              <a:spcAft>
+                <a:spcPts val="0"/>
+              </a:spcAft>
+              <a:buNone/>
+            </a:pPr>
+            <a:r>
+              <a:rPr lang="en">
+                <a:latin typeface="Lato"/>
+                <a:ea typeface="Lato"/>
+                <a:cs typeface="Lato"/>
+                <a:sym typeface="Lato"/>
+              </a:rPr>
+              <a:t>PDF: </a:t>
+            </a:r>
+            <a:r>
+              <a:rPr lang="en" u="sng">
+                <a:solidFill>
+                  <a:schemeClr val="hlink"/>
+                </a:solidFill>
+                <a:latin typeface="Lato"/>
+                <a:ea typeface="Lato"/>
+                <a:cs typeface="Lato"/>
+                <a:sym typeface="Lato"/>
+                <a:hlinkClick r:id="rId4"/>
+              </a:rPr>
+              <a:t>https://rikhuijzer.github.io/BayesianAssignment.jl/bayesian-assignment.pdf</a:t>
+            </a:r>
+            <a:endParaRPr>
+              <a:latin typeface="Lato"/>
+              <a:ea typeface="Lato"/>
+              <a:cs typeface="Lato"/>
+              <a:sym typeface="Lato"/>
+            </a:endParaRPr>
           </a:p>
         </p:txBody>
       </p:sp>
@@ -15138,7 +15311,7 @@
   <p:cSld>
     <p:spTree>
       <p:nvGrpSpPr>
-        <p:cNvPr id="300" name="Shape 300"/>
+        <p:cNvPr id="299" name="Shape 299"/>
         <p:cNvGrpSpPr/>
         <p:nvPr/>
       </p:nvGrpSpPr>
@@ -15150,34 +15323,173 @@
           <a:chExt cx="0" cy="0"/>
         </a:xfrm>
       </p:grpSpPr>
-      <p:pic>
-        <p:nvPicPr>
-          <p:cNvPr id="301" name="Google Shape;301;p48"/>
-          <p:cNvPicPr preferRelativeResize="0"/>
-          <p:nvPr/>
-        </p:nvPicPr>
-        <p:blipFill>
-          <a:blip r:embed="rId3">
-            <a:alphaModFix/>
-          </a:blip>
-          <a:stretch>
-            <a:fillRect/>
-          </a:stretch>
-        </p:blipFill>
-        <p:spPr>
-          <a:xfrm>
-            <a:off x="1435950" y="152400"/>
-            <a:ext cx="6272095" cy="4838700"/>
+      <p:sp>
+        <p:nvSpPr>
+          <p:cNvPr id="300" name="Google Shape;300;p48"/>
+          <p:cNvSpPr txBox="1"/>
+          <p:nvPr>
+            <p:ph type="title"/>
+          </p:nvPr>
+        </p:nvSpPr>
+        <p:spPr>
+          <a:xfrm>
+            <a:off x="729450" y="1318650"/>
+            <a:ext cx="7688700" cy="535200"/>
           </a:xfrm>
           <a:prstGeom prst="rect">
             <a:avLst/>
           </a:prstGeom>
-          <a:noFill/>
-          <a:ln>
-            <a:noFill/>
-          </a:ln>
-        </p:spPr>
-      </p:pic>
+        </p:spPr>
+        <p:txBody>
+          <a:bodyPr anchorCtr="0" anchor="t" bIns="91425" lIns="91425" spcFirstLastPara="1" rIns="91425" wrap="square" tIns="91425">
+            <a:normAutofit fontScale="90000"/>
+          </a:bodyPr>
+          <a:lstStyle/>
+          <a:p>
+            <a:pPr indent="0" lvl="0" marL="0" rtl="0" algn="l">
+              <a:spcBef>
+                <a:spcPts val="0"/>
+              </a:spcBef>
+              <a:spcAft>
+                <a:spcPts val="0"/>
+              </a:spcAft>
+              <a:buNone/>
+            </a:pPr>
+            <a:r>
+              <a:rPr lang="en"/>
+              <a:t>Assignment</a:t>
+            </a:r>
+            <a:endParaRPr/>
+          </a:p>
+        </p:txBody>
+      </p:sp>
+      <p:sp>
+        <p:nvSpPr>
+          <p:cNvPr id="301" name="Google Shape;301;p48"/>
+          <p:cNvSpPr txBox="1"/>
+          <p:nvPr>
+            <p:ph idx="1" type="body"/>
+          </p:nvPr>
+        </p:nvSpPr>
+        <p:spPr>
+          <a:xfrm>
+            <a:off x="729450" y="2289075"/>
+            <a:ext cx="7688700" cy="2261100"/>
+          </a:xfrm>
+          <a:prstGeom prst="rect">
+            <a:avLst/>
+          </a:prstGeom>
+        </p:spPr>
+        <p:txBody>
+          <a:bodyPr anchorCtr="0" anchor="t" bIns="91425" lIns="91425" spcFirstLastPara="1" rIns="91425" wrap="square" tIns="91425">
+            <a:normAutofit lnSpcReduction="20000"/>
+          </a:bodyPr>
+          <a:lstStyle/>
+          <a:p>
+            <a:pPr indent="-349250" lvl="0" marL="457200" rtl="0" algn="l">
+              <a:spcBef>
+                <a:spcPts val="0"/>
+              </a:spcBef>
+              <a:spcAft>
+                <a:spcPts val="0"/>
+              </a:spcAft>
+              <a:buSzPts val="1900"/>
+              <a:buChar char="-"/>
+            </a:pPr>
+            <a:r>
+              <a:rPr lang="en" sz="1900"/>
+              <a:t>[2 pt] data cleaning</a:t>
+            </a:r>
+            <a:endParaRPr sz="1900"/>
+          </a:p>
+          <a:p>
+            <a:pPr indent="-349250" lvl="0" marL="457200" rtl="0" algn="l">
+              <a:spcBef>
+                <a:spcPts val="0"/>
+              </a:spcBef>
+              <a:spcAft>
+                <a:spcPts val="0"/>
+              </a:spcAft>
+              <a:buSzPts val="1900"/>
+              <a:buChar char="-"/>
+            </a:pPr>
+            <a:r>
+              <a:rPr lang="en" sz="1900"/>
+              <a:t>[2 pt] plots</a:t>
+            </a:r>
+            <a:endParaRPr sz="1900"/>
+          </a:p>
+          <a:p>
+            <a:pPr indent="-349250" lvl="0" marL="457200" rtl="0" algn="l">
+              <a:spcBef>
+                <a:spcPts val="0"/>
+              </a:spcBef>
+              <a:spcAft>
+                <a:spcPts val="0"/>
+              </a:spcAft>
+              <a:buSzPts val="1900"/>
+              <a:buChar char="-"/>
+            </a:pPr>
+            <a:r>
+              <a:rPr lang="en" sz="1900"/>
+              <a:t>[3 pt] frequentist tests with results section</a:t>
+            </a:r>
+            <a:endParaRPr sz="1900"/>
+          </a:p>
+          <a:p>
+            <a:pPr indent="-349250" lvl="0" marL="457200" rtl="0" algn="l">
+              <a:spcBef>
+                <a:spcPts val="0"/>
+              </a:spcBef>
+              <a:spcAft>
+                <a:spcPts val="0"/>
+              </a:spcAft>
+              <a:buSzPts val="1900"/>
+              <a:buChar char="-"/>
+            </a:pPr>
+            <a:r>
+              <a:rPr lang="en" sz="1900"/>
+              <a:t>[3 pt] Bayesian tests with results section</a:t>
+            </a:r>
+            <a:endParaRPr sz="1900"/>
+          </a:p>
+          <a:p>
+            <a:pPr indent="0" lvl="0" marL="0" rtl="0" algn="l">
+              <a:spcBef>
+                <a:spcPts val="1200"/>
+              </a:spcBef>
+              <a:spcAft>
+                <a:spcPts val="0"/>
+              </a:spcAft>
+              <a:buNone/>
+            </a:pPr>
+            <a:r>
+              <a:t/>
+            </a:r>
+            <a:endParaRPr sz="1900"/>
+          </a:p>
+          <a:p>
+            <a:pPr indent="0" lvl="0" marL="0" rtl="0" algn="l">
+              <a:spcBef>
+                <a:spcPts val="1200"/>
+              </a:spcBef>
+              <a:spcAft>
+                <a:spcPts val="1200"/>
+              </a:spcAft>
+              <a:buNone/>
+            </a:pPr>
+            <a:r>
+              <a:rPr b="1" lang="en" sz="1900"/>
+              <a:t>Write</a:t>
+            </a:r>
+            <a:r>
+              <a:rPr lang="en" sz="1900"/>
+              <a:t> results sections. So, don't just copy-and-paste numbers.</a:t>
+            </a:r>
+            <a:endParaRPr sz="1900"/>
+          </a:p>
+        </p:txBody>
+      </p:sp>
     </p:spTree>
   </p:cSld>
   <p:clrMapOvr>
@@ -15219,8 +15531,8 @@
         </p:blipFill>
         <p:spPr>
           <a:xfrm>
-            <a:off x="2207700" y="152400"/>
-            <a:ext cx="4728598" cy="4838700"/>
+            <a:off x="1435950" y="152400"/>
+            <a:ext cx="6272095" cy="4838700"/>
           </a:xfrm>
           <a:prstGeom prst="rect">
             <a:avLst/>
@@ -15272,8 +15584,8 @@
         </p:blipFill>
         <p:spPr>
           <a:xfrm>
-            <a:off x="1346200" y="152400"/>
-            <a:ext cx="6451600" cy="4838700"/>
+            <a:off x="2207700" y="152400"/>
+            <a:ext cx="4728598" cy="4838700"/>
           </a:xfrm>
           <a:prstGeom prst="rect">
             <a:avLst/>
@@ -15309,34 +15621,197 @@
           <a:chExt cx="0" cy="0"/>
         </a:xfrm>
       </p:grpSpPr>
-      <p:pic>
-        <p:nvPicPr>
+      <p:sp>
+        <p:nvSpPr>
           <p:cNvPr id="316" name="Google Shape;316;p51"/>
-          <p:cNvPicPr preferRelativeResize="0"/>
-          <p:nvPr/>
-        </p:nvPicPr>
-        <p:blipFill>
-          <a:blip r:embed="rId3">
-            <a:alphaModFix/>
-          </a:blip>
-          <a:stretch>
-            <a:fillRect/>
-          </a:stretch>
-        </p:blipFill>
-        <p:spPr>
-          <a:xfrm>
-            <a:off x="1346200" y="152400"/>
-            <a:ext cx="6451600" cy="4838700"/>
+          <p:cNvSpPr txBox="1"/>
+          <p:nvPr>
+            <p:ph type="title"/>
+          </p:nvPr>
+        </p:nvSpPr>
+        <p:spPr>
+          <a:xfrm>
+            <a:off x="729450" y="1318650"/>
+            <a:ext cx="7688700" cy="535200"/>
           </a:xfrm>
           <a:prstGeom prst="rect">
             <a:avLst/>
           </a:prstGeom>
-          <a:noFill/>
-          <a:ln>
-            <a:noFill/>
-          </a:ln>
-        </p:spPr>
-      </p:pic>
+        </p:spPr>
+        <p:txBody>
+          <a:bodyPr anchorCtr="0" anchor="t" bIns="91425" lIns="91425" spcFirstLastPara="1" rIns="91425" wrap="square" tIns="91425">
+            <a:normAutofit fontScale="90000"/>
+          </a:bodyPr>
+          <a:lstStyle/>
+          <a:p>
+            <a:pPr indent="0" lvl="0" marL="0" rtl="0" algn="l">
+              <a:spcBef>
+                <a:spcPts val="0"/>
+              </a:spcBef>
+              <a:spcAft>
+                <a:spcPts val="0"/>
+              </a:spcAft>
+              <a:buNone/>
+            </a:pPr>
+            <a:r>
+              <a:rPr lang="en"/>
+              <a:t>Logic operators</a:t>
+            </a:r>
+            <a:endParaRPr/>
+          </a:p>
+        </p:txBody>
+      </p:sp>
+      <p:sp>
+        <p:nvSpPr>
+          <p:cNvPr id="317" name="Google Shape;317;p51"/>
+          <p:cNvSpPr txBox="1"/>
+          <p:nvPr>
+            <p:ph idx="1" type="body"/>
+          </p:nvPr>
+        </p:nvSpPr>
+        <p:spPr>
+          <a:xfrm>
+            <a:off x="729450" y="2078875"/>
+            <a:ext cx="7688700" cy="2261100"/>
+          </a:xfrm>
+          <a:prstGeom prst="rect">
+            <a:avLst/>
+          </a:prstGeom>
+        </p:spPr>
+        <p:txBody>
+          <a:bodyPr anchorCtr="0" anchor="t" bIns="91425" lIns="91425" spcFirstLastPara="1" rIns="91425" wrap="square" tIns="91425">
+            <a:normAutofit fontScale="85000" lnSpcReduction="20000"/>
+          </a:bodyPr>
+          <a:lstStyle/>
+          <a:p>
+            <a:pPr indent="0" lvl="0" marL="0" rtl="0" algn="l">
+              <a:spcBef>
+                <a:spcPts val="0"/>
+              </a:spcBef>
+              <a:spcAft>
+                <a:spcPts val="0"/>
+              </a:spcAft>
+              <a:buNone/>
+            </a:pPr>
+            <a:r>
+              <a:rPr lang="en"/>
+              <a:t>∧: </a:t>
+            </a:r>
+            <a:r>
+              <a:rPr b="1" lang="en"/>
+              <a:t>AND</a:t>
+            </a:r>
+            <a:endParaRPr b="1"/>
+          </a:p>
+          <a:p>
+            <a:pPr indent="0" lvl="0" marL="0" rtl="0" algn="l">
+              <a:spcBef>
+                <a:spcPts val="1200"/>
+              </a:spcBef>
+              <a:spcAft>
+                <a:spcPts val="0"/>
+              </a:spcAft>
+              <a:buNone/>
+            </a:pPr>
+            <a:r>
+              <a:rPr lang="en"/>
+              <a:t>∨: </a:t>
+            </a:r>
+            <a:r>
+              <a:rPr b="1" lang="en"/>
+              <a:t>OR</a:t>
+            </a:r>
+            <a:endParaRPr b="1"/>
+          </a:p>
+          <a:p>
+            <a:pPr indent="0" lvl="0" marL="0" rtl="0" algn="l">
+              <a:spcBef>
+                <a:spcPts val="1200"/>
+              </a:spcBef>
+              <a:spcAft>
+                <a:spcPts val="0"/>
+              </a:spcAft>
+              <a:buNone/>
+            </a:pPr>
+            <a:r>
+              <a:rPr b="1" lang="en"/>
+              <a:t>(2 &lt; x) </a:t>
+            </a:r>
+            <a:r>
+              <a:rPr lang="en"/>
+              <a:t>∧ (x &lt; 1) = ...</a:t>
+            </a:r>
+            <a:endParaRPr/>
+          </a:p>
+          <a:p>
+            <a:pPr indent="0" lvl="0" marL="0" rtl="0" algn="l">
+              <a:spcBef>
+                <a:spcPts val="1200"/>
+              </a:spcBef>
+              <a:spcAft>
+                <a:spcPts val="0"/>
+              </a:spcAft>
+              <a:buNone/>
+            </a:pPr>
+            <a:r>
+              <a:rPr b="1" lang="en"/>
+              <a:t>(x = 3) </a:t>
+            </a:r>
+            <a:r>
+              <a:rPr lang="en"/>
+              <a:t>∧ (x = 1) = …</a:t>
+            </a:r>
+            <a:endParaRPr/>
+          </a:p>
+          <a:p>
+            <a:pPr indent="0" lvl="0" marL="0" rtl="0" algn="l">
+              <a:spcBef>
+                <a:spcPts val="1200"/>
+              </a:spcBef>
+              <a:spcAft>
+                <a:spcPts val="0"/>
+              </a:spcAft>
+              <a:buNone/>
+            </a:pPr>
+            <a:r>
+              <a:rPr lang="en"/>
+              <a:t>(2 &lt; x) ∨ (x &lt; 1) = …</a:t>
+            </a:r>
+            <a:endParaRPr/>
+          </a:p>
+          <a:p>
+            <a:pPr indent="0" lvl="0" marL="0" rtl="0" algn="l">
+              <a:spcBef>
+                <a:spcPts val="1200"/>
+              </a:spcBef>
+              <a:spcAft>
+                <a:spcPts val="0"/>
+              </a:spcAft>
+              <a:buNone/>
+            </a:pPr>
+            <a:r>
+              <a:t/>
+            </a:r>
+            <a:endParaRPr/>
+          </a:p>
+          <a:p>
+            <a:pPr indent="0" lvl="0" marL="0" rtl="0" algn="l">
+              <a:spcBef>
+                <a:spcPts val="1200"/>
+              </a:spcBef>
+              <a:spcAft>
+                <a:spcPts val="1200"/>
+              </a:spcAft>
+              <a:buNone/>
+            </a:pPr>
+            <a:r>
+              <a:rPr lang="en"/>
+              <a:t>Also useful for searching literature (next slide)</a:t>
+            </a:r>
+            <a:endParaRPr/>
+          </a:p>
+        </p:txBody>
+      </p:sp>
     </p:spTree>
   </p:cSld>
   <p:clrMapOvr>
@@ -15614,7 +16089,7 @@
   <p:cSld>
     <p:spTree>
       <p:nvGrpSpPr>
-        <p:cNvPr id="320" name="Shape 320"/>
+        <p:cNvPr id="321" name="Shape 321"/>
         <p:cNvGrpSpPr/>
         <p:nvPr/>
       </p:nvGrpSpPr>
@@ -15626,56 +16101,66 @@
           <a:chExt cx="0" cy="0"/>
         </a:xfrm>
       </p:grpSpPr>
-      <p:pic>
-        <p:nvPicPr>
-          <p:cNvPr id="321" name="Google Shape;321;p52"/>
-          <p:cNvPicPr preferRelativeResize="0"/>
-          <p:nvPr/>
-        </p:nvPicPr>
-        <p:blipFill>
-          <a:blip r:embed="rId3">
-            <a:alphaModFix/>
-          </a:blip>
-          <a:stretch>
-            <a:fillRect/>
-          </a:stretch>
-        </p:blipFill>
-        <p:spPr>
-          <a:xfrm>
-            <a:off x="962325" y="152400"/>
-            <a:ext cx="6807840" cy="4838700"/>
+      <p:sp>
+        <p:nvSpPr>
+          <p:cNvPr id="322" name="Google Shape;322;p52"/>
+          <p:cNvSpPr txBox="1"/>
+          <p:nvPr>
+            <p:ph type="title"/>
+          </p:nvPr>
+        </p:nvSpPr>
+        <p:spPr>
+          <a:xfrm>
+            <a:off x="729450" y="1318650"/>
+            <a:ext cx="7688700" cy="535200"/>
           </a:xfrm>
           <a:prstGeom prst="rect">
             <a:avLst/>
           </a:prstGeom>
-          <a:noFill/>
-          <a:ln>
-            <a:noFill/>
-          </a:ln>
-        </p:spPr>
-      </p:pic>
-      <p:sp>
-        <p:nvSpPr>
-          <p:cNvPr id="322" name="Google Shape;322;p52"/>
+        </p:spPr>
+        <p:txBody>
+          <a:bodyPr anchorCtr="0" anchor="t" bIns="91425" lIns="91425" spcFirstLastPara="1" rIns="91425" wrap="square" tIns="91425">
+            <a:normAutofit fontScale="90000"/>
+          </a:bodyPr>
+          <a:lstStyle/>
+          <a:p>
+            <a:pPr indent="0" lvl="0" marL="0" rtl="0" algn="l">
+              <a:spcBef>
+                <a:spcPts val="0"/>
+              </a:spcBef>
+              <a:spcAft>
+                <a:spcPts val="0"/>
+              </a:spcAft>
+              <a:buNone/>
+            </a:pPr>
+            <a:r>
+              <a:rPr lang="en"/>
+              <a:t>Logic operators</a:t>
+            </a:r>
+            <a:endParaRPr/>
+          </a:p>
+        </p:txBody>
+      </p:sp>
+      <p:sp>
+        <p:nvSpPr>
+          <p:cNvPr id="323" name="Google Shape;323;p52"/>
           <p:cNvSpPr txBox="1"/>
-          <p:nvPr/>
-        </p:nvSpPr>
-        <p:spPr>
-          <a:xfrm>
-            <a:off x="0" y="4789500"/>
-            <a:ext cx="5555100" cy="354000"/>
+          <p:nvPr>
+            <p:ph idx="1" type="body"/>
+          </p:nvPr>
+        </p:nvSpPr>
+        <p:spPr>
+          <a:xfrm>
+            <a:off x="729450" y="2078875"/>
+            <a:ext cx="7688700" cy="2261100"/>
           </a:xfrm>
           <a:prstGeom prst="rect">
             <a:avLst/>
           </a:prstGeom>
-          <a:noFill/>
-          <a:ln>
-            <a:noFill/>
-          </a:ln>
         </p:spPr>
         <p:txBody>
           <a:bodyPr anchorCtr="0" anchor="t" bIns="91425" lIns="91425" spcFirstLastPara="1" rIns="91425" wrap="square" tIns="91425">
-            <a:spAutoFit/>
+            <a:normAutofit/>
           </a:bodyPr>
           <a:lstStyle/>
           <a:p>
@@ -15689,55 +16174,226 @@
               <a:buNone/>
             </a:pPr>
             <a:r>
-              <a:rPr lang="en" sz="1100"/>
-              <a:t>https://static.jasp-stats.org/presentations/ICPS2015/ICPS15EJ.pdf</a:t>
-            </a:r>
-            <a:endParaRPr sz="1100"/>
-          </a:p>
-        </p:txBody>
-      </p:sp>
-      <p:sp>
-        <p:nvSpPr>
-          <p:cNvPr id="323" name="Google Shape;323;p52"/>
-          <p:cNvSpPr txBox="1"/>
-          <p:nvPr/>
-        </p:nvSpPr>
-        <p:spPr>
-          <a:xfrm>
-            <a:off x="1851650" y="329175"/>
-            <a:ext cx="7340700" cy="400200"/>
-          </a:xfrm>
-          <a:prstGeom prst="rect">
-            <a:avLst/>
-          </a:prstGeom>
-          <a:noFill/>
-          <a:ln>
-            <a:noFill/>
-          </a:ln>
-        </p:spPr>
-        <p:txBody>
-          <a:bodyPr anchorCtr="0" anchor="t" bIns="91425" lIns="91425" spcFirstLastPara="1" rIns="91425" wrap="square" tIns="91425">
-            <a:spAutoFit/>
-          </a:bodyPr>
-          <a:lstStyle/>
+              <a:rPr lang="en"/>
+              <a:t>A</a:t>
+            </a:r>
+            <a:r>
+              <a:rPr lang="en"/>
+              <a:t>lso useful for searching literature.</a:t>
+            </a:r>
+            <a:endParaRPr/>
+          </a:p>
           <a:p>
             <a:pPr indent="0" lvl="0" marL="0" rtl="0" algn="l">
               <a:spcBef>
-                <a:spcPts val="0"/>
-              </a:spcBef>
-              <a:spcAft>
-                <a:spcPts val="0"/>
-              </a:spcAft>
-              <a:buNone/>
-            </a:pPr>
-            <a:r>
-              <a:t/>
-            </a:r>
-            <a:endParaRPr>
-              <a:latin typeface="Lato"/>
-              <a:ea typeface="Lato"/>
-              <a:cs typeface="Lato"/>
-              <a:sym typeface="Lato"/>
+                <a:spcPts val="1200"/>
+              </a:spcBef>
+              <a:spcAft>
+                <a:spcPts val="0"/>
+              </a:spcAft>
+              <a:buNone/>
+            </a:pPr>
+            <a:r>
+              <a:rPr lang="en"/>
+              <a:t>For example, via </a:t>
+            </a:r>
+            <a:r>
+              <a:rPr lang="en" sz="1250">
+                <a:solidFill>
+                  <a:srgbClr val="000000"/>
+                </a:solidFill>
+                <a:highlight>
+                  <a:srgbClr val="FFFFFF"/>
+                </a:highlight>
+                <a:latin typeface="Arial"/>
+                <a:ea typeface="Arial"/>
+                <a:cs typeface="Arial"/>
+                <a:sym typeface="Arial"/>
+              </a:rPr>
+              <a:t>PsycInfo</a:t>
+            </a:r>
+            <a:r>
+              <a:rPr b="1" lang="en" sz="1250">
+                <a:solidFill>
+                  <a:srgbClr val="000000"/>
+                </a:solidFill>
+                <a:highlight>
+                  <a:srgbClr val="FFFFFF"/>
+                </a:highlight>
+                <a:latin typeface="Arial"/>
+                <a:ea typeface="Arial"/>
+                <a:cs typeface="Arial"/>
+                <a:sym typeface="Arial"/>
+              </a:rPr>
+              <a:t>:</a:t>
+            </a:r>
+            <a:endParaRPr b="1" sz="1250">
+              <a:solidFill>
+                <a:srgbClr val="000000"/>
+              </a:solidFill>
+              <a:highlight>
+                <a:srgbClr val="FFFFFF"/>
+              </a:highlight>
+              <a:latin typeface="Arial"/>
+              <a:ea typeface="Arial"/>
+              <a:cs typeface="Arial"/>
+              <a:sym typeface="Arial"/>
+            </a:endParaRPr>
+          </a:p>
+          <a:p>
+            <a:pPr indent="-307975" lvl="0" marL="457200" rtl="0" algn="l">
+              <a:spcBef>
+                <a:spcPts val="1200"/>
+              </a:spcBef>
+              <a:spcAft>
+                <a:spcPts val="0"/>
+              </a:spcAft>
+              <a:buClr>
+                <a:srgbClr val="000000"/>
+              </a:buClr>
+              <a:buSzPts val="1250"/>
+              <a:buFont typeface="Arial"/>
+              <a:buChar char="-"/>
+            </a:pPr>
+            <a:r>
+              <a:rPr lang="en" sz="1250">
+                <a:solidFill>
+                  <a:srgbClr val="000000"/>
+                </a:solidFill>
+                <a:highlight>
+                  <a:srgbClr val="FFFFFF"/>
+                </a:highlight>
+                <a:latin typeface="Arial"/>
+                <a:ea typeface="Arial"/>
+                <a:cs typeface="Arial"/>
+                <a:sym typeface="Arial"/>
+              </a:rPr>
+              <a:t>nurses AND (depression OR anxiety)</a:t>
+            </a:r>
+            <a:endParaRPr sz="1250">
+              <a:solidFill>
+                <a:srgbClr val="000000"/>
+              </a:solidFill>
+              <a:highlight>
+                <a:srgbClr val="FFFFFF"/>
+              </a:highlight>
+              <a:latin typeface="Arial"/>
+              <a:ea typeface="Arial"/>
+              <a:cs typeface="Arial"/>
+              <a:sym typeface="Arial"/>
+            </a:endParaRPr>
+          </a:p>
+          <a:p>
+            <a:pPr indent="-307975" lvl="0" marL="457200" rtl="0" algn="l">
+              <a:spcBef>
+                <a:spcPts val="0"/>
+              </a:spcBef>
+              <a:spcAft>
+                <a:spcPts val="0"/>
+              </a:spcAft>
+              <a:buClr>
+                <a:srgbClr val="000000"/>
+              </a:buClr>
+              <a:buSzPts val="1250"/>
+              <a:buFont typeface="Arial"/>
+              <a:buChar char="-"/>
+            </a:pPr>
+            <a:r>
+              <a:rPr lang="en" sz="1250">
+                <a:solidFill>
+                  <a:srgbClr val="000000"/>
+                </a:solidFill>
+                <a:highlight>
+                  <a:srgbClr val="FFFFFF"/>
+                </a:highlight>
+                <a:latin typeface="Arial"/>
+                <a:ea typeface="Arial"/>
+                <a:cs typeface="Arial"/>
+                <a:sym typeface="Arial"/>
+              </a:rPr>
+              <a:t>personality AND (military OR "special forces" OR aviators)</a:t>
+            </a:r>
+            <a:endParaRPr sz="1250">
+              <a:solidFill>
+                <a:srgbClr val="000000"/>
+              </a:solidFill>
+              <a:highlight>
+                <a:srgbClr val="FFFFFF"/>
+              </a:highlight>
+              <a:latin typeface="Arial"/>
+              <a:ea typeface="Arial"/>
+              <a:cs typeface="Arial"/>
+              <a:sym typeface="Arial"/>
+            </a:endParaRPr>
+          </a:p>
+          <a:p>
+            <a:pPr indent="0" lvl="0" marL="0" rtl="0" algn="l">
+              <a:spcBef>
+                <a:spcPts val="1200"/>
+              </a:spcBef>
+              <a:spcAft>
+                <a:spcPts val="0"/>
+              </a:spcAft>
+              <a:buNone/>
+            </a:pPr>
+            <a:r>
+              <a:rPr lang="en"/>
+              <a:t>Beware that you get the brackets right:</a:t>
+            </a:r>
+            <a:endParaRPr sz="1250">
+              <a:solidFill>
+                <a:srgbClr val="000000"/>
+              </a:solidFill>
+              <a:highlight>
+                <a:srgbClr val="FFFFFF"/>
+              </a:highlight>
+              <a:latin typeface="Arial"/>
+              <a:ea typeface="Arial"/>
+              <a:cs typeface="Arial"/>
+              <a:sym typeface="Arial"/>
+            </a:endParaRPr>
+          </a:p>
+          <a:p>
+            <a:pPr indent="-307975" lvl="0" marL="457200" rtl="0" algn="l">
+              <a:spcBef>
+                <a:spcPts val="1200"/>
+              </a:spcBef>
+              <a:spcAft>
+                <a:spcPts val="0"/>
+              </a:spcAft>
+              <a:buClr>
+                <a:srgbClr val="000000"/>
+              </a:buClr>
+              <a:buSzPts val="1250"/>
+              <a:buFont typeface="Arial"/>
+              <a:buChar char="-"/>
+            </a:pPr>
+            <a:r>
+              <a:rPr lang="en" sz="1250">
+                <a:solidFill>
+                  <a:srgbClr val="000000"/>
+                </a:solidFill>
+                <a:highlight>
+                  <a:srgbClr val="FFFFFF"/>
+                </a:highlight>
+                <a:latin typeface="Arial"/>
+                <a:ea typeface="Arial"/>
+                <a:cs typeface="Arial"/>
+                <a:sym typeface="Arial"/>
+              </a:rPr>
+              <a:t>personality AND military OR "special forces" OR aviators</a:t>
+            </a:r>
+            <a:endParaRPr sz="1250">
+              <a:solidFill>
+                <a:srgbClr val="000000"/>
+              </a:solidFill>
+              <a:highlight>
+                <a:srgbClr val="FFFFFF"/>
+              </a:highlight>
+              <a:latin typeface="Arial"/>
+              <a:ea typeface="Arial"/>
+              <a:cs typeface="Arial"/>
+              <a:sym typeface="Arial"/>
             </a:endParaRPr>
           </a:p>
         </p:txBody>
@@ -15783,8 +16439,8 @@
         </p:blipFill>
         <p:spPr>
           <a:xfrm>
-            <a:off x="1056450" y="152400"/>
-            <a:ext cx="7031101" cy="4838700"/>
+            <a:off x="1346200" y="152400"/>
+            <a:ext cx="6451600" cy="4838700"/>
           </a:xfrm>
           <a:prstGeom prst="rect">
             <a:avLst/>
@@ -15820,56 +16476,24 @@
           <a:chExt cx="0" cy="0"/>
         </a:xfrm>
       </p:grpSpPr>
-      <p:sp>
-        <p:nvSpPr>
+      <p:pic>
+        <p:nvPicPr>
           <p:cNvPr id="333" name="Google Shape;333;p54"/>
-          <p:cNvSpPr txBox="1"/>
-          <p:nvPr>
-            <p:ph type="title"/>
-          </p:nvPr>
-        </p:nvSpPr>
-        <p:spPr>
-          <a:xfrm>
-            <a:off x="727800" y="1338350"/>
-            <a:ext cx="7688400" cy="535200"/>
-          </a:xfrm>
-          <a:prstGeom prst="rect">
-            <a:avLst/>
-          </a:prstGeom>
-        </p:spPr>
-        <p:txBody>
-          <a:bodyPr anchorCtr="0" anchor="t" bIns="91425" lIns="91425" spcFirstLastPara="1" rIns="91425" wrap="square" tIns="91425">
-            <a:normAutofit fontScale="90000"/>
-          </a:bodyPr>
-          <a:lstStyle/>
-          <a:p>
-            <a:pPr indent="0" lvl="0" marL="0" rtl="0" algn="l">
-              <a:spcBef>
-                <a:spcPts val="0"/>
-              </a:spcBef>
-              <a:spcAft>
-                <a:spcPts val="0"/>
-              </a:spcAft>
-              <a:buNone/>
-            </a:pPr>
-            <a:r>
-              <a:rPr lang="en"/>
-              <a:t>JASP questions?</a:t>
-            </a:r>
-            <a:endParaRPr/>
-          </a:p>
-        </p:txBody>
-      </p:sp>
-      <p:sp>
-        <p:nvSpPr>
-          <p:cNvPr id="334" name="Google Shape;334;p54"/>
-          <p:cNvSpPr txBox="1"/>
+          <p:cNvPicPr preferRelativeResize="0"/>
           <p:nvPr/>
-        </p:nvSpPr>
-        <p:spPr>
-          <a:xfrm>
-            <a:off x="729450" y="2732700"/>
-            <a:ext cx="6365400" cy="831300"/>
+        </p:nvPicPr>
+        <p:blipFill>
+          <a:blip r:embed="rId3">
+            <a:alphaModFix/>
+          </a:blip>
+          <a:stretch>
+            <a:fillRect/>
+          </a:stretch>
+        </p:blipFill>
+        <p:spPr>
+          <a:xfrm>
+            <a:off x="1346200" y="152400"/>
+            <a:ext cx="6451600" cy="4838700"/>
           </a:xfrm>
           <a:prstGeom prst="rect">
             <a:avLst/>
@@ -15879,85 +16503,7 @@
             <a:noFill/>
           </a:ln>
         </p:spPr>
-        <p:txBody>
-          <a:bodyPr anchorCtr="0" anchor="t" bIns="91425" lIns="91425" spcFirstLastPara="1" rIns="91425" wrap="square" tIns="91425">
-            <a:spAutoFit/>
-          </a:bodyPr>
-          <a:lstStyle/>
-          <a:p>
-            <a:pPr indent="0" lvl="0" marL="0" rtl="0" algn="l">
-              <a:spcBef>
-                <a:spcPts val="0"/>
-              </a:spcBef>
-              <a:spcAft>
-                <a:spcPts val="0"/>
-              </a:spcAft>
-              <a:buNone/>
-            </a:pPr>
-            <a:r>
-              <a:rPr lang="en">
-                <a:latin typeface="Lato"/>
-                <a:ea typeface="Lato"/>
-                <a:cs typeface="Lato"/>
-                <a:sym typeface="Lato"/>
-              </a:rPr>
-              <a:t>Don't forget to check Google / Bing / Duckduckgo</a:t>
-            </a:r>
-            <a:endParaRPr>
-              <a:latin typeface="Lato"/>
-              <a:ea typeface="Lato"/>
-              <a:cs typeface="Lato"/>
-              <a:sym typeface="Lato"/>
-            </a:endParaRPr>
-          </a:p>
-          <a:p>
-            <a:pPr indent="0" lvl="0" marL="0" rtl="0" algn="l">
-              <a:spcBef>
-                <a:spcPts val="0"/>
-              </a:spcBef>
-              <a:spcAft>
-                <a:spcPts val="0"/>
-              </a:spcAft>
-              <a:buNone/>
-            </a:pPr>
-            <a:r>
-              <a:t/>
-            </a:r>
-            <a:endParaRPr>
-              <a:latin typeface="Lato"/>
-              <a:ea typeface="Lato"/>
-              <a:cs typeface="Lato"/>
-              <a:sym typeface="Lato"/>
-            </a:endParaRPr>
-          </a:p>
-          <a:p>
-            <a:pPr indent="0" lvl="0" marL="0" rtl="0" algn="l">
-              <a:spcBef>
-                <a:spcPts val="0"/>
-              </a:spcBef>
-              <a:spcAft>
-                <a:spcPts val="0"/>
-              </a:spcAft>
-              <a:buNone/>
-            </a:pPr>
-            <a:r>
-              <a:rPr lang="en">
-                <a:latin typeface="Lato"/>
-                <a:ea typeface="Lato"/>
-                <a:cs typeface="Lato"/>
-                <a:sym typeface="Lato"/>
-              </a:rPr>
-              <a:t>There is a lot of material available online</a:t>
-            </a:r>
-            <a:endParaRPr>
-              <a:latin typeface="Lato"/>
-              <a:ea typeface="Lato"/>
-              <a:cs typeface="Lato"/>
-              <a:sym typeface="Lato"/>
-            </a:endParaRPr>
-          </a:p>
-        </p:txBody>
-      </p:sp>
+      </p:pic>
     </p:spTree>
   </p:cSld>
   <p:clrMapOvr>
@@ -15971,7 +16517,7 @@
   <p:cSld>
     <p:spTree>
       <p:nvGrpSpPr>
-        <p:cNvPr id="338" name="Shape 338"/>
+        <p:cNvPr id="337" name="Shape 337"/>
         <p:cNvGrpSpPr/>
         <p:nvPr/>
       </p:nvGrpSpPr>
@@ -15983,9 +16529,203 @@
           <a:chExt cx="0" cy="0"/>
         </a:xfrm>
       </p:grpSpPr>
+      <p:pic>
+        <p:nvPicPr>
+          <p:cNvPr id="338" name="Google Shape;338;p55"/>
+          <p:cNvPicPr preferRelativeResize="0"/>
+          <p:nvPr/>
+        </p:nvPicPr>
+        <p:blipFill>
+          <a:blip r:embed="rId3">
+            <a:alphaModFix/>
+          </a:blip>
+          <a:stretch>
+            <a:fillRect/>
+          </a:stretch>
+        </p:blipFill>
+        <p:spPr>
+          <a:xfrm>
+            <a:off x="962325" y="152400"/>
+            <a:ext cx="6807840" cy="4838700"/>
+          </a:xfrm>
+          <a:prstGeom prst="rect">
+            <a:avLst/>
+          </a:prstGeom>
+          <a:noFill/>
+          <a:ln>
+            <a:noFill/>
+          </a:ln>
+        </p:spPr>
+      </p:pic>
       <p:sp>
         <p:nvSpPr>
           <p:cNvPr id="339" name="Google Shape;339;p55"/>
+          <p:cNvSpPr txBox="1"/>
+          <p:nvPr/>
+        </p:nvSpPr>
+        <p:spPr>
+          <a:xfrm>
+            <a:off x="0" y="4789500"/>
+            <a:ext cx="5555100" cy="354000"/>
+          </a:xfrm>
+          <a:prstGeom prst="rect">
+            <a:avLst/>
+          </a:prstGeom>
+          <a:noFill/>
+          <a:ln>
+            <a:noFill/>
+          </a:ln>
+        </p:spPr>
+        <p:txBody>
+          <a:bodyPr anchorCtr="0" anchor="t" bIns="91425" lIns="91425" spcFirstLastPara="1" rIns="91425" wrap="square" tIns="91425">
+            <a:spAutoFit/>
+          </a:bodyPr>
+          <a:lstStyle/>
+          <a:p>
+            <a:pPr indent="0" lvl="0" marL="0" rtl="0" algn="l">
+              <a:spcBef>
+                <a:spcPts val="0"/>
+              </a:spcBef>
+              <a:spcAft>
+                <a:spcPts val="0"/>
+              </a:spcAft>
+              <a:buNone/>
+            </a:pPr>
+            <a:r>
+              <a:rPr lang="en" sz="1100"/>
+              <a:t>https://static.jasp-stats.org/presentations/ICPS2015/ICPS15EJ.pdf</a:t>
+            </a:r>
+            <a:endParaRPr sz="1100"/>
+          </a:p>
+        </p:txBody>
+      </p:sp>
+      <p:sp>
+        <p:nvSpPr>
+          <p:cNvPr id="340" name="Google Shape;340;p55"/>
+          <p:cNvSpPr txBox="1"/>
+          <p:nvPr/>
+        </p:nvSpPr>
+        <p:spPr>
+          <a:xfrm>
+            <a:off x="1851650" y="329175"/>
+            <a:ext cx="7340700" cy="400200"/>
+          </a:xfrm>
+          <a:prstGeom prst="rect">
+            <a:avLst/>
+          </a:prstGeom>
+          <a:noFill/>
+          <a:ln>
+            <a:noFill/>
+          </a:ln>
+        </p:spPr>
+        <p:txBody>
+          <a:bodyPr anchorCtr="0" anchor="t" bIns="91425" lIns="91425" spcFirstLastPara="1" rIns="91425" wrap="square" tIns="91425">
+            <a:spAutoFit/>
+          </a:bodyPr>
+          <a:lstStyle/>
+          <a:p>
+            <a:pPr indent="0" lvl="0" marL="0" rtl="0" algn="l">
+              <a:spcBef>
+                <a:spcPts val="0"/>
+              </a:spcBef>
+              <a:spcAft>
+                <a:spcPts val="0"/>
+              </a:spcAft>
+              <a:buNone/>
+            </a:pPr>
+            <a:r>
+              <a:t/>
+            </a:r>
+            <a:endParaRPr>
+              <a:latin typeface="Lato"/>
+              <a:ea typeface="Lato"/>
+              <a:cs typeface="Lato"/>
+              <a:sym typeface="Lato"/>
+            </a:endParaRPr>
+          </a:p>
+        </p:txBody>
+      </p:sp>
+    </p:spTree>
+  </p:cSld>
+  <p:clrMapOvr>
+    <a:masterClrMapping/>
+  </p:clrMapOvr>
+</p:sld>
+</file>
+
+<file path=ppt/slides/slide44.xml><?xml version="1.0" encoding="utf-8"?>
+<p:sld xmlns:a="http://schemas.openxmlformats.org/drawingml/2006/main" xmlns:r="http://schemas.openxmlformats.org/officeDocument/2006/relationships" xmlns:mc="http://schemas.openxmlformats.org/markup-compatibility/2006" xmlns:mv="urn:schemas-microsoft-com:mac:vml" xmlns:p="http://schemas.openxmlformats.org/presentationml/2006/main" xmlns:c="http://schemas.openxmlformats.org/drawingml/2006/chart" xmlns:dgm="http://schemas.openxmlformats.org/drawingml/2006/diagram" xmlns:o="urn:schemas-microsoft-com:office:office" xmlns:v="urn:schemas-microsoft-com:vml" xmlns:pvml="urn:schemas-microsoft-com:office:powerpoint" xmlns:com="http://schemas.openxmlformats.org/drawingml/2006/compatibility" xmlns:p14="http://schemas.microsoft.com/office/powerpoint/2010/main" xmlns:p15="http://schemas.microsoft.com/office/powerpoint/2012/main" xmlns:ahyp="http://schemas.microsoft.com/office/drawing/2018/hyperlinkcolor">
+  <p:cSld>
+    <p:spTree>
+      <p:nvGrpSpPr>
+        <p:cNvPr id="344" name="Shape 344"/>
+        <p:cNvGrpSpPr/>
+        <p:nvPr/>
+      </p:nvGrpSpPr>
+      <p:grpSpPr>
+        <a:xfrm>
+          <a:off x="0" y="0"/>
+          <a:ext cx="0" cy="0"/>
+          <a:chOff x="0" y="0"/>
+          <a:chExt cx="0" cy="0"/>
+        </a:xfrm>
+      </p:grpSpPr>
+      <p:pic>
+        <p:nvPicPr>
+          <p:cNvPr id="345" name="Google Shape;345;p56"/>
+          <p:cNvPicPr preferRelativeResize="0"/>
+          <p:nvPr/>
+        </p:nvPicPr>
+        <p:blipFill>
+          <a:blip r:embed="rId3">
+            <a:alphaModFix/>
+          </a:blip>
+          <a:stretch>
+            <a:fillRect/>
+          </a:stretch>
+        </p:blipFill>
+        <p:spPr>
+          <a:xfrm>
+            <a:off x="1056450" y="152400"/>
+            <a:ext cx="7031101" cy="4838700"/>
+          </a:xfrm>
+          <a:prstGeom prst="rect">
+            <a:avLst/>
+          </a:prstGeom>
+          <a:noFill/>
+          <a:ln>
+            <a:noFill/>
+          </a:ln>
+        </p:spPr>
+      </p:pic>
+    </p:spTree>
+  </p:cSld>
+  <p:clrMapOvr>
+    <a:masterClrMapping/>
+  </p:clrMapOvr>
+</p:sld>
+</file>
+
+<file path=ppt/slides/slide45.xml><?xml version="1.0" encoding="utf-8"?>
+<p:sld xmlns:a="http://schemas.openxmlformats.org/drawingml/2006/main" xmlns:r="http://schemas.openxmlformats.org/officeDocument/2006/relationships" xmlns:mc="http://schemas.openxmlformats.org/markup-compatibility/2006" xmlns:mv="urn:schemas-microsoft-com:mac:vml" xmlns:p="http://schemas.openxmlformats.org/presentationml/2006/main" xmlns:c="http://schemas.openxmlformats.org/drawingml/2006/chart" xmlns:dgm="http://schemas.openxmlformats.org/drawingml/2006/diagram" xmlns:o="urn:schemas-microsoft-com:office:office" xmlns:v="urn:schemas-microsoft-com:vml" xmlns:pvml="urn:schemas-microsoft-com:office:powerpoint" xmlns:com="http://schemas.openxmlformats.org/drawingml/2006/compatibility" xmlns:p14="http://schemas.microsoft.com/office/powerpoint/2010/main" xmlns:p15="http://schemas.microsoft.com/office/powerpoint/2012/main" xmlns:ahyp="http://schemas.microsoft.com/office/drawing/2018/hyperlinkcolor">
+  <p:cSld>
+    <p:spTree>
+      <p:nvGrpSpPr>
+        <p:cNvPr id="349" name="Shape 349"/>
+        <p:cNvGrpSpPr/>
+        <p:nvPr/>
+      </p:nvGrpSpPr>
+      <p:grpSpPr>
+        <a:xfrm>
+          <a:off x="0" y="0"/>
+          <a:ext cx="0" cy="0"/>
+          <a:chOff x="0" y="0"/>
+          <a:chExt cx="0" cy="0"/>
+        </a:xfrm>
+      </p:grpSpPr>
+      <p:sp>
+        <p:nvSpPr>
+          <p:cNvPr id="350" name="Google Shape;350;p57"/>
           <p:cNvSpPr txBox="1"/>
           <p:nvPr>
             <p:ph type="title"/>
@@ -15993,8 +16733,8 @@
         </p:nvSpPr>
         <p:spPr>
           <a:xfrm>
-            <a:off x="729450" y="1318650"/>
-            <a:ext cx="7688700" cy="535200"/>
+            <a:off x="727800" y="1338350"/>
+            <a:ext cx="7688400" cy="535200"/>
           </a:xfrm>
           <a:prstGeom prst="rect">
             <a:avLst/>
@@ -16017,6 +16757,169 @@
             </a:pPr>
             <a:r>
               <a:rPr lang="en"/>
+              <a:t>JASP questions?</a:t>
+            </a:r>
+            <a:endParaRPr/>
+          </a:p>
+        </p:txBody>
+      </p:sp>
+      <p:sp>
+        <p:nvSpPr>
+          <p:cNvPr id="351" name="Google Shape;351;p57"/>
+          <p:cNvSpPr txBox="1"/>
+          <p:nvPr/>
+        </p:nvSpPr>
+        <p:spPr>
+          <a:xfrm>
+            <a:off x="729450" y="2732700"/>
+            <a:ext cx="6365400" cy="831300"/>
+          </a:xfrm>
+          <a:prstGeom prst="rect">
+            <a:avLst/>
+          </a:prstGeom>
+          <a:noFill/>
+          <a:ln>
+            <a:noFill/>
+          </a:ln>
+        </p:spPr>
+        <p:txBody>
+          <a:bodyPr anchorCtr="0" anchor="t" bIns="91425" lIns="91425" spcFirstLastPara="1" rIns="91425" wrap="square" tIns="91425">
+            <a:spAutoFit/>
+          </a:bodyPr>
+          <a:lstStyle/>
+          <a:p>
+            <a:pPr indent="0" lvl="0" marL="0" rtl="0" algn="l">
+              <a:spcBef>
+                <a:spcPts val="0"/>
+              </a:spcBef>
+              <a:spcAft>
+                <a:spcPts val="0"/>
+              </a:spcAft>
+              <a:buNone/>
+            </a:pPr>
+            <a:r>
+              <a:rPr lang="en">
+                <a:latin typeface="Lato"/>
+                <a:ea typeface="Lato"/>
+                <a:cs typeface="Lato"/>
+                <a:sym typeface="Lato"/>
+              </a:rPr>
+              <a:t>Don't forget to check Google / Bing / Duckduckgo</a:t>
+            </a:r>
+            <a:endParaRPr>
+              <a:latin typeface="Lato"/>
+              <a:ea typeface="Lato"/>
+              <a:cs typeface="Lato"/>
+              <a:sym typeface="Lato"/>
+            </a:endParaRPr>
+          </a:p>
+          <a:p>
+            <a:pPr indent="0" lvl="0" marL="0" rtl="0" algn="l">
+              <a:spcBef>
+                <a:spcPts val="0"/>
+              </a:spcBef>
+              <a:spcAft>
+                <a:spcPts val="0"/>
+              </a:spcAft>
+              <a:buNone/>
+            </a:pPr>
+            <a:r>
+              <a:t/>
+            </a:r>
+            <a:endParaRPr>
+              <a:latin typeface="Lato"/>
+              <a:ea typeface="Lato"/>
+              <a:cs typeface="Lato"/>
+              <a:sym typeface="Lato"/>
+            </a:endParaRPr>
+          </a:p>
+          <a:p>
+            <a:pPr indent="0" lvl="0" marL="0" rtl="0" algn="l">
+              <a:spcBef>
+                <a:spcPts val="0"/>
+              </a:spcBef>
+              <a:spcAft>
+                <a:spcPts val="0"/>
+              </a:spcAft>
+              <a:buNone/>
+            </a:pPr>
+            <a:r>
+              <a:rPr lang="en">
+                <a:latin typeface="Lato"/>
+                <a:ea typeface="Lato"/>
+                <a:cs typeface="Lato"/>
+                <a:sym typeface="Lato"/>
+              </a:rPr>
+              <a:t>There is a lot of material available online</a:t>
+            </a:r>
+            <a:endParaRPr>
+              <a:latin typeface="Lato"/>
+              <a:ea typeface="Lato"/>
+              <a:cs typeface="Lato"/>
+              <a:sym typeface="Lato"/>
+            </a:endParaRPr>
+          </a:p>
+        </p:txBody>
+      </p:sp>
+    </p:spTree>
+  </p:cSld>
+  <p:clrMapOvr>
+    <a:masterClrMapping/>
+  </p:clrMapOvr>
+</p:sld>
+</file>
+
+<file path=ppt/slides/slide46.xml><?xml version="1.0" encoding="utf-8"?>
+<p:sld xmlns:a="http://schemas.openxmlformats.org/drawingml/2006/main" xmlns:r="http://schemas.openxmlformats.org/officeDocument/2006/relationships" xmlns:mc="http://schemas.openxmlformats.org/markup-compatibility/2006" xmlns:mv="urn:schemas-microsoft-com:mac:vml" xmlns:p="http://schemas.openxmlformats.org/presentationml/2006/main" xmlns:c="http://schemas.openxmlformats.org/drawingml/2006/chart" xmlns:dgm="http://schemas.openxmlformats.org/drawingml/2006/diagram" xmlns:o="urn:schemas-microsoft-com:office:office" xmlns:v="urn:schemas-microsoft-com:vml" xmlns:pvml="urn:schemas-microsoft-com:office:powerpoint" xmlns:com="http://schemas.openxmlformats.org/drawingml/2006/compatibility" xmlns:p14="http://schemas.microsoft.com/office/powerpoint/2010/main" xmlns:p15="http://schemas.microsoft.com/office/powerpoint/2012/main" xmlns:ahyp="http://schemas.microsoft.com/office/drawing/2018/hyperlinkcolor">
+  <p:cSld>
+    <p:spTree>
+      <p:nvGrpSpPr>
+        <p:cNvPr id="355" name="Shape 355"/>
+        <p:cNvGrpSpPr/>
+        <p:nvPr/>
+      </p:nvGrpSpPr>
+      <p:grpSpPr>
+        <a:xfrm>
+          <a:off x="0" y="0"/>
+          <a:ext cx="0" cy="0"/>
+          <a:chOff x="0" y="0"/>
+          <a:chExt cx="0" cy="0"/>
+        </a:xfrm>
+      </p:grpSpPr>
+      <p:sp>
+        <p:nvSpPr>
+          <p:cNvPr id="356" name="Google Shape;356;p58"/>
+          <p:cNvSpPr txBox="1"/>
+          <p:nvPr>
+            <p:ph type="title"/>
+          </p:nvPr>
+        </p:nvSpPr>
+        <p:spPr>
+          <a:xfrm>
+            <a:off x="729450" y="1318650"/>
+            <a:ext cx="7688700" cy="535200"/>
+          </a:xfrm>
+          <a:prstGeom prst="rect">
+            <a:avLst/>
+          </a:prstGeom>
+        </p:spPr>
+        <p:txBody>
+          <a:bodyPr anchorCtr="0" anchor="t" bIns="91425" lIns="91425" spcFirstLastPara="1" rIns="91425" wrap="square" tIns="91425">
+            <a:normAutofit fontScale="90000"/>
+          </a:bodyPr>
+          <a:lstStyle/>
+          <a:p>
+            <a:pPr indent="0" lvl="0" marL="0" rtl="0" algn="l">
+              <a:spcBef>
+                <a:spcPts val="0"/>
+              </a:spcBef>
+              <a:spcAft>
+                <a:spcPts val="0"/>
+              </a:spcAft>
+              <a:buNone/>
+            </a:pPr>
+            <a:r>
+              <a:rPr lang="en"/>
               <a:t>Assignment grading</a:t>
             </a:r>
             <a:endParaRPr/>
@@ -16025,7 +16928,7 @@
       </p:sp>
       <p:sp>
         <p:nvSpPr>
-          <p:cNvPr id="340" name="Google Shape;340;p55"/>
+          <p:cNvPr id="357" name="Google Shape;357;p58"/>
           <p:cNvSpPr txBox="1"/>
           <p:nvPr>
             <p:ph idx="1" type="body"/>
